--- a/slides/flink_stream_statefulOps.pptx
+++ b/slides/flink_stream_statefulOps.pptx
@@ -5,32 +5,31 @@
     <p:sldMasterId id="2147483660" r:id="rId1"/>
   </p:sldMasterIdLst>
   <p:notesMasterIdLst>
-    <p:notesMasterId r:id="rId25"/>
+    <p:notesMasterId r:id="rId24"/>
   </p:notesMasterIdLst>
   <p:sldIdLst>
     <p:sldId id="376" r:id="rId2"/>
     <p:sldId id="384" r:id="rId3"/>
     <p:sldId id="390" r:id="rId4"/>
-    <p:sldId id="394" r:id="rId5"/>
-    <p:sldId id="395" r:id="rId6"/>
-    <p:sldId id="392" r:id="rId7"/>
-    <p:sldId id="388" r:id="rId8"/>
-    <p:sldId id="389" r:id="rId9"/>
-    <p:sldId id="379" r:id="rId10"/>
-    <p:sldId id="402" r:id="rId11"/>
-    <p:sldId id="378" r:id="rId12"/>
-    <p:sldId id="380" r:id="rId13"/>
-    <p:sldId id="381" r:id="rId14"/>
-    <p:sldId id="382" r:id="rId15"/>
-    <p:sldId id="403" r:id="rId16"/>
-    <p:sldId id="404" r:id="rId17"/>
-    <p:sldId id="405" r:id="rId18"/>
-    <p:sldId id="406" r:id="rId19"/>
-    <p:sldId id="369" r:id="rId20"/>
-    <p:sldId id="387" r:id="rId21"/>
-    <p:sldId id="400" r:id="rId22"/>
-    <p:sldId id="401" r:id="rId23"/>
-    <p:sldId id="383" r:id="rId24"/>
+    <p:sldId id="407" r:id="rId5"/>
+    <p:sldId id="394" r:id="rId6"/>
+    <p:sldId id="395" r:id="rId7"/>
+    <p:sldId id="392" r:id="rId8"/>
+    <p:sldId id="388" r:id="rId9"/>
+    <p:sldId id="389" r:id="rId10"/>
+    <p:sldId id="379" r:id="rId11"/>
+    <p:sldId id="402" r:id="rId12"/>
+    <p:sldId id="378" r:id="rId13"/>
+    <p:sldId id="380" r:id="rId14"/>
+    <p:sldId id="381" r:id="rId15"/>
+    <p:sldId id="382" r:id="rId16"/>
+    <p:sldId id="403" r:id="rId17"/>
+    <p:sldId id="404" r:id="rId18"/>
+    <p:sldId id="405" r:id="rId19"/>
+    <p:sldId id="406" r:id="rId20"/>
+    <p:sldId id="369" r:id="rId21"/>
+    <p:sldId id="387" r:id="rId22"/>
+    <p:sldId id="383" r:id="rId23"/>
   </p:sldIdLst>
   <p:sldSz cx="9144000" cy="6858000" type="screen4x3"/>
   <p:notesSz cx="6858000" cy="9144000"/>
@@ -239,7 +238,7 @@
           <a:p>
             <a:fld id="{F01141F9-3E73-7448-86C2-E96D93FE379F}" type="datetimeFigureOut">
               <a:rPr lang="en-US" smtClean="0"/>
-              <a:t>09/09/2016</a:t>
+              <a:t>10/09/16</a:t>
             </a:fld>
             <a:endParaRPr lang="en-US"/>
           </a:p>
@@ -571,7 +570,7 @@
           <a:p>
             <a:fld id="{35DADB97-28BA-544F-AA58-4DAFB8B1844C}" type="slidenum">
               <a:rPr lang="en-US" smtClean="0"/>
-              <a:t>4</a:t>
+              <a:t>5</a:t>
             </a:fld>
             <a:endParaRPr lang="en-US"/>
           </a:p>
@@ -655,7 +654,7 @@
           <a:p>
             <a:fld id="{35DADB97-28BA-544F-AA58-4DAFB8B1844C}" type="slidenum">
               <a:rPr lang="en-US" smtClean="0"/>
-              <a:t>5</a:t>
+              <a:t>6</a:t>
             </a:fld>
             <a:endParaRPr lang="en-US"/>
           </a:p>
@@ -739,7 +738,7 @@
           <a:p>
             <a:fld id="{35DADB97-28BA-544F-AA58-4DAFB8B1844C}" type="slidenum">
               <a:rPr lang="en-US" smtClean="0"/>
-              <a:t>6</a:t>
+              <a:t>7</a:t>
             </a:fld>
             <a:endParaRPr lang="en-US"/>
           </a:p>
@@ -823,7 +822,7 @@
           <a:p>
             <a:fld id="{35DADB97-28BA-544F-AA58-4DAFB8B1844C}" type="slidenum">
               <a:rPr lang="en-US" smtClean="0"/>
-              <a:t>15</a:t>
+              <a:t>16</a:t>
             </a:fld>
             <a:endParaRPr lang="en-US"/>
           </a:p>
@@ -4158,8 +4157,8 @@
         </p:nvSpPr>
         <p:spPr>
           <a:xfrm>
-            <a:off x="1267034" y="1148961"/>
-            <a:ext cx="6609932" cy="1165698"/>
+            <a:off x="1267034" y="733463"/>
+            <a:ext cx="6609932" cy="1996694"/>
           </a:xfrm>
           <a:prstGeom prst="rect">
             <a:avLst/>
@@ -4188,7 +4187,7 @@
               </a:defRPr>
             </a:pPr>
             <a:r>
-              <a:rPr lang="en-US" sz="3600" spc="-1">
+              <a:rPr lang="en-US" sz="5400" spc="-1" dirty="0">
                 <a:solidFill>
                   <a:srgbClr val="FFFFFF"/>
                 </a:solidFill>
@@ -4199,7 +4198,7 @@
                 </a:uFill>
                 <a:latin typeface="Calibri"/>
               </a:rPr>
-              <a:t>DataStream API: </a:t>
+              <a:t>DataStream API</a:t>
             </a:r>
           </a:p>
           <a:p>
@@ -4211,8 +4210,29 @@
                 <a:sym typeface="Helvetica Neue Medium"/>
               </a:defRPr>
             </a:pPr>
-            <a:r>
-              <a:rPr lang="en-US" sz="3600" spc="-1">
+            <a:endParaRPr lang="en-US" sz="3600" spc="-1" dirty="0">
+              <a:solidFill>
+                <a:srgbClr val="FFFFFF"/>
+              </a:solidFill>
+              <a:uFill>
+                <a:solidFill>
+                  <a:srgbClr val="FFFFFF"/>
+                </a:solidFill>
+              </a:uFill>
+              <a:latin typeface="Calibri"/>
+            </a:endParaRPr>
+          </a:p>
+          <a:p>
+            <a:pPr algn="ctr" defTabSz="328570" hangingPunct="0">
+              <a:defRPr sz="6400">
+                <a:latin typeface="Helvetica Neue Medium"/>
+                <a:ea typeface="Helvetica Neue Medium"/>
+                <a:cs typeface="Helvetica Neue Medium"/>
+                <a:sym typeface="Helvetica Neue Medium"/>
+              </a:defRPr>
+            </a:pPr>
+            <a:r>
+              <a:rPr lang="en-US" sz="3600" spc="-1" dirty="0" smtClean="0">
                 <a:solidFill>
                   <a:srgbClr val="FFFFFF"/>
                 </a:solidFill>
@@ -4223,9 +4243,9 @@
                 </a:uFill>
                 <a:latin typeface="Calibri"/>
               </a:rPr>
-              <a:t>Stateful Operators </a:t>
-            </a:r>
-            <a:endParaRPr lang="en-US" sz="3600" spc="-1">
+              <a:t>State &amp; Failure Recovery</a:t>
+            </a:r>
+            <a:endParaRPr lang="en-US" sz="3600" spc="-1" dirty="0">
               <a:solidFill>
                 <a:srgbClr val="FFFFFF"/>
               </a:solidFill>
@@ -4363,7 +4383,7 @@
         <p:spPr>
           <a:xfrm>
             <a:off x="5147280" y="5475914"/>
-            <a:ext cx="2648031" cy="1015663"/>
+            <a:ext cx="2778024" cy="1015663"/>
           </a:xfrm>
           <a:prstGeom prst="rect">
             <a:avLst/>
@@ -4382,7 +4402,23 @@
                   <a:schemeClr val="bg1"/>
                 </a:solidFill>
               </a:rPr>
-              <a:t>Flink v1.1.2 – 5.09.2016</a:t>
+              <a:t>Flink v1.1.2 – </a:t>
+            </a:r>
+            <a:r>
+              <a:rPr lang="nb-NO" sz="2000" dirty="0" smtClean="0">
+                <a:solidFill>
+                  <a:schemeClr val="bg1"/>
+                </a:solidFill>
+              </a:rPr>
+              <a:t>14.09.2016</a:t>
+            </a:r>
+            <a:r>
+              <a:rPr lang="nb-NO" sz="2000" dirty="0">
+                <a:solidFill>
+                  <a:schemeClr val="bg1"/>
+                </a:solidFill>
+              </a:rPr>
+              <a:t/>
             </a:r>
             <a:br>
               <a:rPr lang="nb-NO" sz="2000" dirty="0">
@@ -4400,7 +4436,7 @@
             </a:endParaRPr>
           </a:p>
           <a:p>
-            <a:endParaRPr lang="en-US" sz="2000"/>
+            <a:endParaRPr lang="en-US" sz="2000" dirty="0"/>
           </a:p>
         </p:txBody>
       </p:sp>
@@ -4436,34 +4472,12 @@
       </p:grpSpPr>
       <p:sp>
         <p:nvSpPr>
-          <p:cNvPr id="2" name="Title 1"/>
+          <p:cNvPr id="5" name="Title 4"/>
           <p:cNvSpPr>
             <a:spLocks noGrp="1"/>
           </p:cNvSpPr>
           <p:nvPr>
             <p:ph type="title"/>
-          </p:nvPr>
-        </p:nvSpPr>
-        <p:spPr/>
-        <p:txBody>
-          <a:bodyPr/>
-          <a:lstStyle/>
-          <a:p>
-            <a:r>
-              <a:rPr lang="en-US"/>
-              <a:t>Restart Strategies</a:t>
-            </a:r>
-          </a:p>
-        </p:txBody>
-      </p:sp>
-      <p:sp>
-        <p:nvSpPr>
-          <p:cNvPr id="3" name="Content Placeholder 2"/>
-          <p:cNvSpPr>
-            <a:spLocks noGrp="1"/>
-          </p:cNvSpPr>
-          <p:nvPr>
-            <p:ph idx="1"/>
           </p:nvPr>
         </p:nvSpPr>
         <p:spPr/>
@@ -4474,78 +4488,283 @@
           <a:lstStyle/>
           <a:p>
             <a:r>
-              <a:rPr lang="en-US" sz="2800"/>
-              <a:t>Available strategies</a:t>
+              <a:rPr lang="en-US" dirty="0"/>
+              <a:t>Enabling Checkpointing</a:t>
+            </a:r>
+          </a:p>
+        </p:txBody>
+      </p:sp>
+      <p:sp>
+        <p:nvSpPr>
+          <p:cNvPr id="6" name="Content Placeholder 5"/>
+          <p:cNvSpPr>
+            <a:spLocks noGrp="1"/>
+          </p:cNvSpPr>
+          <p:nvPr>
+            <p:ph idx="1"/>
+          </p:nvPr>
+        </p:nvSpPr>
+        <p:spPr>
+          <a:xfrm>
+            <a:off x="457200" y="1474376"/>
+            <a:ext cx="8399918" cy="4651788"/>
+          </a:xfrm>
+        </p:spPr>
+        <p:txBody>
+          <a:bodyPr vert="horz" lIns="91440" tIns="45720" rIns="91440" bIns="45720" rtlCol="0" anchor="t">
+            <a:noAutofit/>
+          </a:bodyPr>
+          <a:lstStyle/>
+          <a:p>
+            <a:r>
+              <a:rPr lang="en-US" sz="2400" dirty="0"/>
+              <a:t>Checkpointing is disabled by </a:t>
+            </a:r>
+            <a:r>
+              <a:rPr lang="en-US" sz="2400" dirty="0" smtClean="0"/>
+              <a:t>default.</a:t>
             </a:r>
           </a:p>
           <a:p>
             <a:pPr lvl="1"/>
-            <a:r>
-              <a:rPr lang="en-US" sz="2400"/>
-              <a:t>Fixed delay</a:t>
-            </a:r>
-          </a:p>
-          <a:p>
-            <a:pPr lvl="1"/>
-            <a:r>
-              <a:rPr lang="en-US" sz="2400"/>
-              <a:t>Failure rate</a:t>
-            </a:r>
-          </a:p>
-          <a:p>
-            <a:pPr lvl="1"/>
-            <a:r>
-              <a:rPr lang="en-US" sz="2400"/>
-              <a:t>No restart</a:t>
-            </a:r>
-            <a:endParaRPr lang="en-US" sz="2800"/>
-          </a:p>
-          <a:p>
-            <a:r>
-              <a:rPr lang="en-US" sz="2800"/>
-              <a:t>You can set a default strategy in </a:t>
-            </a:r>
-            <a:r>
-              <a:rPr lang="en-US" sz="2400">
-                <a:latin typeface="Consolas"/>
-                <a:cs typeface="Consolas"/>
-              </a:rPr>
-              <a:t>flink-conf.yaml</a:t>
-            </a:r>
-            <a:r>
-              <a:rPr lang="en-US" sz="2800"/>
-              <a:t>, otherwise the </a:t>
-            </a:r>
-            <a:r>
-              <a:rPr lang="en-US" sz="2800">
-                <a:solidFill>
-                  <a:srgbClr val="34AD92"/>
-                </a:solidFill>
-              </a:rPr>
-              <a:t>no-restart strategy is the default</a:t>
-            </a:r>
-          </a:p>
-          <a:p>
-            <a:r>
-              <a:rPr lang="en-US" sz="2800"/>
-              <a:t>Each job can define a specific restart strategy</a:t>
-            </a:r>
-          </a:p>
-          <a:p>
-            <a:r>
-              <a:rPr lang="en-US" sz="2800"/>
-              <a:t>See the docs for details</a:t>
-            </a:r>
-          </a:p>
-          <a:p>
-            <a:pPr lvl="1"/>
-            <a:r>
-              <a:rPr lang="en-US" sz="1800">
-                <a:hlinkClick r:id="rId2"/>
-              </a:rPr>
-              <a:t>https://ci.apache.org/projects/flink/flink-docs-release-1.1/apis/streaming/fault_tolerance.html#restart-strategies</a:t>
-            </a:r>
-            <a:endParaRPr lang="en-US" sz="1800"/>
+            <a:endParaRPr lang="en-US" sz="1600" dirty="0" smtClean="0"/>
+          </a:p>
+          <a:p>
+            <a:r>
+              <a:rPr lang="en-US" sz="2400" dirty="0" smtClean="0"/>
+              <a:t>E</a:t>
+            </a:r>
+            <a:r>
+              <a:rPr lang="x-none" sz="2400" dirty="0" smtClean="0"/>
+              <a:t>nable </a:t>
+            </a:r>
+            <a:r>
+              <a:rPr lang="x-none" sz="2400" dirty="0"/>
+              <a:t>checkpointing with </a:t>
+            </a:r>
+            <a:r>
+              <a:rPr lang="x-none" sz="2400" dirty="0" smtClean="0"/>
+              <a:t>exactly once consistency:</a:t>
+            </a:r>
+            <a:br>
+              <a:rPr lang="x-none" sz="2400" dirty="0" smtClean="0"/>
+            </a:br>
+            <a:r>
+              <a:rPr lang="x-none" sz="2000" dirty="0" smtClean="0"/>
+              <a:t/>
+            </a:r>
+            <a:br>
+              <a:rPr lang="x-none" sz="2000" dirty="0" smtClean="0"/>
+            </a:br>
+            <a:r>
+              <a:rPr lang="x-none" sz="1600" dirty="0" smtClean="0">
+                <a:solidFill>
+                  <a:schemeClr val="bg1">
+                    <a:lumMod val="50000"/>
+                  </a:schemeClr>
+                </a:solidFill>
+                <a:latin typeface="Menlo Regular"/>
+                <a:cs typeface="Menlo Regular"/>
+              </a:rPr>
+              <a:t>// checkpoint every 5 seconds</a:t>
+            </a:r>
+            <a:r>
+              <a:rPr lang="x-none" sz="1600" dirty="0" smtClean="0">
+                <a:latin typeface="Menlo Regular"/>
+                <a:cs typeface="Menlo Regular"/>
+              </a:rPr>
+              <a:t/>
+            </a:r>
+            <a:br>
+              <a:rPr lang="x-none" sz="1600" dirty="0" smtClean="0">
+                <a:latin typeface="Menlo Regular"/>
+                <a:cs typeface="Menlo Regular"/>
+              </a:rPr>
+            </a:br>
+            <a:r>
+              <a:rPr lang="x-none" sz="1600" dirty="0" smtClean="0">
+                <a:solidFill>
+                  <a:srgbClr val="FF0000"/>
+                </a:solidFill>
+                <a:latin typeface="Menlo Regular"/>
+                <a:cs typeface="Menlo Regular"/>
+              </a:rPr>
+              <a:t>env.enableCheckpointing</a:t>
+            </a:r>
+            <a:r>
+              <a:rPr lang="x-none" sz="1600" dirty="0" smtClean="0">
+                <a:latin typeface="Menlo Regular"/>
+                <a:cs typeface="Menlo Regular"/>
+              </a:rPr>
+              <a:t>(5000</a:t>
+            </a:r>
+            <a:r>
+              <a:rPr lang="x-none" sz="1600" dirty="0">
+                <a:latin typeface="Menlo Regular"/>
+                <a:cs typeface="Menlo Regular"/>
+              </a:rPr>
+              <a:t>)</a:t>
+            </a:r>
+          </a:p>
+          <a:p>
+            <a:pPr>
+              <a:spcBef>
+                <a:spcPts val="2000"/>
+              </a:spcBef>
+            </a:pPr>
+            <a:r>
+              <a:rPr lang="x-none" sz="2400" dirty="0" smtClean="0"/>
+              <a:t>Configure at least once </a:t>
+            </a:r>
+            <a:r>
+              <a:rPr lang="x-none" sz="2400" dirty="0"/>
+              <a:t>consistency (for lower latency)</a:t>
+            </a:r>
+            <a:r>
+              <a:rPr lang="en-US" sz="2400" dirty="0" smtClean="0"/>
+              <a:t>:</a:t>
+            </a:r>
+            <a:br>
+              <a:rPr lang="en-US" sz="2400" dirty="0" smtClean="0"/>
+            </a:br>
+            <a:r>
+              <a:rPr lang="en-US" sz="2000" dirty="0" smtClean="0"/>
+              <a:t/>
+            </a:r>
+            <a:br>
+              <a:rPr lang="en-US" sz="2000" dirty="0" smtClean="0"/>
+            </a:br>
+            <a:r>
+              <a:rPr lang="x-none" sz="1600" spc="-1" dirty="0" smtClean="0">
+                <a:uFill>
+                  <a:solidFill>
+                    <a:srgbClr val="FFFFFF"/>
+                  </a:solidFill>
+                </a:uFill>
+                <a:latin typeface="Menlo Regular"/>
+                <a:cs typeface="Menlo Regular"/>
+              </a:rPr>
+              <a:t>env.getCheckpointConfig()</a:t>
+            </a:r>
+            <a:br>
+              <a:rPr lang="x-none" sz="1600" spc="-1" dirty="0" smtClean="0">
+                <a:uFill>
+                  <a:solidFill>
+                    <a:srgbClr val="FFFFFF"/>
+                  </a:solidFill>
+                </a:uFill>
+                <a:latin typeface="Menlo Regular"/>
+                <a:cs typeface="Menlo Regular"/>
+              </a:rPr>
+            </a:br>
+            <a:r>
+              <a:rPr lang="x-none" sz="1600" spc="-1" dirty="0" smtClean="0">
+                <a:uFill>
+                  <a:solidFill>
+                    <a:srgbClr val="FFFFFF"/>
+                  </a:solidFill>
+                </a:uFill>
+                <a:latin typeface="Menlo Regular"/>
+                <a:cs typeface="Menlo Regular"/>
+              </a:rPr>
+              <a:t>   .</a:t>
+            </a:r>
+            <a:r>
+              <a:rPr lang="x-none" sz="1600" spc="-1" dirty="0">
+                <a:uFill>
+                  <a:solidFill>
+                    <a:srgbClr val="FFFFFF"/>
+                  </a:solidFill>
+                </a:uFill>
+                <a:latin typeface="Menlo Regular"/>
+                <a:cs typeface="Menlo Regular"/>
+              </a:rPr>
+              <a:t>setCheckpointingMode</a:t>
+            </a:r>
+            <a:r>
+              <a:rPr lang="x-none" sz="1600" spc="-1" dirty="0">
+                <a:solidFill>
+                  <a:srgbClr val="333333"/>
+                </a:solidFill>
+                <a:uFill>
+                  <a:solidFill>
+                    <a:srgbClr val="FFFFFF"/>
+                  </a:solidFill>
+                </a:uFill>
+                <a:latin typeface="Menlo Regular"/>
+                <a:cs typeface="Menlo Regular"/>
+              </a:rPr>
+              <a:t>(</a:t>
+            </a:r>
+            <a:r>
+              <a:rPr lang="x-none" sz="1600" spc="-1" dirty="0">
+                <a:solidFill>
+                  <a:srgbClr val="FF0000"/>
+                </a:solidFill>
+                <a:uFill>
+                  <a:solidFill>
+                    <a:srgbClr val="FFFFFF"/>
+                  </a:solidFill>
+                </a:uFill>
+                <a:latin typeface="Menlo Regular"/>
+                <a:cs typeface="Menlo Regular"/>
+              </a:rPr>
+              <a:t>CheckpointingMode.</a:t>
+            </a:r>
+            <a:r>
+              <a:rPr lang="x-none" sz="1600" i="1" spc="-1" dirty="0">
+                <a:solidFill>
+                  <a:srgbClr val="FF0000"/>
+                </a:solidFill>
+                <a:uFill>
+                  <a:solidFill>
+                    <a:srgbClr val="FFFFFF"/>
+                  </a:solidFill>
+                </a:uFill>
+                <a:latin typeface="Menlo Regular"/>
+                <a:cs typeface="Menlo Regular"/>
+              </a:rPr>
+              <a:t>AT_LEAST_ONCE</a:t>
+            </a:r>
+            <a:r>
+              <a:rPr lang="x-none" sz="1600" spc="-1" dirty="0">
+                <a:solidFill>
+                  <a:srgbClr val="333333"/>
+                </a:solidFill>
+                <a:uFill>
+                  <a:solidFill>
+                    <a:srgbClr val="FFFFFF"/>
+                  </a:solidFill>
+                </a:uFill>
+                <a:latin typeface="Menlo Regular"/>
+                <a:cs typeface="Menlo Regular"/>
+              </a:rPr>
+              <a:t>);</a:t>
+            </a:r>
+            <a:endParaRPr lang="en-US" sz="1600" dirty="0">
+              <a:latin typeface="Menlo Regular"/>
+              <a:cs typeface="Menlo Regular"/>
+            </a:endParaRPr>
+          </a:p>
+          <a:p>
+            <a:pPr>
+              <a:spcBef>
+                <a:spcPts val="2000"/>
+              </a:spcBef>
+            </a:pPr>
+            <a:r>
+              <a:rPr lang="x-none" sz="2400" dirty="0" smtClean="0"/>
+              <a:t>Most applications perform well with a </a:t>
+            </a:r>
+            <a:r>
+              <a:rPr lang="x-none" sz="2400" dirty="0"/>
+              <a:t>few seconds </a:t>
+            </a:r>
+            <a:r>
+              <a:rPr lang="x-none" sz="2400" dirty="0" smtClean="0"/>
+              <a:t>checkpointing interval.</a:t>
+            </a:r>
+            <a:endParaRPr lang="en-US" sz="2400" dirty="0"/>
           </a:p>
         </p:txBody>
       </p:sp>
@@ -4565,30 +4784,18 @@
           <a:lstStyle/>
           <a:p>
             <a:fld id="{B07C5D84-2227-C144-B485-A8CA33CE4230}" type="slidenum">
-              <a:rPr lang="en-US" smtClean="0">
-                <a:solidFill>
-                  <a:prstClr val="black">
-                    <a:tint val="75000"/>
-                  </a:prstClr>
-                </a:solidFill>
-              </a:rPr>
+              <a:rPr lang="en-US" smtClean="0"/>
               <a:pPr/>
               <a:t>10</a:t>
             </a:fld>
-            <a:endParaRPr lang="en-US">
-              <a:solidFill>
-                <a:prstClr val="black">
-                  <a:tint val="75000"/>
-                </a:prstClr>
-              </a:solidFill>
-            </a:endParaRPr>
+            <a:endParaRPr lang="en-US"/>
           </a:p>
         </p:txBody>
       </p:sp>
     </p:spTree>
     <p:extLst>
       <p:ext uri="{BB962C8B-B14F-4D97-AF65-F5344CB8AC3E}">
-        <p14:creationId xmlns:p14="http://schemas.microsoft.com/office/powerpoint/2010/main" val="2307634330"/>
+        <p14:creationId xmlns:p14="http://schemas.microsoft.com/office/powerpoint/2010/main" val="1401917569"/>
       </p:ext>
     </p:extLst>
   </p:cSld>
@@ -4617,7 +4824,7 @@
       </p:grpSpPr>
       <p:sp>
         <p:nvSpPr>
-          <p:cNvPr id="5" name="Title 4"/>
+          <p:cNvPr id="2" name="Title 1"/>
           <p:cNvSpPr>
             <a:spLocks noGrp="1"/>
           </p:cNvSpPr>
@@ -4627,45 +4834,336 @@
         </p:nvSpPr>
         <p:spPr/>
         <p:txBody>
+          <a:bodyPr/>
+          <a:lstStyle/>
+          <a:p>
+            <a:r>
+              <a:rPr lang="en-US"/>
+              <a:t>Restart Strategies</a:t>
+            </a:r>
+          </a:p>
+        </p:txBody>
+      </p:sp>
+      <p:sp>
+        <p:nvSpPr>
+          <p:cNvPr id="3" name="Content Placeholder 2"/>
+          <p:cNvSpPr>
+            <a:spLocks noGrp="1"/>
+          </p:cNvSpPr>
+          <p:nvPr>
+            <p:ph idx="1"/>
+          </p:nvPr>
+        </p:nvSpPr>
+        <p:spPr/>
+        <p:txBody>
           <a:bodyPr>
-            <a:normAutofit fontScale="90000"/>
+            <a:normAutofit fontScale="70000" lnSpcReduction="20000"/>
           </a:bodyPr>
           <a:lstStyle/>
           <a:p>
             <a:r>
-              <a:rPr lang="en-US" dirty="0"/>
-              <a:t>Fault-Tolerance and </a:t>
+              <a:rPr lang="en-US" sz="3400" dirty="0" smtClean="0"/>
+              <a:t>How often and fast does a job try to restart?</a:t>
+            </a:r>
+          </a:p>
+          <a:p>
+            <a:pPr lvl="1"/>
+            <a:endParaRPr lang="en-US" sz="2600" dirty="0" smtClean="0"/>
+          </a:p>
+          <a:p>
+            <a:r>
+              <a:rPr lang="en-US" sz="3400" dirty="0" smtClean="0"/>
+              <a:t>Available strategies</a:t>
+            </a:r>
+            <a:endParaRPr lang="en-US" sz="3400" dirty="0"/>
+          </a:p>
+          <a:p>
+            <a:pPr lvl="1"/>
+            <a:r>
+              <a:rPr lang="en-US" sz="2900" dirty="0"/>
+              <a:t>No restart (default)</a:t>
+            </a:r>
+          </a:p>
+          <a:p>
+            <a:pPr lvl="1"/>
+            <a:r>
+              <a:rPr lang="en-US" sz="2900" dirty="0" smtClean="0"/>
+              <a:t>Fixed </a:t>
+            </a:r>
+            <a:r>
+              <a:rPr lang="en-US" sz="2900" dirty="0"/>
+              <a:t>delay</a:t>
+            </a:r>
+          </a:p>
+          <a:p>
+            <a:pPr lvl="1"/>
+            <a:r>
+              <a:rPr lang="en-US" sz="2900" dirty="0"/>
+              <a:t>Failure rate</a:t>
+            </a:r>
+          </a:p>
+          <a:p>
+            <a:pPr marL="457200" lvl="1" indent="0">
+              <a:buNone/>
+            </a:pPr>
+            <a:endParaRPr lang="en-US" sz="2600" dirty="0" smtClean="0">
+              <a:latin typeface="Menlo Regular"/>
+              <a:cs typeface="Menlo Regular"/>
+            </a:endParaRPr>
+          </a:p>
+          <a:p>
+            <a:pPr marL="457200" lvl="1" indent="0">
+              <a:buNone/>
+            </a:pPr>
+            <a:r>
+              <a:rPr lang="en-US" sz="2300" dirty="0" smtClean="0">
+                <a:solidFill>
+                  <a:schemeClr val="bg1">
+                    <a:lumMod val="50000"/>
+                  </a:schemeClr>
+                </a:solidFill>
+                <a:latin typeface="Menlo Regular"/>
+                <a:cs typeface="Menlo Regular"/>
+              </a:rPr>
+              <a:t>// Fixed Delay restart strategy</a:t>
+            </a:r>
+          </a:p>
+          <a:p>
+            <a:pPr marL="457200" lvl="1" indent="0">
+              <a:buNone/>
+            </a:pPr>
+            <a:r>
+              <a:rPr lang="en-US" sz="2300" dirty="0" err="1" smtClean="0">
+                <a:latin typeface="Menlo Regular"/>
+                <a:cs typeface="Menlo Regular"/>
+              </a:rPr>
+              <a:t>env.setRestartStrategy</a:t>
+            </a:r>
+            <a:r>
+              <a:rPr lang="en-US" sz="2300" dirty="0" smtClean="0">
+                <a:latin typeface="Menlo Regular"/>
+                <a:cs typeface="Menlo Regular"/>
+              </a:rPr>
+              <a:t>(</a:t>
+            </a:r>
+          </a:p>
+          <a:p>
+            <a:pPr marL="457200" lvl="1" indent="0">
+              <a:buNone/>
+            </a:pPr>
+            <a:r>
+              <a:rPr lang="en-US" sz="2300" dirty="0" smtClean="0">
+                <a:latin typeface="Menlo Regular"/>
+                <a:cs typeface="Menlo Regular"/>
+              </a:rPr>
+              <a:t>  </a:t>
+            </a:r>
+            <a:r>
+              <a:rPr lang="en-US" sz="2300" dirty="0" err="1" smtClean="0">
+                <a:latin typeface="Menlo Regular"/>
+                <a:cs typeface="Menlo Regular"/>
+              </a:rPr>
+              <a:t>RestartStrategies.fixedDelayRestart</a:t>
+            </a:r>
+            <a:r>
+              <a:rPr lang="en-US" sz="2300" dirty="0" smtClean="0">
+                <a:latin typeface="Menlo Regular"/>
+                <a:cs typeface="Menlo Regular"/>
+              </a:rPr>
+              <a:t>(</a:t>
+            </a:r>
+          </a:p>
+          <a:p>
+            <a:pPr marL="457200" lvl="1" indent="0">
+              <a:buNone/>
+            </a:pPr>
+            <a:r>
+              <a:rPr lang="en-US" sz="2300" dirty="0" smtClean="0">
+                <a:latin typeface="Menlo Regular"/>
+                <a:cs typeface="Menlo Regular"/>
+              </a:rPr>
+              <a:t>    3</a:t>
+            </a:r>
+            <a:r>
+              <a:rPr lang="en-US" sz="2300" dirty="0">
+                <a:latin typeface="Menlo Regular"/>
+                <a:cs typeface="Menlo Regular"/>
+              </a:rPr>
+              <a:t>, </a:t>
+            </a:r>
+            <a:r>
+              <a:rPr lang="en-US" sz="2300" dirty="0" smtClean="0">
+                <a:latin typeface="Menlo Regular"/>
+                <a:cs typeface="Menlo Regular"/>
+              </a:rPr>
+              <a:t>                           </a:t>
+            </a:r>
+            <a:r>
+              <a:rPr lang="en-US" sz="2300" dirty="0" smtClean="0">
+                <a:solidFill>
+                  <a:srgbClr val="7F7F7F"/>
+                </a:solidFill>
+                <a:latin typeface="Menlo Regular"/>
+                <a:cs typeface="Menlo Regular"/>
+              </a:rPr>
+              <a:t>/</a:t>
+            </a:r>
+            <a:r>
+              <a:rPr lang="en-US" sz="2300" dirty="0">
+                <a:solidFill>
+                  <a:srgbClr val="7F7F7F"/>
+                </a:solidFill>
+                <a:latin typeface="Menlo Regular"/>
+                <a:cs typeface="Menlo Regular"/>
+              </a:rPr>
+              <a:t>/ </a:t>
+            </a:r>
+            <a:r>
+              <a:rPr lang="en-US" sz="2300" dirty="0" smtClean="0">
+                <a:solidFill>
+                  <a:srgbClr val="7F7F7F"/>
+                </a:solidFill>
+                <a:latin typeface="Menlo Regular"/>
+                <a:cs typeface="Menlo Regular"/>
+              </a:rPr>
+              <a:t>no </a:t>
+            </a:r>
+            <a:r>
+              <a:rPr lang="en-US" sz="2300" dirty="0">
+                <a:solidFill>
+                  <a:srgbClr val="7F7F7F"/>
+                </a:solidFill>
+                <a:latin typeface="Menlo Regular"/>
+                <a:cs typeface="Menlo Regular"/>
+              </a:rPr>
+              <a:t>of restart </a:t>
+            </a:r>
+            <a:r>
+              <a:rPr lang="en-US" sz="2300" dirty="0" smtClean="0">
+                <a:solidFill>
+                  <a:srgbClr val="7F7F7F"/>
+                </a:solidFill>
+                <a:latin typeface="Menlo Regular"/>
+                <a:cs typeface="Menlo Regular"/>
+              </a:rPr>
+              <a:t>attempts</a:t>
+            </a:r>
+          </a:p>
+          <a:p>
+            <a:pPr marL="457200" lvl="1" indent="0">
+              <a:buNone/>
+            </a:pPr>
+            <a:r>
+              <a:rPr lang="en-US" sz="2300" dirty="0" smtClean="0">
+                <a:latin typeface="Menlo Regular"/>
+                <a:cs typeface="Menlo Regular"/>
+              </a:rPr>
+              <a:t>    </a:t>
+            </a:r>
+            <a:r>
+              <a:rPr lang="en-US" sz="2300" dirty="0" err="1" smtClean="0">
+                <a:latin typeface="Menlo Regular"/>
+                <a:cs typeface="Menlo Regular"/>
+              </a:rPr>
+              <a:t>Time.of</a:t>
+            </a:r>
+            <a:r>
+              <a:rPr lang="en-US" sz="2300" dirty="0">
+                <a:latin typeface="Menlo Regular"/>
+                <a:cs typeface="Menlo Regular"/>
+              </a:rPr>
+              <a:t>(10, </a:t>
+            </a:r>
+            <a:r>
+              <a:rPr lang="en-US" sz="2300" dirty="0" err="1">
+                <a:latin typeface="Menlo Regular"/>
+                <a:cs typeface="Menlo Regular"/>
+              </a:rPr>
+              <a:t>TimeUnit.SECONDS</a:t>
+            </a:r>
+            <a:r>
+              <a:rPr lang="en-US" sz="2300" dirty="0">
+                <a:latin typeface="Menlo Regular"/>
+                <a:cs typeface="Menlo Regular"/>
+              </a:rPr>
+              <a:t>) </a:t>
+            </a:r>
+            <a:r>
+              <a:rPr lang="en-US" sz="2300" dirty="0">
+                <a:solidFill>
+                  <a:srgbClr val="7F7F7F"/>
+                </a:solidFill>
+                <a:latin typeface="Menlo Regular"/>
+                <a:cs typeface="Menlo Regular"/>
+              </a:rPr>
+              <a:t>// </a:t>
+            </a:r>
+            <a:r>
+              <a:rPr lang="en-US" sz="2300" dirty="0" smtClean="0">
+                <a:solidFill>
+                  <a:srgbClr val="7F7F7F"/>
+                </a:solidFill>
+                <a:latin typeface="Menlo Regular"/>
+                <a:cs typeface="Menlo Regular"/>
+              </a:rPr>
+              <a:t>restart interval</a:t>
+            </a:r>
+          </a:p>
+          <a:p>
+            <a:pPr marL="457200" lvl="1" indent="0">
+              <a:buNone/>
+            </a:pPr>
+            <a:r>
+              <a:rPr lang="en-US" sz="2300" dirty="0" smtClean="0">
+                <a:latin typeface="Menlo Regular"/>
+                <a:cs typeface="Menlo Regular"/>
+              </a:rPr>
+              <a:t>)</a:t>
+            </a:r>
+            <a:r>
+              <a:rPr lang="en-US" sz="2300" dirty="0">
+                <a:latin typeface="Menlo Regular"/>
+                <a:cs typeface="Menlo Regular"/>
+              </a:rPr>
+              <a:t>);</a:t>
+            </a:r>
+            <a:endParaRPr lang="en-US" sz="2600" dirty="0" smtClean="0">
+              <a:latin typeface="Menlo Regular"/>
+              <a:cs typeface="Menlo Regular"/>
+            </a:endParaRPr>
+          </a:p>
+          <a:p>
+            <a:endParaRPr lang="en-US" sz="2600" dirty="0"/>
+          </a:p>
+          <a:p>
+            <a:r>
+              <a:rPr lang="en-US" sz="3400" dirty="0" smtClean="0"/>
+              <a:t>See </a:t>
+            </a:r>
+            <a:r>
+              <a:rPr lang="en-US" sz="3400" dirty="0"/>
+              <a:t>the docs for </a:t>
+            </a:r>
+            <a:r>
+              <a:rPr lang="en-US" sz="3400" dirty="0" smtClean="0"/>
+              <a:t>details</a:t>
             </a:r>
             <a:br>
-              <a:rPr lang="en-US" dirty="0"/>
+              <a:rPr lang="en-US" sz="3400" dirty="0" smtClean="0"/>
             </a:br>
             <a:r>
-              <a:rPr lang="en-US" dirty="0"/>
-              <a:t>Operator State</a:t>
-            </a:r>
-            <a:br>
-              <a:rPr lang="en-US" dirty="0"/>
-            </a:br>
-            <a:endParaRPr lang="en-US" dirty="0"/>
-          </a:p>
-        </p:txBody>
-      </p:sp>
-      <p:sp>
-        <p:nvSpPr>
-          <p:cNvPr id="6" name="Text Placeholder 5"/>
-          <p:cNvSpPr>
-            <a:spLocks noGrp="1"/>
-          </p:cNvSpPr>
-          <p:nvPr>
-            <p:ph type="body" idx="1"/>
-          </p:nvPr>
-        </p:nvSpPr>
-        <p:spPr/>
-        <p:txBody>
-          <a:bodyPr/>
-          <a:lstStyle/>
-          <a:p>
-            <a:endParaRPr lang="en-US"/>
+              <a:rPr lang="en-US" sz="1800" dirty="0" smtClean="0">
+                <a:hlinkClick r:id="rId2"/>
+              </a:rPr>
+              <a:t>https</a:t>
+            </a:r>
+            <a:r>
+              <a:rPr lang="en-US" sz="1800" dirty="0">
+                <a:hlinkClick r:id="rId2"/>
+              </a:rPr>
+              <a:t>://ci.apache.org/projects/flink/flink-docs-release-1.1/apis/streaming/fault_tolerance.html#restart-strategies</a:t>
+            </a:r>
+            <a:endParaRPr lang="en-US" sz="1800" dirty="0"/>
           </a:p>
         </p:txBody>
       </p:sp>
@@ -4708,7 +5206,7 @@
     </p:spTree>
     <p:extLst>
       <p:ext uri="{BB962C8B-B14F-4D97-AF65-F5344CB8AC3E}">
-        <p14:creationId xmlns:p14="http://schemas.microsoft.com/office/powerpoint/2010/main" val="3288584346"/>
+        <p14:creationId xmlns:p14="http://schemas.microsoft.com/office/powerpoint/2010/main" val="2307634330"/>
       </p:ext>
     </p:extLst>
   </p:cSld>
@@ -4747,159 +5245,34 @@
         </p:nvSpPr>
         <p:spPr/>
         <p:txBody>
-          <a:bodyPr/>
-          <a:lstStyle/>
-          <a:p>
-            <a:r>
-              <a:rPr lang="en-US" dirty="0" err="1"/>
-              <a:t>Stateful</a:t>
-            </a:r>
-            <a:r>
-              <a:rPr lang="en-US" dirty="0"/>
-              <a:t> Functions</a:t>
-            </a:r>
-          </a:p>
-        </p:txBody>
-      </p:sp>
-      <p:sp>
-        <p:nvSpPr>
-          <p:cNvPr id="6" name="Content Placeholder 5"/>
-          <p:cNvSpPr>
-            <a:spLocks noGrp="1"/>
-          </p:cNvSpPr>
-          <p:nvPr>
-            <p:ph idx="1"/>
-          </p:nvPr>
-        </p:nvSpPr>
-        <p:spPr/>
-        <p:txBody>
           <a:bodyPr>
             <a:normAutofit/>
           </a:bodyPr>
           <a:lstStyle/>
           <a:p>
-            <a:pPr>
-              <a:lnSpc>
-                <a:spcPct val="120000"/>
-              </a:lnSpc>
-            </a:pPr>
+            <a:r>
+              <a:rPr lang="en-US" dirty="0" smtClean="0"/>
+              <a:t>Operator </a:t>
+            </a:r>
             <a:r>
               <a:rPr lang="en-US" dirty="0"/>
-              <a:t>All DataStream functions can be </a:t>
-            </a:r>
-            <a:r>
-              <a:rPr lang="en-US" dirty="0" err="1"/>
-              <a:t>stateful</a:t>
-            </a:r>
+              <a:t>State</a:t>
+            </a:r>
+            <a:br>
+              <a:rPr lang="en-US" dirty="0"/>
+            </a:br>
             <a:endParaRPr lang="en-US" dirty="0"/>
           </a:p>
-          <a:p>
-            <a:pPr lvl="1">
-              <a:lnSpc>
-                <a:spcPct val="120000"/>
-              </a:lnSpc>
-            </a:pPr>
-            <a:r>
-              <a:rPr lang="en-US" sz="2200" dirty="0"/>
-              <a:t>State is </a:t>
-            </a:r>
-            <a:r>
-              <a:rPr lang="en-US" sz="2200" dirty="0" err="1"/>
-              <a:t>checkpointed</a:t>
-            </a:r>
-            <a:r>
-              <a:rPr lang="en-US" sz="2200" dirty="0"/>
-              <a:t> and recovered in case of a failure (if </a:t>
-            </a:r>
-            <a:r>
-              <a:rPr lang="en-US" sz="2200" dirty="0" err="1"/>
-              <a:t>checkpointing</a:t>
-            </a:r>
-            <a:r>
-              <a:rPr lang="en-US" sz="2200" dirty="0"/>
-              <a:t> is enabled).</a:t>
-            </a:r>
-          </a:p>
-          <a:p>
-            <a:pPr lvl="1"/>
-            <a:endParaRPr lang="en-US" sz="1400" dirty="0"/>
-          </a:p>
-          <a:p>
-            <a:pPr>
-              <a:lnSpc>
-                <a:spcPct val="120000"/>
-              </a:lnSpc>
-            </a:pPr>
-            <a:r>
-              <a:rPr lang="en-US" dirty="0"/>
-              <a:t>You can define two types of state</a:t>
-            </a:r>
-          </a:p>
-          <a:p>
-            <a:pPr lvl="1">
-              <a:lnSpc>
-                <a:spcPct val="120000"/>
-              </a:lnSpc>
-            </a:pPr>
-            <a:r>
-              <a:rPr lang="en-US" sz="2200" i="1" dirty="0">
-                <a:solidFill>
-                  <a:srgbClr val="34AD92"/>
-                </a:solidFill>
-              </a:rPr>
-              <a:t>Local State</a:t>
-            </a:r>
-            <a:r>
-              <a:rPr lang="en-US" sz="2200" dirty="0"/>
-              <a:t>: Functions can arrange for local variables to be </a:t>
-            </a:r>
-            <a:r>
-              <a:rPr lang="en-US" sz="2200" dirty="0" err="1"/>
-              <a:t>checkpointed.</a:t>
-            </a:r>
-            <a:endParaRPr lang="en-US" sz="2200" dirty="0"/>
-          </a:p>
-          <a:p>
-            <a:pPr lvl="1">
-              <a:lnSpc>
-                <a:spcPct val="120000"/>
-              </a:lnSpc>
-            </a:pPr>
-            <a:r>
-              <a:rPr lang="en-US" sz="2200" i="1" dirty="0">
-                <a:solidFill>
-                  <a:srgbClr val="34AD92"/>
-                </a:solidFill>
-              </a:rPr>
-              <a:t>Key-Partitioned State</a:t>
-            </a:r>
-            <a:r>
-              <a:rPr lang="en-US" sz="2200" dirty="0"/>
-              <a:t>:</a:t>
-            </a:r>
-            <a:r>
-              <a:rPr lang="en-US" sz="2200" i="1" dirty="0"/>
-              <a:t> </a:t>
-            </a:r>
-            <a:r>
-              <a:rPr lang="en-US" sz="2200" dirty="0"/>
-              <a:t>Functions on a keyed stream can access and update state scoped to the current key. </a:t>
-            </a:r>
-            <a:r>
-              <a:rPr lang="en-US" sz="2200" i="1" dirty="0"/>
-              <a:t>Note: this mechanism scales better.</a:t>
-            </a:r>
-          </a:p>
-        </p:txBody>
-      </p:sp>
-      <p:sp>
-        <p:nvSpPr>
-          <p:cNvPr id="4" name="Slide Number Placeholder 3"/>
-          <p:cNvSpPr>
-            <a:spLocks noGrp="1"/>
-          </p:cNvSpPr>
-          <p:nvPr>
-            <p:ph type="sldNum" sz="quarter" idx="12"/>
+        </p:txBody>
+      </p:sp>
+      <p:sp>
+        <p:nvSpPr>
+          <p:cNvPr id="6" name="Text Placeholder 5"/>
+          <p:cNvSpPr>
+            <a:spLocks noGrp="1"/>
+          </p:cNvSpPr>
+          <p:nvPr>
+            <p:ph type="body" idx="1"/>
           </p:nvPr>
         </p:nvSpPr>
         <p:spPr/>
@@ -4907,19 +5280,50 @@
           <a:bodyPr/>
           <a:lstStyle/>
           <a:p>
+            <a:endParaRPr lang="en-US"/>
+          </a:p>
+        </p:txBody>
+      </p:sp>
+      <p:sp>
+        <p:nvSpPr>
+          <p:cNvPr id="4" name="Slide Number Placeholder 3"/>
+          <p:cNvSpPr>
+            <a:spLocks noGrp="1"/>
+          </p:cNvSpPr>
+          <p:nvPr>
+            <p:ph type="sldNum" sz="quarter" idx="12"/>
+          </p:nvPr>
+        </p:nvSpPr>
+        <p:spPr/>
+        <p:txBody>
+          <a:bodyPr/>
+          <a:lstStyle/>
+          <a:p>
             <a:fld id="{B07C5D84-2227-C144-B485-A8CA33CE4230}" type="slidenum">
-              <a:rPr lang="en-US" smtClean="0"/>
+              <a:rPr lang="en-US" smtClean="0">
+                <a:solidFill>
+                  <a:prstClr val="black">
+                    <a:tint val="75000"/>
+                  </a:prstClr>
+                </a:solidFill>
+              </a:rPr>
               <a:pPr/>
               <a:t>12</a:t>
             </a:fld>
-            <a:endParaRPr lang="en-US"/>
+            <a:endParaRPr lang="en-US">
+              <a:solidFill>
+                <a:prstClr val="black">
+                  <a:tint val="75000"/>
+                </a:prstClr>
+              </a:solidFill>
+            </a:endParaRPr>
           </a:p>
         </p:txBody>
       </p:sp>
     </p:spTree>
     <p:extLst>
       <p:ext uri="{BB962C8B-B14F-4D97-AF65-F5344CB8AC3E}">
-        <p14:creationId xmlns:p14="http://schemas.microsoft.com/office/powerpoint/2010/main" val="2707671967"/>
+        <p14:creationId xmlns:p14="http://schemas.microsoft.com/office/powerpoint/2010/main" val="3288584346"/>
       </p:ext>
     </p:extLst>
   </p:cSld>
@@ -4948,7 +5352,7 @@
       </p:grpSpPr>
       <p:sp>
         <p:nvSpPr>
-          <p:cNvPr id="2" name="Title 1"/>
+          <p:cNvPr id="5" name="Title 4"/>
           <p:cNvSpPr>
             <a:spLocks noGrp="1"/>
           </p:cNvSpPr>
@@ -4962,9 +5366,210 @@
           <a:lstStyle/>
           <a:p>
             <a:r>
+              <a:rPr lang="en-US" dirty="0" err="1"/>
+              <a:t>Stateful</a:t>
+            </a:r>
+            <a:r>
               <a:rPr lang="en-US" dirty="0"/>
-              <a:t>Using Local State</a:t>
-            </a:r>
+              <a:t> Functions</a:t>
+            </a:r>
+          </a:p>
+        </p:txBody>
+      </p:sp>
+      <p:sp>
+        <p:nvSpPr>
+          <p:cNvPr id="6" name="Content Placeholder 5"/>
+          <p:cNvSpPr>
+            <a:spLocks noGrp="1"/>
+          </p:cNvSpPr>
+          <p:nvPr>
+            <p:ph idx="1"/>
+          </p:nvPr>
+        </p:nvSpPr>
+        <p:spPr/>
+        <p:txBody>
+          <a:bodyPr>
+            <a:normAutofit fontScale="92500" lnSpcReduction="20000"/>
+          </a:bodyPr>
+          <a:lstStyle/>
+          <a:p>
+            <a:pPr>
+              <a:lnSpc>
+                <a:spcPct val="120000"/>
+              </a:lnSpc>
+            </a:pPr>
+            <a:r>
+              <a:rPr lang="en-US" sz="2600" dirty="0"/>
+              <a:t>All DataStream functions can be </a:t>
+            </a:r>
+            <a:r>
+              <a:rPr lang="en-US" sz="2600" dirty="0" err="1"/>
+              <a:t>stateful</a:t>
+            </a:r>
+            <a:endParaRPr lang="en-US" sz="2600" dirty="0"/>
+          </a:p>
+          <a:p>
+            <a:pPr lvl="1">
+              <a:lnSpc>
+                <a:spcPct val="120000"/>
+              </a:lnSpc>
+            </a:pPr>
+            <a:r>
+              <a:rPr lang="en-US" sz="2400" dirty="0"/>
+              <a:t>State is </a:t>
+            </a:r>
+            <a:r>
+              <a:rPr lang="en-US" sz="2400" dirty="0" err="1"/>
+              <a:t>checkpointed</a:t>
+            </a:r>
+            <a:r>
+              <a:rPr lang="en-US" sz="2400" dirty="0"/>
+              <a:t> and </a:t>
+            </a:r>
+            <a:r>
+              <a:rPr lang="en-US" sz="2400" dirty="0" smtClean="0"/>
+              <a:t>restored in </a:t>
+            </a:r>
+            <a:r>
+              <a:rPr lang="en-US" sz="2400" dirty="0"/>
+              <a:t>case of a failure </a:t>
+            </a:r>
+            <a:r>
+              <a:rPr lang="en-US" sz="2400" dirty="0" smtClean="0"/>
+              <a:t/>
+            </a:r>
+            <a:br>
+              <a:rPr lang="en-US" sz="2400" dirty="0" smtClean="0"/>
+            </a:br>
+            <a:r>
+              <a:rPr lang="en-US" sz="2400" dirty="0" smtClean="0"/>
+              <a:t>(</a:t>
+            </a:r>
+            <a:r>
+              <a:rPr lang="en-US" sz="2400" dirty="0"/>
+              <a:t>if </a:t>
+            </a:r>
+            <a:r>
+              <a:rPr lang="en-US" sz="2400" dirty="0" err="1"/>
+              <a:t>checkpointing</a:t>
+            </a:r>
+            <a:r>
+              <a:rPr lang="en-US" sz="2400" dirty="0"/>
+              <a:t> is enabled).</a:t>
+            </a:r>
+          </a:p>
+          <a:p>
+            <a:pPr lvl="1"/>
+            <a:endParaRPr lang="en-US" sz="1400" dirty="0"/>
+          </a:p>
+          <a:p>
+            <a:pPr>
+              <a:lnSpc>
+                <a:spcPct val="120000"/>
+              </a:lnSpc>
+            </a:pPr>
+            <a:r>
+              <a:rPr lang="en-US" sz="2600" dirty="0" smtClean="0"/>
+              <a:t>Flink supports </a:t>
+            </a:r>
+            <a:r>
+              <a:rPr lang="en-US" sz="2600" dirty="0"/>
+              <a:t>two types of </a:t>
+            </a:r>
+            <a:r>
+              <a:rPr lang="en-US" sz="2600" dirty="0" smtClean="0"/>
+              <a:t>state:</a:t>
+            </a:r>
+          </a:p>
+          <a:p>
+            <a:pPr lvl="1">
+              <a:lnSpc>
+                <a:spcPct val="120000"/>
+              </a:lnSpc>
+            </a:pPr>
+            <a:endParaRPr lang="en-US" sz="2200" dirty="0"/>
+          </a:p>
+          <a:p>
+            <a:pPr>
+              <a:lnSpc>
+                <a:spcPct val="120000"/>
+              </a:lnSpc>
+            </a:pPr>
+            <a:r>
+              <a:rPr lang="en-US" sz="2600" dirty="0"/>
+              <a:t>Local State: Functions can arrange for local variables to be </a:t>
+            </a:r>
+            <a:r>
+              <a:rPr lang="en-US" sz="2600" dirty="0" err="1"/>
+              <a:t>checkpointed</a:t>
+            </a:r>
+            <a:r>
+              <a:rPr lang="en-US" sz="2600" dirty="0" smtClean="0"/>
+              <a:t>.</a:t>
+            </a:r>
+          </a:p>
+          <a:p>
+            <a:pPr lvl="1">
+              <a:lnSpc>
+                <a:spcPct val="120000"/>
+              </a:lnSpc>
+            </a:pPr>
+            <a:endParaRPr lang="en-US" sz="2200" dirty="0"/>
+          </a:p>
+          <a:p>
+            <a:pPr>
+              <a:lnSpc>
+                <a:spcPct val="120000"/>
+              </a:lnSpc>
+            </a:pPr>
+            <a:r>
+              <a:rPr lang="en-US" sz="2600" dirty="0">
+                <a:solidFill>
+                  <a:srgbClr val="000000"/>
+                </a:solidFill>
+              </a:rPr>
+              <a:t>Key-Partitioned State</a:t>
+            </a:r>
+            <a:r>
+              <a:rPr lang="en-US" sz="2600" dirty="0"/>
+              <a:t>:</a:t>
+            </a:r>
+            <a:r>
+              <a:rPr lang="en-US" sz="2600" i="1" dirty="0"/>
+              <a:t> </a:t>
+            </a:r>
+            <a:r>
+              <a:rPr lang="en-US" sz="2600" dirty="0"/>
+              <a:t>Functions on a keyed stream can access and update state scoped to the current key. </a:t>
+            </a:r>
+            <a:r>
+              <a:rPr lang="en-US" sz="2600" dirty="0" smtClean="0"/>
+              <a:t/>
+            </a:r>
+            <a:br>
+              <a:rPr lang="en-US" sz="2600" dirty="0" smtClean="0"/>
+            </a:br>
+            <a:r>
+              <a:rPr lang="en-US" sz="2600" b="1" dirty="0" smtClean="0"/>
+              <a:t>Note</a:t>
+            </a:r>
+            <a:r>
+              <a:rPr lang="en-US" sz="2600" dirty="0"/>
+              <a:t>: </a:t>
+            </a:r>
+            <a:r>
+              <a:rPr lang="en-US" sz="2600" dirty="0" smtClean="0"/>
+              <a:t>This </a:t>
+            </a:r>
+            <a:r>
+              <a:rPr lang="en-US" sz="2600" dirty="0"/>
+              <a:t>mechanism scales </a:t>
+            </a:r>
+            <a:r>
+              <a:rPr lang="en-US" sz="2600" dirty="0" smtClean="0"/>
+              <a:t>better and should be preferred.</a:t>
+            </a:r>
+            <a:endParaRPr lang="en-US" sz="2600" dirty="0"/>
           </a:p>
         </p:txBody>
       </p:sp>
@@ -4984,906 +5589,18 @@
           <a:lstStyle/>
           <a:p>
             <a:fld id="{B07C5D84-2227-C144-B485-A8CA33CE4230}" type="slidenum">
-              <a:rPr lang="en-US" smtClean="0">
-                <a:solidFill>
-                  <a:prstClr val="black">
-                    <a:tint val="75000"/>
-                  </a:prstClr>
-                </a:solidFill>
-              </a:rPr>
+              <a:rPr lang="en-US" smtClean="0"/>
               <a:pPr/>
               <a:t>13</a:t>
             </a:fld>
-            <a:endParaRPr lang="en-US">
-              <a:solidFill>
-                <a:prstClr val="black">
-                  <a:tint val="75000"/>
-                </a:prstClr>
-              </a:solidFill>
-            </a:endParaRPr>
-          </a:p>
-        </p:txBody>
-      </p:sp>
-      <p:sp>
-        <p:nvSpPr>
-          <p:cNvPr id="5" name="Content Placeholder 2"/>
-          <p:cNvSpPr>
-            <a:spLocks noGrp="1"/>
-          </p:cNvSpPr>
-          <p:nvPr>
-            <p:ph idx="1"/>
-          </p:nvPr>
-        </p:nvSpPr>
-        <p:spPr>
-          <a:xfrm>
-            <a:off x="457200" y="1342295"/>
-            <a:ext cx="8433010" cy="6338665"/>
-          </a:xfrm>
-        </p:spPr>
-        <p:txBody>
-          <a:bodyPr>
-            <a:normAutofit/>
-          </a:bodyPr>
-          <a:lstStyle/>
-          <a:p>
-            <a:pPr marL="0" indent="0">
-              <a:lnSpc>
-                <a:spcPct val="90000"/>
-              </a:lnSpc>
-              <a:buNone/>
-            </a:pPr>
-            <a:r>
-              <a:rPr lang="en-US" sz="1300" dirty="0">
-                <a:solidFill>
-                  <a:srgbClr val="000000"/>
-                </a:solidFill>
-                <a:latin typeface="Consolas"/>
-              </a:rPr>
-              <a:t>DataStream&lt;String&gt; </a:t>
-            </a:r>
-            <a:r>
-              <a:rPr lang="en-US" sz="1300" dirty="0" err="1">
-                <a:solidFill>
-                  <a:srgbClr val="000000"/>
-                </a:solidFill>
-                <a:latin typeface="Consolas"/>
-              </a:rPr>
-              <a:t>aStream</a:t>
-            </a:r>
-            <a:r>
-              <a:rPr lang="en-US" sz="1300" dirty="0">
-                <a:solidFill>
-                  <a:srgbClr val="000000"/>
-                </a:solidFill>
-                <a:latin typeface="Consolas"/>
-              </a:rPr>
-              <a:t>;</a:t>
-            </a:r>
-          </a:p>
-          <a:p>
-            <a:pPr marL="0" indent="0">
-              <a:lnSpc>
-                <a:spcPct val="90000"/>
-              </a:lnSpc>
-              <a:buNone/>
-            </a:pPr>
-            <a:r>
-              <a:rPr lang="en-US" sz="1300" dirty="0">
-                <a:solidFill>
-                  <a:srgbClr val="000000"/>
-                </a:solidFill>
-                <a:latin typeface="Consolas"/>
-              </a:rPr>
-              <a:t>DataStream&lt;Long&gt; lengths = </a:t>
-            </a:r>
-            <a:r>
-              <a:rPr lang="en-US" sz="1300" dirty="0" err="1">
-                <a:solidFill>
-                  <a:srgbClr val="000000"/>
-                </a:solidFill>
-                <a:latin typeface="Consolas"/>
-              </a:rPr>
-              <a:t>aStream.map</a:t>
-            </a:r>
-            <a:r>
-              <a:rPr lang="en-US" sz="1300" dirty="0">
-                <a:solidFill>
-                  <a:srgbClr val="000000"/>
-                </a:solidFill>
-                <a:latin typeface="Consolas"/>
-              </a:rPr>
-              <a:t>(new </a:t>
-            </a:r>
-            <a:r>
-              <a:rPr lang="en-US" sz="1300" dirty="0" err="1">
-                <a:solidFill>
-                  <a:srgbClr val="000000"/>
-                </a:solidFill>
-                <a:latin typeface="Consolas"/>
-              </a:rPr>
-              <a:t>MapWithCounter</a:t>
-            </a:r>
-            <a:r>
-              <a:rPr lang="en-US" sz="1300" dirty="0">
-                <a:solidFill>
-                  <a:srgbClr val="000000"/>
-                </a:solidFill>
-                <a:latin typeface="Consolas"/>
-              </a:rPr>
-              <a:t>());</a:t>
-            </a:r>
-            <a:endParaRPr lang="en-US" sz="1300" b="1" dirty="0">
-              <a:solidFill>
-                <a:srgbClr val="000080"/>
-              </a:solidFill>
-              <a:latin typeface="Consolas"/>
-            </a:endParaRPr>
-          </a:p>
-          <a:p>
-            <a:pPr marL="0" indent="0">
-              <a:lnSpc>
-                <a:spcPct val="90000"/>
-              </a:lnSpc>
-              <a:buNone/>
-            </a:pPr>
-            <a:endParaRPr lang="en-US" sz="1300" b="1" dirty="0">
-              <a:solidFill>
-                <a:srgbClr val="000080"/>
-              </a:solidFill>
-              <a:latin typeface="Consolas"/>
-            </a:endParaRPr>
-          </a:p>
-          <a:p>
-            <a:pPr marL="0" indent="0">
-              <a:lnSpc>
-                <a:spcPct val="90000"/>
-              </a:lnSpc>
-              <a:buNone/>
-            </a:pPr>
-            <a:r>
-              <a:rPr lang="en-US" sz="1300" b="1" dirty="0">
-                <a:solidFill>
-                  <a:srgbClr val="000080"/>
-                </a:solidFill>
-                <a:latin typeface="Consolas"/>
-              </a:rPr>
-              <a:t>public static class </a:t>
-            </a:r>
-            <a:r>
-              <a:rPr lang="en-US" sz="1300" dirty="0" err="1">
-                <a:solidFill>
-                  <a:srgbClr val="000000"/>
-                </a:solidFill>
-                <a:latin typeface="Consolas"/>
-              </a:rPr>
-              <a:t>MapWithCounter</a:t>
-            </a:r>
-            <a:r>
-              <a:rPr lang="en-US" sz="1300" dirty="0">
-                <a:solidFill>
-                  <a:srgbClr val="000000"/>
-                </a:solidFill>
-                <a:latin typeface="Consolas"/>
-              </a:rPr>
-              <a:t> </a:t>
-            </a:r>
-          </a:p>
-          <a:p>
-            <a:pPr marL="0" indent="0">
-              <a:lnSpc>
-                <a:spcPct val="90000"/>
-              </a:lnSpc>
-              <a:buNone/>
-            </a:pPr>
-            <a:r>
-              <a:rPr lang="en-US" sz="1300" b="1" dirty="0">
-                <a:solidFill>
-                  <a:srgbClr val="000000"/>
-                </a:solidFill>
-                <a:latin typeface="Consolas"/>
-              </a:rPr>
-              <a:t>	</a:t>
-            </a:r>
-            <a:r>
-              <a:rPr lang="en-US" sz="1300" b="1" dirty="0">
-                <a:solidFill>
-                  <a:srgbClr val="000080"/>
-                </a:solidFill>
-                <a:latin typeface="Consolas"/>
-              </a:rPr>
-              <a:t>implements </a:t>
-            </a:r>
-            <a:r>
-              <a:rPr lang="en-US" sz="1300" dirty="0" err="1">
-                <a:solidFill>
-                  <a:srgbClr val="000000"/>
-                </a:solidFill>
-                <a:latin typeface="Consolas"/>
-              </a:rPr>
-              <a:t>MapFunction</a:t>
-            </a:r>
-            <a:r>
-              <a:rPr lang="en-US" sz="1300" dirty="0">
-                <a:solidFill>
-                  <a:srgbClr val="000000"/>
-                </a:solidFill>
-                <a:latin typeface="Consolas"/>
-              </a:rPr>
-              <a:t>&lt;String, Long&gt;, </a:t>
-            </a:r>
-            <a:r>
-              <a:rPr lang="en-US" sz="1300" dirty="0" err="1">
-                <a:solidFill>
-                  <a:srgbClr val="FF0000"/>
-                </a:solidFill>
-                <a:latin typeface="Consolas"/>
-              </a:rPr>
-              <a:t>Checkpointed</a:t>
-            </a:r>
-            <a:r>
-              <a:rPr lang="en-US" sz="1300" dirty="0">
-                <a:solidFill>
-                  <a:srgbClr val="000000"/>
-                </a:solidFill>
-                <a:latin typeface="Consolas"/>
-              </a:rPr>
-              <a:t>&lt;Long&gt; {</a:t>
-            </a:r>
-            <a:br>
-              <a:rPr lang="en-US" sz="1300" dirty="0">
-                <a:solidFill>
-                  <a:srgbClr val="000000"/>
-                </a:solidFill>
-                <a:latin typeface="Consolas"/>
-              </a:rPr>
-            </a:br>
-            <a:endParaRPr lang="en-US" sz="1300" dirty="0">
-              <a:solidFill>
-                <a:srgbClr val="000000"/>
-              </a:solidFill>
-              <a:latin typeface="Consolas"/>
-            </a:endParaRPr>
-          </a:p>
-          <a:p>
-            <a:pPr marL="0" indent="0">
-              <a:lnSpc>
-                <a:spcPct val="90000"/>
-              </a:lnSpc>
-              <a:buNone/>
-            </a:pPr>
-            <a:r>
-              <a:rPr lang="en-US" sz="1300" dirty="0">
-                <a:solidFill>
-                  <a:srgbClr val="000000"/>
-                </a:solidFill>
-                <a:latin typeface="Consolas"/>
-              </a:rPr>
-              <a:t>	</a:t>
-            </a:r>
-            <a:r>
-              <a:rPr lang="en-US" sz="1300" b="1" dirty="0">
-                <a:solidFill>
-                  <a:srgbClr val="000080"/>
-                </a:solidFill>
-                <a:latin typeface="Consolas"/>
-              </a:rPr>
-              <a:t>private long </a:t>
-            </a:r>
-            <a:r>
-              <a:rPr lang="en-US" sz="1300" dirty="0" err="1">
-                <a:solidFill>
-                  <a:srgbClr val="FF0000"/>
-                </a:solidFill>
-                <a:latin typeface="Consolas"/>
-              </a:rPr>
-              <a:t>totalLength</a:t>
-            </a:r>
-            <a:r>
-              <a:rPr lang="en-US" sz="1300" dirty="0">
-                <a:solidFill>
-                  <a:srgbClr val="FF0000"/>
-                </a:solidFill>
-                <a:latin typeface="Consolas"/>
-              </a:rPr>
-              <a:t> </a:t>
-            </a:r>
-            <a:r>
-              <a:rPr lang="en-US" sz="1300" dirty="0">
-                <a:solidFill>
-                  <a:srgbClr val="000000"/>
-                </a:solidFill>
-                <a:latin typeface="Consolas"/>
-              </a:rPr>
-              <a:t>= 0;</a:t>
-            </a:r>
-          </a:p>
-          <a:p>
-            <a:pPr marL="0" indent="0">
-              <a:lnSpc>
-                <a:spcPct val="90000"/>
-              </a:lnSpc>
-              <a:buNone/>
-            </a:pPr>
-            <a:r>
-              <a:rPr lang="en-US" sz="1300" dirty="0">
-                <a:solidFill>
-                  <a:srgbClr val="000000"/>
-                </a:solidFill>
-                <a:latin typeface="Consolas"/>
-              </a:rPr>
-              <a:t/>
-            </a:r>
-            <a:br>
-              <a:rPr lang="en-US" sz="1300" dirty="0">
-                <a:solidFill>
-                  <a:srgbClr val="000000"/>
-                </a:solidFill>
-                <a:latin typeface="Consolas"/>
-              </a:rPr>
-            </a:br>
-            <a:r>
-              <a:rPr lang="en-US" sz="1300" dirty="0">
-                <a:solidFill>
-                  <a:srgbClr val="000000"/>
-                </a:solidFill>
-                <a:latin typeface="Consolas"/>
-              </a:rPr>
-              <a:t>	</a:t>
-            </a:r>
-            <a:r>
-              <a:rPr lang="en-US" sz="1300" dirty="0">
-                <a:solidFill>
-                  <a:srgbClr val="808000"/>
-                </a:solidFill>
-                <a:latin typeface="Consolas"/>
-              </a:rPr>
-              <a:t>@Override</a:t>
-            </a:r>
-            <a:br>
-              <a:rPr lang="en-US" sz="1300" dirty="0">
-                <a:solidFill>
-                  <a:srgbClr val="808000"/>
-                </a:solidFill>
-                <a:latin typeface="Consolas"/>
-              </a:rPr>
-            </a:br>
-            <a:r>
-              <a:rPr lang="en-US" sz="1300" dirty="0">
-                <a:solidFill>
-                  <a:srgbClr val="808000"/>
-                </a:solidFill>
-                <a:latin typeface="Consolas"/>
-              </a:rPr>
-              <a:t>	</a:t>
-            </a:r>
-            <a:r>
-              <a:rPr lang="en-US" sz="1300" b="1" dirty="0">
-                <a:solidFill>
-                  <a:srgbClr val="000080"/>
-                </a:solidFill>
-                <a:latin typeface="Consolas"/>
-              </a:rPr>
-              <a:t>public </a:t>
-            </a:r>
-            <a:r>
-              <a:rPr lang="en-US" sz="1300" dirty="0">
-                <a:solidFill>
-                  <a:srgbClr val="000000"/>
-                </a:solidFill>
-                <a:latin typeface="Consolas"/>
-              </a:rPr>
-              <a:t>Long</a:t>
-            </a:r>
-            <a:r>
-              <a:rPr lang="en-US" sz="1300" b="1" dirty="0">
-                <a:solidFill>
-                  <a:srgbClr val="000080"/>
-                </a:solidFill>
-                <a:latin typeface="Consolas"/>
-              </a:rPr>
-              <a:t> </a:t>
-            </a:r>
-            <a:r>
-              <a:rPr lang="en-US" sz="1300" dirty="0">
-                <a:solidFill>
-                  <a:srgbClr val="000000"/>
-                </a:solidFill>
-                <a:latin typeface="Consolas"/>
-              </a:rPr>
-              <a:t>map (String value) {</a:t>
-            </a:r>
-          </a:p>
-          <a:p>
-            <a:pPr marL="0" indent="0">
-              <a:lnSpc>
-                <a:spcPct val="90000"/>
-              </a:lnSpc>
-              <a:buNone/>
-            </a:pPr>
-            <a:r>
-              <a:rPr lang="en-US" sz="1300" dirty="0">
-                <a:solidFill>
-                  <a:srgbClr val="000000"/>
-                </a:solidFill>
-                <a:latin typeface="Consolas"/>
-              </a:rPr>
-              <a:t>    		</a:t>
-            </a:r>
-            <a:r>
-              <a:rPr lang="en-US" sz="1300" dirty="0" err="1">
-                <a:solidFill>
-                  <a:srgbClr val="000000"/>
-                </a:solidFill>
-                <a:latin typeface="Consolas"/>
-              </a:rPr>
-              <a:t>totalLength</a:t>
-            </a:r>
-            <a:r>
-              <a:rPr lang="en-US" sz="1300" dirty="0">
-                <a:solidFill>
-                  <a:srgbClr val="000000"/>
-                </a:solidFill>
-                <a:latin typeface="Consolas"/>
-              </a:rPr>
-              <a:t> += </a:t>
-            </a:r>
-            <a:r>
-              <a:rPr lang="en-US" sz="1300" dirty="0" err="1">
-                <a:solidFill>
-                  <a:srgbClr val="000000"/>
-                </a:solidFill>
-                <a:latin typeface="Consolas"/>
-              </a:rPr>
-              <a:t>value.length</a:t>
-            </a:r>
-            <a:r>
-              <a:rPr lang="en-US" sz="1300" dirty="0">
-                <a:solidFill>
-                  <a:srgbClr val="000000"/>
-                </a:solidFill>
-                <a:latin typeface="Consolas"/>
-              </a:rPr>
-              <a:t>();</a:t>
-            </a:r>
-          </a:p>
-          <a:p>
-            <a:pPr marL="0" indent="0">
-              <a:lnSpc>
-                <a:spcPct val="90000"/>
-              </a:lnSpc>
-              <a:buNone/>
-            </a:pPr>
-            <a:r>
-              <a:rPr lang="en-US" sz="1300" b="1" dirty="0">
-                <a:solidFill>
-                  <a:srgbClr val="000080"/>
-                </a:solidFill>
-                <a:latin typeface="Consolas"/>
-              </a:rPr>
-              <a:t>		return</a:t>
-            </a:r>
-            <a:r>
-              <a:rPr lang="en-US" sz="1300" dirty="0">
-                <a:solidFill>
-                  <a:srgbClr val="000000"/>
-                </a:solidFill>
-                <a:latin typeface="Consolas"/>
-              </a:rPr>
-              <a:t> </a:t>
-            </a:r>
-            <a:r>
-              <a:rPr lang="en-US" sz="1300" dirty="0" err="1">
-                <a:solidFill>
-                  <a:srgbClr val="000000"/>
-                </a:solidFill>
-                <a:latin typeface="Consolas"/>
-              </a:rPr>
-              <a:t>totalLength</a:t>
-            </a:r>
-            <a:r>
-              <a:rPr lang="en-US" sz="1300" dirty="0">
-                <a:solidFill>
-                  <a:srgbClr val="000000"/>
-                </a:solidFill>
-                <a:latin typeface="Consolas"/>
-              </a:rPr>
-              <a:t>;</a:t>
-            </a:r>
-            <a:br>
-              <a:rPr lang="en-US" sz="1300" dirty="0">
-                <a:solidFill>
-                  <a:srgbClr val="000000"/>
-                </a:solidFill>
-                <a:latin typeface="Consolas"/>
-              </a:rPr>
-            </a:br>
-            <a:r>
-              <a:rPr lang="en-US" sz="1300" dirty="0">
-                <a:solidFill>
-                  <a:srgbClr val="000000"/>
-                </a:solidFill>
-                <a:latin typeface="Consolas"/>
-              </a:rPr>
-              <a:t>	}</a:t>
-            </a:r>
-          </a:p>
-          <a:p>
-            <a:pPr marL="0" indent="0">
-              <a:lnSpc>
-                <a:spcPct val="90000"/>
-              </a:lnSpc>
-              <a:buNone/>
-            </a:pPr>
-            <a:endParaRPr lang="en-US" sz="1300" dirty="0">
-              <a:solidFill>
-                <a:srgbClr val="000000"/>
-              </a:solidFill>
-              <a:latin typeface="Consolas"/>
-            </a:endParaRPr>
-          </a:p>
-          <a:p>
-            <a:pPr marL="0" indent="0">
-              <a:lnSpc>
-                <a:spcPct val="90000"/>
-              </a:lnSpc>
-              <a:buNone/>
-            </a:pPr>
-            <a:r>
-              <a:rPr lang="en-US" sz="1300" dirty="0">
-                <a:solidFill>
-                  <a:srgbClr val="808000"/>
-                </a:solidFill>
-                <a:latin typeface="Consolas"/>
-              </a:rPr>
-              <a:t>	@Override</a:t>
-            </a:r>
-            <a:br>
-              <a:rPr lang="en-US" sz="1300" dirty="0">
-                <a:solidFill>
-                  <a:srgbClr val="808000"/>
-                </a:solidFill>
-                <a:latin typeface="Consolas"/>
-              </a:rPr>
-            </a:br>
-            <a:r>
-              <a:rPr lang="en-US" sz="1300" dirty="0">
-                <a:solidFill>
-                  <a:srgbClr val="808000"/>
-                </a:solidFill>
-                <a:latin typeface="Consolas"/>
-              </a:rPr>
-              <a:t>	</a:t>
-            </a:r>
-            <a:r>
-              <a:rPr lang="en-US" sz="1300" b="1" dirty="0">
-                <a:solidFill>
-                  <a:srgbClr val="000080"/>
-                </a:solidFill>
-                <a:latin typeface="Consolas"/>
-              </a:rPr>
-              <a:t>public </a:t>
-            </a:r>
-            <a:r>
-              <a:rPr lang="en-US" sz="1300" dirty="0">
-                <a:solidFill>
-                  <a:srgbClr val="000000"/>
-                </a:solidFill>
-                <a:latin typeface="Consolas"/>
-              </a:rPr>
-              <a:t>Long </a:t>
-            </a:r>
-            <a:r>
-              <a:rPr lang="en-US" sz="1300" dirty="0" err="1">
-                <a:solidFill>
-                  <a:srgbClr val="FF0000"/>
-                </a:solidFill>
-                <a:latin typeface="Consolas"/>
-              </a:rPr>
-              <a:t>snapshotState</a:t>
-            </a:r>
-            <a:r>
-              <a:rPr lang="en-US" sz="1300" dirty="0">
-                <a:solidFill>
-                  <a:srgbClr val="000000"/>
-                </a:solidFill>
-                <a:latin typeface="Consolas"/>
-              </a:rPr>
-              <a:t>(long </a:t>
-            </a:r>
-            <a:r>
-              <a:rPr lang="en-US" sz="1300" dirty="0" err="1">
-                <a:solidFill>
-                  <a:srgbClr val="000000"/>
-                </a:solidFill>
-                <a:latin typeface="Consolas"/>
-              </a:rPr>
-              <a:t>cpId</a:t>
-            </a:r>
-            <a:r>
-              <a:rPr lang="en-US" sz="1300" dirty="0">
-                <a:solidFill>
-                  <a:srgbClr val="000000"/>
-                </a:solidFill>
-                <a:latin typeface="Consolas"/>
-              </a:rPr>
-              <a:t>, long </a:t>
-            </a:r>
-            <a:r>
-              <a:rPr lang="en-US" sz="1300" dirty="0" err="1">
-                <a:solidFill>
-                  <a:srgbClr val="000000"/>
-                </a:solidFill>
-                <a:latin typeface="Consolas"/>
-              </a:rPr>
-              <a:t>cpTimestamp</a:t>
-            </a:r>
-            <a:r>
-              <a:rPr lang="en-US" sz="1300" dirty="0">
-                <a:solidFill>
-                  <a:srgbClr val="000000"/>
-                </a:solidFill>
-                <a:latin typeface="Consolas"/>
-              </a:rPr>
-              <a:t>) </a:t>
-            </a:r>
-            <a:r>
-              <a:rPr lang="en-US" sz="1300" b="1" dirty="0">
-                <a:solidFill>
-                  <a:srgbClr val="000080"/>
-                </a:solidFill>
-                <a:latin typeface="Consolas"/>
-              </a:rPr>
-              <a:t>throws</a:t>
-            </a:r>
-            <a:r>
-              <a:rPr lang="en-US" sz="1300" dirty="0">
-                <a:solidFill>
-                  <a:srgbClr val="000000"/>
-                </a:solidFill>
-                <a:latin typeface="Consolas"/>
-              </a:rPr>
-              <a:t> Exception {</a:t>
-            </a:r>
-          </a:p>
-          <a:p>
-            <a:pPr marL="0" indent="0">
-              <a:lnSpc>
-                <a:spcPct val="90000"/>
-              </a:lnSpc>
-              <a:buNone/>
-            </a:pPr>
-            <a:r>
-              <a:rPr lang="en-US" sz="1300" dirty="0">
-                <a:solidFill>
-                  <a:srgbClr val="000000"/>
-                </a:solidFill>
-                <a:latin typeface="Consolas"/>
-              </a:rPr>
-              <a:t>		</a:t>
-            </a:r>
-            <a:r>
-              <a:rPr lang="en-US" sz="1300" b="1" dirty="0">
-                <a:solidFill>
-                  <a:srgbClr val="000080"/>
-                </a:solidFill>
-                <a:latin typeface="Consolas"/>
-              </a:rPr>
-              <a:t>return</a:t>
-            </a:r>
-            <a:r>
-              <a:rPr lang="en-US" sz="1300" dirty="0">
-                <a:solidFill>
-                  <a:srgbClr val="000000"/>
-                </a:solidFill>
-                <a:latin typeface="Consolas"/>
-              </a:rPr>
-              <a:t> </a:t>
-            </a:r>
-            <a:r>
-              <a:rPr lang="en-US" sz="1300" dirty="0" err="1">
-                <a:solidFill>
-                  <a:srgbClr val="000000"/>
-                </a:solidFill>
-                <a:latin typeface="Consolas"/>
-              </a:rPr>
-              <a:t>totalLength</a:t>
-            </a:r>
-            <a:r>
-              <a:rPr lang="en-US" sz="1300" dirty="0">
-                <a:solidFill>
-                  <a:srgbClr val="000000"/>
-                </a:solidFill>
-                <a:latin typeface="Consolas"/>
-              </a:rPr>
-              <a:t>;</a:t>
-            </a:r>
-            <a:br>
-              <a:rPr lang="en-US" sz="1300" dirty="0">
-                <a:solidFill>
-                  <a:srgbClr val="000000"/>
-                </a:solidFill>
-                <a:latin typeface="Consolas"/>
-              </a:rPr>
-            </a:br>
-            <a:r>
-              <a:rPr lang="en-US" sz="1300" dirty="0">
-                <a:solidFill>
-                  <a:srgbClr val="000000"/>
-                </a:solidFill>
-                <a:latin typeface="Consolas"/>
-              </a:rPr>
-              <a:t>	}</a:t>
-            </a:r>
-          </a:p>
-          <a:p>
-            <a:pPr marL="0" indent="0">
-              <a:lnSpc>
-                <a:spcPct val="90000"/>
-              </a:lnSpc>
-              <a:buNone/>
-            </a:pPr>
-            <a:endParaRPr lang="en-US" sz="1300" dirty="0">
-              <a:solidFill>
-                <a:srgbClr val="000000"/>
-              </a:solidFill>
-              <a:latin typeface="Consolas"/>
-            </a:endParaRPr>
-          </a:p>
-          <a:p>
-            <a:pPr marL="0" indent="0">
-              <a:lnSpc>
-                <a:spcPct val="90000"/>
-              </a:lnSpc>
-              <a:buNone/>
-            </a:pPr>
-            <a:r>
-              <a:rPr lang="en-US" sz="1300" dirty="0">
-                <a:solidFill>
-                  <a:srgbClr val="808000"/>
-                </a:solidFill>
-                <a:latin typeface="Consolas"/>
-              </a:rPr>
-              <a:t>	@Override</a:t>
-            </a:r>
-            <a:br>
-              <a:rPr lang="en-US" sz="1300" dirty="0">
-                <a:solidFill>
-                  <a:srgbClr val="808000"/>
-                </a:solidFill>
-                <a:latin typeface="Consolas"/>
-              </a:rPr>
-            </a:br>
-            <a:r>
-              <a:rPr lang="en-US" sz="1300" dirty="0">
-                <a:solidFill>
-                  <a:srgbClr val="808000"/>
-                </a:solidFill>
-                <a:latin typeface="Consolas"/>
-              </a:rPr>
-              <a:t>	</a:t>
-            </a:r>
-            <a:r>
-              <a:rPr lang="en-US" sz="1300" b="1" dirty="0">
-                <a:solidFill>
-                  <a:srgbClr val="000080"/>
-                </a:solidFill>
-                <a:latin typeface="Consolas"/>
-              </a:rPr>
-              <a:t>public void </a:t>
-            </a:r>
-            <a:r>
-              <a:rPr lang="en-US" sz="1300" dirty="0" err="1">
-                <a:solidFill>
-                  <a:srgbClr val="FF0000"/>
-                </a:solidFill>
-                <a:latin typeface="Consolas"/>
-              </a:rPr>
-              <a:t>restoreState</a:t>
-            </a:r>
-            <a:r>
-              <a:rPr lang="en-US" sz="1300" dirty="0">
-                <a:solidFill>
-                  <a:srgbClr val="000000"/>
-                </a:solidFill>
-                <a:latin typeface="Consolas"/>
-              </a:rPr>
-              <a:t>(Long state) </a:t>
-            </a:r>
-            <a:r>
-              <a:rPr lang="en-US" sz="1300" b="1" dirty="0">
-                <a:solidFill>
-                  <a:srgbClr val="000080"/>
-                </a:solidFill>
-                <a:latin typeface="Consolas"/>
-              </a:rPr>
-              <a:t>throws</a:t>
-            </a:r>
-            <a:r>
-              <a:rPr lang="en-US" sz="1300" dirty="0">
-                <a:solidFill>
-                  <a:srgbClr val="000000"/>
-                </a:solidFill>
-                <a:latin typeface="Consolas"/>
-              </a:rPr>
-              <a:t> Exception {</a:t>
-            </a:r>
-          </a:p>
-          <a:p>
-            <a:pPr marL="0" indent="0">
-              <a:lnSpc>
-                <a:spcPct val="90000"/>
-              </a:lnSpc>
-              <a:buNone/>
-            </a:pPr>
-            <a:r>
-              <a:rPr lang="en-US" sz="1300" dirty="0">
-                <a:solidFill>
-                  <a:srgbClr val="000000"/>
-                </a:solidFill>
-                <a:latin typeface="Consolas"/>
-              </a:rPr>
-              <a:t>		</a:t>
-            </a:r>
-            <a:r>
-              <a:rPr lang="en-US" sz="1300" dirty="0" err="1">
-                <a:solidFill>
-                  <a:srgbClr val="000000"/>
-                </a:solidFill>
-                <a:latin typeface="Consolas"/>
-              </a:rPr>
-              <a:t>totalLength</a:t>
-            </a:r>
-            <a:r>
-              <a:rPr lang="en-US" sz="1300" dirty="0">
-                <a:solidFill>
-                  <a:srgbClr val="000000"/>
-                </a:solidFill>
-                <a:latin typeface="Consolas"/>
-              </a:rPr>
-              <a:t> = state;</a:t>
-            </a:r>
-            <a:br>
-              <a:rPr lang="en-US" sz="1300" dirty="0">
-                <a:solidFill>
-                  <a:srgbClr val="000000"/>
-                </a:solidFill>
-                <a:latin typeface="Consolas"/>
-              </a:rPr>
-            </a:br>
-            <a:r>
-              <a:rPr lang="en-US" sz="1300" dirty="0">
-                <a:solidFill>
-                  <a:srgbClr val="000000"/>
-                </a:solidFill>
-                <a:latin typeface="Consolas"/>
-              </a:rPr>
-              <a:t>	}</a:t>
-            </a:r>
-          </a:p>
-          <a:p>
-            <a:pPr marL="0" indent="0">
-              <a:lnSpc>
-                <a:spcPct val="90000"/>
-              </a:lnSpc>
-              <a:buNone/>
-            </a:pPr>
-            <a:r>
-              <a:rPr lang="en-US" sz="1300" dirty="0">
-                <a:solidFill>
-                  <a:srgbClr val="000000"/>
-                </a:solidFill>
-                <a:latin typeface="Consolas"/>
-              </a:rPr>
-              <a:t>}</a:t>
-            </a:r>
-            <a:endParaRPr lang="en-US" sz="1300" dirty="0"/>
+            <a:endParaRPr lang="en-US"/>
           </a:p>
         </p:txBody>
       </p:sp>
     </p:spTree>
     <p:extLst>
       <p:ext uri="{BB962C8B-B14F-4D97-AF65-F5344CB8AC3E}">
-        <p14:creationId xmlns:p14="http://schemas.microsoft.com/office/powerpoint/2010/main" val="1921899018"/>
+        <p14:creationId xmlns:p14="http://schemas.microsoft.com/office/powerpoint/2010/main" val="2707671967"/>
       </p:ext>
     </p:extLst>
   </p:cSld>
@@ -5922,14 +5639,12 @@
         </p:nvSpPr>
         <p:spPr/>
         <p:txBody>
-          <a:bodyPr>
-            <a:normAutofit/>
-          </a:bodyPr>
+          <a:bodyPr/>
           <a:lstStyle/>
           <a:p>
             <a:r>
               <a:rPr lang="en-US" dirty="0"/>
-              <a:t>Using Key-Partitioned State</a:t>
+              <a:t>Using Local State</a:t>
             </a:r>
           </a:p>
         </p:txBody>
@@ -5972,7 +5687,7 @@
       </p:sp>
       <p:sp>
         <p:nvSpPr>
-          <p:cNvPr id="6" name="Content Placeholder 2"/>
+          <p:cNvPr id="5" name="Content Placeholder 2"/>
           <p:cNvSpPr>
             <a:spLocks noGrp="1"/>
           </p:cNvSpPr>
@@ -5982,30 +5697,33 @@
         </p:nvSpPr>
         <p:spPr>
           <a:xfrm>
-            <a:off x="457200" y="1474376"/>
-            <a:ext cx="8229600" cy="4651788"/>
+            <a:off x="457200" y="1342295"/>
+            <a:ext cx="8433010" cy="6338665"/>
           </a:xfrm>
         </p:spPr>
         <p:txBody>
           <a:bodyPr>
-            <a:noAutofit/>
+            <a:normAutofit/>
           </a:bodyPr>
           <a:lstStyle/>
           <a:p>
             <a:pPr marL="0" indent="0">
+              <a:lnSpc>
+                <a:spcPct val="90000"/>
+              </a:lnSpc>
               <a:buNone/>
             </a:pPr>
             <a:r>
-              <a:rPr lang="en-US" sz="1200" dirty="0">
+              <a:rPr lang="en-US" sz="1300" dirty="0">
                 <a:solidFill>
                   <a:srgbClr val="000000"/>
                 </a:solidFill>
                 <a:latin typeface="Consolas"/>
               </a:rPr>
-              <a:t>DataStream&lt;Tuple2&lt;String, String&gt;&gt; </a:t>
-            </a:r>
-            <a:r>
-              <a:rPr lang="en-US" sz="1200" dirty="0" err="1">
+              <a:t>DataStream&lt;String&gt; </a:t>
+            </a:r>
+            <a:r>
+              <a:rPr lang="en-US" sz="1300" dirty="0" err="1">
                 <a:solidFill>
                   <a:srgbClr val="000000"/>
                 </a:solidFill>
@@ -6014,7 +5732,7 @@
               <a:t>aStream</a:t>
             </a:r>
             <a:r>
-              <a:rPr lang="en-US" sz="1200" dirty="0">
+              <a:rPr lang="en-US" sz="1300" dirty="0">
                 <a:solidFill>
                   <a:srgbClr val="000000"/>
                 </a:solidFill>
@@ -6025,113 +5743,57 @@
           </a:p>
           <a:p>
             <a:pPr marL="0" indent="0">
+              <a:lnSpc>
+                <a:spcPct val="90000"/>
+              </a:lnSpc>
               <a:buNone/>
             </a:pPr>
             <a:r>
-              <a:rPr lang="en-US" sz="1200" dirty="0" err="1">
+              <a:rPr lang="en-US" sz="1300" dirty="0">
                 <a:solidFill>
                   <a:srgbClr val="000000"/>
                 </a:solidFill>
                 <a:latin typeface="Consolas"/>
               </a:rPr>
-              <a:t>KeyedStream</a:t>
-            </a:r>
-            <a:r>
-              <a:rPr lang="en-US" sz="1200" dirty="0">
+              <a:t>DataStream&lt;Long&gt; lengths = </a:t>
+            </a:r>
+            <a:r>
+              <a:rPr lang="en-US" sz="1300" dirty="0" err="1">
                 <a:solidFill>
                   <a:srgbClr val="000000"/>
                 </a:solidFill>
                 <a:latin typeface="Consolas"/>
               </a:rPr>
-              <a:t>&lt;Tuple2&lt;String, String&gt;, Tuple&gt; </a:t>
-            </a:r>
-            <a:r>
-              <a:rPr lang="en-US" sz="1200" dirty="0" err="1">
+              <a:t>aStream.map</a:t>
+            </a:r>
+            <a:r>
+              <a:rPr lang="en-US" sz="1300" dirty="0">
                 <a:solidFill>
                   <a:srgbClr val="000000"/>
                 </a:solidFill>
                 <a:latin typeface="Consolas"/>
               </a:rPr>
-              <a:t>keyedStream</a:t>
-            </a:r>
-            <a:r>
-              <a:rPr lang="en-US" sz="1200" dirty="0">
+              <a:t>(new </a:t>
+            </a:r>
+            <a:r>
+              <a:rPr lang="en-US" sz="1300" dirty="0" err="1">
                 <a:solidFill>
                   <a:srgbClr val="000000"/>
                 </a:solidFill>
                 <a:latin typeface="Consolas"/>
               </a:rPr>
-              <a:t> = </a:t>
-            </a:r>
-            <a:r>
-              <a:rPr lang="en-US" sz="1200" dirty="0" err="1">
+              <a:t>MapWithCounter</a:t>
+            </a:r>
+            <a:r>
+              <a:rPr lang="en-US" sz="1300" dirty="0">
                 <a:solidFill>
                   <a:srgbClr val="000000"/>
                 </a:solidFill>
                 <a:latin typeface="Consolas"/>
               </a:rPr>
-              <a:t>aStream.keyBy</a:t>
-            </a:r>
-            <a:r>
-              <a:rPr lang="en-US" sz="1200" dirty="0">
-                <a:solidFill>
-                  <a:srgbClr val="000000"/>
-                </a:solidFill>
-                <a:latin typeface="Consolas"/>
-              </a:rPr>
-              <a:t>(0);</a:t>
-            </a:r>
-          </a:p>
-          <a:p>
-            <a:pPr marL="0" indent="0">
-              <a:buNone/>
-            </a:pPr>
-            <a:r>
-              <a:rPr lang="en-US" sz="1200" dirty="0">
-                <a:solidFill>
-                  <a:srgbClr val="000000"/>
-                </a:solidFill>
-                <a:latin typeface="Consolas"/>
-              </a:rPr>
-              <a:t>DataStream&lt;Long&gt; lengths = </a:t>
-            </a:r>
-            <a:r>
-              <a:rPr lang="en-US" sz="1200" dirty="0" err="1">
-                <a:solidFill>
-                  <a:srgbClr val="000000"/>
-                </a:solidFill>
-                <a:latin typeface="Consolas"/>
-              </a:rPr>
-              <a:t>keyedStream.map</a:t>
-            </a:r>
-            <a:r>
-              <a:rPr lang="en-US" sz="1200" dirty="0">
-                <a:solidFill>
-                  <a:srgbClr val="000000"/>
-                </a:solidFill>
-                <a:latin typeface="Consolas"/>
-              </a:rPr>
-              <a:t>(new </a:t>
-            </a:r>
-            <a:r>
-              <a:rPr lang="en-US" sz="1200" dirty="0" err="1">
-                <a:solidFill>
-                  <a:srgbClr val="000000"/>
-                </a:solidFill>
-                <a:latin typeface="Consolas"/>
-              </a:rPr>
-              <a:t>MapWithCounter</a:t>
-            </a:r>
-            <a:r>
-              <a:rPr lang="en-US" sz="1200" dirty="0">
-                <a:solidFill>
-                  <a:srgbClr val="000000"/>
-                </a:solidFill>
-                <a:latin typeface="Consolas"/>
-              </a:rPr>
               <a:t>());</a:t>
             </a:r>
-            <a:endParaRPr lang="en-US" sz="1200" b="1" dirty="0">
+            <a:endParaRPr lang="en-US" sz="1300" b="1" dirty="0">
               <a:solidFill>
                 <a:srgbClr val="000080"/>
               </a:solidFill>
@@ -6140,9 +5802,12 @@
           </a:p>
           <a:p>
             <a:pPr marL="0" indent="0">
+              <a:lnSpc>
+                <a:spcPct val="90000"/>
+              </a:lnSpc>
               <a:buNone/>
             </a:pPr>
-            <a:endParaRPr lang="en-US" sz="1200" b="1" dirty="0">
+            <a:endParaRPr lang="en-US" sz="1300" b="1" dirty="0">
               <a:solidFill>
                 <a:srgbClr val="000080"/>
               </a:solidFill>
@@ -6151,10 +5816,13 @@
           </a:p>
           <a:p>
             <a:pPr marL="0" indent="0">
+              <a:lnSpc>
+                <a:spcPct val="90000"/>
+              </a:lnSpc>
               <a:buNone/>
             </a:pPr>
             <a:r>
-              <a:rPr lang="en-US" sz="1200" b="1" dirty="0">
+              <a:rPr lang="en-US" sz="1300" b="1" dirty="0">
                 <a:solidFill>
                   <a:srgbClr val="000080"/>
                 </a:solidFill>
@@ -6163,7 +5831,7 @@
               <a:t>public static class </a:t>
             </a:r>
             <a:r>
-              <a:rPr lang="en-US" sz="1200" dirty="0" err="1">
+              <a:rPr lang="en-US" sz="1300" dirty="0" err="1">
                 <a:solidFill>
                   <a:srgbClr val="000000"/>
                 </a:solidFill>
@@ -6172,7 +5840,7 @@
               <a:t>MapWithCounter</a:t>
             </a:r>
             <a:r>
-              <a:rPr lang="en-US" sz="1200" dirty="0">
+              <a:rPr lang="en-US" sz="1300" dirty="0">
                 <a:solidFill>
                   <a:srgbClr val="000000"/>
                 </a:solidFill>
@@ -6183,699 +5851,720 @@
           </a:p>
           <a:p>
             <a:pPr marL="0" indent="0">
+              <a:lnSpc>
+                <a:spcPct val="90000"/>
+              </a:lnSpc>
               <a:buNone/>
             </a:pPr>
             <a:r>
-              <a:rPr lang="en-US" sz="1200" b="1" dirty="0">
+              <a:rPr lang="en-US" sz="1300" b="1" dirty="0">
                 <a:solidFill>
                   <a:srgbClr val="000000"/>
                 </a:solidFill>
                 <a:latin typeface="Consolas"/>
               </a:rPr>
-              <a:t>    </a:t>
-            </a:r>
-            <a:r>
-              <a:rPr lang="en-US" sz="1200" b="1" dirty="0">
+              <a:t>	</a:t>
+            </a:r>
+            <a:r>
+              <a:rPr lang="en-US" sz="1300" b="1" dirty="0">
                 <a:solidFill>
                   <a:srgbClr val="000080"/>
                 </a:solidFill>
                 <a:latin typeface="Consolas"/>
               </a:rPr>
-              <a:t>extends </a:t>
-            </a:r>
-            <a:r>
-              <a:rPr lang="en-US" sz="1200" dirty="0" err="1">
+              <a:t>implements </a:t>
+            </a:r>
+            <a:r>
+              <a:rPr lang="en-US" sz="1300" dirty="0" err="1">
                 <a:solidFill>
                   <a:srgbClr val="000000"/>
                 </a:solidFill>
                 <a:latin typeface="Consolas"/>
               </a:rPr>
-              <a:t>RichMapFunction</a:t>
-            </a:r>
-            <a:r>
-              <a:rPr lang="en-US" sz="1200" dirty="0">
+              <a:t>MapFunction</a:t>
+            </a:r>
+            <a:r>
+              <a:rPr lang="en-US" sz="1300" dirty="0">
                 <a:solidFill>
                   <a:srgbClr val="000000"/>
                 </a:solidFill>
                 <a:latin typeface="Consolas"/>
               </a:rPr>
-              <a:t>&lt;Tuple2&lt;String, String&gt;, Long&gt; {</a:t>
-            </a:r>
+              <a:t>&lt;String, Long&gt;, </a:t>
+            </a:r>
+            <a:r>
+              <a:rPr lang="en-US" sz="1300" dirty="0" err="1">
+                <a:solidFill>
+                  <a:srgbClr val="FF0000"/>
+                </a:solidFill>
+                <a:latin typeface="Consolas"/>
+              </a:rPr>
+              <a:t>Checkpointed</a:t>
+            </a:r>
+            <a:r>
+              <a:rPr lang="en-US" sz="1300" dirty="0">
+                <a:solidFill>
+                  <a:srgbClr val="000000"/>
+                </a:solidFill>
+                <a:latin typeface="Consolas"/>
+              </a:rPr>
+              <a:t>&lt;Long&gt; {</a:t>
+            </a:r>
+            <a:br>
+              <a:rPr lang="en-US" sz="1300" dirty="0">
+                <a:solidFill>
+                  <a:srgbClr val="000000"/>
+                </a:solidFill>
+                <a:latin typeface="Consolas"/>
+              </a:rPr>
+            </a:br>
+            <a:endParaRPr lang="en-US" sz="1300" dirty="0">
+              <a:solidFill>
+                <a:srgbClr val="000000"/>
+              </a:solidFill>
+              <a:latin typeface="Consolas"/>
+            </a:endParaRPr>
           </a:p>
           <a:p>
             <a:pPr marL="0" indent="0">
+              <a:lnSpc>
+                <a:spcPct val="90000"/>
+              </a:lnSpc>
               <a:buNone/>
             </a:pPr>
             <a:r>
-              <a:rPr lang="en-US" sz="1200" b="1" dirty="0">
+              <a:rPr lang="en-US" sz="1300" dirty="0">
                 <a:solidFill>
                   <a:srgbClr val="000000"/>
                 </a:solidFill>
                 <a:latin typeface="Consolas"/>
               </a:rPr>
+              <a:t>	</a:t>
+            </a:r>
+            <a:r>
+              <a:rPr lang="en-US" sz="1300" b="1" dirty="0">
+                <a:solidFill>
+                  <a:srgbClr val="000080"/>
+                </a:solidFill>
+                <a:latin typeface="Consolas"/>
+              </a:rPr>
+              <a:t>private long </a:t>
+            </a:r>
+            <a:r>
+              <a:rPr lang="en-US" sz="1300" dirty="0" err="1">
+                <a:solidFill>
+                  <a:srgbClr val="FF0000"/>
+                </a:solidFill>
+                <a:latin typeface="Consolas"/>
+              </a:rPr>
+              <a:t>totalLength</a:t>
+            </a:r>
+            <a:r>
+              <a:rPr lang="en-US" sz="1300" dirty="0">
+                <a:solidFill>
+                  <a:srgbClr val="FF0000"/>
+                </a:solidFill>
+                <a:latin typeface="Consolas"/>
+              </a:rPr>
               <a:t> </a:t>
             </a:r>
             <a:r>
-              <a:rPr lang="en-US" sz="1200" b="1" dirty="0">
-                <a:solidFill>
-                  <a:srgbClr val="000080"/>
-                </a:solidFill>
-                <a:latin typeface="Consolas"/>
-              </a:rPr>
-              <a:t>   private </a:t>
-            </a:r>
-            <a:r>
-              <a:rPr lang="en-US" sz="1200" dirty="0" err="1">
+              <a:rPr lang="en-US" sz="1300" dirty="0">
                 <a:solidFill>
                   <a:srgbClr val="000000"/>
                 </a:solidFill>
                 <a:latin typeface="Consolas"/>
               </a:rPr>
-              <a:t>ValueState</a:t>
-            </a:r>
-            <a:r>
-              <a:rPr lang="en-US" sz="1200" dirty="0">
-                <a:solidFill>
-                  <a:srgbClr val="000000"/>
-                </a:solidFill>
-                <a:latin typeface="Consolas"/>
-              </a:rPr>
-              <a:t>&lt;Long&gt; </a:t>
-            </a:r>
-            <a:r>
-              <a:rPr lang="en-US" sz="1200" dirty="0" err="1">
-                <a:solidFill>
-                  <a:srgbClr val="FF0000"/>
-                </a:solidFill>
-                <a:latin typeface="Consolas"/>
-              </a:rPr>
-              <a:t>totalLengthByKey</a:t>
-            </a:r>
-            <a:r>
-              <a:rPr lang="en-US" sz="1200" dirty="0">
-                <a:solidFill>
-                  <a:srgbClr val="000000"/>
-                </a:solidFill>
-                <a:latin typeface="Consolas"/>
-              </a:rPr>
-              <a:t>;</a:t>
+              <a:t>= 0;</a:t>
             </a:r>
           </a:p>
           <a:p>
             <a:pPr marL="0" indent="0">
+              <a:lnSpc>
+                <a:spcPct val="90000"/>
+              </a:lnSpc>
               <a:buNone/>
             </a:pPr>
             <a:r>
-              <a:rPr lang="en-US" sz="1200" dirty="0">
+              <a:rPr lang="en-US" sz="1300" dirty="0">
                 <a:solidFill>
                   <a:srgbClr val="000000"/>
                 </a:solidFill>
                 <a:latin typeface="Consolas"/>
               </a:rPr>
-              <a:t>    </a:t>
+              <a:t/>
+            </a:r>
+            <a:br>
+              <a:rPr lang="en-US" sz="1300" dirty="0">
+                <a:solidFill>
+                  <a:srgbClr val="000000"/>
+                </a:solidFill>
+                <a:latin typeface="Consolas"/>
+              </a:rPr>
+            </a:br>
+            <a:r>
+              <a:rPr lang="en-US" sz="1300" dirty="0">
+                <a:solidFill>
+                  <a:srgbClr val="000000"/>
+                </a:solidFill>
+                <a:latin typeface="Consolas"/>
+              </a:rPr>
+              <a:t>	</a:t>
+            </a:r>
+            <a:r>
+              <a:rPr lang="en-US" sz="1300" dirty="0">
+                <a:solidFill>
+                  <a:srgbClr val="808000"/>
+                </a:solidFill>
+                <a:latin typeface="Consolas"/>
+              </a:rPr>
+              <a:t>@Override</a:t>
+            </a:r>
+            <a:br>
+              <a:rPr lang="en-US" sz="1300" dirty="0">
+                <a:solidFill>
+                  <a:srgbClr val="808000"/>
+                </a:solidFill>
+                <a:latin typeface="Consolas"/>
+              </a:rPr>
+            </a:br>
+            <a:r>
+              <a:rPr lang="en-US" sz="1300" dirty="0">
+                <a:solidFill>
+                  <a:srgbClr val="808000"/>
+                </a:solidFill>
+                <a:latin typeface="Consolas"/>
+              </a:rPr>
+              <a:t>	</a:t>
+            </a:r>
+            <a:r>
+              <a:rPr lang="en-US" sz="1300" b="1" dirty="0">
+                <a:solidFill>
+                  <a:srgbClr val="000080"/>
+                </a:solidFill>
+                <a:latin typeface="Consolas"/>
+              </a:rPr>
+              <a:t>public </a:t>
+            </a:r>
+            <a:r>
+              <a:rPr lang="en-US" sz="1300" dirty="0">
+                <a:solidFill>
+                  <a:srgbClr val="000000"/>
+                </a:solidFill>
+                <a:latin typeface="Consolas"/>
+              </a:rPr>
+              <a:t>Long</a:t>
+            </a:r>
+            <a:r>
+              <a:rPr lang="en-US" sz="1300" b="1" dirty="0">
+                <a:solidFill>
+                  <a:srgbClr val="000080"/>
+                </a:solidFill>
+                <a:latin typeface="Consolas"/>
+              </a:rPr>
+              <a:t> </a:t>
+            </a:r>
+            <a:r>
+              <a:rPr lang="en-US" sz="1300" dirty="0">
+                <a:solidFill>
+                  <a:srgbClr val="000000"/>
+                </a:solidFill>
+                <a:latin typeface="Consolas"/>
+              </a:rPr>
+              <a:t>map (String value) {</a:t>
             </a:r>
           </a:p>
           <a:p>
             <a:pPr marL="0" indent="0">
+              <a:lnSpc>
+                <a:spcPct val="90000"/>
+              </a:lnSpc>
               <a:buNone/>
             </a:pPr>
             <a:r>
-              <a:rPr lang="en-US" sz="1200" dirty="0">
+              <a:rPr lang="en-US" sz="1300" dirty="0">
                 <a:solidFill>
                   <a:srgbClr val="000000"/>
                 </a:solidFill>
                 <a:latin typeface="Consolas"/>
               </a:rPr>
-              <a:t>    </a:t>
-            </a:r>
-            <a:r>
-              <a:rPr lang="en-US" sz="1200" dirty="0">
-                <a:solidFill>
-                  <a:srgbClr val="808000"/>
-                </a:solidFill>
-                <a:latin typeface="Consolas"/>
-              </a:rPr>
-              <a:t>@Override</a:t>
-            </a:r>
-            <a:br>
-              <a:rPr lang="en-US" sz="1200" dirty="0">
-                <a:solidFill>
-                  <a:srgbClr val="808000"/>
-                </a:solidFill>
-                <a:latin typeface="Consolas"/>
-              </a:rPr>
-            </a:br>
-            <a:r>
-              <a:rPr lang="en-US" sz="1200" dirty="0">
-                <a:solidFill>
-                  <a:srgbClr val="808000"/>
-                </a:solidFill>
-                <a:latin typeface="Consolas"/>
-              </a:rPr>
-              <a:t>    </a:t>
-            </a:r>
-            <a:r>
-              <a:rPr lang="en-US" sz="1200" b="1" dirty="0">
-                <a:solidFill>
-                  <a:srgbClr val="000080"/>
-                </a:solidFill>
-                <a:latin typeface="Consolas"/>
-              </a:rPr>
-              <a:t>public void </a:t>
-            </a:r>
-            <a:r>
-              <a:rPr lang="en-US" sz="1200" dirty="0">
+              <a:t>    		</a:t>
+            </a:r>
+            <a:r>
+              <a:rPr lang="en-US" sz="1300" dirty="0" err="1">
                 <a:solidFill>
                   <a:srgbClr val="000000"/>
                 </a:solidFill>
                 <a:latin typeface="Consolas"/>
               </a:rPr>
-              <a:t>open</a:t>
-            </a:r>
-            <a:r>
-              <a:rPr lang="en-US" sz="1200" b="1" dirty="0">
-                <a:solidFill>
-                  <a:srgbClr val="000080"/>
-                </a:solidFill>
-                <a:latin typeface="Consolas"/>
-              </a:rPr>
-              <a:t> </a:t>
-            </a:r>
-            <a:r>
-              <a:rPr lang="en-US" sz="1200" dirty="0">
+              <a:t>totalLength</a:t>
+            </a:r>
+            <a:r>
+              <a:rPr lang="en-US" sz="1300" dirty="0">
                 <a:solidFill>
                   <a:srgbClr val="000000"/>
                 </a:solidFill>
                 <a:latin typeface="Consolas"/>
               </a:rPr>
-              <a:t>(Configuration </a:t>
-            </a:r>
-            <a:r>
-              <a:rPr lang="en-US" sz="1200" dirty="0" err="1">
+              <a:t> += </a:t>
+            </a:r>
+            <a:r>
+              <a:rPr lang="en-US" sz="1300" dirty="0" err="1">
                 <a:solidFill>
                   <a:srgbClr val="000000"/>
                 </a:solidFill>
                 <a:latin typeface="Consolas"/>
               </a:rPr>
-              <a:t>conf</a:t>
-            </a:r>
-            <a:r>
-              <a:rPr lang="en-US" sz="1200" dirty="0">
+              <a:t>value.length</a:t>
+            </a:r>
+            <a:r>
+              <a:rPr lang="en-US" sz="1300" dirty="0">
                 <a:solidFill>
                   <a:srgbClr val="000000"/>
                 </a:solidFill>
                 <a:latin typeface="Consolas"/>
               </a:rPr>
-              <a:t>) {</a:t>
+              <a:t>();</a:t>
             </a:r>
           </a:p>
           <a:p>
             <a:pPr marL="0" indent="0">
+              <a:lnSpc>
+                <a:spcPct val="90000"/>
+              </a:lnSpc>
               <a:buNone/>
             </a:pPr>
             <a:r>
-              <a:rPr lang="en-US" sz="1200" dirty="0">
+              <a:rPr lang="en-US" sz="1300" b="1" dirty="0">
+                <a:solidFill>
+                  <a:srgbClr val="000080"/>
+                </a:solidFill>
+                <a:latin typeface="Consolas"/>
+              </a:rPr>
+              <a:t>		return</a:t>
+            </a:r>
+            <a:r>
+              <a:rPr lang="en-US" sz="1300" dirty="0">
                 <a:solidFill>
                   <a:srgbClr val="000000"/>
                 </a:solidFill>
                 <a:latin typeface="Consolas"/>
               </a:rPr>
-              <a:t>        ValueStateDescriptor&lt;Long&gt; descriptor = new ValueStateDescriptor&lt;&gt;(</a:t>
+              <a:t> </a:t>
+            </a:r>
+            <a:r>
+              <a:rPr lang="en-US" sz="1300" dirty="0" err="1">
+                <a:solidFill>
+                  <a:srgbClr val="000000"/>
+                </a:solidFill>
+                <a:latin typeface="Consolas"/>
+              </a:rPr>
+              <a:t>totalLength</a:t>
+            </a:r>
+            <a:r>
+              <a:rPr lang="en-US" sz="1300" dirty="0">
+                <a:solidFill>
+                  <a:srgbClr val="000000"/>
+                </a:solidFill>
+                <a:latin typeface="Consolas"/>
+              </a:rPr>
+              <a:t>;</a:t>
+            </a:r>
+            <a:br>
+              <a:rPr lang="en-US" sz="1300" dirty="0">
+                <a:solidFill>
+                  <a:srgbClr val="000000"/>
+                </a:solidFill>
+                <a:latin typeface="Consolas"/>
+              </a:rPr>
+            </a:br>
+            <a:r>
+              <a:rPr lang="en-US" sz="1300" dirty="0">
+                <a:solidFill>
+                  <a:srgbClr val="000000"/>
+                </a:solidFill>
+                <a:latin typeface="Consolas"/>
+              </a:rPr>
+              <a:t>	}</a:t>
             </a:r>
           </a:p>
           <a:p>
             <a:pPr marL="0" indent="0">
+              <a:lnSpc>
+                <a:spcPct val="90000"/>
+              </a:lnSpc>
               <a:buNone/>
             </a:pPr>
-            <a:r>
-              <a:rPr lang="en-US" sz="1200" dirty="0">
-                <a:solidFill>
-                  <a:srgbClr val="000000"/>
-                </a:solidFill>
-                <a:latin typeface="Consolas"/>
-              </a:rPr>
-              <a:t>            "</a:t>
-            </a:r>
-            <a:r>
-              <a:rPr lang="en-US" sz="1200" dirty="0" err="1">
-                <a:solidFill>
-                  <a:srgbClr val="000000"/>
-                </a:solidFill>
-                <a:latin typeface="Consolas"/>
-              </a:rPr>
-              <a:t>totalLengthByKey</a:t>
-            </a:r>
-            <a:r>
-              <a:rPr lang="en-US" sz="1200" dirty="0">
-                <a:solidFill>
-                  <a:srgbClr val="000000"/>
-                </a:solidFill>
-                <a:latin typeface="Consolas"/>
-              </a:rPr>
-              <a:t>", </a:t>
-            </a:r>
-            <a:r>
-              <a:rPr lang="en-US" sz="1200" dirty="0" err="1">
-                <a:solidFill>
-                  <a:srgbClr val="000000"/>
-                </a:solidFill>
-                <a:latin typeface="Consolas"/>
-              </a:rPr>
-              <a:t>Long.class</a:t>
-            </a:r>
-            <a:r>
-              <a:rPr lang="en-US" sz="1200" dirty="0">
-                <a:solidFill>
-                  <a:srgbClr val="000000"/>
-                </a:solidFill>
-                <a:latin typeface="Consolas"/>
-              </a:rPr>
-              <a:t>, 0L);</a:t>
-            </a:r>
+            <a:endParaRPr lang="en-US" sz="1300" dirty="0">
+              <a:solidFill>
+                <a:srgbClr val="000000"/>
+              </a:solidFill>
+              <a:latin typeface="Consolas"/>
+            </a:endParaRPr>
           </a:p>
           <a:p>
             <a:pPr marL="0" indent="0">
+              <a:lnSpc>
+                <a:spcPct val="90000"/>
+              </a:lnSpc>
               <a:buNone/>
             </a:pPr>
             <a:r>
-              <a:rPr lang="en-US" sz="1200" dirty="0">
+              <a:rPr lang="en-US" sz="1300" dirty="0">
+                <a:solidFill>
+                  <a:srgbClr val="808000"/>
+                </a:solidFill>
+                <a:latin typeface="Consolas"/>
+              </a:rPr>
+              <a:t>	@Override</a:t>
+            </a:r>
+            <a:br>
+              <a:rPr lang="en-US" sz="1300" dirty="0">
+                <a:solidFill>
+                  <a:srgbClr val="808000"/>
+                </a:solidFill>
+                <a:latin typeface="Consolas"/>
+              </a:rPr>
+            </a:br>
+            <a:r>
+              <a:rPr lang="en-US" sz="1300" dirty="0">
+                <a:solidFill>
+                  <a:srgbClr val="808000"/>
+                </a:solidFill>
+                <a:latin typeface="Consolas"/>
+              </a:rPr>
+              <a:t>	</a:t>
+            </a:r>
+            <a:r>
+              <a:rPr lang="en-US" sz="1300" b="1" dirty="0">
+                <a:solidFill>
+                  <a:srgbClr val="000080"/>
+                </a:solidFill>
+                <a:latin typeface="Consolas"/>
+              </a:rPr>
+              <a:t>public </a:t>
+            </a:r>
+            <a:r>
+              <a:rPr lang="en-US" sz="1300" dirty="0">
                 <a:solidFill>
                   <a:srgbClr val="000000"/>
                 </a:solidFill>
                 <a:latin typeface="Consolas"/>
               </a:rPr>
-              <a:t>        </a:t>
-            </a:r>
-            <a:r>
-              <a:rPr lang="en-US" sz="1200" dirty="0" err="1">
+              <a:t>Long </a:t>
+            </a:r>
+            <a:r>
+              <a:rPr lang="en-US" sz="1300" dirty="0" err="1">
+                <a:solidFill>
+                  <a:srgbClr val="FF0000"/>
+                </a:solidFill>
+                <a:latin typeface="Consolas"/>
+              </a:rPr>
+              <a:t>snapshotState</a:t>
+            </a:r>
+            <a:r>
+              <a:rPr lang="en-US" sz="1300" dirty="0">
                 <a:solidFill>
                   <a:srgbClr val="000000"/>
                 </a:solidFill>
                 <a:latin typeface="Consolas"/>
               </a:rPr>
-              <a:t>totalLengthByKey</a:t>
-            </a:r>
-            <a:r>
-              <a:rPr lang="en-US" sz="1200" dirty="0">
+              <a:t>(long </a:t>
+            </a:r>
+            <a:r>
+              <a:rPr lang="en-US" sz="1300" dirty="0" err="1">
                 <a:solidFill>
                   <a:srgbClr val="000000"/>
                 </a:solidFill>
                 <a:latin typeface="Consolas"/>
               </a:rPr>
-              <a:t> = </a:t>
-            </a:r>
-            <a:r>
-              <a:rPr lang="en-US" sz="1200" dirty="0" err="1">
+              <a:t>cpId</a:t>
+            </a:r>
+            <a:r>
+              <a:rPr lang="en-US" sz="1300" dirty="0">
                 <a:solidFill>
                   <a:srgbClr val="000000"/>
                 </a:solidFill>
                 <a:latin typeface="Consolas"/>
               </a:rPr>
-              <a:t>getRuntimeContext</a:t>
-            </a:r>
-            <a:r>
-              <a:rPr lang="en-US" sz="1200" dirty="0">
+              <a:t>, long </a:t>
+            </a:r>
+            <a:r>
+              <a:rPr lang="en-US" sz="1300" dirty="0" err="1">
                 <a:solidFill>
                   <a:srgbClr val="000000"/>
                 </a:solidFill>
                 <a:latin typeface="Consolas"/>
               </a:rPr>
-              <a:t>().</a:t>
-            </a:r>
-            <a:r>
-              <a:rPr lang="en-US" sz="1200" dirty="0" err="1">
-                <a:solidFill>
-                  <a:srgbClr val="FF0000"/>
-                </a:solidFill>
-                <a:latin typeface="Consolas"/>
-              </a:rPr>
-              <a:t>getState</a:t>
-            </a:r>
-            <a:r>
-              <a:rPr lang="en-US" sz="1200" dirty="0">
+              <a:t>cpTimestamp</a:t>
+            </a:r>
+            <a:r>
+              <a:rPr lang="en-US" sz="1300" dirty="0">
                 <a:solidFill>
                   <a:srgbClr val="000000"/>
                 </a:solidFill>
                 <a:latin typeface="Consolas"/>
               </a:rPr>
-              <a:t>(descriptor);</a:t>
+              <a:t>) </a:t>
+            </a:r>
+            <a:r>
+              <a:rPr lang="en-US" sz="1300" b="1" dirty="0">
+                <a:solidFill>
+                  <a:srgbClr val="000080"/>
+                </a:solidFill>
+                <a:latin typeface="Consolas"/>
+              </a:rPr>
+              <a:t>throws</a:t>
+            </a:r>
+            <a:r>
+              <a:rPr lang="en-US" sz="1300" dirty="0">
+                <a:solidFill>
+                  <a:srgbClr val="000000"/>
+                </a:solidFill>
+                <a:latin typeface="Consolas"/>
+              </a:rPr>
+              <a:t> Exception {</a:t>
             </a:r>
           </a:p>
           <a:p>
             <a:pPr marL="0" indent="0">
+              <a:lnSpc>
+                <a:spcPct val="90000"/>
+              </a:lnSpc>
               <a:buNone/>
             </a:pPr>
             <a:r>
-              <a:rPr lang="en-US" sz="1200" dirty="0">
+              <a:rPr lang="en-US" sz="1300" dirty="0">
                 <a:solidFill>
                   <a:srgbClr val="000000"/>
                 </a:solidFill>
                 <a:latin typeface="Consolas"/>
               </a:rPr>
-              <a:t>    }</a:t>
+              <a:t>		</a:t>
+            </a:r>
+            <a:r>
+              <a:rPr lang="en-US" sz="1300" b="1" dirty="0">
+                <a:solidFill>
+                  <a:srgbClr val="000080"/>
+                </a:solidFill>
+                <a:latin typeface="Consolas"/>
+              </a:rPr>
+              <a:t>return</a:t>
+            </a:r>
+            <a:r>
+              <a:rPr lang="en-US" sz="1300" dirty="0">
+                <a:solidFill>
+                  <a:srgbClr val="000000"/>
+                </a:solidFill>
+                <a:latin typeface="Consolas"/>
+              </a:rPr>
+              <a:t> </a:t>
+            </a:r>
+            <a:r>
+              <a:rPr lang="en-US" sz="1300" dirty="0" err="1">
+                <a:solidFill>
+                  <a:srgbClr val="000000"/>
+                </a:solidFill>
+                <a:latin typeface="Consolas"/>
+              </a:rPr>
+              <a:t>totalLength</a:t>
+            </a:r>
+            <a:r>
+              <a:rPr lang="en-US" sz="1300" dirty="0">
+                <a:solidFill>
+                  <a:srgbClr val="000000"/>
+                </a:solidFill>
+                <a:latin typeface="Consolas"/>
+              </a:rPr>
+              <a:t>;</a:t>
+            </a:r>
+            <a:br>
+              <a:rPr lang="en-US" sz="1300" dirty="0">
+                <a:solidFill>
+                  <a:srgbClr val="000000"/>
+                </a:solidFill>
+                <a:latin typeface="Consolas"/>
+              </a:rPr>
+            </a:br>
+            <a:r>
+              <a:rPr lang="en-US" sz="1300" dirty="0">
+                <a:solidFill>
+                  <a:srgbClr val="000000"/>
+                </a:solidFill>
+                <a:latin typeface="Consolas"/>
+              </a:rPr>
+              <a:t>	}</a:t>
             </a:r>
           </a:p>
           <a:p>
             <a:pPr marL="0" indent="0">
+              <a:lnSpc>
+                <a:spcPct val="90000"/>
+              </a:lnSpc>
               <a:buNone/>
             </a:pPr>
-            <a:r>
-              <a:rPr lang="en-US" sz="1200" dirty="0">
-                <a:solidFill>
-                  <a:srgbClr val="000000"/>
-                </a:solidFill>
-                <a:latin typeface="Consolas"/>
-              </a:rPr>
-              <a:t/>
-            </a:r>
-            <a:br>
-              <a:rPr lang="en-US" sz="1200" dirty="0">
-                <a:solidFill>
-                  <a:srgbClr val="000000"/>
-                </a:solidFill>
-                <a:latin typeface="Consolas"/>
-              </a:rPr>
-            </a:br>
-            <a:r>
-              <a:rPr lang="en-US" sz="1200" dirty="0">
-                <a:solidFill>
-                  <a:srgbClr val="000000"/>
-                </a:solidFill>
-                <a:latin typeface="Consolas"/>
-              </a:rPr>
-              <a:t>    </a:t>
-            </a:r>
-            <a:r>
-              <a:rPr lang="en-US" sz="1200" dirty="0">
-                <a:solidFill>
-                  <a:srgbClr val="808000"/>
-                </a:solidFill>
-                <a:latin typeface="Consolas"/>
-              </a:rPr>
-              <a:t>@Override</a:t>
-            </a:r>
-            <a:br>
-              <a:rPr lang="en-US" sz="1200" dirty="0">
-                <a:solidFill>
-                  <a:srgbClr val="808000"/>
-                </a:solidFill>
-                <a:latin typeface="Consolas"/>
-              </a:rPr>
-            </a:br>
-            <a:r>
-              <a:rPr lang="en-US" sz="1200" dirty="0">
-                <a:solidFill>
-                  <a:srgbClr val="808000"/>
-                </a:solidFill>
-                <a:latin typeface="Consolas"/>
-              </a:rPr>
-              <a:t>    </a:t>
-            </a:r>
-            <a:r>
-              <a:rPr lang="en-US" sz="1200" b="1" dirty="0">
-                <a:solidFill>
-                  <a:srgbClr val="000080"/>
-                </a:solidFill>
-                <a:latin typeface="Consolas"/>
-              </a:rPr>
-              <a:t>public </a:t>
-            </a:r>
-            <a:r>
-              <a:rPr lang="en-US" sz="1200" dirty="0">
-                <a:solidFill>
-                  <a:srgbClr val="000000"/>
-                </a:solidFill>
-                <a:latin typeface="Consolas"/>
-              </a:rPr>
-              <a:t>Long</a:t>
-            </a:r>
-            <a:r>
-              <a:rPr lang="en-US" sz="1200" b="1" dirty="0">
-                <a:solidFill>
-                  <a:srgbClr val="000080"/>
-                </a:solidFill>
-                <a:latin typeface="Consolas"/>
-              </a:rPr>
-              <a:t> </a:t>
-            </a:r>
-            <a:r>
-              <a:rPr lang="en-US" sz="1200" dirty="0">
-                <a:solidFill>
-                  <a:srgbClr val="000000"/>
-                </a:solidFill>
-                <a:latin typeface="Consolas"/>
-              </a:rPr>
-              <a:t>map</a:t>
-            </a:r>
-            <a:r>
-              <a:rPr lang="en-US" sz="1200" b="1" dirty="0">
-                <a:solidFill>
-                  <a:srgbClr val="000080"/>
-                </a:solidFill>
-                <a:latin typeface="Consolas"/>
-              </a:rPr>
-              <a:t> </a:t>
-            </a:r>
-            <a:r>
-              <a:rPr lang="en-US" sz="1200" dirty="0">
-                <a:solidFill>
-                  <a:srgbClr val="000000"/>
-                </a:solidFill>
-                <a:latin typeface="Consolas"/>
-              </a:rPr>
-              <a:t>(Tuple2&lt;</a:t>
-            </a:r>
-            <a:r>
-              <a:rPr lang="en-US" sz="1200" dirty="0" err="1">
-                <a:solidFill>
-                  <a:srgbClr val="000000"/>
-                </a:solidFill>
-                <a:latin typeface="Consolas"/>
-              </a:rPr>
-              <a:t>String, String</a:t>
-            </a:r>
-            <a:r>
-              <a:rPr lang="en-US" sz="1200" dirty="0">
-                <a:solidFill>
-                  <a:srgbClr val="000000"/>
-                </a:solidFill>
-                <a:latin typeface="Consolas"/>
-              </a:rPr>
-              <a:t>&gt; value) </a:t>
-            </a:r>
-            <a:r>
-              <a:rPr lang="en-US" sz="1200" b="1" dirty="0">
-                <a:solidFill>
-                  <a:srgbClr val="000080"/>
-                </a:solidFill>
-                <a:latin typeface="Consolas"/>
-              </a:rPr>
-              <a:t>throws</a:t>
-            </a:r>
-            <a:r>
-              <a:rPr lang="en-US" sz="1200" dirty="0">
-                <a:solidFill>
-                  <a:srgbClr val="000000"/>
-                </a:solidFill>
-                <a:latin typeface="Consolas"/>
-              </a:rPr>
-              <a:t> Exception {</a:t>
-            </a:r>
+            <a:endParaRPr lang="en-US" sz="1300" dirty="0">
+              <a:solidFill>
+                <a:srgbClr val="000000"/>
+              </a:solidFill>
+              <a:latin typeface="Consolas"/>
+            </a:endParaRPr>
           </a:p>
           <a:p>
             <a:pPr marL="0" indent="0">
+              <a:lnSpc>
+                <a:spcPct val="90000"/>
+              </a:lnSpc>
               <a:buNone/>
             </a:pPr>
             <a:r>
-              <a:rPr lang="en-US" sz="1200" dirty="0">
+              <a:rPr lang="en-US" sz="1300" dirty="0">
+                <a:solidFill>
+                  <a:srgbClr val="808000"/>
+                </a:solidFill>
+                <a:latin typeface="Consolas"/>
+              </a:rPr>
+              <a:t>	@Override</a:t>
+            </a:r>
+            <a:br>
+              <a:rPr lang="en-US" sz="1300" dirty="0">
+                <a:solidFill>
+                  <a:srgbClr val="808000"/>
+                </a:solidFill>
+                <a:latin typeface="Consolas"/>
+              </a:rPr>
+            </a:br>
+            <a:r>
+              <a:rPr lang="en-US" sz="1300" dirty="0">
+                <a:solidFill>
+                  <a:srgbClr val="808000"/>
+                </a:solidFill>
+                <a:latin typeface="Consolas"/>
+              </a:rPr>
+              <a:t>	</a:t>
+            </a:r>
+            <a:r>
+              <a:rPr lang="en-US" sz="1300" b="1" dirty="0">
+                <a:solidFill>
+                  <a:srgbClr val="000080"/>
+                </a:solidFill>
+                <a:latin typeface="Consolas"/>
+              </a:rPr>
+              <a:t>public void </a:t>
+            </a:r>
+            <a:r>
+              <a:rPr lang="en-US" sz="1300" dirty="0" err="1">
+                <a:solidFill>
+                  <a:srgbClr val="FF0000"/>
+                </a:solidFill>
+                <a:latin typeface="Consolas"/>
+              </a:rPr>
+              <a:t>restoreState</a:t>
+            </a:r>
+            <a:r>
+              <a:rPr lang="en-US" sz="1300" dirty="0">
                 <a:solidFill>
                   <a:srgbClr val="000000"/>
                 </a:solidFill>
                 <a:latin typeface="Consolas"/>
               </a:rPr>
-              <a:t>        long </a:t>
-            </a:r>
-            <a:r>
-              <a:rPr lang="en-US" sz="1200" dirty="0" err="1">
+              <a:t>(Long state) </a:t>
+            </a:r>
+            <a:r>
+              <a:rPr lang="en-US" sz="1300" b="1" dirty="0">
+                <a:solidFill>
+                  <a:srgbClr val="000080"/>
+                </a:solidFill>
+                <a:latin typeface="Consolas"/>
+              </a:rPr>
+              <a:t>throws</a:t>
+            </a:r>
+            <a:r>
+              <a:rPr lang="en-US" sz="1300" dirty="0">
                 <a:solidFill>
                   <a:srgbClr val="000000"/>
                 </a:solidFill>
                 <a:latin typeface="Consolas"/>
               </a:rPr>
-              <a:t>newTotalLength</a:t>
-            </a:r>
-            <a:r>
-              <a:rPr lang="en-US" sz="1200" dirty="0">
-                <a:solidFill>
-                  <a:srgbClr val="000000"/>
-                </a:solidFill>
-                <a:latin typeface="Consolas"/>
-              </a:rPr>
-              <a:t> = </a:t>
-            </a:r>
-            <a:r>
-              <a:rPr lang="en-US" sz="1200" dirty="0" err="1">
-                <a:solidFill>
-                  <a:srgbClr val="000000"/>
-                </a:solidFill>
-                <a:latin typeface="Consolas"/>
-              </a:rPr>
-              <a:t>totalLengthByKey.value</a:t>
-            </a:r>
-            <a:r>
-              <a:rPr lang="en-US" sz="1200" dirty="0">
-                <a:solidFill>
-                  <a:srgbClr val="000000"/>
-                </a:solidFill>
-                <a:latin typeface="Consolas"/>
-              </a:rPr>
-              <a:t>() + value.f1.length();</a:t>
+              <a:t> Exception {</a:t>
             </a:r>
           </a:p>
           <a:p>
             <a:pPr marL="0" indent="0">
+              <a:lnSpc>
+                <a:spcPct val="90000"/>
+              </a:lnSpc>
               <a:buNone/>
             </a:pPr>
             <a:r>
-              <a:rPr lang="en-US" sz="1200" dirty="0">
+              <a:rPr lang="en-US" sz="1300" dirty="0">
                 <a:solidFill>
                   <a:srgbClr val="000000"/>
                 </a:solidFill>
                 <a:latin typeface="Consolas"/>
               </a:rPr>
-              <a:t>        </a:t>
-            </a:r>
-            <a:r>
-              <a:rPr lang="en-US" sz="1200" dirty="0" err="1">
+              <a:t>		</a:t>
+            </a:r>
+            <a:r>
+              <a:rPr lang="en-US" sz="1300" dirty="0" err="1">
                 <a:solidFill>
                   <a:srgbClr val="000000"/>
                 </a:solidFill>
                 <a:latin typeface="Consolas"/>
               </a:rPr>
-              <a:t>totalLengthByKey.</a:t>
-            </a:r>
-            <a:r>
-              <a:rPr lang="en-US" sz="1200" dirty="0" err="1">
-                <a:solidFill>
-                  <a:srgbClr val="FF0000"/>
-                </a:solidFill>
-                <a:latin typeface="Consolas"/>
-              </a:rPr>
-              <a:t>update</a:t>
-            </a:r>
-            <a:r>
-              <a:rPr lang="en-US" sz="1200" dirty="0">
+              <a:t>totalLength</a:t>
+            </a:r>
+            <a:r>
+              <a:rPr lang="en-US" sz="1300" dirty="0">
                 <a:solidFill>
                   <a:srgbClr val="000000"/>
                 </a:solidFill>
                 <a:latin typeface="Consolas"/>
               </a:rPr>
-              <a:t>(</a:t>
-            </a:r>
-            <a:r>
-              <a:rPr lang="en-US" sz="1200" dirty="0" err="1">
+              <a:t> = state;</a:t>
+            </a:r>
+            <a:br>
+              <a:rPr lang="en-US" sz="1300" dirty="0">
                 <a:solidFill>
                   <a:srgbClr val="000000"/>
                 </a:solidFill>
                 <a:latin typeface="Consolas"/>
               </a:rPr>
-              <a:t>newTotalLength</a:t>
-            </a:r>
-            <a:r>
-              <a:rPr lang="en-US" sz="1200" dirty="0">
+            </a:br>
+            <a:r>
+              <a:rPr lang="en-US" sz="1300" dirty="0">
                 <a:solidFill>
                   <a:srgbClr val="000000"/>
                 </a:solidFill>
                 <a:latin typeface="Consolas"/>
               </a:rPr>
-              <a:t>);</a:t>
+              <a:t>	}</a:t>
             </a:r>
           </a:p>
           <a:p>
             <a:pPr marL="0" indent="0">
+              <a:lnSpc>
+                <a:spcPct val="90000"/>
+              </a:lnSpc>
               <a:buNone/>
             </a:pPr>
             <a:r>
-              <a:rPr lang="en-US" sz="1200" dirty="0">
+              <a:rPr lang="en-US" sz="1300" dirty="0">
                 <a:solidFill>
                   <a:srgbClr val="000000"/>
                 </a:solidFill>
                 <a:latin typeface="Consolas"/>
               </a:rPr>
-              <a:t>        </a:t>
-            </a:r>
-            <a:r>
-              <a:rPr lang="en-US" sz="1200" b="1" dirty="0">
-                <a:solidFill>
-                  <a:srgbClr val="000080"/>
-                </a:solidFill>
-                <a:latin typeface="Consolas"/>
-              </a:rPr>
-              <a:t>return</a:t>
-            </a:r>
-            <a:r>
-              <a:rPr lang="en-US" sz="1200" dirty="0">
-                <a:solidFill>
-                  <a:srgbClr val="000000"/>
-                </a:solidFill>
-                <a:latin typeface="Consolas"/>
-              </a:rPr>
-              <a:t> </a:t>
-            </a:r>
-            <a:r>
-              <a:rPr lang="en-US" sz="1200" dirty="0" err="1">
-                <a:solidFill>
-                  <a:srgbClr val="000000"/>
-                </a:solidFill>
-                <a:latin typeface="Consolas"/>
-              </a:rPr>
-              <a:t>totalLengthByKey.value</a:t>
-            </a:r>
-            <a:r>
-              <a:rPr lang="en-US" sz="1200" dirty="0">
-                <a:solidFill>
-                  <a:srgbClr val="000000"/>
-                </a:solidFill>
-                <a:latin typeface="Consolas"/>
-              </a:rPr>
-              <a:t>();</a:t>
-            </a:r>
-          </a:p>
-          <a:p>
-            <a:pPr marL="0" indent="0">
-              <a:buNone/>
-            </a:pPr>
-            <a:r>
-              <a:rPr lang="en-US" sz="1200" dirty="0">
-                <a:solidFill>
-                  <a:srgbClr val="000000"/>
-                </a:solidFill>
-                <a:latin typeface="Consolas"/>
-              </a:rPr>
-              <a:t>    } </a:t>
-            </a:r>
-          </a:p>
-          <a:p>
-            <a:pPr marL="0" indent="0">
-              <a:buNone/>
-            </a:pPr>
-            <a:r>
-              <a:rPr lang="en-US" sz="1200" dirty="0">
-                <a:solidFill>
-                  <a:srgbClr val="000000"/>
-                </a:solidFill>
-                <a:latin typeface="Consolas"/>
-              </a:rPr>
               <a:t>}</a:t>
             </a:r>
-            <a:endParaRPr lang="en-US" sz="1200" dirty="0"/>
+            <a:endParaRPr lang="en-US" sz="1300" dirty="0"/>
           </a:p>
         </p:txBody>
       </p:sp>
     </p:spTree>
     <p:extLst>
       <p:ext uri="{BB962C8B-B14F-4D97-AF65-F5344CB8AC3E}">
-        <p14:creationId xmlns:p14="http://schemas.microsoft.com/office/powerpoint/2010/main" val="3881912024"/>
+        <p14:creationId xmlns:p14="http://schemas.microsoft.com/office/powerpoint/2010/main" val="1921899018"/>
       </p:ext>
     </p:extLst>
   </p:cSld>
@@ -6904,7 +6593,7 @@
       </p:grpSpPr>
       <p:sp>
         <p:nvSpPr>
-          <p:cNvPr id="5" name="Title 4"/>
+          <p:cNvPr id="2" name="Title 1"/>
           <p:cNvSpPr>
             <a:spLocks noGrp="1"/>
           </p:cNvSpPr>
@@ -6914,32 +6603,15 @@
         </p:nvSpPr>
         <p:spPr/>
         <p:txBody>
-          <a:bodyPr/>
+          <a:bodyPr>
+            <a:normAutofit/>
+          </a:bodyPr>
           <a:lstStyle/>
           <a:p>
             <a:r>
               <a:rPr lang="en-US" dirty="0"/>
-              <a:t>State Backends</a:t>
-            </a:r>
-          </a:p>
-        </p:txBody>
-      </p:sp>
-      <p:sp>
-        <p:nvSpPr>
-          <p:cNvPr id="6" name="Text Placeholder 5"/>
-          <p:cNvSpPr>
-            <a:spLocks noGrp="1"/>
-          </p:cNvSpPr>
-          <p:nvPr>
-            <p:ph type="body" idx="1"/>
-          </p:nvPr>
-        </p:nvSpPr>
-        <p:spPr/>
-        <p:txBody>
-          <a:bodyPr/>
-          <a:lstStyle/>
-          <a:p>
-            <a:endParaRPr lang="en-US"/>
+              <a:t>Using Key-Partitioned State</a:t>
+            </a:r>
           </a:p>
         </p:txBody>
       </p:sp>
@@ -6979,10 +6651,979 @@
           </a:p>
         </p:txBody>
       </p:sp>
+      <p:sp>
+        <p:nvSpPr>
+          <p:cNvPr id="6" name="Content Placeholder 2"/>
+          <p:cNvSpPr>
+            <a:spLocks noGrp="1"/>
+          </p:cNvSpPr>
+          <p:nvPr>
+            <p:ph idx="1"/>
+          </p:nvPr>
+        </p:nvSpPr>
+        <p:spPr>
+          <a:xfrm>
+            <a:off x="457200" y="1474376"/>
+            <a:ext cx="8229600" cy="4651788"/>
+          </a:xfrm>
+        </p:spPr>
+        <p:txBody>
+          <a:bodyPr>
+            <a:noAutofit/>
+          </a:bodyPr>
+          <a:lstStyle/>
+          <a:p>
+            <a:pPr marL="0" indent="0">
+              <a:buNone/>
+            </a:pPr>
+            <a:r>
+              <a:rPr lang="en-US" sz="1200" dirty="0" smtClean="0">
+                <a:latin typeface="Consolas"/>
+              </a:rPr>
+              <a:t>DataStream&lt;Tuple2&lt;String, String&gt;&gt; strings = </a:t>
+            </a:r>
+            <a:r>
+              <a:rPr lang="is-IS" sz="1200" dirty="0" smtClean="0">
+                <a:latin typeface="Consolas"/>
+              </a:rPr>
+              <a:t>…</a:t>
+            </a:r>
+            <a:br>
+              <a:rPr lang="is-IS" sz="1200" dirty="0" smtClean="0">
+                <a:latin typeface="Consolas"/>
+              </a:rPr>
+            </a:br>
+            <a:r>
+              <a:rPr lang="is-IS" sz="1200" dirty="0" smtClean="0">
+                <a:latin typeface="Consolas"/>
+              </a:rPr>
+              <a:t>DataStream&lt;Long&gt; lengths = strings</a:t>
+            </a:r>
+            <a:br>
+              <a:rPr lang="is-IS" sz="1200" dirty="0" smtClean="0">
+                <a:latin typeface="Consolas"/>
+              </a:rPr>
+            </a:br>
+            <a:r>
+              <a:rPr lang="is-IS" sz="1200" dirty="0" smtClean="0">
+                <a:latin typeface="Consolas"/>
+              </a:rPr>
+              <a:t>  .keyBy(0)</a:t>
+            </a:r>
+            <a:br>
+              <a:rPr lang="is-IS" sz="1200" dirty="0" smtClean="0">
+                <a:latin typeface="Consolas"/>
+              </a:rPr>
+            </a:br>
+            <a:r>
+              <a:rPr lang="is-IS" sz="1200" dirty="0" smtClean="0">
+                <a:latin typeface="Consolas"/>
+              </a:rPr>
+              <a:t>  .map(new MapWithCounter());</a:t>
+            </a:r>
+            <a:r>
+              <a:rPr lang="en-US" sz="1200" dirty="0" smtClean="0">
+                <a:latin typeface="Consolas"/>
+              </a:rPr>
+              <a:t> </a:t>
+            </a:r>
+          </a:p>
+          <a:p>
+            <a:pPr marL="0" indent="0">
+              <a:buNone/>
+            </a:pPr>
+            <a:endParaRPr lang="en-US" sz="1200" b="1" dirty="0">
+              <a:solidFill>
+                <a:srgbClr val="000080"/>
+              </a:solidFill>
+              <a:latin typeface="Consolas"/>
+            </a:endParaRPr>
+          </a:p>
+          <a:p>
+            <a:pPr marL="0" indent="0">
+              <a:buNone/>
+            </a:pPr>
+            <a:r>
+              <a:rPr lang="en-US" sz="1200" b="1" dirty="0" smtClean="0">
+                <a:solidFill>
+                  <a:srgbClr val="000080"/>
+                </a:solidFill>
+                <a:latin typeface="Consolas"/>
+              </a:rPr>
+              <a:t>public </a:t>
+            </a:r>
+            <a:r>
+              <a:rPr lang="en-US" sz="1200" b="1" dirty="0">
+                <a:solidFill>
+                  <a:srgbClr val="000080"/>
+                </a:solidFill>
+                <a:latin typeface="Consolas"/>
+              </a:rPr>
+              <a:t>static class </a:t>
+            </a:r>
+            <a:r>
+              <a:rPr lang="en-US" sz="1200" dirty="0" err="1">
+                <a:solidFill>
+                  <a:srgbClr val="000000"/>
+                </a:solidFill>
+                <a:latin typeface="Consolas"/>
+              </a:rPr>
+              <a:t>MapWithCounter</a:t>
+            </a:r>
+            <a:r>
+              <a:rPr lang="en-US" sz="1200" dirty="0">
+                <a:solidFill>
+                  <a:srgbClr val="000000"/>
+                </a:solidFill>
+                <a:latin typeface="Consolas"/>
+              </a:rPr>
+              <a:t> </a:t>
+            </a:r>
+            <a:r>
+              <a:rPr lang="en-US" sz="1200" b="1" dirty="0" smtClean="0">
+                <a:solidFill>
+                  <a:srgbClr val="000080"/>
+                </a:solidFill>
+                <a:latin typeface="Consolas"/>
+              </a:rPr>
+              <a:t>extends </a:t>
+            </a:r>
+            <a:r>
+              <a:rPr lang="en-US" sz="1200" dirty="0" err="1">
+                <a:solidFill>
+                  <a:srgbClr val="000000"/>
+                </a:solidFill>
+                <a:latin typeface="Consolas"/>
+              </a:rPr>
+              <a:t>RichMapFunction</a:t>
+            </a:r>
+            <a:r>
+              <a:rPr lang="en-US" sz="1200" dirty="0">
+                <a:solidFill>
+                  <a:srgbClr val="000000"/>
+                </a:solidFill>
+                <a:latin typeface="Consolas"/>
+              </a:rPr>
+              <a:t>&lt;Tuple2&lt;String, String&gt;, Long&gt; </a:t>
+            </a:r>
+            <a:r>
+              <a:rPr lang="en-US" sz="1200" dirty="0" smtClean="0">
+                <a:solidFill>
+                  <a:srgbClr val="000000"/>
+                </a:solidFill>
+                <a:latin typeface="Consolas"/>
+              </a:rPr>
+              <a:t>{</a:t>
+            </a:r>
+          </a:p>
+          <a:p>
+            <a:pPr marL="0" indent="0">
+              <a:buNone/>
+            </a:pPr>
+            <a:r>
+              <a:rPr lang="en-US" sz="1200" dirty="0">
+                <a:solidFill>
+                  <a:schemeClr val="bg1">
+                    <a:lumMod val="50000"/>
+                  </a:schemeClr>
+                </a:solidFill>
+                <a:latin typeface="Consolas"/>
+              </a:rPr>
+              <a:t> </a:t>
+            </a:r>
+            <a:r>
+              <a:rPr lang="en-US" sz="1200" dirty="0" smtClean="0">
+                <a:solidFill>
+                  <a:schemeClr val="bg1">
+                    <a:lumMod val="50000"/>
+                  </a:schemeClr>
+                </a:solidFill>
+                <a:latin typeface="Consolas"/>
+              </a:rPr>
+              <a:t>   // state object</a:t>
+            </a:r>
+            <a:endParaRPr lang="en-US" sz="1200" dirty="0">
+              <a:solidFill>
+                <a:schemeClr val="bg1">
+                  <a:lumMod val="50000"/>
+                </a:schemeClr>
+              </a:solidFill>
+              <a:latin typeface="Consolas"/>
+            </a:endParaRPr>
+          </a:p>
+          <a:p>
+            <a:pPr marL="0" indent="0">
+              <a:buNone/>
+            </a:pPr>
+            <a:r>
+              <a:rPr lang="en-US" sz="1200" b="1" dirty="0">
+                <a:solidFill>
+                  <a:srgbClr val="000000"/>
+                </a:solidFill>
+                <a:latin typeface="Consolas"/>
+              </a:rPr>
+              <a:t> </a:t>
+            </a:r>
+            <a:r>
+              <a:rPr lang="en-US" sz="1200" b="1" dirty="0">
+                <a:solidFill>
+                  <a:srgbClr val="000080"/>
+                </a:solidFill>
+                <a:latin typeface="Consolas"/>
+              </a:rPr>
+              <a:t>   private </a:t>
+            </a:r>
+            <a:r>
+              <a:rPr lang="en-US" sz="1200" dirty="0" err="1">
+                <a:solidFill>
+                  <a:srgbClr val="FF0000"/>
+                </a:solidFill>
+                <a:latin typeface="Consolas"/>
+              </a:rPr>
+              <a:t>ValueState</a:t>
+            </a:r>
+            <a:r>
+              <a:rPr lang="en-US" sz="1200" dirty="0">
+                <a:solidFill>
+                  <a:srgbClr val="FF0000"/>
+                </a:solidFill>
+                <a:latin typeface="Consolas"/>
+              </a:rPr>
+              <a:t>&lt;Long&gt; </a:t>
+            </a:r>
+            <a:r>
+              <a:rPr lang="en-US" sz="1200" dirty="0" err="1">
+                <a:solidFill>
+                  <a:srgbClr val="FF0000"/>
+                </a:solidFill>
+                <a:latin typeface="Consolas"/>
+              </a:rPr>
+              <a:t>totalLengthByKey</a:t>
+            </a:r>
+            <a:r>
+              <a:rPr lang="en-US" sz="1200" dirty="0">
+                <a:solidFill>
+                  <a:srgbClr val="000000"/>
+                </a:solidFill>
+                <a:latin typeface="Consolas"/>
+              </a:rPr>
+              <a:t>;</a:t>
+            </a:r>
+          </a:p>
+          <a:p>
+            <a:pPr marL="0" indent="0">
+              <a:buNone/>
+            </a:pPr>
+            <a:r>
+              <a:rPr lang="en-US" sz="1200" dirty="0">
+                <a:solidFill>
+                  <a:srgbClr val="000000"/>
+                </a:solidFill>
+                <a:latin typeface="Consolas"/>
+              </a:rPr>
+              <a:t>    </a:t>
+            </a:r>
+          </a:p>
+          <a:p>
+            <a:pPr marL="0" indent="0">
+              <a:buNone/>
+            </a:pPr>
+            <a:r>
+              <a:rPr lang="en-US" sz="1200" dirty="0">
+                <a:solidFill>
+                  <a:srgbClr val="000000"/>
+                </a:solidFill>
+                <a:latin typeface="Consolas"/>
+              </a:rPr>
+              <a:t>    </a:t>
+            </a:r>
+            <a:r>
+              <a:rPr lang="en-US" sz="1200" dirty="0">
+                <a:solidFill>
+                  <a:srgbClr val="808000"/>
+                </a:solidFill>
+                <a:latin typeface="Consolas"/>
+              </a:rPr>
+              <a:t>@Override</a:t>
+            </a:r>
+            <a:br>
+              <a:rPr lang="en-US" sz="1200" dirty="0">
+                <a:solidFill>
+                  <a:srgbClr val="808000"/>
+                </a:solidFill>
+                <a:latin typeface="Consolas"/>
+              </a:rPr>
+            </a:br>
+            <a:r>
+              <a:rPr lang="en-US" sz="1200" dirty="0">
+                <a:solidFill>
+                  <a:srgbClr val="808000"/>
+                </a:solidFill>
+                <a:latin typeface="Consolas"/>
+              </a:rPr>
+              <a:t>    </a:t>
+            </a:r>
+            <a:r>
+              <a:rPr lang="en-US" sz="1200" b="1" dirty="0">
+                <a:solidFill>
+                  <a:srgbClr val="000080"/>
+                </a:solidFill>
+                <a:latin typeface="Consolas"/>
+              </a:rPr>
+              <a:t>public void </a:t>
+            </a:r>
+            <a:r>
+              <a:rPr lang="en-US" sz="1200" dirty="0">
+                <a:solidFill>
+                  <a:srgbClr val="000000"/>
+                </a:solidFill>
+                <a:latin typeface="Consolas"/>
+              </a:rPr>
+              <a:t>open</a:t>
+            </a:r>
+            <a:r>
+              <a:rPr lang="en-US" sz="1200" b="1" dirty="0">
+                <a:solidFill>
+                  <a:srgbClr val="000080"/>
+                </a:solidFill>
+                <a:latin typeface="Consolas"/>
+              </a:rPr>
+              <a:t> </a:t>
+            </a:r>
+            <a:r>
+              <a:rPr lang="en-US" sz="1200" dirty="0">
+                <a:solidFill>
+                  <a:srgbClr val="000000"/>
+                </a:solidFill>
+                <a:latin typeface="Consolas"/>
+              </a:rPr>
+              <a:t>(Configuration </a:t>
+            </a:r>
+            <a:r>
+              <a:rPr lang="en-US" sz="1200" dirty="0" err="1">
+                <a:solidFill>
+                  <a:srgbClr val="000000"/>
+                </a:solidFill>
+                <a:latin typeface="Consolas"/>
+              </a:rPr>
+              <a:t>conf</a:t>
+            </a:r>
+            <a:r>
+              <a:rPr lang="en-US" sz="1200" dirty="0">
+                <a:solidFill>
+                  <a:srgbClr val="000000"/>
+                </a:solidFill>
+                <a:latin typeface="Consolas"/>
+              </a:rPr>
+              <a:t>) </a:t>
+            </a:r>
+            <a:r>
+              <a:rPr lang="en-US" sz="1200" dirty="0" smtClean="0">
+                <a:solidFill>
+                  <a:srgbClr val="000000"/>
+                </a:solidFill>
+                <a:latin typeface="Consolas"/>
+              </a:rPr>
+              <a:t>{</a:t>
+            </a:r>
+            <a:br>
+              <a:rPr lang="en-US" sz="1200" dirty="0" smtClean="0">
+                <a:solidFill>
+                  <a:srgbClr val="000000"/>
+                </a:solidFill>
+                <a:latin typeface="Consolas"/>
+              </a:rPr>
+            </a:br>
+            <a:r>
+              <a:rPr lang="en-US" sz="1200" dirty="0" smtClean="0">
+                <a:solidFill>
+                  <a:srgbClr val="7F7F7F"/>
+                </a:solidFill>
+                <a:latin typeface="Consolas"/>
+              </a:rPr>
+              <a:t>        // obtain state object</a:t>
+            </a:r>
+            <a:endParaRPr lang="en-US" sz="1200" dirty="0">
+              <a:solidFill>
+                <a:srgbClr val="7F7F7F"/>
+              </a:solidFill>
+              <a:latin typeface="Consolas"/>
+            </a:endParaRPr>
+          </a:p>
+          <a:p>
+            <a:pPr marL="0" indent="0">
+              <a:buNone/>
+            </a:pPr>
+            <a:r>
+              <a:rPr lang="en-US" sz="1200" dirty="0">
+                <a:solidFill>
+                  <a:srgbClr val="000000"/>
+                </a:solidFill>
+                <a:latin typeface="Consolas"/>
+              </a:rPr>
+              <a:t>        </a:t>
+            </a:r>
+            <a:r>
+              <a:rPr lang="en-US" sz="1200" dirty="0">
+                <a:solidFill>
+                  <a:srgbClr val="FF0000"/>
+                </a:solidFill>
+                <a:latin typeface="Consolas"/>
+              </a:rPr>
+              <a:t>ValueStateDescriptor&lt;Long&gt; descriptor = new ValueStateDescriptor&lt;&gt;(</a:t>
+            </a:r>
+          </a:p>
+          <a:p>
+            <a:pPr marL="0" indent="0">
+              <a:buNone/>
+            </a:pPr>
+            <a:r>
+              <a:rPr lang="en-US" sz="1200" dirty="0">
+                <a:solidFill>
+                  <a:srgbClr val="FF0000"/>
+                </a:solidFill>
+                <a:latin typeface="Consolas"/>
+              </a:rPr>
+              <a:t>            "</a:t>
+            </a:r>
+            <a:r>
+              <a:rPr lang="en-US" sz="1200" dirty="0" err="1">
+                <a:solidFill>
+                  <a:srgbClr val="FF0000"/>
+                </a:solidFill>
+                <a:latin typeface="Consolas"/>
+              </a:rPr>
+              <a:t>totalLengthByKey</a:t>
+            </a:r>
+            <a:r>
+              <a:rPr lang="en-US" sz="1200" dirty="0">
+                <a:solidFill>
+                  <a:srgbClr val="FF0000"/>
+                </a:solidFill>
+                <a:latin typeface="Consolas"/>
+              </a:rPr>
+              <a:t>", </a:t>
+            </a:r>
+            <a:r>
+              <a:rPr lang="en-US" sz="1200" dirty="0" err="1">
+                <a:solidFill>
+                  <a:srgbClr val="FF0000"/>
+                </a:solidFill>
+                <a:latin typeface="Consolas"/>
+              </a:rPr>
+              <a:t>Long.class</a:t>
+            </a:r>
+            <a:r>
+              <a:rPr lang="en-US" sz="1200" dirty="0">
+                <a:solidFill>
+                  <a:srgbClr val="FF0000"/>
+                </a:solidFill>
+                <a:latin typeface="Consolas"/>
+              </a:rPr>
+              <a:t>, 0L);</a:t>
+            </a:r>
+          </a:p>
+          <a:p>
+            <a:pPr marL="0" indent="0">
+              <a:buNone/>
+            </a:pPr>
+            <a:r>
+              <a:rPr lang="en-US" sz="1200" dirty="0">
+                <a:solidFill>
+                  <a:srgbClr val="000000"/>
+                </a:solidFill>
+                <a:latin typeface="Consolas"/>
+              </a:rPr>
+              <a:t>        </a:t>
+            </a:r>
+            <a:r>
+              <a:rPr lang="en-US" sz="1200" dirty="0" err="1">
+                <a:solidFill>
+                  <a:srgbClr val="000000"/>
+                </a:solidFill>
+                <a:latin typeface="Consolas"/>
+              </a:rPr>
+              <a:t>totalLengthByKey</a:t>
+            </a:r>
+            <a:r>
+              <a:rPr lang="en-US" sz="1200" dirty="0">
+                <a:solidFill>
+                  <a:srgbClr val="000000"/>
+                </a:solidFill>
+                <a:latin typeface="Consolas"/>
+              </a:rPr>
+              <a:t> = </a:t>
+            </a:r>
+            <a:r>
+              <a:rPr lang="en-US" sz="1200" dirty="0" err="1">
+                <a:solidFill>
+                  <a:srgbClr val="000000"/>
+                </a:solidFill>
+                <a:latin typeface="Consolas"/>
+              </a:rPr>
+              <a:t>getRuntimeContext</a:t>
+            </a:r>
+            <a:r>
+              <a:rPr lang="en-US" sz="1200" dirty="0">
+                <a:solidFill>
+                  <a:srgbClr val="000000"/>
+                </a:solidFill>
+                <a:latin typeface="Consolas"/>
+              </a:rPr>
+              <a:t>().</a:t>
+            </a:r>
+            <a:r>
+              <a:rPr lang="en-US" sz="1200" dirty="0" err="1">
+                <a:solidFill>
+                  <a:srgbClr val="FF0000"/>
+                </a:solidFill>
+                <a:latin typeface="Consolas"/>
+              </a:rPr>
+              <a:t>getState</a:t>
+            </a:r>
+            <a:r>
+              <a:rPr lang="en-US" sz="1200" dirty="0">
+                <a:solidFill>
+                  <a:srgbClr val="FF0000"/>
+                </a:solidFill>
+                <a:latin typeface="Consolas"/>
+              </a:rPr>
+              <a:t>(descriptor)</a:t>
+            </a:r>
+            <a:r>
+              <a:rPr lang="en-US" sz="1200" dirty="0">
+                <a:solidFill>
+                  <a:srgbClr val="000000"/>
+                </a:solidFill>
+                <a:latin typeface="Consolas"/>
+              </a:rPr>
+              <a:t>;</a:t>
+            </a:r>
+          </a:p>
+          <a:p>
+            <a:pPr marL="0" indent="0">
+              <a:buNone/>
+            </a:pPr>
+            <a:r>
+              <a:rPr lang="en-US" sz="1200" dirty="0">
+                <a:solidFill>
+                  <a:srgbClr val="000000"/>
+                </a:solidFill>
+                <a:latin typeface="Consolas"/>
+              </a:rPr>
+              <a:t>    }</a:t>
+            </a:r>
+          </a:p>
+          <a:p>
+            <a:pPr marL="0" indent="0">
+              <a:buNone/>
+            </a:pPr>
+            <a:r>
+              <a:rPr lang="en-US" sz="1200" dirty="0">
+                <a:solidFill>
+                  <a:srgbClr val="000000"/>
+                </a:solidFill>
+                <a:latin typeface="Consolas"/>
+              </a:rPr>
+              <a:t/>
+            </a:r>
+            <a:br>
+              <a:rPr lang="en-US" sz="1200" dirty="0">
+                <a:solidFill>
+                  <a:srgbClr val="000000"/>
+                </a:solidFill>
+                <a:latin typeface="Consolas"/>
+              </a:rPr>
+            </a:br>
+            <a:r>
+              <a:rPr lang="en-US" sz="1200" dirty="0">
+                <a:solidFill>
+                  <a:srgbClr val="000000"/>
+                </a:solidFill>
+                <a:latin typeface="Consolas"/>
+              </a:rPr>
+              <a:t>    </a:t>
+            </a:r>
+            <a:r>
+              <a:rPr lang="en-US" sz="1200" dirty="0">
+                <a:solidFill>
+                  <a:srgbClr val="808000"/>
+                </a:solidFill>
+                <a:latin typeface="Consolas"/>
+              </a:rPr>
+              <a:t>@Override</a:t>
+            </a:r>
+            <a:br>
+              <a:rPr lang="en-US" sz="1200" dirty="0">
+                <a:solidFill>
+                  <a:srgbClr val="808000"/>
+                </a:solidFill>
+                <a:latin typeface="Consolas"/>
+              </a:rPr>
+            </a:br>
+            <a:r>
+              <a:rPr lang="en-US" sz="1200" dirty="0">
+                <a:solidFill>
+                  <a:srgbClr val="808000"/>
+                </a:solidFill>
+                <a:latin typeface="Consolas"/>
+              </a:rPr>
+              <a:t>    </a:t>
+            </a:r>
+            <a:r>
+              <a:rPr lang="en-US" sz="1200" b="1" dirty="0">
+                <a:solidFill>
+                  <a:srgbClr val="000080"/>
+                </a:solidFill>
+                <a:latin typeface="Consolas"/>
+              </a:rPr>
+              <a:t>public </a:t>
+            </a:r>
+            <a:r>
+              <a:rPr lang="en-US" sz="1200" dirty="0">
+                <a:solidFill>
+                  <a:srgbClr val="000000"/>
+                </a:solidFill>
+                <a:latin typeface="Consolas"/>
+              </a:rPr>
+              <a:t>Long</a:t>
+            </a:r>
+            <a:r>
+              <a:rPr lang="en-US" sz="1200" b="1" dirty="0">
+                <a:solidFill>
+                  <a:srgbClr val="000080"/>
+                </a:solidFill>
+                <a:latin typeface="Consolas"/>
+              </a:rPr>
+              <a:t> </a:t>
+            </a:r>
+            <a:r>
+              <a:rPr lang="en-US" sz="1200" dirty="0">
+                <a:solidFill>
+                  <a:srgbClr val="000000"/>
+                </a:solidFill>
+                <a:latin typeface="Consolas"/>
+              </a:rPr>
+              <a:t>map</a:t>
+            </a:r>
+            <a:r>
+              <a:rPr lang="en-US" sz="1200" b="1" dirty="0">
+                <a:solidFill>
+                  <a:srgbClr val="000080"/>
+                </a:solidFill>
+                <a:latin typeface="Consolas"/>
+              </a:rPr>
+              <a:t> </a:t>
+            </a:r>
+            <a:r>
+              <a:rPr lang="en-US" sz="1200" dirty="0">
+                <a:solidFill>
+                  <a:srgbClr val="000000"/>
+                </a:solidFill>
+                <a:latin typeface="Consolas"/>
+              </a:rPr>
+              <a:t>(Tuple2&lt;String, String&gt; value) </a:t>
+            </a:r>
+            <a:r>
+              <a:rPr lang="en-US" sz="1200" b="1" dirty="0">
+                <a:solidFill>
+                  <a:srgbClr val="000080"/>
+                </a:solidFill>
+                <a:latin typeface="Consolas"/>
+              </a:rPr>
+              <a:t>throws</a:t>
+            </a:r>
+            <a:r>
+              <a:rPr lang="en-US" sz="1200" dirty="0">
+                <a:solidFill>
+                  <a:srgbClr val="000000"/>
+                </a:solidFill>
+                <a:latin typeface="Consolas"/>
+              </a:rPr>
+              <a:t> Exception </a:t>
+            </a:r>
+            <a:r>
+              <a:rPr lang="en-US" sz="1200" dirty="0" smtClean="0">
+                <a:solidFill>
+                  <a:srgbClr val="000000"/>
+                </a:solidFill>
+                <a:latin typeface="Consolas"/>
+              </a:rPr>
+              <a:t>{</a:t>
+            </a:r>
+          </a:p>
+          <a:p>
+            <a:pPr marL="0" indent="0">
+              <a:buNone/>
+            </a:pPr>
+            <a:r>
+              <a:rPr lang="en-US" sz="1200" dirty="0" smtClean="0">
+                <a:solidFill>
+                  <a:srgbClr val="000000"/>
+                </a:solidFill>
+                <a:latin typeface="Consolas"/>
+              </a:rPr>
+              <a:t>        long length = </a:t>
+            </a:r>
+            <a:r>
+              <a:rPr lang="en-US" sz="1200" dirty="0" err="1">
+                <a:solidFill>
+                  <a:srgbClr val="FF0000"/>
+                </a:solidFill>
+                <a:latin typeface="Consolas"/>
+              </a:rPr>
+              <a:t>totalLengthByKey.value</a:t>
+            </a:r>
+            <a:r>
+              <a:rPr lang="en-US" sz="1200" dirty="0">
+                <a:solidFill>
+                  <a:srgbClr val="FF0000"/>
+                </a:solidFill>
+                <a:latin typeface="Consolas"/>
+              </a:rPr>
+              <a:t>(</a:t>
+            </a:r>
+            <a:r>
+              <a:rPr lang="en-US" sz="1200" dirty="0" smtClean="0">
+                <a:solidFill>
+                  <a:srgbClr val="FF0000"/>
+                </a:solidFill>
+                <a:latin typeface="Consolas"/>
+              </a:rPr>
+              <a:t>)</a:t>
+            </a:r>
+            <a:r>
+              <a:rPr lang="en-US" sz="1200" dirty="0" smtClean="0">
+                <a:solidFill>
+                  <a:srgbClr val="000000"/>
+                </a:solidFill>
+                <a:latin typeface="Consolas"/>
+              </a:rPr>
+              <a:t>;    </a:t>
+            </a:r>
+            <a:r>
+              <a:rPr lang="en-US" sz="1200" dirty="0" smtClean="0">
+                <a:solidFill>
+                  <a:srgbClr val="7F7F7F"/>
+                </a:solidFill>
+                <a:latin typeface="Consolas"/>
+              </a:rPr>
+              <a:t>// fetch state for current key</a:t>
+            </a:r>
+          </a:p>
+          <a:p>
+            <a:pPr marL="0" indent="0">
+              <a:buNone/>
+            </a:pPr>
+            <a:r>
+              <a:rPr lang="en-US" sz="1200" dirty="0" smtClean="0">
+                <a:solidFill>
+                  <a:srgbClr val="000000"/>
+                </a:solidFill>
+                <a:latin typeface="Consolas"/>
+              </a:rPr>
+              <a:t>        long </a:t>
+            </a:r>
+            <a:r>
+              <a:rPr lang="en-US" sz="1200" dirty="0" err="1">
+                <a:solidFill>
+                  <a:srgbClr val="000000"/>
+                </a:solidFill>
+                <a:latin typeface="Consolas"/>
+              </a:rPr>
+              <a:t>newTotalLength</a:t>
+            </a:r>
+            <a:r>
+              <a:rPr lang="en-US" sz="1200" dirty="0">
+                <a:solidFill>
+                  <a:srgbClr val="000000"/>
+                </a:solidFill>
+                <a:latin typeface="Consolas"/>
+              </a:rPr>
+              <a:t> = </a:t>
+            </a:r>
+            <a:r>
+              <a:rPr lang="en-US" sz="1200" dirty="0" smtClean="0">
+                <a:solidFill>
+                  <a:srgbClr val="000000"/>
+                </a:solidFill>
+                <a:latin typeface="Consolas"/>
+              </a:rPr>
+              <a:t>length + </a:t>
+            </a:r>
+            <a:r>
+              <a:rPr lang="en-US" sz="1200" dirty="0">
+                <a:solidFill>
+                  <a:srgbClr val="000000"/>
+                </a:solidFill>
+                <a:latin typeface="Consolas"/>
+              </a:rPr>
+              <a:t>value.f1.length();</a:t>
+            </a:r>
+          </a:p>
+          <a:p>
+            <a:pPr marL="0" indent="0">
+              <a:buNone/>
+            </a:pPr>
+            <a:r>
+              <a:rPr lang="en-US" sz="1200" dirty="0">
+                <a:solidFill>
+                  <a:srgbClr val="FF0000"/>
+                </a:solidFill>
+                <a:latin typeface="Consolas"/>
+              </a:rPr>
+              <a:t>        </a:t>
+            </a:r>
+            <a:r>
+              <a:rPr lang="en-US" sz="1200" dirty="0" err="1">
+                <a:solidFill>
+                  <a:srgbClr val="FF0000"/>
+                </a:solidFill>
+                <a:latin typeface="Consolas"/>
+              </a:rPr>
+              <a:t>totalLengthByKey.update</a:t>
+            </a:r>
+            <a:r>
+              <a:rPr lang="en-US" sz="1200" dirty="0">
+                <a:solidFill>
+                  <a:srgbClr val="FF0000"/>
+                </a:solidFill>
+                <a:latin typeface="Consolas"/>
+              </a:rPr>
+              <a:t>(</a:t>
+            </a:r>
+            <a:r>
+              <a:rPr lang="en-US" sz="1200" dirty="0" err="1">
+                <a:solidFill>
+                  <a:srgbClr val="FF0000"/>
+                </a:solidFill>
+                <a:latin typeface="Consolas"/>
+              </a:rPr>
+              <a:t>newTotalLength</a:t>
+            </a:r>
+            <a:r>
+              <a:rPr lang="en-US" sz="1200" dirty="0">
+                <a:solidFill>
+                  <a:srgbClr val="FF0000"/>
+                </a:solidFill>
+                <a:latin typeface="Consolas"/>
+              </a:rPr>
+              <a:t>)</a:t>
+            </a:r>
+            <a:r>
+              <a:rPr lang="en-US" sz="1200" dirty="0" smtClean="0">
+                <a:solidFill>
+                  <a:srgbClr val="FF0000"/>
+                </a:solidFill>
+                <a:latin typeface="Consolas"/>
+              </a:rPr>
+              <a:t>;   </a:t>
+            </a:r>
+            <a:r>
+              <a:rPr lang="en-US" sz="1200" dirty="0" smtClean="0">
+                <a:solidFill>
+                  <a:schemeClr val="bg1">
+                    <a:lumMod val="50000"/>
+                  </a:schemeClr>
+                </a:solidFill>
+                <a:latin typeface="Consolas"/>
+              </a:rPr>
+              <a:t>// update state of current key</a:t>
+            </a:r>
+            <a:endParaRPr lang="en-US" sz="1200" dirty="0">
+              <a:solidFill>
+                <a:schemeClr val="bg1">
+                  <a:lumMod val="50000"/>
+                </a:schemeClr>
+              </a:solidFill>
+              <a:latin typeface="Consolas"/>
+            </a:endParaRPr>
+          </a:p>
+          <a:p>
+            <a:pPr marL="0" indent="0">
+              <a:buNone/>
+            </a:pPr>
+            <a:r>
+              <a:rPr lang="en-US" sz="1200" dirty="0">
+                <a:solidFill>
+                  <a:srgbClr val="000000"/>
+                </a:solidFill>
+                <a:latin typeface="Consolas"/>
+              </a:rPr>
+              <a:t>        </a:t>
+            </a:r>
+            <a:r>
+              <a:rPr lang="en-US" sz="1200" b="1" dirty="0">
+                <a:solidFill>
+                  <a:srgbClr val="000080"/>
+                </a:solidFill>
+                <a:latin typeface="Consolas"/>
+              </a:rPr>
+              <a:t>return</a:t>
+            </a:r>
+            <a:r>
+              <a:rPr lang="en-US" sz="1200" dirty="0">
+                <a:solidFill>
+                  <a:srgbClr val="000000"/>
+                </a:solidFill>
+                <a:latin typeface="Consolas"/>
+              </a:rPr>
+              <a:t> </a:t>
+            </a:r>
+            <a:r>
+              <a:rPr lang="en-US" sz="1200" dirty="0" err="1">
+                <a:solidFill>
+                  <a:srgbClr val="000000"/>
+                </a:solidFill>
+                <a:latin typeface="Consolas"/>
+              </a:rPr>
+              <a:t>totalLengthByKey.value</a:t>
+            </a:r>
+            <a:r>
+              <a:rPr lang="en-US" sz="1200" dirty="0">
+                <a:solidFill>
+                  <a:srgbClr val="000000"/>
+                </a:solidFill>
+                <a:latin typeface="Consolas"/>
+              </a:rPr>
+              <a:t>();</a:t>
+            </a:r>
+          </a:p>
+          <a:p>
+            <a:pPr marL="0" indent="0">
+              <a:buNone/>
+            </a:pPr>
+            <a:r>
+              <a:rPr lang="en-US" sz="1200" dirty="0">
+                <a:solidFill>
+                  <a:srgbClr val="000000"/>
+                </a:solidFill>
+                <a:latin typeface="Consolas"/>
+              </a:rPr>
+              <a:t>    } </a:t>
+            </a:r>
+          </a:p>
+          <a:p>
+            <a:pPr marL="0" indent="0">
+              <a:buNone/>
+            </a:pPr>
+            <a:r>
+              <a:rPr lang="en-US" sz="1200" dirty="0">
+                <a:solidFill>
+                  <a:srgbClr val="000000"/>
+                </a:solidFill>
+                <a:latin typeface="Consolas"/>
+              </a:rPr>
+              <a:t>}</a:t>
+            </a:r>
+            <a:endParaRPr lang="en-US" sz="1200" dirty="0"/>
+          </a:p>
+        </p:txBody>
+      </p:sp>
     </p:spTree>
     <p:extLst>
       <p:ext uri="{BB962C8B-B14F-4D97-AF65-F5344CB8AC3E}">
-        <p14:creationId xmlns:p14="http://schemas.microsoft.com/office/powerpoint/2010/main" val="4198139702"/>
+        <p14:creationId xmlns:p14="http://schemas.microsoft.com/office/powerpoint/2010/main" val="3881912024"/>
       </p:ext>
     </p:extLst>
   </p:cSld>
@@ -7011,7 +7652,7 @@
       </p:grpSpPr>
       <p:sp>
         <p:nvSpPr>
-          <p:cNvPr id="2" name="Title 1"/>
+          <p:cNvPr id="5" name="Title 4"/>
           <p:cNvSpPr>
             <a:spLocks noGrp="1"/>
           </p:cNvSpPr>
@@ -7025,62 +7666,28 @@
           <a:lstStyle/>
           <a:p>
             <a:r>
-              <a:rPr lang="en-US"/>
-              <a:t>State in Flink</a:t>
-            </a:r>
-          </a:p>
-        </p:txBody>
-      </p:sp>
-      <p:sp>
-        <p:nvSpPr>
-          <p:cNvPr id="3" name="Content Placeholder 2"/>
-          <p:cNvSpPr>
-            <a:spLocks noGrp="1"/>
-          </p:cNvSpPr>
-          <p:nvPr>
-            <p:ph idx="1"/>
+              <a:rPr lang="en-US" dirty="0"/>
+              <a:t>State Backends</a:t>
+            </a:r>
+          </a:p>
+        </p:txBody>
+      </p:sp>
+      <p:sp>
+        <p:nvSpPr>
+          <p:cNvPr id="6" name="Text Placeholder 5"/>
+          <p:cNvSpPr>
+            <a:spLocks noGrp="1"/>
+          </p:cNvSpPr>
+          <p:nvPr>
+            <p:ph type="body" idx="1"/>
           </p:nvPr>
         </p:nvSpPr>
         <p:spPr/>
         <p:txBody>
-          <a:bodyPr>
-            <a:normAutofit/>
-          </a:bodyPr>
+          <a:bodyPr/>
           <a:lstStyle/>
           <a:p>
-            <a:r>
-              <a:rPr lang="en-US" sz="2800"/>
-              <a:t>Windows gather elements and aggregates until they are triggered</a:t>
-            </a:r>
-          </a:p>
-          <a:p>
-            <a:endParaRPr lang="en-US" sz="2800"/>
-          </a:p>
-          <a:p>
-            <a:r>
-              <a:rPr lang="en-US" sz="2800"/>
-              <a:t>Transformation functions may use the key-partitioned state interface</a:t>
-            </a:r>
-          </a:p>
-          <a:p>
-            <a:endParaRPr lang="en-US" sz="2800"/>
-          </a:p>
-          <a:p>
-            <a:r>
-              <a:rPr lang="en-US" sz="2800"/>
-              <a:t>Transformation functions may implement the </a:t>
-            </a:r>
-            <a:r>
-              <a:rPr lang="en-US" sz="2400">
-                <a:latin typeface="Consolas"/>
-                <a:cs typeface="Consolas"/>
-              </a:rPr>
-              <a:t>Checkpointed</a:t>
-            </a:r>
-            <a:r>
-              <a:rPr lang="en-US" sz="2800"/>
-              <a:t> interface</a:t>
-            </a:r>
+            <a:endParaRPr lang="en-US"/>
           </a:p>
         </p:txBody>
       </p:sp>
@@ -7123,7 +7730,7 @@
     </p:spTree>
     <p:extLst>
       <p:ext uri="{BB962C8B-B14F-4D97-AF65-F5344CB8AC3E}">
-        <p14:creationId xmlns:p14="http://schemas.microsoft.com/office/powerpoint/2010/main" val="2423471758"/>
+        <p14:creationId xmlns:p14="http://schemas.microsoft.com/office/powerpoint/2010/main" val="4198139702"/>
       </p:ext>
     </p:extLst>
   </p:cSld>
@@ -7166,8 +7773,8 @@
           <a:lstStyle/>
           <a:p>
             <a:r>
-              <a:rPr lang="en-US"/>
-              <a:t>State Backends</a:t>
+              <a:rPr lang="en-US" dirty="0"/>
+              <a:t>State in Flink</a:t>
             </a:r>
           </a:p>
         </p:txBody>
@@ -7185,102 +7792,94 @@
         <p:spPr/>
         <p:txBody>
           <a:bodyPr>
-            <a:normAutofit fontScale="92500" lnSpcReduction="10000"/>
+            <a:normAutofit fontScale="92500" lnSpcReduction="20000"/>
           </a:bodyPr>
           <a:lstStyle/>
           <a:p>
             <a:r>
-              <a:rPr lang="en-US" sz="2800"/>
-              <a:t>MemoryStateBackend</a:t>
+              <a:rPr lang="en-US" sz="3000" dirty="0" smtClean="0"/>
+              <a:t>There are several sources of state in Flink</a:t>
             </a:r>
           </a:p>
           <a:p>
             <a:pPr lvl="1"/>
             <a:r>
-              <a:rPr lang="en-US" sz="2000">
-                <a:solidFill>
-                  <a:srgbClr val="000000"/>
-                </a:solidFill>
-              </a:rPr>
-              <a:t>checkpoints stored as objects on the Java heap</a:t>
+              <a:rPr lang="en-US" sz="2600" dirty="0" smtClean="0"/>
+              <a:t>Windows </a:t>
+            </a:r>
+            <a:r>
+              <a:rPr lang="en-US" sz="2600" dirty="0"/>
+              <a:t>gather elements and aggregates until they are </a:t>
+            </a:r>
+            <a:r>
+              <a:rPr lang="en-US" sz="2600" dirty="0" smtClean="0"/>
+              <a:t>triggered</a:t>
             </a:r>
           </a:p>
           <a:p>
             <a:pPr lvl="1"/>
             <a:r>
-              <a:rPr lang="en-US" sz="2000">
-                <a:solidFill>
-                  <a:srgbClr val="000000"/>
-                </a:solidFill>
-              </a:rPr>
-              <a:t>configurable size limits</a:t>
+              <a:rPr lang="en-US" sz="2600" dirty="0" smtClean="0"/>
+              <a:t>User-functions use key-partitioned state or </a:t>
+            </a:r>
+            <a:br>
+              <a:rPr lang="en-US" sz="2600" dirty="0" smtClean="0"/>
+            </a:br>
+            <a:r>
+              <a:rPr lang="en-US" sz="2600" dirty="0" smtClean="0"/>
+              <a:t>implement the </a:t>
+            </a:r>
+            <a:r>
+              <a:rPr lang="en-US" sz="2200" dirty="0" err="1">
+                <a:latin typeface="Menlo Regular"/>
+                <a:cs typeface="Menlo Regular"/>
+              </a:rPr>
+              <a:t>Checkpointed</a:t>
+            </a:r>
+            <a:r>
+              <a:rPr lang="en-US" sz="2600" dirty="0"/>
+              <a:t> </a:t>
+            </a:r>
+            <a:r>
+              <a:rPr lang="en-US" sz="2600" dirty="0" smtClean="0"/>
+              <a:t>interface</a:t>
             </a:r>
           </a:p>
           <a:p>
             <a:pPr lvl="1"/>
             <a:r>
-              <a:rPr lang="en-US" sz="2000">
-                <a:solidFill>
-                  <a:srgbClr val="000000"/>
-                </a:solidFill>
-              </a:rPr>
-              <a:t>the default, suitable for development</a:t>
-            </a:r>
-          </a:p>
-          <a:p>
-            <a:r>
-              <a:rPr lang="en-US" sz="2800"/>
-              <a:t>FsStateBackend</a:t>
+              <a:rPr lang="en-US" sz="2600" dirty="0" smtClean="0"/>
+              <a:t>Sources and Sinks persist state</a:t>
             </a:r>
           </a:p>
           <a:p>
             <a:pPr lvl="1"/>
-            <a:r>
-              <a:rPr lang="en-US" sz="2000"/>
-              <a:t>configured with a filesystem URI (hdfs: or file:)</a:t>
+            <a:endParaRPr lang="en-US" sz="2400" dirty="0" smtClean="0"/>
+          </a:p>
+          <a:p>
+            <a:r>
+              <a:rPr lang="en-US" sz="2800" dirty="0" smtClean="0"/>
+              <a:t>Which </a:t>
+            </a:r>
+            <a:r>
+              <a:rPr lang="en-US" sz="2800" dirty="0" err="1" smtClean="0"/>
+              <a:t>checkpointing</a:t>
+            </a:r>
+            <a:r>
+              <a:rPr lang="en-US" sz="2800" dirty="0" smtClean="0"/>
+              <a:t> enabled, state is persisted upon checkpoints.</a:t>
             </a:r>
           </a:p>
           <a:p>
             <a:pPr lvl="1"/>
-            <a:r>
-              <a:rPr lang="en-US" sz="2000"/>
-              <a:t>stores in-flight data in TaskManager's memory</a:t>
-            </a:r>
-          </a:p>
-          <a:p>
-            <a:pPr lvl="1"/>
-            <a:r>
-              <a:rPr lang="en-US" sz="2000"/>
-              <a:t>suitable for jobs with large state and/or high-availability requirements</a:t>
-            </a:r>
-          </a:p>
-          <a:p>
-            <a:r>
-              <a:rPr lang="en-US" sz="2800"/>
-              <a:t>RocksDBStateBackend</a:t>
-            </a:r>
-          </a:p>
-          <a:p>
-            <a:pPr lvl="1"/>
-            <a:r>
-              <a:rPr lang="en-US" sz="2000"/>
-              <a:t>configured with a filesystem URI</a:t>
-            </a:r>
-          </a:p>
-          <a:p>
-            <a:pPr lvl="1"/>
-            <a:r>
-              <a:rPr lang="en-US" sz="2000"/>
-              <a:t>stores in-flight data in the filesystem</a:t>
-            </a:r>
-          </a:p>
-          <a:p>
-            <a:pPr lvl="1"/>
-            <a:r>
-              <a:rPr lang="en-US" sz="2000"/>
-              <a:t>suitable for jobs with very large state and/or high-availability requirements</a:t>
-            </a:r>
-            <a:endParaRPr lang="en-US" sz="2400"/>
+            <a:endParaRPr lang="en-US" sz="2400" dirty="0" smtClean="0"/>
+          </a:p>
+          <a:p>
+            <a:r>
+              <a:rPr lang="en-US" sz="2800" dirty="0" smtClean="0"/>
+              <a:t>Internal representation, storage location and method depends on the configured State Backend.</a:t>
+            </a:r>
+            <a:endParaRPr lang="en-US" sz="2800" dirty="0"/>
           </a:p>
         </p:txBody>
       </p:sp>
@@ -7323,7 +7922,7 @@
     </p:spTree>
     <p:extLst>
       <p:ext uri="{BB962C8B-B14F-4D97-AF65-F5344CB8AC3E}">
-        <p14:creationId xmlns:p14="http://schemas.microsoft.com/office/powerpoint/2010/main" val="2935735521"/>
+        <p14:creationId xmlns:p14="http://schemas.microsoft.com/office/powerpoint/2010/main" val="2423471758"/>
       </p:ext>
     </p:extLst>
   </p:cSld>
@@ -7367,7 +7966,7 @@
           <a:p>
             <a:r>
               <a:rPr lang="en-US"/>
-              <a:t>Configuration</a:t>
+              <a:t>State Backends</a:t>
             </a:r>
           </a:p>
         </p:txBody>
@@ -7382,154 +7981,238 @@
             <p:ph idx="1"/>
           </p:nvPr>
         </p:nvSpPr>
-        <p:spPr/>
+        <p:spPr>
+          <a:xfrm>
+            <a:off x="457200" y="1474376"/>
+            <a:ext cx="8414970" cy="4651788"/>
+          </a:xfrm>
+        </p:spPr>
         <p:txBody>
           <a:bodyPr>
-            <a:normAutofit/>
+            <a:normAutofit fontScale="77500" lnSpcReduction="20000"/>
           </a:bodyPr>
           <a:lstStyle/>
           <a:p>
-            <a:pPr>
-              <a:spcBef>
-                <a:spcPts val="0"/>
-              </a:spcBef>
-            </a:pPr>
-            <a:r>
-              <a:rPr lang="en-US" sz="2400">
-                <a:latin typeface="+mn-lt"/>
-                <a:cs typeface="Consolas"/>
-              </a:rPr>
-              <a:t>You can configure a default state backend in </a:t>
-            </a:r>
-            <a:r>
-              <a:rPr lang="en-US" sz="2400">
-                <a:latin typeface="Consolas"/>
-                <a:cs typeface="Consolas"/>
-              </a:rPr>
-              <a:t>flink-conf.yaml</a:t>
-            </a:r>
-          </a:p>
-          <a:p>
-            <a:pPr marL="457200" indent="0">
-              <a:spcBef>
-                <a:spcPts val="0"/>
-              </a:spcBef>
-              <a:buNone/>
-            </a:pPr>
-            <a:endParaRPr lang="en-US" sz="2400">
-              <a:latin typeface="Consolas"/>
-              <a:cs typeface="Consolas"/>
+            <a:r>
+              <a:rPr lang="en-US" sz="3100" dirty="0" err="1" smtClean="0"/>
+              <a:t>MemoryStateBackend</a:t>
+            </a:r>
+            <a:r>
+              <a:rPr lang="en-US" sz="3100" dirty="0" smtClean="0"/>
+              <a:t> (default)</a:t>
+            </a:r>
+            <a:endParaRPr lang="en-US" sz="3100" dirty="0"/>
+          </a:p>
+          <a:p>
+            <a:pPr lvl="1"/>
+            <a:r>
+              <a:rPr lang="en-US" sz="2500" dirty="0" smtClean="0">
+                <a:solidFill>
+                  <a:srgbClr val="000000"/>
+                </a:solidFill>
+              </a:rPr>
+              <a:t>State is </a:t>
+            </a:r>
+            <a:r>
+              <a:rPr lang="en-US" sz="2500" dirty="0">
+                <a:solidFill>
+                  <a:srgbClr val="000000"/>
+                </a:solidFill>
+              </a:rPr>
+              <a:t>hold as </a:t>
+            </a:r>
+            <a:r>
+              <a:rPr lang="en-US" sz="2500" dirty="0" smtClean="0">
+                <a:solidFill>
+                  <a:srgbClr val="000000"/>
+                </a:solidFill>
+              </a:rPr>
+              <a:t>objects on worker JVM heap</a:t>
+            </a:r>
+          </a:p>
+          <a:p>
+            <a:pPr lvl="1"/>
+            <a:r>
+              <a:rPr lang="en-US" sz="2500" dirty="0" smtClean="0">
+                <a:solidFill>
+                  <a:srgbClr val="000000"/>
+                </a:solidFill>
+              </a:rPr>
+              <a:t>Checkpoints are stored on master JVM heap</a:t>
+            </a:r>
+            <a:endParaRPr lang="en-US" sz="2500" dirty="0">
+              <a:solidFill>
+                <a:srgbClr val="000000"/>
+              </a:solidFill>
             </a:endParaRPr>
           </a:p>
           <a:p>
-            <a:r>
-              <a:rPr lang="en-US" sz="2400"/>
-              <a:t>You can also set a per-job state backend</a:t>
-            </a:r>
-          </a:p>
-          <a:p>
-            <a:pPr marL="457200" indent="0">
-              <a:spcBef>
-                <a:spcPts val="1800"/>
-              </a:spcBef>
-              <a:buNone/>
-            </a:pPr>
-            <a:r>
-              <a:rPr lang="en-US" sz="1600">
-                <a:latin typeface="Consolas"/>
-                <a:cs typeface="Consolas"/>
-              </a:rPr>
-              <a:t>env.setStateBackend(</a:t>
-            </a:r>
-          </a:p>
-          <a:p>
-            <a:pPr marL="457200" indent="0">
-              <a:spcBef>
-                <a:spcPts val="0"/>
-              </a:spcBef>
-              <a:buNone/>
-            </a:pPr>
-            <a:r>
-              <a:rPr lang="en-US" sz="1600">
-                <a:latin typeface="Consolas"/>
-                <a:cs typeface="Consolas"/>
-              </a:rPr>
-              <a:t>  new FsStateBackend("hdfs://namenode:40010/flink/checkpoints"));</a:t>
-            </a:r>
-          </a:p>
-          <a:p>
-            <a:pPr marL="0" indent="0">
-              <a:spcBef>
-                <a:spcPts val="0"/>
-              </a:spcBef>
-              <a:buNone/>
-            </a:pPr>
-            <a:endParaRPr lang="en-US" sz="2400">
-              <a:latin typeface="Consolas"/>
-              <a:cs typeface="Consolas"/>
+            <a:pPr lvl="1"/>
+            <a:r>
+              <a:rPr lang="en-US" sz="2500" dirty="0" smtClean="0">
+                <a:solidFill>
+                  <a:srgbClr val="000000"/>
+                </a:solidFill>
+              </a:rPr>
+              <a:t>Suitable </a:t>
+            </a:r>
+            <a:r>
+              <a:rPr lang="en-US" sz="2500" dirty="0">
+                <a:solidFill>
+                  <a:srgbClr val="000000"/>
+                </a:solidFill>
+              </a:rPr>
+              <a:t>for </a:t>
+            </a:r>
+            <a:r>
+              <a:rPr lang="en-US" sz="2500" dirty="0" smtClean="0">
+                <a:solidFill>
+                  <a:srgbClr val="000000"/>
+                </a:solidFill>
+              </a:rPr>
+              <a:t>development and tiny state. Not highly-available</a:t>
+            </a:r>
+          </a:p>
+          <a:p>
+            <a:pPr lvl="1"/>
+            <a:endParaRPr lang="en-US" sz="2000" dirty="0">
+              <a:solidFill>
+                <a:srgbClr val="000000"/>
+              </a:solidFill>
             </a:endParaRPr>
           </a:p>
           <a:p>
             <a:r>
-              <a:rPr lang="en-US" sz="2400"/>
-              <a:t>See the docs for details</a:t>
-            </a:r>
-          </a:p>
-          <a:p>
-            <a:pPr marL="742950" lvl="2" indent="-342900">
-              <a:buClr>
-                <a:srgbClr val="34AD92"/>
-              </a:buClr>
-            </a:pPr>
-            <a:r>
-              <a:rPr lang="en-US" sz="1800" dirty="0">
-                <a:hlinkClick r:id="rId2"/>
-              </a:rPr>
-              <a:t>https://</a:t>
-            </a:r>
-            <a:r>
-              <a:rPr lang="en-US" sz="1800" dirty="0" err="1">
-                <a:hlinkClick r:id="rId2"/>
-              </a:rPr>
-              <a:t>ci.apache.org</a:t>
-            </a:r>
-            <a:r>
-              <a:rPr lang="en-US" sz="1800" dirty="0">
-                <a:hlinkClick r:id="rId2"/>
-              </a:rPr>
-              <a:t>/projects/</a:t>
-            </a:r>
-            <a:r>
-              <a:rPr lang="en-US" sz="1800" dirty="0" err="1">
-                <a:hlinkClick r:id="rId2"/>
-              </a:rPr>
-              <a:t>flink</a:t>
-            </a:r>
-            <a:r>
-              <a:rPr lang="en-US" sz="1800" dirty="0">
-                <a:hlinkClick r:id="rId2"/>
-              </a:rPr>
-              <a:t>/flink-docs-release-1.1/</a:t>
-            </a:r>
-            <a:r>
-              <a:rPr lang="en-US" sz="1800" dirty="0" err="1">
-                <a:hlinkClick r:id="rId2"/>
-              </a:rPr>
-              <a:t>apis</a:t>
-            </a:r>
-            <a:r>
-              <a:rPr lang="en-US" sz="1800" dirty="0">
-                <a:hlinkClick r:id="rId2"/>
-              </a:rPr>
-              <a:t>/streaming/</a:t>
-            </a:r>
-            <a:r>
-              <a:rPr lang="en-US" sz="1800" dirty="0" err="1">
-                <a:hlinkClick r:id="rId2"/>
-              </a:rPr>
-              <a:t>state_backends.html</a:t>
-            </a:r>
-            <a:endParaRPr lang="en-US" sz="1800" dirty="0"/>
+              <a:rPr lang="en-US" sz="3100" dirty="0" err="1"/>
+              <a:t>FsStateBackend</a:t>
+            </a:r>
+            <a:endParaRPr lang="en-US" sz="2800" dirty="0"/>
+          </a:p>
+          <a:p>
+            <a:pPr lvl="1"/>
+            <a:r>
+              <a:rPr lang="en-US" sz="2400" dirty="0" smtClean="0"/>
+              <a:t>State is hold on worker JVM heap (limited by heap size)</a:t>
+            </a:r>
+          </a:p>
+          <a:p>
+            <a:pPr lvl="1"/>
+            <a:r>
+              <a:rPr lang="en-US" sz="2400" dirty="0" smtClean="0"/>
+              <a:t>Checkpoints are written to a configured </a:t>
+            </a:r>
+            <a:r>
+              <a:rPr lang="en-US" sz="2400" dirty="0" err="1" smtClean="0"/>
+              <a:t>filesystem</a:t>
+            </a:r>
+            <a:r>
+              <a:rPr lang="en-US" sz="2400" dirty="0" smtClean="0"/>
+              <a:t> </a:t>
+            </a:r>
+            <a:r>
+              <a:rPr lang="en-US" sz="2400" dirty="0"/>
+              <a:t>URI (</a:t>
+            </a:r>
+            <a:r>
+              <a:rPr lang="en-US" sz="2400" dirty="0" err="1" smtClean="0"/>
+              <a:t>hdfs</a:t>
+            </a:r>
+            <a:r>
+              <a:rPr lang="en-US" sz="2400" dirty="0" smtClean="0"/>
+              <a:t>, s3, file)</a:t>
+            </a:r>
+            <a:endParaRPr lang="en-US" sz="2400" dirty="0"/>
+          </a:p>
+          <a:p>
+            <a:pPr lvl="1"/>
+            <a:r>
+              <a:rPr lang="en-US" sz="2400" dirty="0" smtClean="0"/>
+              <a:t>Suitable </a:t>
+            </a:r>
+            <a:r>
+              <a:rPr lang="en-US" sz="2400" dirty="0"/>
+              <a:t>for jobs with large state and/or high-availability </a:t>
+            </a:r>
+            <a:r>
+              <a:rPr lang="en-US" sz="2400" dirty="0" smtClean="0"/>
+              <a:t>requirements</a:t>
+            </a:r>
+          </a:p>
+          <a:p>
+            <a:pPr lvl="1"/>
+            <a:endParaRPr lang="en-US" sz="2000" dirty="0"/>
+          </a:p>
+          <a:p>
+            <a:r>
+              <a:rPr lang="en-US" sz="3100" dirty="0" err="1"/>
+              <a:t>RocksDBStateBackend</a:t>
+            </a:r>
+            <a:endParaRPr lang="en-US" sz="2800" dirty="0"/>
+          </a:p>
+          <a:p>
+            <a:pPr lvl="1"/>
+            <a:r>
+              <a:rPr lang="en-US" sz="2400" dirty="0" smtClean="0"/>
+              <a:t>State is hold in </a:t>
+            </a:r>
+            <a:r>
+              <a:rPr lang="en-US" sz="2400" dirty="0" err="1" smtClean="0"/>
+              <a:t>RocksDB</a:t>
+            </a:r>
+            <a:r>
+              <a:rPr lang="en-US" sz="2400" dirty="0" smtClean="0"/>
+              <a:t> instance on worker </a:t>
+            </a:r>
+            <a:r>
+              <a:rPr lang="en-US" sz="2400" dirty="0" err="1" smtClean="0"/>
+              <a:t>filesystem</a:t>
+            </a:r>
+            <a:r>
+              <a:rPr lang="en-US" sz="2400" dirty="0" smtClean="0"/>
+              <a:t> (limited by disk size)</a:t>
+            </a:r>
+          </a:p>
+          <a:p>
+            <a:pPr lvl="1"/>
+            <a:r>
+              <a:rPr lang="en-US" sz="2400" dirty="0"/>
+              <a:t>Checkpoints are written to a configured </a:t>
+            </a:r>
+            <a:r>
+              <a:rPr lang="en-US" sz="2400" dirty="0" err="1"/>
+              <a:t>filesystem</a:t>
+            </a:r>
+            <a:r>
+              <a:rPr lang="en-US" sz="2400" dirty="0"/>
+              <a:t> URI (</a:t>
+            </a:r>
+            <a:r>
+              <a:rPr lang="en-US" sz="2400" dirty="0" err="1"/>
+              <a:t>hdfs</a:t>
+            </a:r>
+            <a:r>
+              <a:rPr lang="en-US" sz="2400" dirty="0"/>
+              <a:t>, s3, file)</a:t>
+            </a:r>
+          </a:p>
+          <a:p>
+            <a:pPr lvl="1"/>
+            <a:r>
+              <a:rPr lang="en-US" sz="2400" dirty="0" smtClean="0"/>
+              <a:t>Suitable </a:t>
+            </a:r>
+            <a:r>
+              <a:rPr lang="en-US" sz="2400" dirty="0"/>
+              <a:t>for jobs with </a:t>
+            </a:r>
+            <a:r>
+              <a:rPr lang="en-US" sz="2400" i="1" dirty="0"/>
+              <a:t>very</a:t>
+            </a:r>
+            <a:r>
+              <a:rPr lang="en-US" sz="2400" dirty="0"/>
+              <a:t> large state and/or high-availability requirements</a:t>
+            </a:r>
           </a:p>
         </p:txBody>
       </p:sp>
@@ -7572,7 +8255,7 @@
     </p:spTree>
     <p:extLst>
       <p:ext uri="{BB962C8B-B14F-4D97-AF65-F5344CB8AC3E}">
-        <p14:creationId xmlns:p14="http://schemas.microsoft.com/office/powerpoint/2010/main" val="1964747516"/>
+        <p14:creationId xmlns:p14="http://schemas.microsoft.com/office/powerpoint/2010/main" val="2935735521"/>
       </p:ext>
     </p:extLst>
   </p:cSld>
@@ -7615,20 +8298,345 @@
           <a:lstStyle/>
           <a:p>
             <a:r>
-              <a:rPr lang="en-US" dirty="0"/>
-              <a:t>Savepoints</a:t>
-            </a:r>
-          </a:p>
-        </p:txBody>
-      </p:sp>
-      <p:sp>
-        <p:nvSpPr>
-          <p:cNvPr id="3" name="Text Placeholder 2"/>
-          <p:cNvSpPr>
-            <a:spLocks noGrp="1"/>
-          </p:cNvSpPr>
-          <p:nvPr>
-            <p:ph type="body" idx="1"/>
+              <a:rPr lang="en-US" dirty="0" smtClean="0"/>
+              <a:t>State Backend Configuration</a:t>
+            </a:r>
+            <a:endParaRPr lang="en-US" dirty="0"/>
+          </a:p>
+        </p:txBody>
+      </p:sp>
+      <p:sp>
+        <p:nvSpPr>
+          <p:cNvPr id="3" name="Content Placeholder 2"/>
+          <p:cNvSpPr>
+            <a:spLocks noGrp="1"/>
+          </p:cNvSpPr>
+          <p:nvPr>
+            <p:ph idx="1"/>
+          </p:nvPr>
+        </p:nvSpPr>
+        <p:spPr/>
+        <p:txBody>
+          <a:bodyPr>
+            <a:normAutofit lnSpcReduction="10000"/>
+          </a:bodyPr>
+          <a:lstStyle/>
+          <a:p>
+            <a:pPr>
+              <a:spcBef>
+                <a:spcPts val="0"/>
+              </a:spcBef>
+            </a:pPr>
+            <a:r>
+              <a:rPr lang="en-US" sz="2400" dirty="0" smtClean="0">
+                <a:latin typeface="+mn-lt"/>
+                <a:cs typeface="Consolas"/>
+              </a:rPr>
+              <a:t>Configuration of default state </a:t>
+            </a:r>
+            <a:r>
+              <a:rPr lang="en-US" sz="2400" dirty="0">
+                <a:latin typeface="+mn-lt"/>
+                <a:cs typeface="Consolas"/>
+              </a:rPr>
+              <a:t>backend in </a:t>
+            </a:r>
+            <a:r>
+              <a:rPr lang="en-US" sz="2400" dirty="0" smtClean="0">
+                <a:latin typeface="+mn-lt"/>
+                <a:cs typeface="Consolas"/>
+              </a:rPr>
+              <a:t/>
+            </a:r>
+            <a:br>
+              <a:rPr lang="en-US" sz="2400" dirty="0" smtClean="0">
+                <a:latin typeface="+mn-lt"/>
+                <a:cs typeface="Consolas"/>
+              </a:rPr>
+            </a:br>
+            <a:r>
+              <a:rPr lang="en-US" sz="2400" dirty="0" smtClean="0">
+                <a:latin typeface="+mn-lt"/>
+                <a:cs typeface="Consolas"/>
+              </a:rPr>
+              <a:t> </a:t>
+            </a:r>
+            <a:r>
+              <a:rPr lang="en-US" sz="1200" dirty="0" smtClean="0">
+                <a:latin typeface="+mn-lt"/>
+                <a:cs typeface="Consolas"/>
+              </a:rPr>
+              <a:t> </a:t>
+            </a:r>
+            <a:r>
+              <a:rPr lang="en-US" sz="2400" dirty="0" smtClean="0">
+                <a:latin typeface="+mn-lt"/>
+                <a:cs typeface="Consolas"/>
+              </a:rPr>
+              <a:t/>
+            </a:r>
+            <a:br>
+              <a:rPr lang="en-US" sz="2400" dirty="0" smtClean="0">
+                <a:latin typeface="+mn-lt"/>
+                <a:cs typeface="Consolas"/>
+              </a:rPr>
+            </a:br>
+            <a:r>
+              <a:rPr lang="en-US" sz="1800" dirty="0" smtClean="0">
+                <a:latin typeface="Menlo Regular"/>
+                <a:cs typeface="Menlo Regular"/>
+              </a:rPr>
+              <a:t>./</a:t>
+            </a:r>
+            <a:r>
+              <a:rPr lang="en-US" sz="1800" dirty="0" err="1" smtClean="0">
+                <a:latin typeface="Menlo Regular"/>
+                <a:cs typeface="Menlo Regular"/>
+              </a:rPr>
+              <a:t>conf</a:t>
+            </a:r>
+            <a:r>
+              <a:rPr lang="en-US" sz="1800" dirty="0" smtClean="0">
+                <a:latin typeface="Menlo Regular"/>
+                <a:cs typeface="Menlo Regular"/>
+              </a:rPr>
+              <a:t>/</a:t>
+            </a:r>
+            <a:r>
+              <a:rPr lang="en-US" sz="1800" dirty="0" err="1" smtClean="0">
+                <a:latin typeface="Menlo Regular"/>
+                <a:cs typeface="Menlo Regular"/>
+              </a:rPr>
+              <a:t>flink</a:t>
+            </a:r>
+            <a:r>
+              <a:rPr lang="en-US" sz="1800" dirty="0" err="1">
+                <a:latin typeface="Menlo Regular"/>
+                <a:cs typeface="Menlo Regular"/>
+              </a:rPr>
+              <a:t>-conf.yaml</a:t>
+            </a:r>
+            <a:endParaRPr lang="en-US" sz="1800" dirty="0">
+              <a:latin typeface="Menlo Regular"/>
+              <a:cs typeface="Menlo Regular"/>
+            </a:endParaRPr>
+          </a:p>
+          <a:p>
+            <a:pPr lvl="1"/>
+            <a:endParaRPr lang="en-US" sz="2000" dirty="0" smtClean="0"/>
+          </a:p>
+          <a:p>
+            <a:r>
+              <a:rPr lang="en-US" sz="2400" dirty="0" smtClean="0"/>
+              <a:t>State backend configuration in job</a:t>
+            </a:r>
+            <a:br>
+              <a:rPr lang="en-US" sz="2400" dirty="0" smtClean="0"/>
+            </a:br>
+            <a:r>
+              <a:rPr lang="en-US" sz="2400" dirty="0" smtClean="0"/>
+              <a:t/>
+            </a:r>
+            <a:br>
+              <a:rPr lang="en-US" sz="2400" dirty="0" smtClean="0"/>
+            </a:br>
+            <a:r>
+              <a:rPr lang="en-US" sz="1800" dirty="0" err="1" smtClean="0">
+                <a:latin typeface="Menlo Regular"/>
+                <a:cs typeface="Menlo Regular"/>
+              </a:rPr>
+              <a:t>env.setStateBackend</a:t>
+            </a:r>
+            <a:r>
+              <a:rPr lang="en-US" sz="1800" dirty="0">
+                <a:latin typeface="Menlo Regular"/>
+                <a:cs typeface="Menlo Regular"/>
+              </a:rPr>
+              <a:t>(</a:t>
+            </a:r>
+          </a:p>
+          <a:p>
+            <a:pPr marL="457200" indent="0">
+              <a:spcBef>
+                <a:spcPts val="0"/>
+              </a:spcBef>
+              <a:buNone/>
+            </a:pPr>
+            <a:r>
+              <a:rPr lang="en-US" sz="1800" dirty="0">
+                <a:latin typeface="Menlo Regular"/>
+                <a:cs typeface="Menlo Regular"/>
+              </a:rPr>
+              <a:t>  new </a:t>
+            </a:r>
+            <a:r>
+              <a:rPr lang="en-US" sz="1800" dirty="0" err="1">
+                <a:latin typeface="Menlo Regular"/>
+                <a:cs typeface="Menlo Regular"/>
+              </a:rPr>
+              <a:t>FsStateBackend</a:t>
+            </a:r>
+            <a:r>
+              <a:rPr lang="en-US" sz="1800" dirty="0" smtClean="0">
+                <a:latin typeface="Menlo Regular"/>
+                <a:cs typeface="Menlo Regular"/>
+              </a:rPr>
+              <a:t>(</a:t>
+            </a:r>
+            <a:br>
+              <a:rPr lang="en-US" sz="1800" dirty="0" smtClean="0">
+                <a:latin typeface="Menlo Regular"/>
+                <a:cs typeface="Menlo Regular"/>
+              </a:rPr>
+            </a:br>
+            <a:r>
+              <a:rPr lang="en-US" sz="1800" dirty="0" smtClean="0">
+                <a:latin typeface="Menlo Regular"/>
+                <a:cs typeface="Menlo Regular"/>
+              </a:rPr>
+              <a:t>    "</a:t>
+            </a:r>
+            <a:r>
+              <a:rPr lang="en-US" sz="1800" dirty="0" err="1">
+                <a:latin typeface="Menlo Regular"/>
+                <a:cs typeface="Menlo Regular"/>
+              </a:rPr>
+              <a:t>hdfs</a:t>
+            </a:r>
+            <a:r>
+              <a:rPr lang="en-US" sz="1800" dirty="0">
+                <a:latin typeface="Menlo Regular"/>
+                <a:cs typeface="Menlo Regular"/>
+              </a:rPr>
+              <a:t>://namenode:40010/</a:t>
+            </a:r>
+            <a:r>
+              <a:rPr lang="en-US" sz="1800" dirty="0" err="1">
+                <a:latin typeface="Menlo Regular"/>
+                <a:cs typeface="Menlo Regular"/>
+              </a:rPr>
+              <a:t>flink</a:t>
+            </a:r>
+            <a:r>
+              <a:rPr lang="en-US" sz="1800" dirty="0">
+                <a:latin typeface="Menlo Regular"/>
+                <a:cs typeface="Menlo Regular"/>
+              </a:rPr>
+              <a:t>/</a:t>
+            </a:r>
+            <a:r>
+              <a:rPr lang="en-US" sz="1800" dirty="0" smtClean="0">
+                <a:latin typeface="Menlo Regular"/>
+                <a:cs typeface="Menlo Regular"/>
+              </a:rPr>
+              <a:t>checkpoints”</a:t>
+            </a:r>
+            <a:br>
+              <a:rPr lang="en-US" sz="1800" dirty="0" smtClean="0">
+                <a:latin typeface="Menlo Regular"/>
+                <a:cs typeface="Menlo Regular"/>
+              </a:rPr>
+            </a:br>
+            <a:r>
+              <a:rPr lang="en-US" sz="1800" dirty="0" smtClean="0">
+                <a:latin typeface="Menlo Regular"/>
+                <a:cs typeface="Menlo Regular"/>
+              </a:rPr>
+              <a:t>)</a:t>
+            </a:r>
+            <a:r>
+              <a:rPr lang="en-US" sz="1800" dirty="0">
+                <a:latin typeface="Menlo Regular"/>
+                <a:cs typeface="Menlo Regular"/>
+              </a:rPr>
+              <a:t>);</a:t>
+            </a:r>
+          </a:p>
+          <a:p>
+            <a:pPr marL="0" indent="0">
+              <a:spcBef>
+                <a:spcPts val="0"/>
+              </a:spcBef>
+              <a:buNone/>
+            </a:pPr>
+            <a:endParaRPr lang="en-US" sz="2400" dirty="0">
+              <a:latin typeface="Consolas"/>
+              <a:cs typeface="Consolas"/>
+            </a:endParaRPr>
+          </a:p>
+          <a:p>
+            <a:r>
+              <a:rPr lang="en-US" sz="2400" dirty="0"/>
+              <a:t>See the docs for details</a:t>
+            </a:r>
+          </a:p>
+          <a:p>
+            <a:pPr marL="400050" lvl="2" indent="0">
+              <a:buClr>
+                <a:srgbClr val="34AD92"/>
+              </a:buClr>
+              <a:buNone/>
+            </a:pPr>
+            <a:r>
+              <a:rPr lang="en-US" sz="1800" dirty="0">
+                <a:hlinkClick r:id="rId2"/>
+              </a:rPr>
+              <a:t>https://</a:t>
+            </a:r>
+            <a:r>
+              <a:rPr lang="en-US" sz="1800" dirty="0" err="1">
+                <a:hlinkClick r:id="rId2"/>
+              </a:rPr>
+              <a:t>ci.apache.org</a:t>
+            </a:r>
+            <a:r>
+              <a:rPr lang="en-US" sz="1800" dirty="0">
+                <a:hlinkClick r:id="rId2"/>
+              </a:rPr>
+              <a:t>/projects/</a:t>
+            </a:r>
+            <a:r>
+              <a:rPr lang="en-US" sz="1800" dirty="0" err="1">
+                <a:hlinkClick r:id="rId2"/>
+              </a:rPr>
+              <a:t>flink</a:t>
+            </a:r>
+            <a:r>
+              <a:rPr lang="en-US" sz="1800" dirty="0">
+                <a:hlinkClick r:id="rId2"/>
+              </a:rPr>
+              <a:t>/flink-docs-release-1.1/</a:t>
+            </a:r>
+            <a:r>
+              <a:rPr lang="en-US" sz="1800" dirty="0" err="1">
+                <a:hlinkClick r:id="rId2"/>
+              </a:rPr>
+              <a:t>apis</a:t>
+            </a:r>
+            <a:r>
+              <a:rPr lang="en-US" sz="1800" dirty="0">
+                <a:hlinkClick r:id="rId2"/>
+              </a:rPr>
+              <a:t>/streaming/</a:t>
+            </a:r>
+            <a:r>
+              <a:rPr lang="en-US" sz="1800" dirty="0" err="1">
+                <a:hlinkClick r:id="rId2"/>
+              </a:rPr>
+              <a:t>state_backends.html</a:t>
+            </a:r>
+            <a:endParaRPr lang="en-US" sz="1800" dirty="0"/>
+          </a:p>
+        </p:txBody>
+      </p:sp>
+      <p:sp>
+        <p:nvSpPr>
+          <p:cNvPr id="4" name="Slide Number Placeholder 3"/>
+          <p:cNvSpPr>
+            <a:spLocks noGrp="1"/>
+          </p:cNvSpPr>
+          <p:nvPr>
+            <p:ph type="sldNum" sz="quarter" idx="12"/>
           </p:nvPr>
         </p:nvSpPr>
         <p:spPr/>
@@ -7636,38 +8644,31 @@
           <a:bodyPr/>
           <a:lstStyle/>
           <a:p>
-            <a:endParaRPr lang="en-US"/>
-          </a:p>
-        </p:txBody>
-      </p:sp>
-      <p:sp>
-        <p:nvSpPr>
-          <p:cNvPr id="4" name="Slide Number Placeholder 3"/>
-          <p:cNvSpPr>
-            <a:spLocks noGrp="1"/>
-          </p:cNvSpPr>
-          <p:nvPr>
-            <p:ph type="sldNum" sz="quarter" idx="12"/>
-          </p:nvPr>
-        </p:nvSpPr>
-        <p:spPr/>
-        <p:txBody>
-          <a:bodyPr/>
-          <a:lstStyle/>
-          <a:p>
             <a:fld id="{B07C5D84-2227-C144-B485-A8CA33CE4230}" type="slidenum">
-              <a:rPr lang="en-US" smtClean="0"/>
+              <a:rPr lang="en-US" smtClean="0">
+                <a:solidFill>
+                  <a:prstClr val="black">
+                    <a:tint val="75000"/>
+                  </a:prstClr>
+                </a:solidFill>
+              </a:rPr>
               <a:pPr/>
               <a:t>19</a:t>
             </a:fld>
-            <a:endParaRPr lang="en-US"/>
+            <a:endParaRPr lang="en-US">
+              <a:solidFill>
+                <a:prstClr val="black">
+                  <a:tint val="75000"/>
+                </a:prstClr>
+              </a:solidFill>
+            </a:endParaRPr>
           </a:p>
         </p:txBody>
       </p:sp>
     </p:spTree>
     <p:extLst>
       <p:ext uri="{BB962C8B-B14F-4D97-AF65-F5344CB8AC3E}">
-        <p14:creationId xmlns:p14="http://schemas.microsoft.com/office/powerpoint/2010/main" val="318379018"/>
+        <p14:creationId xmlns:p14="http://schemas.microsoft.com/office/powerpoint/2010/main" val="1964747516"/>
       </p:ext>
     </p:extLst>
   </p:cSld>
@@ -7712,17 +8713,14 @@
           <a:lstStyle/>
           <a:p>
             <a:r>
-              <a:rPr lang="en-US" sz="3600" dirty="0"/>
+              <a:rPr lang="en-US" dirty="0"/>
               <a:t>Fault Tolerance and </a:t>
             </a:r>
-            <a:br>
-              <a:rPr lang="en-US" sz="3600" dirty="0"/>
-            </a:br>
-            <a:r>
-              <a:rPr lang="en-US" sz="3600" dirty="0"/>
+            <a:r>
+              <a:rPr lang="en-US" dirty="0" err="1" smtClean="0"/>
               <a:t>Checkpointing</a:t>
             </a:r>
-            <a:endParaRPr lang="en-US" sz="3600" dirty="0">
+            <a:endParaRPr lang="en-US" dirty="0">
               <a:solidFill>
                 <a:schemeClr val="tx1"/>
               </a:solidFill>
@@ -7817,7 +8815,7 @@
       </p:grpSpPr>
       <p:sp>
         <p:nvSpPr>
-          <p:cNvPr id="5" name="Title 4"/>
+          <p:cNvPr id="2" name="Title 1"/>
           <p:cNvSpPr>
             <a:spLocks noGrp="1"/>
           </p:cNvSpPr>
@@ -7831,7 +8829,7 @@
           <a:lstStyle/>
           <a:p>
             <a:r>
-              <a:rPr lang="en-US"/>
+              <a:rPr lang="en-US" dirty="0"/>
               <a:t>Savepoints</a:t>
             </a:r>
           </a:p>
@@ -7839,202 +8837,20 @@
       </p:sp>
       <p:sp>
         <p:nvSpPr>
-          <p:cNvPr id="6" name="Content Placeholder 5"/>
-          <p:cNvSpPr>
-            <a:spLocks noGrp="1"/>
-          </p:cNvSpPr>
-          <p:nvPr>
-            <p:ph idx="1"/>
-          </p:nvPr>
-        </p:nvSpPr>
-        <p:spPr>
-          <a:xfrm>
-            <a:off x="457201" y="1526166"/>
-            <a:ext cx="8229598" cy="4599997"/>
-          </a:xfrm>
-        </p:spPr>
-        <p:txBody>
-          <a:bodyPr>
-            <a:normAutofit/>
-          </a:bodyPr>
+          <p:cNvPr id="3" name="Text Placeholder 2"/>
+          <p:cNvSpPr>
+            <a:spLocks noGrp="1"/>
+          </p:cNvSpPr>
+          <p:nvPr>
+            <p:ph type="body" idx="1"/>
+          </p:nvPr>
+        </p:nvSpPr>
+        <p:spPr/>
+        <p:txBody>
+          <a:bodyPr/>
           <a:lstStyle/>
           <a:p>
-            <a:pPr marL="343080" indent="-342360">
-              <a:spcAft>
-                <a:spcPts val="1200"/>
-              </a:spcAft>
-              <a:buFont typeface="Wingdings" charset="2"/>
-              <a:buChar char=""/>
-            </a:pPr>
-            <a:r>
-              <a:rPr lang="en-US" sz="2400" spc="-1">
-                <a:solidFill>
-                  <a:srgbClr val="000000"/>
-                </a:solidFill>
-                <a:uFill>
-                  <a:solidFill>
-                    <a:srgbClr val="FFFFFF"/>
-                  </a:solidFill>
-                </a:uFill>
-              </a:rPr>
-              <a:t>Flink savepoint: a user-triggered, retained checkpoint</a:t>
-            </a:r>
-          </a:p>
-          <a:p>
-            <a:pPr marL="343080" indent="-342360">
-              <a:spcAft>
-                <a:spcPts val="1200"/>
-              </a:spcAft>
-              <a:buFont typeface="Wingdings" charset="2"/>
-              <a:buChar char=""/>
-            </a:pPr>
-            <a:r>
-              <a:rPr lang="en-US" sz="2400" spc="-1">
-                <a:solidFill>
-                  <a:srgbClr val="000000"/>
-                </a:solidFill>
-                <a:uFill>
-                  <a:solidFill>
-                    <a:srgbClr val="FFFFFF"/>
-                  </a:solidFill>
-                </a:uFill>
-              </a:rPr>
-              <a:t>Applications can be restarted from a savepoint</a:t>
-            </a:r>
-          </a:p>
-          <a:p>
-            <a:pPr marL="343080" indent="-342360">
-              <a:spcAft>
-                <a:spcPts val="1200"/>
-              </a:spcAft>
-              <a:buFont typeface="Wingdings" charset="2"/>
-              <a:buChar char=""/>
-            </a:pPr>
-            <a:r>
-              <a:rPr lang="en-US" sz="2400" spc="-1">
-                <a:solidFill>
-                  <a:srgbClr val="000000"/>
-                </a:solidFill>
-                <a:uFill>
-                  <a:solidFill>
-                    <a:srgbClr val="FFFFFF"/>
-                  </a:solidFill>
-                </a:uFill>
-              </a:rPr>
-              <a:t>Controlled via the command line client</a:t>
-            </a:r>
-          </a:p>
-          <a:p>
-            <a:pPr marL="343080" indent="-342360">
-              <a:spcAft>
-                <a:spcPts val="1200"/>
-              </a:spcAft>
-              <a:buFont typeface="Wingdings" charset="2"/>
-              <a:buChar char=""/>
-            </a:pPr>
-            <a:r>
-              <a:rPr lang="en-US" sz="2400" spc="-1">
-                <a:solidFill>
-                  <a:srgbClr val="000000"/>
-                </a:solidFill>
-                <a:uFill>
-                  <a:solidFill>
-                    <a:srgbClr val="FFFFFF"/>
-                  </a:solidFill>
-                </a:uFill>
-              </a:rPr>
-              <a:t>Use cases:</a:t>
-            </a:r>
-          </a:p>
-          <a:p>
-            <a:pPr marL="743130" lvl="1" indent="-342360"/>
-            <a:r>
-              <a:rPr lang="en-US" sz="1800" spc="-1">
-                <a:solidFill>
-                  <a:srgbClr val="000000"/>
-                </a:solidFill>
-                <a:uFill>
-                  <a:solidFill>
-                    <a:srgbClr val="FFFFFF"/>
-                  </a:solidFill>
-                </a:uFill>
-              </a:rPr>
-              <a:t>application update</a:t>
-            </a:r>
-          </a:p>
-          <a:p>
-            <a:pPr marL="743130" lvl="1" indent="-342360"/>
-            <a:r>
-              <a:rPr lang="en-US" sz="1800" spc="-1">
-                <a:solidFill>
-                  <a:srgbClr val="000000"/>
-                </a:solidFill>
-                <a:uFill>
-                  <a:solidFill>
-                    <a:srgbClr val="FFFFFF"/>
-                  </a:solidFill>
-                </a:uFill>
-              </a:rPr>
-              <a:t>Flink update</a:t>
-            </a:r>
-          </a:p>
-          <a:p>
-            <a:pPr marL="743130" lvl="1" indent="-342360"/>
-            <a:r>
-              <a:rPr lang="en-US" sz="1800" spc="-1">
-                <a:solidFill>
-                  <a:srgbClr val="000000"/>
-                </a:solidFill>
-                <a:uFill>
-                  <a:solidFill>
-                    <a:srgbClr val="FFFFFF"/>
-                  </a:solidFill>
-                </a:uFill>
-              </a:rPr>
-              <a:t>maintenance, migration</a:t>
-            </a:r>
-          </a:p>
-          <a:p>
-            <a:pPr marL="743130" lvl="1" indent="-342360"/>
-            <a:r>
-              <a:rPr lang="en-US" sz="1800" spc="-1">
-                <a:solidFill>
-                  <a:srgbClr val="000000"/>
-                </a:solidFill>
-                <a:uFill>
-                  <a:solidFill>
-                    <a:srgbClr val="FFFFFF"/>
-                  </a:solidFill>
-                </a:uFill>
-              </a:rPr>
-              <a:t>A/B testing</a:t>
-            </a:r>
-          </a:p>
-          <a:p>
-            <a:pPr marL="743130" lvl="1" indent="-342360"/>
-            <a:r>
-              <a:rPr lang="en-US" sz="1800" spc="-1">
-                <a:solidFill>
-                  <a:srgbClr val="000000"/>
-                </a:solidFill>
-                <a:uFill>
-                  <a:solidFill>
-                    <a:srgbClr val="FFFFFF"/>
-                  </a:solidFill>
-                </a:uFill>
-              </a:rPr>
-              <a:t>rescaling</a:t>
-            </a:r>
-            <a:endParaRPr lang="en-US" sz="2400" spc="-1">
-              <a:solidFill>
-                <a:srgbClr val="000000"/>
-              </a:solidFill>
-              <a:uFill>
-                <a:solidFill>
-                  <a:srgbClr val="FFFFFF"/>
-                </a:solidFill>
-              </a:uFill>
-            </a:endParaRPr>
+            <a:endParaRPr lang="en-US"/>
           </a:p>
         </p:txBody>
       </p:sp>
@@ -8065,7 +8881,7 @@
     </p:spTree>
     <p:extLst>
       <p:ext uri="{BB962C8B-B14F-4D97-AF65-F5344CB8AC3E}">
-        <p14:creationId xmlns:p14="http://schemas.microsoft.com/office/powerpoint/2010/main" val="1784757579"/>
+        <p14:creationId xmlns:p14="http://schemas.microsoft.com/office/powerpoint/2010/main" val="318379018"/>
       </p:ext>
     </p:extLst>
   </p:cSld>
@@ -8076,577 +8892,6 @@
 </file>
 
 <file path=ppt/slides/slide21.xml><?xml version="1.0" encoding="utf-8"?>
-<p:sld xmlns:a="http://schemas.openxmlformats.org/drawingml/2006/main" xmlns:r="http://schemas.openxmlformats.org/officeDocument/2006/relationships" xmlns:p="http://schemas.openxmlformats.org/presentationml/2006/main" show="0">
-  <p:cSld>
-    <p:spTree>
-      <p:nvGrpSpPr>
-        <p:cNvPr id="1" name=""/>
-        <p:cNvGrpSpPr/>
-        <p:nvPr/>
-      </p:nvGrpSpPr>
-      <p:grpSpPr>
-        <a:xfrm>
-          <a:off x="0" y="0"/>
-          <a:ext cx="0" cy="0"/>
-          <a:chOff x="0" y="0"/>
-          <a:chExt cx="0" cy="0"/>
-        </a:xfrm>
-      </p:grpSpPr>
-      <p:sp>
-        <p:nvSpPr>
-          <p:cNvPr id="2" name="Title 1"/>
-          <p:cNvSpPr>
-            <a:spLocks noGrp="1"/>
-          </p:cNvSpPr>
-          <p:nvPr>
-            <p:ph type="title"/>
-          </p:nvPr>
-        </p:nvSpPr>
-        <p:spPr/>
-        <p:txBody>
-          <a:bodyPr/>
-          <a:lstStyle/>
-          <a:p>
-            <a:r>
-              <a:rPr lang="en-US"/>
-              <a:t>Configuration for Savepoints</a:t>
-            </a:r>
-          </a:p>
-        </p:txBody>
-      </p:sp>
-      <p:sp>
-        <p:nvSpPr>
-          <p:cNvPr id="3" name="Content Placeholder 2"/>
-          <p:cNvSpPr>
-            <a:spLocks noGrp="1"/>
-          </p:cNvSpPr>
-          <p:nvPr>
-            <p:ph idx="1"/>
-          </p:nvPr>
-        </p:nvSpPr>
-        <p:spPr/>
-        <p:txBody>
-          <a:bodyPr/>
-          <a:lstStyle/>
-          <a:p>
-            <a:r>
-              <a:rPr lang="en-US"/>
-              <a:t>By default, savepoints are stored in memory, in the job manager</a:t>
-            </a:r>
-          </a:p>
-          <a:p>
-            <a:endParaRPr lang="en-US"/>
-          </a:p>
-          <a:p>
-            <a:r>
-              <a:rPr lang="en-US"/>
-              <a:t>To store savepoints in file system:</a:t>
-            </a:r>
-          </a:p>
-          <a:p>
-            <a:endParaRPr lang="en-US"/>
-          </a:p>
-          <a:p>
-            <a:pPr marL="457200" indent="0">
-              <a:buNone/>
-            </a:pPr>
-            <a:r>
-              <a:rPr lang="en-US" sz="1800">
-                <a:latin typeface="Consolas"/>
-                <a:cs typeface="Consolas"/>
-              </a:rPr>
-              <a:t>savepoints.state.backend: filesystem</a:t>
-            </a:r>
-          </a:p>
-          <a:p>
-            <a:pPr marL="457200" indent="0">
-              <a:buNone/>
-            </a:pPr>
-            <a:r>
-              <a:rPr lang="en-US" sz="1800">
-                <a:latin typeface="Consolas"/>
-                <a:cs typeface="Consolas"/>
-              </a:rPr>
-              <a:t>savepoints.state.backend.fs.dir: hdfs:///flink/savepoints</a:t>
-            </a:r>
-          </a:p>
-        </p:txBody>
-      </p:sp>
-      <p:sp>
-        <p:nvSpPr>
-          <p:cNvPr id="4" name="Slide Number Placeholder 3"/>
-          <p:cNvSpPr>
-            <a:spLocks noGrp="1"/>
-          </p:cNvSpPr>
-          <p:nvPr>
-            <p:ph type="sldNum" sz="quarter" idx="12"/>
-          </p:nvPr>
-        </p:nvSpPr>
-        <p:spPr/>
-        <p:txBody>
-          <a:bodyPr/>
-          <a:lstStyle/>
-          <a:p>
-            <a:fld id="{B07C5D84-2227-C144-B485-A8CA33CE4230}" type="slidenum">
-              <a:rPr lang="en-US" smtClean="0">
-                <a:solidFill>
-                  <a:prstClr val="black">
-                    <a:tint val="75000"/>
-                  </a:prstClr>
-                </a:solidFill>
-              </a:rPr>
-              <a:pPr/>
-              <a:t>21</a:t>
-            </a:fld>
-            <a:endParaRPr lang="en-US">
-              <a:solidFill>
-                <a:prstClr val="black">
-                  <a:tint val="75000"/>
-                </a:prstClr>
-              </a:solidFill>
-            </a:endParaRPr>
-          </a:p>
-        </p:txBody>
-      </p:sp>
-    </p:spTree>
-    <p:extLst>
-      <p:ext uri="{BB962C8B-B14F-4D97-AF65-F5344CB8AC3E}">
-        <p14:creationId xmlns:p14="http://schemas.microsoft.com/office/powerpoint/2010/main" val="3900453004"/>
-      </p:ext>
-    </p:extLst>
-  </p:cSld>
-  <p:clrMapOvr>
-    <a:masterClrMapping/>
-  </p:clrMapOvr>
-  <mc:AlternateContent xmlns:mc="http://schemas.openxmlformats.org/markup-compatibility/2006">
-    <mc:Choice xmlns:p14="http://schemas.microsoft.com/office/powerpoint/2010/main" Requires="p14">
-      <p:transition spd="slow" p14:dur="2000"/>
-    </mc:Choice>
-    <mc:Fallback>
-      <p:transition xmlns:p14="http://schemas.microsoft.com/office/powerpoint/2010/main" spd="slow"/>
-    </mc:Fallback>
-  </mc:AlternateContent>
-</p:sld>
-</file>
-
-<file path=ppt/slides/slide22.xml><?xml version="1.0" encoding="utf-8"?>
-<p:sld xmlns:a="http://schemas.openxmlformats.org/drawingml/2006/main" xmlns:r="http://schemas.openxmlformats.org/officeDocument/2006/relationships" xmlns:p="http://schemas.openxmlformats.org/presentationml/2006/main" show="0">
-  <p:cSld>
-    <p:spTree>
-      <p:nvGrpSpPr>
-        <p:cNvPr id="1" name=""/>
-        <p:cNvGrpSpPr/>
-        <p:nvPr/>
-      </p:nvGrpSpPr>
-      <p:grpSpPr>
-        <a:xfrm>
-          <a:off x="0" y="0"/>
-          <a:ext cx="0" cy="0"/>
-          <a:chOff x="0" y="0"/>
-          <a:chExt cx="0" cy="0"/>
-        </a:xfrm>
-      </p:grpSpPr>
-      <p:sp>
-        <p:nvSpPr>
-          <p:cNvPr id="2" name="Title 1"/>
-          <p:cNvSpPr>
-            <a:spLocks noGrp="1"/>
-          </p:cNvSpPr>
-          <p:nvPr>
-            <p:ph type="title"/>
-          </p:nvPr>
-        </p:nvSpPr>
-        <p:spPr/>
-        <p:txBody>
-          <a:bodyPr/>
-          <a:lstStyle/>
-          <a:p>
-            <a:r>
-              <a:rPr lang="en-US"/>
-              <a:t>When your Application Changes</a:t>
-            </a:r>
-          </a:p>
-        </p:txBody>
-      </p:sp>
-      <p:sp>
-        <p:nvSpPr>
-          <p:cNvPr id="4" name="Slide Number Placeholder 3"/>
-          <p:cNvSpPr>
-            <a:spLocks noGrp="1"/>
-          </p:cNvSpPr>
-          <p:nvPr>
-            <p:ph type="sldNum" sz="quarter" idx="12"/>
-          </p:nvPr>
-        </p:nvSpPr>
-        <p:spPr/>
-        <p:txBody>
-          <a:bodyPr/>
-          <a:lstStyle/>
-          <a:p>
-            <a:fld id="{B07C5D84-2227-C144-B485-A8CA33CE4230}" type="slidenum">
-              <a:rPr lang="en-US" smtClean="0">
-                <a:solidFill>
-                  <a:prstClr val="black">
-                    <a:tint val="75000"/>
-                  </a:prstClr>
-                </a:solidFill>
-              </a:rPr>
-              <a:pPr/>
-              <a:t>22</a:t>
-            </a:fld>
-            <a:endParaRPr lang="en-US">
-              <a:solidFill>
-                <a:prstClr val="black">
-                  <a:tint val="75000"/>
-                </a:prstClr>
-              </a:solidFill>
-            </a:endParaRPr>
-          </a:p>
-        </p:txBody>
-      </p:sp>
-      <p:pic>
-        <p:nvPicPr>
-          <p:cNvPr id="10" name="Content Placeholder 9" descr="savepoints-program_ids.png"/>
-          <p:cNvPicPr>
-            <a:picLocks noGrp="1" noChangeAspect="1"/>
-          </p:cNvPicPr>
-          <p:nvPr>
-            <p:ph idx="1"/>
-          </p:nvPr>
-        </p:nvPicPr>
-        <p:blipFill rotWithShape="1">
-          <a:blip r:embed="rId2">
-            <a:extLst>
-              <a:ext uri="{28A0092B-C50C-407E-A947-70E740481C1C}">
-                <a14:useLocalDpi xmlns:a14="http://schemas.microsoft.com/office/drawing/2010/main"/>
-              </a:ext>
-            </a:extLst>
-          </a:blip>
-          <a:srcRect t="-6400" b="-6400"/>
-          <a:stretch/>
-        </p:blipFill>
-        <p:spPr>
-          <a:xfrm>
-            <a:off x="1916916" y="1328916"/>
-            <a:ext cx="5375572" cy="2506433"/>
-          </a:xfrm>
-        </p:spPr>
-      </p:pic>
-      <p:sp>
-        <p:nvSpPr>
-          <p:cNvPr id="11" name="TextBox 10"/>
-          <p:cNvSpPr txBox="1"/>
-          <p:nvPr/>
-        </p:nvSpPr>
-        <p:spPr>
-          <a:xfrm>
-            <a:off x="457201" y="4138139"/>
-            <a:ext cx="3865648" cy="2308324"/>
-          </a:xfrm>
-          <a:prstGeom prst="rect">
-            <a:avLst/>
-          </a:prstGeom>
-          <a:noFill/>
-        </p:spPr>
-        <p:txBody>
-          <a:bodyPr wrap="square" rtlCol="0">
-            <a:spAutoFit/>
-          </a:bodyPr>
-          <a:lstStyle/>
-          <a:p>
-            <a:pPr marL="285750" indent="-285750">
-              <a:buClr>
-                <a:srgbClr val="34AD92"/>
-              </a:buClr>
-              <a:buFont typeface="Wingdings" charset="2"/>
-              <a:buChar char="§"/>
-            </a:pPr>
-            <a:r>
-              <a:rPr lang="en-US"/>
-              <a:t>The topology of your application is captured as a set of IDs of its stateful tasks</a:t>
-            </a:r>
-          </a:p>
-          <a:p>
-            <a:pPr marL="285750" indent="-285750">
-              <a:buClr>
-                <a:srgbClr val="34AD92"/>
-              </a:buClr>
-              <a:buFont typeface="Wingdings" charset="2"/>
-              <a:buChar char="§"/>
-            </a:pPr>
-            <a:endParaRPr lang="en-US"/>
-          </a:p>
-          <a:p>
-            <a:pPr marL="285750" indent="-285750">
-              <a:buClr>
-                <a:srgbClr val="34AD92"/>
-              </a:buClr>
-              <a:buFont typeface="Wingdings" charset="2"/>
-              <a:buChar char="§"/>
-            </a:pPr>
-            <a:r>
-              <a:rPr lang="en-US"/>
-              <a:t>If you want to be able to restore savepoints after changing the topology, you'll need to manually assign fixed IDs to the tasks</a:t>
-            </a:r>
-          </a:p>
-        </p:txBody>
-      </p:sp>
-      <p:sp>
-        <p:nvSpPr>
-          <p:cNvPr id="13" name="TextBox 12"/>
-          <p:cNvSpPr txBox="1"/>
-          <p:nvPr/>
-        </p:nvSpPr>
-        <p:spPr>
-          <a:xfrm>
-            <a:off x="4823115" y="4232691"/>
-            <a:ext cx="4092723" cy="2123658"/>
-          </a:xfrm>
-          <a:prstGeom prst="rect">
-            <a:avLst/>
-          </a:prstGeom>
-          <a:noFill/>
-        </p:spPr>
-        <p:txBody>
-          <a:bodyPr wrap="square" rtlCol="0">
-            <a:spAutoFit/>
-          </a:bodyPr>
-          <a:lstStyle/>
-          <a:p>
-            <a:pPr>
-              <a:buClr>
-                <a:srgbClr val="34AD92"/>
-              </a:buClr>
-            </a:pPr>
-            <a:r>
-              <a:rPr lang="en-US" sz="1200">
-                <a:latin typeface="Consolas"/>
-                <a:cs typeface="Consolas"/>
-              </a:rPr>
-              <a:t>DataStream&lt;String&gt; stream = env.</a:t>
-            </a:r>
-          </a:p>
-          <a:p>
-            <a:pPr>
-              <a:buClr>
-                <a:srgbClr val="34AD92"/>
-              </a:buClr>
-            </a:pPr>
-            <a:r>
-              <a:rPr lang="en-US" sz="1200">
-                <a:latin typeface="Consolas"/>
-                <a:cs typeface="Consolas"/>
-              </a:rPr>
-              <a:t>  </a:t>
-            </a:r>
-            <a:r>
-              <a:rPr lang="en-US" sz="1200" i="1">
-                <a:solidFill>
-                  <a:srgbClr val="7F7F7F"/>
-                </a:solidFill>
-                <a:latin typeface="Consolas"/>
-                <a:cs typeface="Consolas"/>
-              </a:rPr>
-              <a:t>// Stateful source (e.g. Kafka) with ID</a:t>
-            </a:r>
-          </a:p>
-          <a:p>
-            <a:pPr>
-              <a:buClr>
-                <a:srgbClr val="34AD92"/>
-              </a:buClr>
-            </a:pPr>
-            <a:r>
-              <a:rPr lang="en-US" sz="1200">
-                <a:latin typeface="Consolas"/>
-                <a:cs typeface="Consolas"/>
-              </a:rPr>
-              <a:t>  .addSource(new StatefulSource())</a:t>
-            </a:r>
-          </a:p>
-          <a:p>
-            <a:pPr>
-              <a:buClr>
-                <a:srgbClr val="34AD92"/>
-              </a:buClr>
-            </a:pPr>
-            <a:r>
-              <a:rPr lang="en-US" sz="1200">
-                <a:latin typeface="Consolas"/>
-                <a:cs typeface="Consolas"/>
-              </a:rPr>
-              <a:t>  .uid("</a:t>
-            </a:r>
-            <a:r>
-              <a:rPr lang="en-US" sz="1200">
-                <a:solidFill>
-                  <a:srgbClr val="FF0000"/>
-                </a:solidFill>
-                <a:latin typeface="Consolas"/>
-                <a:cs typeface="Consolas"/>
-              </a:rPr>
-              <a:t>source-id</a:t>
-            </a:r>
-            <a:r>
-              <a:rPr lang="en-US" sz="1200">
-                <a:latin typeface="Consolas"/>
-                <a:cs typeface="Consolas"/>
-              </a:rPr>
-              <a:t>")</a:t>
-            </a:r>
-          </a:p>
-          <a:p>
-            <a:pPr>
-              <a:buClr>
-                <a:srgbClr val="34AD92"/>
-              </a:buClr>
-            </a:pPr>
-            <a:r>
-              <a:rPr lang="en-US" sz="1200">
-                <a:latin typeface="Consolas"/>
-                <a:cs typeface="Consolas"/>
-              </a:rPr>
-              <a:t>  .shuffle()</a:t>
-            </a:r>
-          </a:p>
-          <a:p>
-            <a:pPr>
-              <a:buClr>
-                <a:srgbClr val="34AD92"/>
-              </a:buClr>
-            </a:pPr>
-            <a:r>
-              <a:rPr lang="en-US" sz="1200">
-                <a:latin typeface="Consolas"/>
-                <a:cs typeface="Consolas"/>
-              </a:rPr>
-              <a:t>  </a:t>
-            </a:r>
-            <a:r>
-              <a:rPr lang="en-US" sz="1200" i="1">
-                <a:solidFill>
-                  <a:srgbClr val="7F7F7F"/>
-                </a:solidFill>
-                <a:latin typeface="Consolas"/>
-                <a:cs typeface="Consolas"/>
-              </a:rPr>
-              <a:t>// The stateful mapper with ID</a:t>
-            </a:r>
-          </a:p>
-          <a:p>
-            <a:pPr>
-              <a:buClr>
-                <a:srgbClr val="34AD92"/>
-              </a:buClr>
-            </a:pPr>
-            <a:r>
-              <a:rPr lang="en-US" sz="1200">
-                <a:latin typeface="Consolas"/>
-                <a:cs typeface="Consolas"/>
-              </a:rPr>
-              <a:t>  .map(new StatefulMapper())</a:t>
-            </a:r>
-          </a:p>
-          <a:p>
-            <a:pPr>
-              <a:buClr>
-                <a:srgbClr val="34AD92"/>
-              </a:buClr>
-            </a:pPr>
-            <a:r>
-              <a:rPr lang="en-US" sz="1200">
-                <a:latin typeface="Consolas"/>
-                <a:cs typeface="Consolas"/>
-              </a:rPr>
-              <a:t>  .uid("</a:t>
-            </a:r>
-            <a:r>
-              <a:rPr lang="en-US" sz="1200">
-                <a:solidFill>
-                  <a:srgbClr val="FF0000"/>
-                </a:solidFill>
-                <a:latin typeface="Consolas"/>
-                <a:cs typeface="Consolas"/>
-              </a:rPr>
-              <a:t>mapper-id</a:t>
-            </a:r>
-            <a:r>
-              <a:rPr lang="en-US" sz="1200">
-                <a:latin typeface="Consolas"/>
-                <a:cs typeface="Consolas"/>
-              </a:rPr>
-              <a:t>")</a:t>
-            </a:r>
-          </a:p>
-          <a:p>
-            <a:pPr>
-              <a:buClr>
-                <a:srgbClr val="34AD92"/>
-              </a:buClr>
-            </a:pPr>
-            <a:endParaRPr lang="en-US" sz="1200">
-              <a:latin typeface="Consolas"/>
-              <a:cs typeface="Consolas"/>
-            </a:endParaRPr>
-          </a:p>
-          <a:p>
-            <a:pPr>
-              <a:buClr>
-                <a:srgbClr val="34AD92"/>
-              </a:buClr>
-            </a:pPr>
-            <a:r>
-              <a:rPr lang="en-US" sz="1200" i="1">
-                <a:solidFill>
-                  <a:schemeClr val="tx1">
-                    <a:lumMod val="50000"/>
-                    <a:lumOff val="50000"/>
-                  </a:schemeClr>
-                </a:solidFill>
-                <a:latin typeface="Consolas"/>
-                <a:cs typeface="Consolas"/>
-              </a:rPr>
-              <a:t>// Stateless sink (no specific ID required)</a:t>
-            </a:r>
-          </a:p>
-          <a:p>
-            <a:pPr>
-              <a:buClr>
-                <a:srgbClr val="34AD92"/>
-              </a:buClr>
-            </a:pPr>
-            <a:r>
-              <a:rPr lang="en-US" sz="1200">
-                <a:latin typeface="Consolas"/>
-                <a:cs typeface="Consolas"/>
-              </a:rPr>
-              <a:t>stream.print()</a:t>
-            </a:r>
-          </a:p>
-        </p:txBody>
-      </p:sp>
-    </p:spTree>
-    <p:extLst>
-      <p:ext uri="{BB962C8B-B14F-4D97-AF65-F5344CB8AC3E}">
-        <p14:creationId xmlns:p14="http://schemas.microsoft.com/office/powerpoint/2010/main" val="4123246705"/>
-      </p:ext>
-    </p:extLst>
-  </p:cSld>
-  <p:clrMapOvr>
-    <a:masterClrMapping/>
-  </p:clrMapOvr>
-  <mc:AlternateContent xmlns:mc="http://schemas.openxmlformats.org/markup-compatibility/2006">
-    <mc:Choice xmlns:p14="http://schemas.microsoft.com/office/powerpoint/2010/main" Requires="p14">
-      <p:transition spd="slow" p14:dur="2000"/>
-    </mc:Choice>
-    <mc:Fallback>
-      <p:transition xmlns:p14="http://schemas.microsoft.com/office/powerpoint/2010/main" spd="slow"/>
-    </mc:Fallback>
-  </mc:AlternateContent>
-</p:sld>
-</file>
-
-<file path=ppt/slides/slide23.xml><?xml version="1.0" encoding="utf-8"?>
 <p:sld xmlns:a="http://schemas.openxmlformats.org/drawingml/2006/main" xmlns:r="http://schemas.openxmlformats.org/officeDocument/2006/relationships" xmlns:p="http://schemas.openxmlformats.org/presentationml/2006/main">
   <p:cSld>
     <p:spTree>
@@ -8665,6 +8910,198 @@
       </p:grpSpPr>
       <p:sp>
         <p:nvSpPr>
+          <p:cNvPr id="5" name="Title 4"/>
+          <p:cNvSpPr>
+            <a:spLocks noGrp="1"/>
+          </p:cNvSpPr>
+          <p:nvPr>
+            <p:ph type="title"/>
+          </p:nvPr>
+        </p:nvSpPr>
+        <p:spPr/>
+        <p:txBody>
+          <a:bodyPr/>
+          <a:lstStyle/>
+          <a:p>
+            <a:r>
+              <a:rPr lang="en-US"/>
+              <a:t>Savepoints</a:t>
+            </a:r>
+          </a:p>
+        </p:txBody>
+      </p:sp>
+      <p:sp>
+        <p:nvSpPr>
+          <p:cNvPr id="4" name="Slide Number Placeholder 3"/>
+          <p:cNvSpPr>
+            <a:spLocks noGrp="1"/>
+          </p:cNvSpPr>
+          <p:nvPr>
+            <p:ph type="sldNum" sz="quarter" idx="12"/>
+          </p:nvPr>
+        </p:nvSpPr>
+        <p:spPr/>
+        <p:txBody>
+          <a:bodyPr/>
+          <a:lstStyle/>
+          <a:p>
+            <a:fld id="{B07C5D84-2227-C144-B485-A8CA33CE4230}" type="slidenum">
+              <a:rPr lang="en-US" smtClean="0"/>
+              <a:pPr/>
+              <a:t>21</a:t>
+            </a:fld>
+            <a:endParaRPr lang="en-US"/>
+          </a:p>
+        </p:txBody>
+      </p:sp>
+      <p:sp>
+        <p:nvSpPr>
+          <p:cNvPr id="10" name="Content Placeholder 2"/>
+          <p:cNvSpPr>
+            <a:spLocks noGrp="1"/>
+          </p:cNvSpPr>
+          <p:nvPr>
+            <p:ph idx="1"/>
+          </p:nvPr>
+        </p:nvSpPr>
+        <p:spPr>
+          <a:xfrm>
+            <a:off x="457200" y="1474376"/>
+            <a:ext cx="8229600" cy="4651788"/>
+          </a:xfrm>
+        </p:spPr>
+        <p:txBody>
+          <a:bodyPr>
+            <a:normAutofit fontScale="92500" lnSpcReduction="10000"/>
+          </a:bodyPr>
+          <a:lstStyle/>
+          <a:p>
+            <a:r>
+              <a:rPr lang="en-US" sz="3000" dirty="0" err="1" smtClean="0"/>
+              <a:t>Savepoints</a:t>
+            </a:r>
+            <a:r>
+              <a:rPr lang="en-US" sz="3000" dirty="0" smtClean="0"/>
+              <a:t> are user-triggered, retained checkpoints.</a:t>
+            </a:r>
+          </a:p>
+          <a:p>
+            <a:pPr lvl="1"/>
+            <a:endParaRPr lang="en-US" sz="2600" dirty="0" smtClean="0"/>
+          </a:p>
+          <a:p>
+            <a:r>
+              <a:rPr lang="en-US" sz="3000" dirty="0" smtClean="0"/>
+              <a:t>A program can be started from a </a:t>
+            </a:r>
+            <a:r>
+              <a:rPr lang="en-US" sz="3000" dirty="0" err="1" smtClean="0"/>
+              <a:t>savepoint</a:t>
+            </a:r>
+            <a:r>
+              <a:rPr lang="en-US" sz="3000" dirty="0" smtClean="0"/>
+              <a:t>.</a:t>
+            </a:r>
+            <a:endParaRPr lang="en-US" sz="3000" dirty="0"/>
+          </a:p>
+          <a:p>
+            <a:pPr lvl="1"/>
+            <a:r>
+              <a:rPr lang="en-US" sz="2600" dirty="0" smtClean="0"/>
+              <a:t>Initializes the operator state</a:t>
+            </a:r>
+          </a:p>
+          <a:p>
+            <a:pPr lvl="1"/>
+            <a:endParaRPr lang="en-US" sz="2600" dirty="0" smtClean="0"/>
+          </a:p>
+          <a:p>
+            <a:r>
+              <a:rPr lang="en-US" sz="3000" dirty="0" err="1" smtClean="0"/>
+              <a:t>Savepoints</a:t>
+            </a:r>
+            <a:r>
+              <a:rPr lang="en-US" sz="3000" dirty="0" smtClean="0"/>
+              <a:t> are useful for</a:t>
+            </a:r>
+          </a:p>
+          <a:p>
+            <a:pPr lvl="1"/>
+            <a:r>
+              <a:rPr lang="en-US" sz="2600" dirty="0" smtClean="0"/>
+              <a:t>Application updates</a:t>
+            </a:r>
+          </a:p>
+          <a:p>
+            <a:pPr lvl="1"/>
+            <a:r>
+              <a:rPr lang="en-US" sz="2600" dirty="0" smtClean="0"/>
+              <a:t>Updating a Flink version</a:t>
+            </a:r>
+          </a:p>
+          <a:p>
+            <a:pPr lvl="1"/>
+            <a:r>
+              <a:rPr lang="en-US" sz="2600" dirty="0" smtClean="0"/>
+              <a:t>Maintenance &amp; migration</a:t>
+            </a:r>
+          </a:p>
+          <a:p>
+            <a:pPr lvl="1"/>
+            <a:r>
+              <a:rPr lang="en-US" sz="2600" dirty="0" smtClean="0"/>
+              <a:t>A/B testing</a:t>
+            </a:r>
+          </a:p>
+          <a:p>
+            <a:pPr lvl="1"/>
+            <a:r>
+              <a:rPr lang="en-US" sz="2600" dirty="0" smtClean="0"/>
+              <a:t>Rescaling (in the future)</a:t>
+            </a:r>
+          </a:p>
+          <a:p>
+            <a:pPr lvl="1"/>
+            <a:endParaRPr lang="en-US" sz="2600" dirty="0" smtClean="0"/>
+          </a:p>
+          <a:p>
+            <a:pPr lvl="1"/>
+            <a:endParaRPr lang="en-US" sz="2600" dirty="0" smtClean="0"/>
+          </a:p>
+        </p:txBody>
+      </p:sp>
+    </p:spTree>
+    <p:extLst>
+      <p:ext uri="{BB962C8B-B14F-4D97-AF65-F5344CB8AC3E}">
+        <p14:creationId xmlns:p14="http://schemas.microsoft.com/office/powerpoint/2010/main" val="1784757579"/>
+      </p:ext>
+    </p:extLst>
+  </p:cSld>
+  <p:clrMapOvr>
+    <a:masterClrMapping/>
+  </p:clrMapOvr>
+</p:sld>
+</file>
+
+<file path=ppt/slides/slide22.xml><?xml version="1.0" encoding="utf-8"?>
+<p:sld xmlns:a="http://schemas.openxmlformats.org/drawingml/2006/main" xmlns:r="http://schemas.openxmlformats.org/officeDocument/2006/relationships" xmlns:p="http://schemas.openxmlformats.org/presentationml/2006/main">
+  <p:cSld>
+    <p:spTree>
+      <p:nvGrpSpPr>
+        <p:cNvPr id="1" name=""/>
+        <p:cNvGrpSpPr/>
+        <p:nvPr/>
+      </p:nvGrpSpPr>
+      <p:grpSpPr>
+        <a:xfrm>
+          <a:off x="0" y="0"/>
+          <a:ext cx="0" cy="0"/>
+          <a:chOff x="0" y="0"/>
+          <a:chExt cx="0" cy="0"/>
+        </a:xfrm>
+      </p:grpSpPr>
+      <p:sp>
+        <p:nvSpPr>
           <p:cNvPr id="2" name="Title 1"/>
           <p:cNvSpPr>
             <a:spLocks noGrp="1"/>
@@ -8952,7 +9389,7 @@
                 </a:solidFill>
               </a:rPr>
               <a:pPr/>
-              <a:t>23</a:t>
+              <a:t>22</a:t>
             </a:fld>
             <a:endParaRPr lang="en-US">
               <a:solidFill>
@@ -9031,19 +9468,16 @@
         <p:spPr/>
         <p:txBody>
           <a:bodyPr vert="horz" lIns="91440" tIns="45720" rIns="91440" bIns="45720" rtlCol="0" anchor="t">
-            <a:normAutofit/>
+            <a:noAutofit/>
           </a:bodyPr>
           <a:lstStyle/>
           <a:p>
             <a:pPr marL="343080" indent="-342360">
-              <a:lnSpc>
-                <a:spcPct val="130000"/>
-              </a:lnSpc>
               <a:buFont typeface="Wingdings" charset="2"/>
               <a:buChar char=""/>
             </a:pPr>
             <a:r>
-              <a:rPr lang="en-US" sz="2400" spc="-1" dirty="0">
+              <a:rPr lang="en-US" sz="2400" spc="-1" dirty="0" smtClean="0">
                 <a:solidFill>
                   <a:srgbClr val="000000"/>
                 </a:solidFill>
@@ -9053,9 +9487,18 @@
                   </a:solidFill>
                 </a:uFill>
               </a:rPr>
-              <a:t>"Exactly once"</a:t>
-            </a:r>
-            <a:endParaRPr lang="en-US" sz="2400" spc="-1" dirty="0">
+              <a:t>What happens if a worker thread goes down?</a:t>
+            </a:r>
+          </a:p>
+          <a:p>
+            <a:pPr marL="343080" indent="-342360">
+              <a:buFont typeface="Wingdings" charset="2"/>
+              <a:buChar char=""/>
+            </a:pPr>
+            <a:endParaRPr lang="en-US" sz="1200" spc="-1" dirty="0">
+              <a:solidFill>
+                <a:srgbClr val="000000"/>
+              </a:solidFill>
               <a:uFill>
                 <a:solidFill>
                   <a:srgbClr val="FFFFFF"/>
@@ -9064,11 +9507,100 @@
             </a:endParaRPr>
           </a:p>
           <a:p>
-            <a:pPr marL="743670" lvl="1" indent="-342900">
-              <a:lnSpc>
-                <a:spcPct val="130000"/>
-              </a:lnSpc>
+            <a:pPr marL="343080" indent="-342360">
+              <a:buFont typeface="Wingdings" charset="2"/>
+              <a:buChar char=""/>
             </a:pPr>
+            <a:r>
+              <a:rPr lang="en-US" sz="2400" spc="-1" dirty="0" smtClean="0">
+                <a:solidFill>
+                  <a:srgbClr val="000000"/>
+                </a:solidFill>
+                <a:uFill>
+                  <a:solidFill>
+                    <a:srgbClr val="FFFFFF"/>
+                  </a:solidFill>
+                </a:uFill>
+              </a:rPr>
+              <a:t>Flink supports different guarantee levels for failure recovery:</a:t>
+            </a:r>
+          </a:p>
+          <a:p>
+            <a:pPr marL="343080" indent="-342360">
+              <a:buFont typeface="Wingdings" charset="2"/>
+              <a:buChar char=""/>
+            </a:pPr>
+            <a:endParaRPr lang="en-US" sz="1200" spc="-1" dirty="0" smtClean="0">
+              <a:solidFill>
+                <a:srgbClr val="000000"/>
+              </a:solidFill>
+              <a:uFill>
+                <a:solidFill>
+                  <a:srgbClr val="FFFFFF"/>
+                </a:solidFill>
+              </a:uFill>
+            </a:endParaRPr>
+          </a:p>
+          <a:p>
+            <a:pPr marL="343080" indent="-342360">
+              <a:buFont typeface="Wingdings" charset="2"/>
+              <a:buChar char=""/>
+            </a:pPr>
+            <a:r>
+              <a:rPr lang="en-US" sz="2400" spc="-1" dirty="0" smtClean="0">
+                <a:solidFill>
+                  <a:srgbClr val="000000"/>
+                </a:solidFill>
+                <a:uFill>
+                  <a:solidFill>
+                    <a:srgbClr val="FFFFFF"/>
+                  </a:solidFill>
+                </a:uFill>
+              </a:rPr>
+              <a:t>Exactly once</a:t>
+            </a:r>
+          </a:p>
+          <a:p>
+            <a:pPr marL="743130" lvl="1" indent="-342360">
+              <a:buFont typeface="Wingdings" charset="2"/>
+              <a:buChar char=""/>
+            </a:pPr>
+            <a:r>
+              <a:rPr lang="en-US" sz="2000" spc="-1" dirty="0" smtClean="0">
+                <a:uFill>
+                  <a:solidFill>
+                    <a:srgbClr val="FFFFFF"/>
+                  </a:solidFill>
+                </a:uFill>
+              </a:rPr>
+              <a:t>Each event affects the declared state of a program exactly once.</a:t>
+            </a:r>
+          </a:p>
+          <a:p>
+            <a:pPr marL="743130" lvl="1" indent="-342360">
+              <a:buFont typeface="Wingdings" charset="2"/>
+              <a:buChar char=""/>
+            </a:pPr>
+            <a:r>
+              <a:rPr lang="en-US" sz="2000" b="1" spc="-1" dirty="0" smtClean="0">
+                <a:uFill>
+                  <a:solidFill>
+                    <a:srgbClr val="FFFFFF"/>
+                  </a:solidFill>
+                </a:uFill>
+              </a:rPr>
+              <a:t>Note</a:t>
+            </a:r>
+            <a:r>
+              <a:rPr lang="en-US" sz="2000" spc="-1" dirty="0" smtClean="0">
+                <a:uFill>
+                  <a:solidFill>
+                    <a:srgbClr val="FFFFFF"/>
+                  </a:solidFill>
+                </a:uFill>
+              </a:rPr>
+              <a:t>: </a:t>
+            </a:r>
             <a:r>
               <a:rPr lang="en-US" sz="2000" spc="-1" dirty="0">
                 <a:uFill>
@@ -9077,15 +9609,38 @@
                   </a:solidFill>
                 </a:uFill>
               </a:rPr>
-              <a:t>Does not mean that each event is processed exactly once</a:t>
-            </a:r>
-          </a:p>
-          <a:p>
-            <a:pPr marL="743670" lvl="1" indent="-342900">
-              <a:lnSpc>
-                <a:spcPct val="130000"/>
-              </a:lnSpc>
-            </a:pPr>
+              <a:t>This </a:t>
+            </a:r>
+            <a:r>
+              <a:rPr lang="en-US" sz="2000" spc="-1" dirty="0" smtClean="0">
+                <a:uFill>
+                  <a:solidFill>
+                    <a:srgbClr val="FFFFFF"/>
+                  </a:solidFill>
+                </a:uFill>
+              </a:rPr>
+              <a:t>does </a:t>
+            </a:r>
+            <a:r>
+              <a:rPr lang="en-US" sz="2000" i="1" spc="-1" dirty="0" smtClean="0">
+                <a:uFill>
+                  <a:solidFill>
+                    <a:srgbClr val="FFFFFF"/>
+                  </a:solidFill>
+                </a:uFill>
+              </a:rPr>
+              <a:t>not</a:t>
+            </a:r>
+            <a:r>
+              <a:rPr lang="en-US" sz="2000" spc="-1" dirty="0" smtClean="0">
+                <a:uFill>
+                  <a:solidFill>
+                    <a:srgbClr val="FFFFFF"/>
+                  </a:solidFill>
+                </a:uFill>
+              </a:rPr>
+              <a:t> mean that events are processed exactly once</a:t>
+            </a:r>
             <a:r>
               <a:rPr lang="en-US" sz="2000" spc="-1" dirty="0">
                 <a:uFill>
@@ -9094,98 +9649,112 @@
                   </a:solidFill>
                 </a:uFill>
               </a:rPr>
-              <a:t>Means that each event affects the state of the system once</a:t>
+              <a:t>!</a:t>
             </a:r>
           </a:p>
           <a:p>
             <a:pPr marL="343080" indent="-342360">
-              <a:lnSpc>
-                <a:spcPct val="130000"/>
-              </a:lnSpc>
               <a:buFont typeface="Wingdings" charset="2"/>
               <a:buChar char=""/>
             </a:pPr>
-            <a:r>
-              <a:rPr lang="en-US" sz="2400" spc="-1" dirty="0">
+            <a:endParaRPr lang="en-US" sz="1200" spc="-1" dirty="0" smtClean="0">
+              <a:uFill>
+                <a:solidFill>
+                  <a:srgbClr val="FFFFFF"/>
+                </a:solidFill>
+              </a:uFill>
+            </a:endParaRPr>
+          </a:p>
+          <a:p>
+            <a:pPr marL="343080" indent="-342360">
+              <a:buFont typeface="Wingdings" charset="2"/>
+              <a:buChar char=""/>
+            </a:pPr>
+            <a:r>
+              <a:rPr lang="en-US" sz="2400" spc="-1" dirty="0" smtClean="0">
                 <a:uFill>
                   <a:solidFill>
                     <a:srgbClr val="FFFFFF"/>
                   </a:solidFill>
                 </a:uFill>
               </a:rPr>
-              <a:t>"Exactly once" requires</a:t>
-            </a:r>
-          </a:p>
-          <a:p>
-            <a:pPr marL="743670" lvl="1" indent="-342900">
-              <a:lnSpc>
-                <a:spcPct val="130000"/>
-              </a:lnSpc>
+              <a:t>At least once</a:t>
+            </a:r>
+            <a:endParaRPr lang="en-US" sz="2400" spc="-1" dirty="0">
+              <a:uFill>
+                <a:solidFill>
+                  <a:srgbClr val="FFFFFF"/>
+                </a:solidFill>
+              </a:uFill>
+            </a:endParaRPr>
+          </a:p>
+          <a:p>
+            <a:pPr marL="743130" lvl="1" indent="-342360">
+              <a:buFont typeface="Wingdings" charset="2"/>
+              <a:buChar char=""/>
             </a:pPr>
             <a:r>
-              <a:rPr lang="en-US" sz="2000" spc="-1" dirty="0">
+              <a:rPr lang="en-US" sz="2000" spc="-1" dirty="0" smtClean="0">
                 <a:uFill>
                   <a:solidFill>
                     <a:srgbClr val="FFFFFF"/>
                   </a:solidFill>
                 </a:uFill>
               </a:rPr>
-              <a:t>Replayable sources</a:t>
-            </a:r>
-          </a:p>
-          <a:p>
-            <a:pPr marL="743670" lvl="1" indent="-342900">
-              <a:lnSpc>
-                <a:spcPct val="130000"/>
-              </a:lnSpc>
+              <a:t>Each event affects the declared state of a program at least once</a:t>
+            </a:r>
+          </a:p>
+          <a:p>
+            <a:pPr marL="343080" indent="-342360">
+              <a:buFont typeface="Wingdings" charset="2"/>
+              <a:buChar char=""/>
             </a:pPr>
-            <a:r>
-              <a:rPr lang="en-US" sz="2000" spc="-1" dirty="0">
+            <a:endParaRPr lang="en-US" sz="1200" spc="-1" dirty="0" smtClean="0">
+              <a:uFill>
+                <a:solidFill>
+                  <a:srgbClr val="FFFFFF"/>
+                </a:solidFill>
+              </a:uFill>
+            </a:endParaRPr>
+          </a:p>
+          <a:p>
+            <a:pPr marL="343080" indent="-342360">
+              <a:buFont typeface="Wingdings" charset="2"/>
+              <a:buChar char=""/>
+            </a:pPr>
+            <a:r>
+              <a:rPr lang="en-US" sz="2400" spc="-1" dirty="0" smtClean="0">
                 <a:uFill>
                   <a:solidFill>
                     <a:srgbClr val="FFFFFF"/>
                   </a:solidFill>
                 </a:uFill>
               </a:rPr>
-              <a:t>Checkpointing of Flink's state</a:t>
-            </a:r>
-          </a:p>
-          <a:p>
-            <a:pPr marL="343080" indent="-342360">
-              <a:lnSpc>
-                <a:spcPct val="130000"/>
-              </a:lnSpc>
+              <a:t>Deactivated / None / At most once</a:t>
+            </a:r>
+          </a:p>
+          <a:p>
+            <a:pPr marL="743130" lvl="1" indent="-342360">
               <a:buFont typeface="Wingdings" charset="2"/>
               <a:buChar char=""/>
             </a:pPr>
             <a:r>
-              <a:rPr lang="en-US" sz="2400" spc="-1" dirty="0">
+              <a:rPr lang="en-US" sz="2000" spc="-1" dirty="0" smtClean="0">
                 <a:uFill>
                   <a:solidFill>
                     <a:srgbClr val="FFFFFF"/>
                   </a:solidFill>
                 </a:uFill>
               </a:rPr>
-              <a:t>Additionally, "exactly once end-to-end" requires</a:t>
-            </a:r>
-          </a:p>
-          <a:p>
-            <a:pPr marL="743670" lvl="1" indent="-342900">
-              <a:lnSpc>
-                <a:spcPct val="130000"/>
-              </a:lnSpc>
-            </a:pPr>
-            <a:r>
-              <a:rPr lang="en-US" sz="2000" spc="-1" dirty="0">
-                <a:uFill>
-                  <a:solidFill>
-                    <a:srgbClr val="FFFFFF"/>
-                  </a:solidFill>
-                </a:uFill>
-                <a:latin typeface="Calibri" charset="0"/>
-              </a:rPr>
-              <a:t>Transactional/idempotent sinks</a:t>
-            </a:r>
+              <a:t>All state is lost in case of a failure</a:t>
+            </a:r>
+            <a:endParaRPr lang="en-US" sz="1600" spc="-1" dirty="0" smtClean="0">
+              <a:uFill>
+                <a:solidFill>
+                  <a:srgbClr val="FFFFFF"/>
+                </a:solidFill>
+              </a:uFill>
+            </a:endParaRPr>
           </a:p>
         </p:txBody>
       </p:sp>
@@ -9271,6 +9840,167 @@
           <a:lstStyle/>
           <a:p>
             <a:r>
+              <a:rPr lang="en-US" dirty="0" smtClean="0"/>
+              <a:t>Source &amp; Sink Requirements</a:t>
+            </a:r>
+            <a:endParaRPr lang="en-US" dirty="0"/>
+          </a:p>
+        </p:txBody>
+      </p:sp>
+      <p:sp>
+        <p:nvSpPr>
+          <p:cNvPr id="3" name="Content Placeholder 2"/>
+          <p:cNvSpPr>
+            <a:spLocks noGrp="1"/>
+          </p:cNvSpPr>
+          <p:nvPr>
+            <p:ph idx="1"/>
+          </p:nvPr>
+        </p:nvSpPr>
+        <p:spPr/>
+        <p:txBody>
+          <a:bodyPr>
+            <a:normAutofit/>
+          </a:bodyPr>
+          <a:lstStyle/>
+          <a:p>
+            <a:r>
+              <a:rPr lang="en-US" sz="2400" dirty="0" smtClean="0"/>
+              <a:t>“Exactly once” &amp; “at least once” guarantees </a:t>
+            </a:r>
+            <a:r>
+              <a:rPr lang="en-US" sz="2400" dirty="0"/>
+              <a:t>r</a:t>
+            </a:r>
+            <a:r>
+              <a:rPr lang="en-US" sz="2400" dirty="0" smtClean="0"/>
+              <a:t>equire </a:t>
+            </a:r>
+            <a:r>
+              <a:rPr lang="en-US" sz="2400" dirty="0" err="1" smtClean="0"/>
+              <a:t>replayable</a:t>
+            </a:r>
+            <a:r>
+              <a:rPr lang="en-US" sz="2400" dirty="0" smtClean="0"/>
+              <a:t> sources</a:t>
+            </a:r>
+          </a:p>
+          <a:p>
+            <a:pPr lvl="1"/>
+            <a:r>
+              <a:rPr lang="en-US" sz="2000" dirty="0" smtClean="0"/>
+              <a:t>Data must be replayed in case of a failure</a:t>
+            </a:r>
+          </a:p>
+          <a:p>
+            <a:pPr lvl="1"/>
+            <a:endParaRPr lang="en-US" sz="2000" dirty="0"/>
+          </a:p>
+          <a:p>
+            <a:r>
+              <a:rPr lang="en-US" sz="2400" dirty="0" smtClean="0"/>
+              <a:t>“End-to-End exactly once” guarantees require</a:t>
+            </a:r>
+          </a:p>
+          <a:p>
+            <a:pPr lvl="1"/>
+            <a:r>
+              <a:rPr lang="en-US" sz="2000" dirty="0" smtClean="0"/>
+              <a:t>Transactional sinks, or</a:t>
+            </a:r>
+          </a:p>
+          <a:p>
+            <a:pPr lvl="1"/>
+            <a:r>
+              <a:rPr lang="en-US" sz="2000" dirty="0" smtClean="0"/>
+              <a:t>Idempotent writes</a:t>
+            </a:r>
+            <a:endParaRPr lang="en-US" sz="2000" dirty="0"/>
+          </a:p>
+        </p:txBody>
+      </p:sp>
+      <p:sp>
+        <p:nvSpPr>
+          <p:cNvPr id="4" name="Slide Number Placeholder 3"/>
+          <p:cNvSpPr>
+            <a:spLocks noGrp="1"/>
+          </p:cNvSpPr>
+          <p:nvPr>
+            <p:ph type="sldNum" sz="quarter" idx="12"/>
+          </p:nvPr>
+        </p:nvSpPr>
+        <p:spPr/>
+        <p:txBody>
+          <a:bodyPr/>
+          <a:lstStyle/>
+          <a:p>
+            <a:fld id="{B07C5D84-2227-C144-B485-A8CA33CE4230}" type="slidenum">
+              <a:rPr lang="en-US" smtClean="0">
+                <a:solidFill>
+                  <a:prstClr val="black">
+                    <a:tint val="75000"/>
+                  </a:prstClr>
+                </a:solidFill>
+              </a:rPr>
+              <a:pPr/>
+              <a:t>4</a:t>
+            </a:fld>
+            <a:endParaRPr lang="en-US">
+              <a:solidFill>
+                <a:prstClr val="black">
+                  <a:tint val="75000"/>
+                </a:prstClr>
+              </a:solidFill>
+            </a:endParaRPr>
+          </a:p>
+        </p:txBody>
+      </p:sp>
+    </p:spTree>
+    <p:extLst>
+      <p:ext uri="{BB962C8B-B14F-4D97-AF65-F5344CB8AC3E}">
+        <p14:creationId xmlns:p14="http://schemas.microsoft.com/office/powerpoint/2010/main" val="3862253218"/>
+      </p:ext>
+    </p:extLst>
+  </p:cSld>
+  <p:clrMapOvr>
+    <a:masterClrMapping/>
+  </p:clrMapOvr>
+</p:sld>
+</file>
+
+<file path=ppt/slides/slide5.xml><?xml version="1.0" encoding="utf-8"?>
+<p:sld xmlns:a="http://schemas.openxmlformats.org/drawingml/2006/main" xmlns:r="http://schemas.openxmlformats.org/officeDocument/2006/relationships" xmlns:p="http://schemas.openxmlformats.org/presentationml/2006/main">
+  <p:cSld>
+    <p:spTree>
+      <p:nvGrpSpPr>
+        <p:cNvPr id="1" name=""/>
+        <p:cNvGrpSpPr/>
+        <p:nvPr/>
+      </p:nvGrpSpPr>
+      <p:grpSpPr>
+        <a:xfrm>
+          <a:off x="0" y="0"/>
+          <a:ext cx="0" cy="0"/>
+          <a:chOff x="0" y="0"/>
+          <a:chExt cx="0" cy="0"/>
+        </a:xfrm>
+      </p:grpSpPr>
+      <p:sp>
+        <p:nvSpPr>
+          <p:cNvPr id="2" name="Title 1"/>
+          <p:cNvSpPr>
+            <a:spLocks noGrp="1"/>
+          </p:cNvSpPr>
+          <p:nvPr>
+            <p:ph type="title"/>
+          </p:nvPr>
+        </p:nvSpPr>
+        <p:spPr/>
+        <p:txBody>
+          <a:bodyPr/>
+          <a:lstStyle/>
+          <a:p>
+            <a:r>
               <a:rPr lang="en-US" dirty="0"/>
               <a:t>Guarantees of Data Sources</a:t>
             </a:r>
@@ -9287,13 +10017,13 @@
             <p:ph idx="1"/>
             <p:extLst>
               <p:ext uri="{D42A27DB-BD31-4B8C-83A1-F6EECF244321}">
-                <p14:modId xmlns:p14="http://schemas.microsoft.com/office/powerpoint/2010/main" val="1660541589"/>
+                <p14:modId xmlns:p14="http://schemas.microsoft.com/office/powerpoint/2010/main" val="2262096793"/>
               </p:ext>
             </p:extLst>
           </p:nvPr>
         </p:nvGraphicFramePr>
         <p:xfrm>
-          <a:off x="457200" y="1474788"/>
+          <a:off x="457200" y="1483924"/>
           <a:ext cx="8223849" cy="2966720"/>
         </p:xfrm>
         <a:graphic>
@@ -9437,8 +10167,12 @@
                     <a:lstStyle/>
                     <a:p>
                       <a:r>
+                        <a:rPr lang="en-US" dirty="0" smtClean="0"/>
+                        <a:t>None </a:t>
+                      </a:r>
+                      <a:r>
                         <a:rPr lang="en-US" dirty="0"/>
-                        <a:t>At most once (v 0.10) / Exactly once (v 1.0)</a:t>
+                        <a:t>(v 0.10) / Exactly once (v 1.0)</a:t>
                       </a:r>
                     </a:p>
                   </a:txBody>
@@ -9470,9 +10204,10 @@
                     <a:lstStyle/>
                     <a:p>
                       <a:r>
-                        <a:rPr lang="en-US" dirty="0"/>
-                        <a:t>At most once</a:t>
+                        <a:rPr lang="en-US" dirty="0" smtClean="0"/>
+                        <a:t>None</a:t>
                       </a:r>
+                      <a:endParaRPr lang="en-US" dirty="0"/>
                     </a:p>
                   </a:txBody>
                   <a:tcPr/>
@@ -9569,9 +10304,10 @@
                     <a:lstStyle/>
                     <a:p>
                       <a:r>
-                        <a:rPr lang="en-US" dirty="0"/>
-                        <a:t>At most once</a:t>
+                        <a:rPr lang="en-US" dirty="0" smtClean="0"/>
+                        <a:t>None</a:t>
                       </a:r>
+                      <a:endParaRPr lang="en-US" dirty="0"/>
                     </a:p>
                   </a:txBody>
                   <a:tcPr/>
@@ -9610,7 +10346,7 @@
                 </a:solidFill>
               </a:rPr>
               <a:pPr/>
-              <a:t>4</a:t>
+              <a:t>5</a:t>
             </a:fld>
             <a:endParaRPr lang="en-US">
               <a:solidFill>
@@ -9635,7 +10371,7 @@
 </p:sld>
 </file>
 
-<file path=ppt/slides/slide5.xml><?xml version="1.0" encoding="utf-8"?>
+<file path=ppt/slides/slide6.xml><?xml version="1.0" encoding="utf-8"?>
 <p:sld xmlns:a="http://schemas.openxmlformats.org/drawingml/2006/main" xmlns:r="http://schemas.openxmlformats.org/officeDocument/2006/relationships" xmlns:p="http://schemas.openxmlformats.org/presentationml/2006/main">
   <p:cSld>
     <p:spTree>
@@ -9684,7 +10420,7 @@
             <p:ph idx="1"/>
             <p:extLst>
               <p:ext uri="{D42A27DB-BD31-4B8C-83A1-F6EECF244321}">
-                <p14:modId xmlns:p14="http://schemas.microsoft.com/office/powerpoint/2010/main" val="2954253586"/>
+                <p14:modId xmlns:p14="http://schemas.microsoft.com/office/powerpoint/2010/main" val="3723710087"/>
               </p:ext>
             </p:extLst>
           </p:nvPr>
@@ -9802,8 +10538,21 @@
                     <a:p>
                       <a:r>
                         <a:rPr lang="en-US" dirty="0"/>
-                        <a:t>Exactly once only for idempotent updates</a:t>
+                        <a:t>Exactly once </a:t>
                       </a:r>
+                      <a:r>
+                        <a:rPr lang="en-US" dirty="0" smtClean="0"/>
+                        <a:t>(for </a:t>
+                      </a:r>
+                      <a:r>
+                        <a:rPr lang="en-US" dirty="0"/>
+                        <a:t>idempotent </a:t>
+                      </a:r>
+                      <a:r>
+                        <a:rPr lang="en-US" dirty="0" smtClean="0"/>
+                        <a:t>updates)</a:t>
+                      </a:r>
+                      <a:endParaRPr lang="en-US" dirty="0"/>
                     </a:p>
                   </a:txBody>
                   <a:tcPr/>
@@ -10073,258 +10822,6 @@
                 </a:solidFill>
               </a:rPr>
               <a:pPr/>
-              <a:t>5</a:t>
-            </a:fld>
-            <a:endParaRPr lang="en-US">
-              <a:solidFill>
-                <a:prstClr val="black">
-                  <a:tint val="75000"/>
-                </a:prstClr>
-              </a:solidFill>
-            </a:endParaRPr>
-          </a:p>
-        </p:txBody>
-      </p:sp>
-    </p:spTree>
-    <p:extLst>
-      <p:ext uri="{BB962C8B-B14F-4D97-AF65-F5344CB8AC3E}">
-        <p14:creationId xmlns:p14="http://schemas.microsoft.com/office/powerpoint/2010/main" val="2136314921"/>
-      </p:ext>
-    </p:extLst>
-  </p:cSld>
-  <p:clrMapOvr>
-    <a:masterClrMapping/>
-  </p:clrMapOvr>
-</p:sld>
-</file>
-
-<file path=ppt/slides/slide6.xml><?xml version="1.0" encoding="utf-8"?>
-<p:sld xmlns:a="http://schemas.openxmlformats.org/drawingml/2006/main" xmlns:r="http://schemas.openxmlformats.org/officeDocument/2006/relationships" xmlns:p="http://schemas.openxmlformats.org/presentationml/2006/main">
-  <p:cSld>
-    <p:spTree>
-      <p:nvGrpSpPr>
-        <p:cNvPr id="1" name=""/>
-        <p:cNvGrpSpPr/>
-        <p:nvPr/>
-      </p:nvGrpSpPr>
-      <p:grpSpPr>
-        <a:xfrm>
-          <a:off x="0" y="0"/>
-          <a:ext cx="0" cy="0"/>
-          <a:chOff x="0" y="0"/>
-          <a:chExt cx="0" cy="0"/>
-        </a:xfrm>
-      </p:grpSpPr>
-      <p:sp>
-        <p:nvSpPr>
-          <p:cNvPr id="2" name="Title 1"/>
-          <p:cNvSpPr>
-            <a:spLocks noGrp="1"/>
-          </p:cNvSpPr>
-          <p:nvPr>
-            <p:ph type="title"/>
-          </p:nvPr>
-        </p:nvSpPr>
-        <p:spPr/>
-        <p:txBody>
-          <a:bodyPr>
-            <a:normAutofit/>
-          </a:bodyPr>
-          <a:lstStyle/>
-          <a:p>
-            <a:r>
-              <a:rPr lang="en-US"/>
-              <a:t>Checkpointing in Flink</a:t>
-            </a:r>
-          </a:p>
-        </p:txBody>
-      </p:sp>
-      <p:sp>
-        <p:nvSpPr>
-          <p:cNvPr id="3" name="Content Placeholder 2"/>
-          <p:cNvSpPr>
-            <a:spLocks noGrp="1"/>
-          </p:cNvSpPr>
-          <p:nvPr>
-            <p:ph idx="1"/>
-          </p:nvPr>
-        </p:nvSpPr>
-        <p:spPr/>
-        <p:txBody>
-          <a:bodyPr>
-            <a:normAutofit/>
-          </a:bodyPr>
-          <a:lstStyle/>
-          <a:p>
-            <a:pPr marL="343080" indent="-342360">
-              <a:lnSpc>
-                <a:spcPct val="130000"/>
-              </a:lnSpc>
-              <a:buFont typeface="Wingdings" charset="2"/>
-              <a:buChar char=""/>
-            </a:pPr>
-            <a:r>
-              <a:rPr lang="en-US" sz="2800" spc="-1">
-                <a:solidFill>
-                  <a:srgbClr val="000000"/>
-                </a:solidFill>
-                <a:uFill>
-                  <a:solidFill>
-                    <a:srgbClr val="FFFFFF"/>
-                  </a:solidFill>
-                </a:uFill>
-              </a:rPr>
-              <a:t>Asynchronous Barrier Snapshotting</a:t>
-            </a:r>
-          </a:p>
-          <a:p>
-            <a:pPr marL="800820" lvl="1" indent="-342900">
-              <a:lnSpc>
-                <a:spcPct val="130000"/>
-              </a:lnSpc>
-            </a:pPr>
-            <a:r>
-              <a:rPr lang="en-US" sz="2200" spc="-1">
-                <a:solidFill>
-                  <a:srgbClr val="000000"/>
-                </a:solidFill>
-                <a:uFill>
-                  <a:solidFill>
-                    <a:srgbClr val="FFFFFF"/>
-                  </a:solidFill>
-                </a:uFill>
-              </a:rPr>
-              <a:t>checkpoint barriers are inserted into the stream and flow through the graph along with the data</a:t>
-            </a:r>
-          </a:p>
-          <a:p>
-            <a:pPr marL="800820" lvl="1" indent="-342900">
-              <a:lnSpc>
-                <a:spcPct val="130000"/>
-              </a:lnSpc>
-            </a:pPr>
-            <a:r>
-              <a:rPr lang="en-US" sz="2200" spc="-1">
-                <a:solidFill>
-                  <a:srgbClr val="000000"/>
-                </a:solidFill>
-                <a:uFill>
-                  <a:solidFill>
-                    <a:srgbClr val="FFFFFF"/>
-                  </a:solidFill>
-                </a:uFill>
-              </a:rPr>
-              <a:t>this avoids a "global pause" during checkpointing</a:t>
-            </a:r>
-          </a:p>
-          <a:p>
-            <a:pPr marL="343080" indent="-342360">
-              <a:lnSpc>
-                <a:spcPct val="130000"/>
-              </a:lnSpc>
-              <a:buFont typeface="Wingdings" charset="2"/>
-              <a:buChar char=""/>
-            </a:pPr>
-            <a:r>
-              <a:rPr lang="en-US" sz="2800" spc="-1">
-                <a:solidFill>
-                  <a:srgbClr val="000000"/>
-                </a:solidFill>
-                <a:uFill>
-                  <a:solidFill>
-                    <a:srgbClr val="FFFFFF"/>
-                  </a:solidFill>
-                </a:uFill>
-              </a:rPr>
-              <a:t>Checkpoint barriers cause ...</a:t>
-            </a:r>
-          </a:p>
-          <a:p>
-            <a:pPr marL="804672" lvl="1" indent="-342900">
-              <a:lnSpc>
-                <a:spcPct val="130000"/>
-              </a:lnSpc>
-            </a:pPr>
-            <a:r>
-              <a:rPr lang="en-US" sz="2200" spc="-1">
-                <a:solidFill>
-                  <a:srgbClr val="000000"/>
-                </a:solidFill>
-                <a:uFill>
-                  <a:solidFill>
-                    <a:srgbClr val="FFFFFF"/>
-                  </a:solidFill>
-                </a:uFill>
-              </a:rPr>
-              <a:t>replayable sources to checkpoint their offsets</a:t>
-            </a:r>
-          </a:p>
-          <a:p>
-            <a:pPr marL="804672" lvl="1" indent="-342900">
-              <a:lnSpc>
-                <a:spcPct val="130000"/>
-              </a:lnSpc>
-            </a:pPr>
-            <a:r>
-              <a:rPr lang="en-US" sz="2200" spc="-1">
-                <a:solidFill>
-                  <a:srgbClr val="000000"/>
-                </a:solidFill>
-                <a:uFill>
-                  <a:solidFill>
-                    <a:srgbClr val="FFFFFF"/>
-                  </a:solidFill>
-                </a:uFill>
-              </a:rPr>
-              <a:t>operators to checkpoint their state</a:t>
-            </a:r>
-          </a:p>
-          <a:p>
-            <a:pPr marL="804672" lvl="1" indent="-342900">
-              <a:lnSpc>
-                <a:spcPct val="130000"/>
-              </a:lnSpc>
-            </a:pPr>
-            <a:r>
-              <a:rPr lang="en-US" sz="2200" spc="-1">
-                <a:solidFill>
-                  <a:srgbClr val="000000"/>
-                </a:solidFill>
-                <a:uFill>
-                  <a:solidFill>
-                    <a:srgbClr val="FFFFFF"/>
-                  </a:solidFill>
-                </a:uFill>
-              </a:rPr>
-              <a:t>sinks to commit open transactions</a:t>
-            </a:r>
-          </a:p>
-        </p:txBody>
-      </p:sp>
-      <p:sp>
-        <p:nvSpPr>
-          <p:cNvPr id="4" name="Slide Number Placeholder 3"/>
-          <p:cNvSpPr>
-            <a:spLocks noGrp="1"/>
-          </p:cNvSpPr>
-          <p:nvPr>
-            <p:ph type="sldNum" sz="quarter" idx="12"/>
-          </p:nvPr>
-        </p:nvSpPr>
-        <p:spPr/>
-        <p:txBody>
-          <a:bodyPr/>
-          <a:lstStyle/>
-          <a:p>
-            <a:fld id="{B07C5D84-2227-C144-B485-A8CA33CE4230}" type="slidenum">
-              <a:rPr lang="en-US" smtClean="0">
-                <a:solidFill>
-                  <a:prstClr val="black">
-                    <a:tint val="75000"/>
-                  </a:prstClr>
-                </a:solidFill>
-              </a:rPr>
-              <a:pPr/>
               <a:t>6</a:t>
             </a:fld>
             <a:endParaRPr lang="en-US">
@@ -10340,7 +10837,7 @@
     </p:spTree>
     <p:extLst>
       <p:ext uri="{BB962C8B-B14F-4D97-AF65-F5344CB8AC3E}">
-        <p14:creationId xmlns:p14="http://schemas.microsoft.com/office/powerpoint/2010/main" val="3449484343"/>
+        <p14:creationId xmlns:p14="http://schemas.microsoft.com/office/powerpoint/2010/main" val="2136314921"/>
       </p:ext>
     </p:extLst>
   </p:cSld>
@@ -10379,19 +10876,257 @@
         </p:nvSpPr>
         <p:spPr/>
         <p:txBody>
-          <a:bodyPr/>
+          <a:bodyPr>
+            <a:normAutofit/>
+          </a:bodyPr>
           <a:lstStyle/>
           <a:p>
             <a:r>
               <a:rPr lang="en-US"/>
-              <a:t>Checkpoint Barriers</a:t>
-            </a:r>
-          </a:p>
-        </p:txBody>
-      </p:sp>
-      <p:sp>
-        <p:nvSpPr>
-          <p:cNvPr id="3" name="Slide Number Placeholder 2"/>
+              <a:t>Checkpointing in Flink</a:t>
+            </a:r>
+          </a:p>
+        </p:txBody>
+      </p:sp>
+      <p:sp>
+        <p:nvSpPr>
+          <p:cNvPr id="3" name="Content Placeholder 2"/>
+          <p:cNvSpPr>
+            <a:spLocks noGrp="1"/>
+          </p:cNvSpPr>
+          <p:nvPr>
+            <p:ph idx="1"/>
+          </p:nvPr>
+        </p:nvSpPr>
+        <p:spPr/>
+        <p:txBody>
+          <a:bodyPr>
+            <a:normAutofit fontScale="92500" lnSpcReduction="10000"/>
+          </a:bodyPr>
+          <a:lstStyle/>
+          <a:p>
+            <a:pPr marL="343080" indent="-342360">
+              <a:buFont typeface="Wingdings" charset="2"/>
+              <a:buChar char=""/>
+            </a:pPr>
+            <a:r>
+              <a:rPr lang="en-US" sz="2800" spc="-1" dirty="0">
+                <a:solidFill>
+                  <a:srgbClr val="000000"/>
+                </a:solidFill>
+                <a:uFill>
+                  <a:solidFill>
+                    <a:srgbClr val="FFFFFF"/>
+                  </a:solidFill>
+                </a:uFill>
+              </a:rPr>
+              <a:t>Asynchronous Barrier Snapshotting</a:t>
+            </a:r>
+          </a:p>
+          <a:p>
+            <a:pPr marL="800820" lvl="1" indent="-342900"/>
+            <a:r>
+              <a:rPr lang="en-US" sz="2200" spc="-1" dirty="0">
+                <a:solidFill>
+                  <a:srgbClr val="000000"/>
+                </a:solidFill>
+                <a:uFill>
+                  <a:solidFill>
+                    <a:srgbClr val="FFFFFF"/>
+                  </a:solidFill>
+                </a:uFill>
+              </a:rPr>
+              <a:t>checkpoint barriers are inserted into the stream and flow through the graph along with the data</a:t>
+            </a:r>
+          </a:p>
+          <a:p>
+            <a:pPr marL="800820" lvl="1" indent="-342900"/>
+            <a:r>
+              <a:rPr lang="en-US" sz="2200" spc="-1" dirty="0">
+                <a:solidFill>
+                  <a:srgbClr val="000000"/>
+                </a:solidFill>
+                <a:uFill>
+                  <a:solidFill>
+                    <a:srgbClr val="FFFFFF"/>
+                  </a:solidFill>
+                </a:uFill>
+              </a:rPr>
+              <a:t>this avoids a "global pause" during </a:t>
+            </a:r>
+            <a:r>
+              <a:rPr lang="en-US" sz="2200" spc="-1" dirty="0" err="1" smtClean="0">
+                <a:solidFill>
+                  <a:srgbClr val="000000"/>
+                </a:solidFill>
+                <a:uFill>
+                  <a:solidFill>
+                    <a:srgbClr val="FFFFFF"/>
+                  </a:solidFill>
+                </a:uFill>
+              </a:rPr>
+              <a:t>checkpointing</a:t>
+            </a:r>
+            <a:endParaRPr lang="en-US" sz="2200" spc="-1" dirty="0" smtClean="0">
+              <a:solidFill>
+                <a:srgbClr val="000000"/>
+              </a:solidFill>
+              <a:uFill>
+                <a:solidFill>
+                  <a:srgbClr val="FFFFFF"/>
+                </a:solidFill>
+              </a:uFill>
+            </a:endParaRPr>
+          </a:p>
+          <a:p>
+            <a:pPr marL="800820" lvl="1" indent="-342900"/>
+            <a:endParaRPr lang="en-US" sz="2200" spc="-1" dirty="0">
+              <a:solidFill>
+                <a:srgbClr val="000000"/>
+              </a:solidFill>
+              <a:uFill>
+                <a:solidFill>
+                  <a:srgbClr val="FFFFFF"/>
+                </a:solidFill>
+              </a:uFill>
+            </a:endParaRPr>
+          </a:p>
+          <a:p>
+            <a:pPr marL="343080" indent="-342360">
+              <a:buFont typeface="Wingdings" charset="2"/>
+              <a:buChar char=""/>
+            </a:pPr>
+            <a:r>
+              <a:rPr lang="en-US" sz="2800" spc="-1" dirty="0">
+                <a:solidFill>
+                  <a:srgbClr val="000000"/>
+                </a:solidFill>
+                <a:uFill>
+                  <a:solidFill>
+                    <a:srgbClr val="FFFFFF"/>
+                  </a:solidFill>
+                </a:uFill>
+              </a:rPr>
+              <a:t>Checkpoint barriers cause ...</a:t>
+            </a:r>
+          </a:p>
+          <a:p>
+            <a:pPr marL="804672" lvl="1" indent="-342900"/>
+            <a:r>
+              <a:rPr lang="en-US" sz="2200" spc="-1" dirty="0" err="1">
+                <a:solidFill>
+                  <a:srgbClr val="000000"/>
+                </a:solidFill>
+                <a:uFill>
+                  <a:solidFill>
+                    <a:srgbClr val="FFFFFF"/>
+                  </a:solidFill>
+                </a:uFill>
+              </a:rPr>
+              <a:t>replayable</a:t>
+            </a:r>
+            <a:r>
+              <a:rPr lang="en-US" sz="2200" spc="-1" dirty="0">
+                <a:solidFill>
+                  <a:srgbClr val="000000"/>
+                </a:solidFill>
+                <a:uFill>
+                  <a:solidFill>
+                    <a:srgbClr val="FFFFFF"/>
+                  </a:solidFill>
+                </a:uFill>
+              </a:rPr>
+              <a:t> sources to checkpoint their offsets</a:t>
+            </a:r>
+          </a:p>
+          <a:p>
+            <a:pPr marL="804672" lvl="1" indent="-342900"/>
+            <a:r>
+              <a:rPr lang="en-US" sz="2200" spc="-1" dirty="0">
+                <a:solidFill>
+                  <a:srgbClr val="000000"/>
+                </a:solidFill>
+                <a:uFill>
+                  <a:solidFill>
+                    <a:srgbClr val="FFFFFF"/>
+                  </a:solidFill>
+                </a:uFill>
+              </a:rPr>
+              <a:t>operators to checkpoint their state</a:t>
+            </a:r>
+          </a:p>
+          <a:p>
+            <a:pPr marL="804672" lvl="1" indent="-342900"/>
+            <a:r>
+              <a:rPr lang="en-US" sz="2200" spc="-1" dirty="0">
+                <a:solidFill>
+                  <a:srgbClr val="000000"/>
+                </a:solidFill>
+                <a:uFill>
+                  <a:solidFill>
+                    <a:srgbClr val="FFFFFF"/>
+                  </a:solidFill>
+                </a:uFill>
+              </a:rPr>
+              <a:t>sinks to commit open </a:t>
+            </a:r>
+            <a:r>
+              <a:rPr lang="en-US" sz="2200" spc="-1" dirty="0" smtClean="0">
+                <a:solidFill>
+                  <a:srgbClr val="000000"/>
+                </a:solidFill>
+                <a:uFill>
+                  <a:solidFill>
+                    <a:srgbClr val="FFFFFF"/>
+                  </a:solidFill>
+                </a:uFill>
+              </a:rPr>
+              <a:t>transactions</a:t>
+            </a:r>
+          </a:p>
+          <a:p>
+            <a:pPr marL="804672" lvl="1" indent="-342900"/>
+            <a:endParaRPr lang="en-US" sz="2200" spc="-1" dirty="0">
+              <a:solidFill>
+                <a:srgbClr val="000000"/>
+              </a:solidFill>
+              <a:uFill>
+                <a:solidFill>
+                  <a:srgbClr val="FFFFFF"/>
+                </a:solidFill>
+              </a:uFill>
+            </a:endParaRPr>
+          </a:p>
+          <a:p>
+            <a:pPr marL="404622"/>
+            <a:r>
+              <a:rPr lang="x-none" sz="2800" dirty="0" smtClean="0"/>
+              <a:t>The program is rolled back to the latest completed checkpoint in </a:t>
+            </a:r>
+            <a:r>
+              <a:rPr lang="x-none" sz="2800" dirty="0"/>
+              <a:t>case of a </a:t>
+            </a:r>
+            <a:r>
+              <a:rPr lang="x-none" sz="2800" dirty="0" smtClean="0"/>
+              <a:t>failure.</a:t>
+            </a:r>
+            <a:endParaRPr lang="en-US" sz="2800" spc="-1" dirty="0">
+              <a:solidFill>
+                <a:srgbClr val="000000"/>
+              </a:solidFill>
+              <a:uFill>
+                <a:solidFill>
+                  <a:srgbClr val="FFFFFF"/>
+                </a:solidFill>
+              </a:uFill>
+            </a:endParaRPr>
+          </a:p>
+        </p:txBody>
+      </p:sp>
+      <p:sp>
+        <p:nvSpPr>
+          <p:cNvPr id="4" name="Slide Number Placeholder 3"/>
           <p:cNvSpPr>
             <a:spLocks noGrp="1"/>
           </p:cNvSpPr>
@@ -10414,6 +11149,94 @@
               </a:rPr>
               <a:pPr/>
               <a:t>7</a:t>
+            </a:fld>
+            <a:endParaRPr lang="en-US">
+              <a:solidFill>
+                <a:prstClr val="black">
+                  <a:tint val="75000"/>
+                </a:prstClr>
+              </a:solidFill>
+            </a:endParaRPr>
+          </a:p>
+        </p:txBody>
+      </p:sp>
+    </p:spTree>
+    <p:extLst>
+      <p:ext uri="{BB962C8B-B14F-4D97-AF65-F5344CB8AC3E}">
+        <p14:creationId xmlns:p14="http://schemas.microsoft.com/office/powerpoint/2010/main" val="3449484343"/>
+      </p:ext>
+    </p:extLst>
+  </p:cSld>
+  <p:clrMapOvr>
+    <a:masterClrMapping/>
+  </p:clrMapOvr>
+</p:sld>
+</file>
+
+<file path=ppt/slides/slide8.xml><?xml version="1.0" encoding="utf-8"?>
+<p:sld xmlns:a="http://schemas.openxmlformats.org/drawingml/2006/main" xmlns:r="http://schemas.openxmlformats.org/officeDocument/2006/relationships" xmlns:p="http://schemas.openxmlformats.org/presentationml/2006/main">
+  <p:cSld>
+    <p:spTree>
+      <p:nvGrpSpPr>
+        <p:cNvPr id="1" name=""/>
+        <p:cNvGrpSpPr/>
+        <p:nvPr/>
+      </p:nvGrpSpPr>
+      <p:grpSpPr>
+        <a:xfrm>
+          <a:off x="0" y="0"/>
+          <a:ext cx="0" cy="0"/>
+          <a:chOff x="0" y="0"/>
+          <a:chExt cx="0" cy="0"/>
+        </a:xfrm>
+      </p:grpSpPr>
+      <p:sp>
+        <p:nvSpPr>
+          <p:cNvPr id="2" name="Title 1"/>
+          <p:cNvSpPr>
+            <a:spLocks noGrp="1"/>
+          </p:cNvSpPr>
+          <p:nvPr>
+            <p:ph type="title"/>
+          </p:nvPr>
+        </p:nvSpPr>
+        <p:spPr/>
+        <p:txBody>
+          <a:bodyPr/>
+          <a:lstStyle/>
+          <a:p>
+            <a:r>
+              <a:rPr lang="en-US"/>
+              <a:t>Checkpoint Barriers</a:t>
+            </a:r>
+          </a:p>
+        </p:txBody>
+      </p:sp>
+      <p:sp>
+        <p:nvSpPr>
+          <p:cNvPr id="3" name="Slide Number Placeholder 2"/>
+          <p:cNvSpPr>
+            <a:spLocks noGrp="1"/>
+          </p:cNvSpPr>
+          <p:nvPr>
+            <p:ph type="sldNum" sz="quarter" idx="12"/>
+          </p:nvPr>
+        </p:nvSpPr>
+        <p:spPr/>
+        <p:txBody>
+          <a:bodyPr/>
+          <a:lstStyle/>
+          <a:p>
+            <a:fld id="{B07C5D84-2227-C144-B485-A8CA33CE4230}" type="slidenum">
+              <a:rPr lang="en-US" smtClean="0">
+                <a:solidFill>
+                  <a:prstClr val="black">
+                    <a:tint val="75000"/>
+                  </a:prstClr>
+                </a:solidFill>
+              </a:rPr>
+              <a:pPr/>
+              <a:t>8</a:t>
             </a:fld>
             <a:endParaRPr lang="en-US">
               <a:solidFill>
@@ -10468,7 +11291,7 @@
 </p:sld>
 </file>
 
-<file path=ppt/slides/slide8.xml><?xml version="1.0" encoding="utf-8"?>
+<file path=ppt/slides/slide9.xml><?xml version="1.0" encoding="utf-8"?>
 <p:sld xmlns:a="http://schemas.openxmlformats.org/drawingml/2006/main" xmlns:r="http://schemas.openxmlformats.org/officeDocument/2006/relationships" xmlns:p="http://schemas.openxmlformats.org/presentationml/2006/main">
   <p:cSld>
     <p:spTree>
@@ -10533,7 +11356,7 @@
                 </a:solidFill>
               </a:rPr>
               <a:pPr/>
-              <a:t>8</a:t>
+              <a:t>9</a:t>
             </a:fld>
             <a:endParaRPr lang="en-US">
               <a:solidFill>
@@ -10607,332 +11430,6 @@
     <p:extLst>
       <p:ext uri="{BB962C8B-B14F-4D97-AF65-F5344CB8AC3E}">
         <p14:creationId xmlns:p14="http://schemas.microsoft.com/office/powerpoint/2010/main" val="120046319"/>
-      </p:ext>
-    </p:extLst>
-  </p:cSld>
-  <p:clrMapOvr>
-    <a:masterClrMapping/>
-  </p:clrMapOvr>
-</p:sld>
-</file>
-
-<file path=ppt/slides/slide9.xml><?xml version="1.0" encoding="utf-8"?>
-<p:sld xmlns:a="http://schemas.openxmlformats.org/drawingml/2006/main" xmlns:r="http://schemas.openxmlformats.org/officeDocument/2006/relationships" xmlns:p="http://schemas.openxmlformats.org/presentationml/2006/main">
-  <p:cSld>
-    <p:spTree>
-      <p:nvGrpSpPr>
-        <p:cNvPr id="1" name=""/>
-        <p:cNvGrpSpPr/>
-        <p:nvPr/>
-      </p:nvGrpSpPr>
-      <p:grpSpPr>
-        <a:xfrm>
-          <a:off x="0" y="0"/>
-          <a:ext cx="0" cy="0"/>
-          <a:chOff x="0" y="0"/>
-          <a:chExt cx="0" cy="0"/>
-        </a:xfrm>
-      </p:grpSpPr>
-      <p:sp>
-        <p:nvSpPr>
-          <p:cNvPr id="5" name="Title 4"/>
-          <p:cNvSpPr>
-            <a:spLocks noGrp="1"/>
-          </p:cNvSpPr>
-          <p:nvPr>
-            <p:ph type="title"/>
-          </p:nvPr>
-        </p:nvSpPr>
-        <p:spPr/>
-        <p:txBody>
-          <a:bodyPr>
-            <a:normAutofit/>
-          </a:bodyPr>
-          <a:lstStyle/>
-          <a:p>
-            <a:r>
-              <a:rPr lang="en-US" dirty="0"/>
-              <a:t>Enabling Checkpointing</a:t>
-            </a:r>
-          </a:p>
-        </p:txBody>
-      </p:sp>
-      <p:sp>
-        <p:nvSpPr>
-          <p:cNvPr id="6" name="Content Placeholder 5"/>
-          <p:cNvSpPr>
-            <a:spLocks noGrp="1"/>
-          </p:cNvSpPr>
-          <p:nvPr>
-            <p:ph idx="1"/>
-          </p:nvPr>
-        </p:nvSpPr>
-        <p:spPr>
-          <a:xfrm>
-            <a:off x="457200" y="1474376"/>
-            <a:ext cx="8399918" cy="4651788"/>
-          </a:xfrm>
-        </p:spPr>
-        <p:txBody>
-          <a:bodyPr vert="horz" lIns="91440" tIns="45720" rIns="91440" bIns="45720" rtlCol="0" anchor="t">
-            <a:noAutofit/>
-          </a:bodyPr>
-          <a:lstStyle/>
-          <a:p>
-            <a:r>
-              <a:rPr lang="en-US" sz="2000" dirty="0"/>
-              <a:t>Checkpointing is disabled by default</a:t>
-            </a:r>
-          </a:p>
-          <a:p>
-            <a:pPr>
-              <a:spcBef>
-                <a:spcPts val="2000"/>
-              </a:spcBef>
-            </a:pPr>
-            <a:r>
-              <a:rPr lang="en-US" sz="2000" dirty="0"/>
-              <a:t>To e</a:t>
-            </a:r>
-            <a:r>
-              <a:rPr lang="x-none" sz="2000" dirty="0"/>
-              <a:t>nable checkpointing with exactly-once consistency (checkpoint every 5 seconds)</a:t>
-            </a:r>
-            <a:r>
-              <a:rPr lang="en-US" sz="2000" dirty="0"/>
-              <a:t>:</a:t>
-            </a:r>
-            <a:endParaRPr lang="x-none" sz="2000" dirty="0">
-              <a:solidFill>
-                <a:srgbClr val="FF0000"/>
-              </a:solidFill>
-              <a:latin typeface="Consolas"/>
-              <a:cs typeface="Consolas"/>
-            </a:endParaRPr>
-          </a:p>
-          <a:p>
-            <a:pPr marL="0" lvl="1" indent="0">
-              <a:spcBef>
-                <a:spcPts val="1800"/>
-              </a:spcBef>
-              <a:buNone/>
-            </a:pPr>
-            <a:r>
-              <a:rPr lang="x-none" sz="2000" dirty="0">
-                <a:solidFill>
-                  <a:srgbClr val="FF0000"/>
-                </a:solidFill>
-                <a:latin typeface="Consolas"/>
-                <a:cs typeface="Consolas"/>
-              </a:rPr>
-              <a:t>	</a:t>
-            </a:r>
-            <a:r>
-              <a:rPr lang="x-none" sz="1800" dirty="0">
-                <a:solidFill>
-                  <a:srgbClr val="FF0000"/>
-                </a:solidFill>
-                <a:latin typeface="Consolas"/>
-                <a:cs typeface="Consolas"/>
-              </a:rPr>
-              <a:t>env.</a:t>
-            </a:r>
-            <a:r>
-              <a:rPr lang="x-none" sz="1800" dirty="0" err="1">
-                <a:solidFill>
-                  <a:srgbClr val="FF0000"/>
-                </a:solidFill>
-                <a:latin typeface="Consolas"/>
-                <a:cs typeface="Consolas"/>
-              </a:rPr>
-              <a:t>enableCheckpointing</a:t>
-            </a:r>
-            <a:r>
-              <a:rPr lang="x-none" sz="1800" dirty="0">
-                <a:latin typeface="Consolas"/>
-                <a:cs typeface="Consolas"/>
-              </a:rPr>
-              <a:t>(5000)</a:t>
-            </a:r>
-            <a:endParaRPr lang="x-none" sz="2000" dirty="0">
-              <a:latin typeface="Consolas"/>
-              <a:cs typeface="Consolas"/>
-            </a:endParaRPr>
-          </a:p>
-          <a:p>
-            <a:pPr>
-              <a:spcBef>
-                <a:spcPts val="2000"/>
-              </a:spcBef>
-            </a:pPr>
-            <a:r>
-              <a:rPr lang="en-US" sz="2000" dirty="0"/>
-              <a:t>To c</a:t>
-            </a:r>
-            <a:r>
-              <a:rPr lang="x-none" sz="2000" dirty="0"/>
-              <a:t>onfigure at-least-once consistency (for lower latency)</a:t>
-            </a:r>
-            <a:r>
-              <a:rPr lang="en-US" sz="2000" dirty="0"/>
-              <a:t>:</a:t>
-            </a:r>
-            <a:endParaRPr lang="x-none" sz="2000" dirty="0">
-              <a:latin typeface="Consolas"/>
-              <a:cs typeface="Consolas"/>
-            </a:endParaRPr>
-          </a:p>
-          <a:p>
-            <a:pPr marL="0" indent="0">
-              <a:spcBef>
-                <a:spcPts val="1800"/>
-              </a:spcBef>
-              <a:buNone/>
-            </a:pPr>
-            <a:r>
-              <a:rPr lang="x-none" sz="2000" spc="-1" dirty="0">
-                <a:uFill>
-                  <a:solidFill>
-                    <a:srgbClr val="FFFFFF"/>
-                  </a:solidFill>
-                </a:uFill>
-                <a:latin typeface="Consolas"/>
-                <a:cs typeface="Consolas"/>
-              </a:rPr>
-              <a:t>	</a:t>
-            </a:r>
-            <a:r>
-              <a:rPr lang="x-none" sz="1800" spc="-1" dirty="0">
-                <a:uFill>
-                  <a:solidFill>
-                    <a:srgbClr val="FFFFFF"/>
-                  </a:solidFill>
-                </a:uFill>
-                <a:latin typeface="Consolas"/>
-                <a:cs typeface="Consolas"/>
-              </a:rPr>
-              <a:t>env.getCheckpointConfig()</a:t>
-            </a:r>
-          </a:p>
-          <a:p>
-            <a:pPr marL="400770" lvl="1" indent="0">
-              <a:lnSpc>
-                <a:spcPct val="130000"/>
-              </a:lnSpc>
-              <a:buNone/>
-            </a:pPr>
-            <a:r>
-              <a:rPr lang="x-none" sz="1800" spc="-1" dirty="0">
-                <a:uFill>
-                  <a:solidFill>
-                    <a:srgbClr val="FFFFFF"/>
-                  </a:solidFill>
-                </a:uFill>
-                <a:latin typeface="Consolas"/>
-                <a:cs typeface="Consolas"/>
-              </a:rPr>
-              <a:t>   .setCheckpointingMode</a:t>
-            </a:r>
-            <a:r>
-              <a:rPr lang="x-none" sz="1800" spc="-1" dirty="0">
-                <a:solidFill>
-                  <a:srgbClr val="333333"/>
-                </a:solidFill>
-                <a:uFill>
-                  <a:solidFill>
-                    <a:srgbClr val="FFFFFF"/>
-                  </a:solidFill>
-                </a:uFill>
-                <a:latin typeface="Consolas"/>
-                <a:cs typeface="Consolas"/>
-              </a:rPr>
-              <a:t>(CheckpointingMode.</a:t>
-            </a:r>
-            <a:r>
-              <a:rPr lang="x-none" sz="1800" i="1" spc="-1" dirty="0">
-                <a:solidFill>
-                  <a:srgbClr val="FF0000"/>
-                </a:solidFill>
-                <a:uFill>
-                  <a:solidFill>
-                    <a:srgbClr val="FFFFFF"/>
-                  </a:solidFill>
-                </a:uFill>
-                <a:latin typeface="Consolas"/>
-                <a:cs typeface="Consolas"/>
-              </a:rPr>
-              <a:t>AT_LEAST_ONCE</a:t>
-            </a:r>
-            <a:r>
-              <a:rPr lang="x-none" sz="1800" spc="-1" dirty="0">
-                <a:solidFill>
-                  <a:srgbClr val="333333"/>
-                </a:solidFill>
-                <a:uFill>
-                  <a:solidFill>
-                    <a:srgbClr val="FFFFFF"/>
-                  </a:solidFill>
-                </a:uFill>
-                <a:latin typeface="Consolas"/>
-                <a:cs typeface="Consolas"/>
-              </a:rPr>
-              <a:t>);</a:t>
-            </a:r>
-            <a:endParaRPr lang="en-US" sz="2000" dirty="0"/>
-          </a:p>
-          <a:p>
-            <a:pPr>
-              <a:spcBef>
-                <a:spcPts val="2000"/>
-              </a:spcBef>
-            </a:pPr>
-            <a:r>
-              <a:rPr lang="x-none" sz="2000" dirty="0"/>
-              <a:t>Setting the interval to a few seconds should be good for most applications</a:t>
-            </a:r>
-            <a:endParaRPr lang="en-US" sz="2000" dirty="0"/>
-          </a:p>
-          <a:p>
-            <a:pPr>
-              <a:spcBef>
-                <a:spcPts val="2000"/>
-              </a:spcBef>
-            </a:pPr>
-            <a:r>
-              <a:rPr lang="en-US" sz="2000" dirty="0"/>
-              <a:t>Flink will roll back to the most recently checkpointed state in case of failure</a:t>
-            </a:r>
-          </a:p>
-        </p:txBody>
-      </p:sp>
-      <p:sp>
-        <p:nvSpPr>
-          <p:cNvPr id="4" name="Slide Number Placeholder 3"/>
-          <p:cNvSpPr>
-            <a:spLocks noGrp="1"/>
-          </p:cNvSpPr>
-          <p:nvPr>
-            <p:ph type="sldNum" sz="quarter" idx="12"/>
-          </p:nvPr>
-        </p:nvSpPr>
-        <p:spPr/>
-        <p:txBody>
-          <a:bodyPr/>
-          <a:lstStyle/>
-          <a:p>
-            <a:fld id="{B07C5D84-2227-C144-B485-A8CA33CE4230}" type="slidenum">
-              <a:rPr lang="en-US" smtClean="0"/>
-              <a:pPr/>
-              <a:t>9</a:t>
-            </a:fld>
-            <a:endParaRPr lang="en-US"/>
-          </a:p>
-        </p:txBody>
-      </p:sp>
-    </p:spTree>
-    <p:extLst>
-      <p:ext uri="{BB962C8B-B14F-4D97-AF65-F5344CB8AC3E}">
-        <p14:creationId xmlns:p14="http://schemas.microsoft.com/office/powerpoint/2010/main" val="1401917569"/>
       </p:ext>
     </p:extLst>
   </p:cSld>

--- a/slides/flink_stream_statefulOps.pptx
+++ b/slides/flink_stream_statefulOps.pptx
@@ -6,7 +6,7 @@
     <p:sldMasterId id="2147483671" r:id="rId2"/>
   </p:sldMasterIdLst>
   <p:notesMasterIdLst>
-    <p:notesMasterId r:id="rId28"/>
+    <p:notesMasterId r:id="rId30"/>
   </p:notesMasterIdLst>
   <p:sldIdLst>
     <p:sldId id="256" r:id="rId3"/>
@@ -18,22 +18,24 @@
     <p:sldId id="262" r:id="rId9"/>
     <p:sldId id="263" r:id="rId10"/>
     <p:sldId id="264" r:id="rId11"/>
-    <p:sldId id="265" r:id="rId12"/>
-    <p:sldId id="266" r:id="rId13"/>
-    <p:sldId id="267" r:id="rId14"/>
-    <p:sldId id="268" r:id="rId15"/>
-    <p:sldId id="279" r:id="rId16"/>
-    <p:sldId id="278" r:id="rId17"/>
-    <p:sldId id="281" r:id="rId18"/>
-    <p:sldId id="280" r:id="rId19"/>
-    <p:sldId id="270" r:id="rId20"/>
-    <p:sldId id="271" r:id="rId21"/>
-    <p:sldId id="272" r:id="rId22"/>
-    <p:sldId id="273" r:id="rId23"/>
-    <p:sldId id="274" r:id="rId24"/>
-    <p:sldId id="275" r:id="rId25"/>
-    <p:sldId id="276" r:id="rId26"/>
-    <p:sldId id="277" r:id="rId27"/>
+    <p:sldId id="282" r:id="rId12"/>
+    <p:sldId id="283" r:id="rId13"/>
+    <p:sldId id="265" r:id="rId14"/>
+    <p:sldId id="266" r:id="rId15"/>
+    <p:sldId id="267" r:id="rId16"/>
+    <p:sldId id="268" r:id="rId17"/>
+    <p:sldId id="279" r:id="rId18"/>
+    <p:sldId id="278" r:id="rId19"/>
+    <p:sldId id="281" r:id="rId20"/>
+    <p:sldId id="280" r:id="rId21"/>
+    <p:sldId id="270" r:id="rId22"/>
+    <p:sldId id="271" r:id="rId23"/>
+    <p:sldId id="272" r:id="rId24"/>
+    <p:sldId id="273" r:id="rId25"/>
+    <p:sldId id="274" r:id="rId26"/>
+    <p:sldId id="275" r:id="rId27"/>
+    <p:sldId id="276" r:id="rId28"/>
+    <p:sldId id="277" r:id="rId29"/>
   </p:sldIdLst>
   <p:sldSz cx="9144000" cy="6858000" type="screen4x3"/>
   <p:notesSz cx="6858000" cy="9144000"/>
@@ -1295,7 +1297,7 @@
                 <a:cs typeface="Calibri"/>
                 <a:sym typeface="Calibri"/>
               </a:rPr>
-              <a:t>19</a:t>
+              <a:t>21</a:t>
             </a:fld>
             <a:endParaRPr lang="en" sz="1200">
               <a:solidFill>
@@ -15884,7 +15886,7 @@
                 <a:cs typeface="Calibri"/>
                 <a:sym typeface="Calibri"/>
               </a:rPr>
-              <a:t>27</a:t>
+              <a:t>13</a:t>
             </a:r>
             <a:r>
               <a:rPr lang="en" sz="2000" dirty="0" smtClean="0">
@@ -15899,7 +15901,7 @@
               <a:t>.</a:t>
             </a:r>
             <a:r>
-              <a:rPr lang="en-US" sz="2000" dirty="0" smtClean="0">
+              <a:rPr lang="en-US" sz="2000" smtClean="0">
                 <a:solidFill>
                   <a:schemeClr val="lt1"/>
                 </a:solidFill>
@@ -15908,10 +15910,10 @@
                 <a:cs typeface="Calibri"/>
                 <a:sym typeface="Calibri"/>
               </a:rPr>
-              <a:t>02</a:t>
+              <a:t>03</a:t>
             </a:r>
             <a:r>
-              <a:rPr lang="en" sz="2000" b="0" i="0" u="none" strike="noStrike" cap="none" dirty="0" smtClean="0">
+              <a:rPr lang="en" sz="2000" b="0" i="0" u="none" strike="noStrike" cap="none" smtClean="0">
                 <a:solidFill>
                   <a:schemeClr val="lt1"/>
                 </a:solidFill>
@@ -15995,6 +15997,318 @@
 </file>
 
 <file path=ppt/slides/slide10.xml><?xml version="1.0" encoding="utf-8"?>
+<p:sld xmlns:a="http://schemas.openxmlformats.org/drawingml/2006/main" xmlns:r="http://schemas.openxmlformats.org/officeDocument/2006/relationships" xmlns:p="http://schemas.openxmlformats.org/presentationml/2006/main">
+  <p:cSld>
+    <p:spTree>
+      <p:nvGrpSpPr>
+        <p:cNvPr id="1" name=""/>
+        <p:cNvGrpSpPr/>
+        <p:nvPr/>
+      </p:nvGrpSpPr>
+      <p:grpSpPr>
+        <a:xfrm>
+          <a:off x="0" y="0"/>
+          <a:ext cx="0" cy="0"/>
+          <a:chOff x="0" y="0"/>
+          <a:chExt cx="0" cy="0"/>
+        </a:xfrm>
+      </p:grpSpPr>
+      <p:sp>
+        <p:nvSpPr>
+          <p:cNvPr id="3" name="Titel 2"/>
+          <p:cNvSpPr>
+            <a:spLocks noGrp="1"/>
+          </p:cNvSpPr>
+          <p:nvPr>
+            <p:ph type="title"/>
+          </p:nvPr>
+        </p:nvSpPr>
+        <p:spPr/>
+        <p:txBody>
+          <a:bodyPr>
+            <a:normAutofit/>
+          </a:bodyPr>
+          <a:lstStyle/>
+          <a:p>
+            <a:r>
+              <a:rPr lang="en-US" dirty="0" smtClean="0"/>
+              <a:t>Checkpoint Procedure</a:t>
+            </a:r>
+            <a:endParaRPr lang="en-US" dirty="0"/>
+          </a:p>
+        </p:txBody>
+      </p:sp>
+      <p:sp>
+        <p:nvSpPr>
+          <p:cNvPr id="2" name="Slide Number Placeholder 1"/>
+          <p:cNvSpPr>
+            <a:spLocks noGrp="1"/>
+          </p:cNvSpPr>
+          <p:nvPr>
+            <p:ph type="sldNum" sz="quarter" idx="12"/>
+          </p:nvPr>
+        </p:nvSpPr>
+        <p:spPr/>
+        <p:txBody>
+          <a:bodyPr/>
+          <a:lstStyle/>
+          <a:p>
+            <a:fld id="{B07C5D84-2227-C144-B485-A8CA33CE4230}" type="slidenum">
+              <a:rPr lang="en-US" smtClean="0">
+                <a:solidFill>
+                  <a:prstClr val="black">
+                    <a:tint val="75000"/>
+                  </a:prstClr>
+                </a:solidFill>
+              </a:rPr>
+              <a:pPr/>
+              <a:t>10</a:t>
+            </a:fld>
+            <a:endParaRPr lang="en-US">
+              <a:solidFill>
+                <a:prstClr val="black">
+                  <a:tint val="75000"/>
+                </a:prstClr>
+              </a:solidFill>
+            </a:endParaRPr>
+          </a:p>
+        </p:txBody>
+      </p:sp>
+      <p:pic>
+        <p:nvPicPr>
+          <p:cNvPr id="5" name="Picture 4" descr="text4288.png"/>
+          <p:cNvPicPr>
+            <a:picLocks noChangeAspect="1"/>
+          </p:cNvPicPr>
+          <p:nvPr/>
+        </p:nvPicPr>
+        <p:blipFill rotWithShape="1">
+          <a:blip r:embed="rId2" cstate="screen">
+            <a:extLst>
+              <a:ext uri="{28A0092B-C50C-407E-A947-70E740481C1C}">
+                <a14:useLocalDpi xmlns:a14="http://schemas.microsoft.com/office/drawing/2010/main"/>
+              </a:ext>
+            </a:extLst>
+          </a:blip>
+          <a:srcRect/>
+          <a:stretch/>
+        </p:blipFill>
+        <p:spPr>
+          <a:xfrm>
+            <a:off x="644978" y="1509328"/>
+            <a:ext cx="3734992" cy="4393072"/>
+          </a:xfrm>
+          <a:prstGeom prst="rect">
+            <a:avLst/>
+          </a:prstGeom>
+        </p:spPr>
+      </p:pic>
+      <p:pic>
+        <p:nvPicPr>
+          <p:cNvPr id="6" name="Picture 3" descr="check2.png"/>
+          <p:cNvPicPr>
+            <a:picLocks noChangeAspect="1"/>
+          </p:cNvPicPr>
+          <p:nvPr/>
+        </p:nvPicPr>
+        <p:blipFill rotWithShape="1">
+          <a:blip r:embed="rId3" cstate="screen">
+            <a:extLst>
+              <a:ext uri="{28A0092B-C50C-407E-A947-70E740481C1C}">
+                <a14:useLocalDpi xmlns:a14="http://schemas.microsoft.com/office/drawing/2010/main"/>
+              </a:ext>
+            </a:extLst>
+          </a:blip>
+          <a:srcRect/>
+          <a:stretch/>
+        </p:blipFill>
+        <p:spPr>
+          <a:xfrm>
+            <a:off x="4843713" y="1514521"/>
+            <a:ext cx="3045009" cy="4388789"/>
+          </a:xfrm>
+          <a:prstGeom prst="rect">
+            <a:avLst/>
+          </a:prstGeom>
+        </p:spPr>
+      </p:pic>
+    </p:spTree>
+    <p:extLst>
+      <p:ext uri="{BB962C8B-B14F-4D97-AF65-F5344CB8AC3E}">
+        <p14:creationId xmlns:p14="http://schemas.microsoft.com/office/powerpoint/2010/main" val="3275952378"/>
+      </p:ext>
+    </p:extLst>
+  </p:cSld>
+  <p:clrMapOvr>
+    <a:masterClrMapping/>
+  </p:clrMapOvr>
+  <p:timing>
+    <p:tnLst>
+      <p:par>
+        <p:cTn xmlns:p14="http://schemas.microsoft.com/office/powerpoint/2010/main" id="1" dur="indefinite" restart="never" nodeType="tmRoot"/>
+      </p:par>
+    </p:tnLst>
+  </p:timing>
+</p:sld>
+</file>
+
+<file path=ppt/slides/slide11.xml><?xml version="1.0" encoding="utf-8"?>
+<p:sld xmlns:a="http://schemas.openxmlformats.org/drawingml/2006/main" xmlns:r="http://schemas.openxmlformats.org/officeDocument/2006/relationships" xmlns:p="http://schemas.openxmlformats.org/presentationml/2006/main">
+  <p:cSld>
+    <p:spTree>
+      <p:nvGrpSpPr>
+        <p:cNvPr id="1" name=""/>
+        <p:cNvGrpSpPr/>
+        <p:nvPr/>
+      </p:nvGrpSpPr>
+      <p:grpSpPr>
+        <a:xfrm>
+          <a:off x="0" y="0"/>
+          <a:ext cx="0" cy="0"/>
+          <a:chOff x="0" y="0"/>
+          <a:chExt cx="0" cy="0"/>
+        </a:xfrm>
+      </p:grpSpPr>
+      <p:sp>
+        <p:nvSpPr>
+          <p:cNvPr id="3" name="Titel 2"/>
+          <p:cNvSpPr>
+            <a:spLocks noGrp="1"/>
+          </p:cNvSpPr>
+          <p:nvPr>
+            <p:ph type="title"/>
+          </p:nvPr>
+        </p:nvSpPr>
+        <p:spPr/>
+        <p:txBody>
+          <a:bodyPr>
+            <a:normAutofit/>
+          </a:bodyPr>
+          <a:lstStyle/>
+          <a:p>
+            <a:r>
+              <a:rPr lang="en-US" dirty="0" smtClean="0"/>
+              <a:t>Checkpoint Procedure</a:t>
+            </a:r>
+            <a:endParaRPr lang="en-US" dirty="0"/>
+          </a:p>
+        </p:txBody>
+      </p:sp>
+      <p:sp>
+        <p:nvSpPr>
+          <p:cNvPr id="2" name="Slide Number Placeholder 1"/>
+          <p:cNvSpPr>
+            <a:spLocks noGrp="1"/>
+          </p:cNvSpPr>
+          <p:nvPr>
+            <p:ph type="sldNum" sz="quarter" idx="12"/>
+          </p:nvPr>
+        </p:nvSpPr>
+        <p:spPr/>
+        <p:txBody>
+          <a:bodyPr/>
+          <a:lstStyle/>
+          <a:p>
+            <a:fld id="{B07C5D84-2227-C144-B485-A8CA33CE4230}" type="slidenum">
+              <a:rPr lang="en-US" smtClean="0">
+                <a:solidFill>
+                  <a:prstClr val="black">
+                    <a:tint val="75000"/>
+                  </a:prstClr>
+                </a:solidFill>
+              </a:rPr>
+              <a:pPr/>
+              <a:t>11</a:t>
+            </a:fld>
+            <a:endParaRPr lang="en-US">
+              <a:solidFill>
+                <a:prstClr val="black">
+                  <a:tint val="75000"/>
+                </a:prstClr>
+              </a:solidFill>
+            </a:endParaRPr>
+          </a:p>
+        </p:txBody>
+      </p:sp>
+      <p:pic>
+        <p:nvPicPr>
+          <p:cNvPr id="7" name="Picture 3" descr="check3.png"/>
+          <p:cNvPicPr>
+            <a:picLocks noChangeAspect="1"/>
+          </p:cNvPicPr>
+          <p:nvPr/>
+        </p:nvPicPr>
+        <p:blipFill rotWithShape="1">
+          <a:blip r:embed="rId2" cstate="screen">
+            <a:extLst>
+              <a:ext uri="{28A0092B-C50C-407E-A947-70E740481C1C}">
+                <a14:useLocalDpi xmlns:a14="http://schemas.microsoft.com/office/drawing/2010/main"/>
+              </a:ext>
+            </a:extLst>
+          </a:blip>
+          <a:srcRect/>
+          <a:stretch/>
+        </p:blipFill>
+        <p:spPr>
+          <a:xfrm>
+            <a:off x="1811553" y="1509327"/>
+            <a:ext cx="2695949" cy="4259515"/>
+          </a:xfrm>
+          <a:prstGeom prst="rect">
+            <a:avLst/>
+          </a:prstGeom>
+        </p:spPr>
+      </p:pic>
+      <p:pic>
+        <p:nvPicPr>
+          <p:cNvPr id="8" name="Picture 3" descr="check4.png"/>
+          <p:cNvPicPr>
+            <a:picLocks noChangeAspect="1"/>
+          </p:cNvPicPr>
+          <p:nvPr/>
+        </p:nvPicPr>
+        <p:blipFill rotWithShape="1">
+          <a:blip r:embed="rId3" cstate="screen">
+            <a:extLst>
+              <a:ext uri="{28A0092B-C50C-407E-A947-70E740481C1C}">
+                <a14:useLocalDpi xmlns:a14="http://schemas.microsoft.com/office/drawing/2010/main"/>
+              </a:ext>
+            </a:extLst>
+          </a:blip>
+          <a:srcRect/>
+          <a:stretch/>
+        </p:blipFill>
+        <p:spPr>
+          <a:xfrm>
+            <a:off x="5279484" y="1514523"/>
+            <a:ext cx="3407316" cy="4325384"/>
+          </a:xfrm>
+          <a:prstGeom prst="rect">
+            <a:avLst/>
+          </a:prstGeom>
+        </p:spPr>
+      </p:pic>
+    </p:spTree>
+    <p:extLst>
+      <p:ext uri="{BB962C8B-B14F-4D97-AF65-F5344CB8AC3E}">
+        <p14:creationId xmlns:p14="http://schemas.microsoft.com/office/powerpoint/2010/main" val="3386515960"/>
+      </p:ext>
+    </p:extLst>
+  </p:cSld>
+  <p:clrMapOvr>
+    <a:masterClrMapping/>
+  </p:clrMapOvr>
+  <p:timing>
+    <p:tnLst>
+      <p:par>
+        <p:cTn xmlns:p14="http://schemas.microsoft.com/office/powerpoint/2010/main" id="1" dur="indefinite" restart="never" nodeType="tmRoot"/>
+      </p:par>
+    </p:tnLst>
+  </p:timing>
+</p:sld>
+</file>
+
+<file path=ppt/slides/slide12.xml><?xml version="1.0" encoding="utf-8"?>
 <p:sld xmlns:a="http://schemas.openxmlformats.org/drawingml/2006/main" xmlns:r="http://schemas.openxmlformats.org/officeDocument/2006/relationships" xmlns:p="http://schemas.openxmlformats.org/presentationml/2006/main">
   <p:cSld>
     <p:spTree>
@@ -16486,7 +16800,7 @@
                 <a:cs typeface="Calibri"/>
                 <a:sym typeface="Calibri"/>
               </a:rPr>
-              <a:t>10</a:t>
+              <a:t>12</a:t>
             </a:fld>
             <a:endParaRPr lang="en" sz="1200">
               <a:solidFill>
@@ -16508,7 +16822,7 @@
 </p:sld>
 </file>
 
-<file path=ppt/slides/slide11.xml><?xml version="1.0" encoding="utf-8"?>
+<file path=ppt/slides/slide13.xml><?xml version="1.0" encoding="utf-8"?>
 <p:sld xmlns:a="http://schemas.openxmlformats.org/drawingml/2006/main" xmlns:r="http://schemas.openxmlformats.org/officeDocument/2006/relationships" xmlns:p="http://schemas.openxmlformats.org/presentationml/2006/main">
   <p:cSld>
     <p:spTree>
@@ -17153,7 +17467,7 @@
                 <a:cs typeface="Calibri"/>
                 <a:sym typeface="Calibri"/>
               </a:rPr>
-              <a:t>11</a:t>
+              <a:t>13</a:t>
             </a:fld>
             <a:endParaRPr lang="en" sz="1200">
               <a:solidFill>
@@ -17175,7 +17489,7 @@
 </p:sld>
 </file>
 
-<file path=ppt/slides/slide12.xml><?xml version="1.0" encoding="utf-8"?>
+<file path=ppt/slides/slide14.xml><?xml version="1.0" encoding="utf-8"?>
 <p:sld xmlns:a="http://schemas.openxmlformats.org/drawingml/2006/main" xmlns:r="http://schemas.openxmlformats.org/officeDocument/2006/relationships" xmlns:p="http://schemas.openxmlformats.org/presentationml/2006/main">
   <p:cSld>
     <p:spTree>
@@ -17381,7 +17695,7 @@
                 <a:cs typeface="Calibri"/>
                 <a:sym typeface="Calibri"/>
               </a:rPr>
-              <a:t>12</a:t>
+              <a:t>14</a:t>
             </a:fld>
             <a:endParaRPr lang="en" sz="1200">
               <a:solidFill>
@@ -17403,7 +17717,7 @@
 </p:sld>
 </file>
 
-<file path=ppt/slides/slide13.xml><?xml version="1.0" encoding="utf-8"?>
+<file path=ppt/slides/slide15.xml><?xml version="1.0" encoding="utf-8"?>
 <p:sld xmlns:a="http://schemas.openxmlformats.org/drawingml/2006/main" xmlns:r="http://schemas.openxmlformats.org/officeDocument/2006/relationships" xmlns:p="http://schemas.openxmlformats.org/presentationml/2006/main">
   <p:cSld>
     <p:spTree>
@@ -17924,7 +18238,7 @@
                 <a:cs typeface="Calibri"/>
                 <a:sym typeface="Calibri"/>
               </a:rPr>
-              <a:t>13</a:t>
+              <a:t>15</a:t>
             </a:fld>
             <a:endParaRPr lang="en" sz="1200">
               <a:solidFill>
@@ -17946,7 +18260,7 @@
 </p:sld>
 </file>
 
-<file path=ppt/slides/slide14.xml><?xml version="1.0" encoding="utf-8"?>
+<file path=ppt/slides/slide16.xml><?xml version="1.0" encoding="utf-8"?>
 <p:sld xmlns:a="http://schemas.openxmlformats.org/drawingml/2006/main" xmlns:r="http://schemas.openxmlformats.org/officeDocument/2006/relationships" xmlns:p="http://schemas.openxmlformats.org/presentationml/2006/main">
   <p:cSld>
     <p:spTree>
@@ -19346,7 +19660,7 @@
 </p:sld>
 </file>
 
-<file path=ppt/slides/slide15.xml><?xml version="1.0" encoding="utf-8"?>
+<file path=ppt/slides/slide17.xml><?xml version="1.0" encoding="utf-8"?>
 <p:sld xmlns:a="http://schemas.openxmlformats.org/drawingml/2006/main" xmlns:r="http://schemas.openxmlformats.org/officeDocument/2006/relationships" xmlns:p="http://schemas.openxmlformats.org/presentationml/2006/main">
   <p:cSld>
     <p:spTree>
@@ -20261,7 +20575,7 @@
 </p:sld>
 </file>
 
-<file path=ppt/slides/slide16.xml><?xml version="1.0" encoding="utf-8"?>
+<file path=ppt/slides/slide18.xml><?xml version="1.0" encoding="utf-8"?>
 <p:sld xmlns:a="http://schemas.openxmlformats.org/drawingml/2006/main" xmlns:r="http://schemas.openxmlformats.org/officeDocument/2006/relationships" xmlns:p="http://schemas.openxmlformats.org/presentationml/2006/main">
   <p:cSld>
     <p:spTree>
@@ -22232,7 +22546,7 @@
 </p:sld>
 </file>
 
-<file path=ppt/slides/slide17.xml><?xml version="1.0" encoding="utf-8"?>
+<file path=ppt/slides/slide19.xml><?xml version="1.0" encoding="utf-8"?>
 <p:sld xmlns:a="http://schemas.openxmlformats.org/drawingml/2006/main" xmlns:r="http://schemas.openxmlformats.org/officeDocument/2006/relationships" xmlns:p="http://schemas.openxmlformats.org/presentationml/2006/main">
   <p:cSld>
     <p:spTree>
@@ -22365,1375 +22679,6 @@
         <p14:creationId xmlns:p14="http://schemas.microsoft.com/office/powerpoint/2010/main" val="394543280"/>
       </p:ext>
     </p:extLst>
-  </p:cSld>
-  <p:clrMapOvr>
-    <a:masterClrMapping/>
-  </p:clrMapOvr>
-</p:sld>
-</file>
-
-<file path=ppt/slides/slide18.xml><?xml version="1.0" encoding="utf-8"?>
-<p:sld xmlns:a="http://schemas.openxmlformats.org/drawingml/2006/main" xmlns:r="http://schemas.openxmlformats.org/officeDocument/2006/relationships" xmlns:p="http://schemas.openxmlformats.org/presentationml/2006/main">
-  <p:cSld>
-    <p:spTree>
-      <p:nvGrpSpPr>
-        <p:cNvPr id="1" name="Shape 233"/>
-        <p:cNvGrpSpPr/>
-        <p:nvPr/>
-      </p:nvGrpSpPr>
-      <p:grpSpPr>
-        <a:xfrm>
-          <a:off x="0" y="0"/>
-          <a:ext cx="0" cy="0"/>
-          <a:chOff x="0" y="0"/>
-          <a:chExt cx="0" cy="0"/>
-        </a:xfrm>
-      </p:grpSpPr>
-      <p:sp>
-        <p:nvSpPr>
-          <p:cNvPr id="234" name="Shape 234"/>
-          <p:cNvSpPr txBox="1">
-            <a:spLocks noGrp="1"/>
-          </p:cNvSpPr>
-          <p:nvPr>
-            <p:ph type="title"/>
-          </p:nvPr>
-        </p:nvSpPr>
-        <p:spPr>
-          <a:xfrm>
-            <a:off x="457200" y="274637"/>
-            <a:ext cx="7474684" cy="898405"/>
-          </a:xfrm>
-          <a:prstGeom prst="rect">
-            <a:avLst/>
-          </a:prstGeom>
-          <a:noFill/>
-          <a:ln>
-            <a:noFill/>
-          </a:ln>
-        </p:spPr>
-        <p:txBody>
-          <a:bodyPr lIns="91425" tIns="45700" rIns="91425" bIns="45700" anchor="ctr" anchorCtr="0">
-            <a:noAutofit/>
-          </a:bodyPr>
-          <a:lstStyle/>
-          <a:p>
-            <a:pPr marL="0" marR="0" lvl="0" indent="0" algn="l" rtl="0">
-              <a:spcBef>
-                <a:spcPts val="0"/>
-              </a:spcBef>
-              <a:buClr>
-                <a:schemeClr val="dk1"/>
-              </a:buClr>
-              <a:buSzPct val="25000"/>
-              <a:buFont typeface="Calibri"/>
-              <a:buNone/>
-            </a:pPr>
-            <a:r>
-              <a:rPr lang="en" sz="4400" b="0" i="0" u="none" strike="noStrike" cap="none" dirty="0">
-                <a:solidFill>
-                  <a:schemeClr val="dk1"/>
-                </a:solidFill>
-                <a:latin typeface="Calibri"/>
-                <a:ea typeface="Calibri"/>
-                <a:cs typeface="Calibri"/>
-                <a:sym typeface="Calibri"/>
-              </a:rPr>
-              <a:t>Using Key-Partitioned State</a:t>
-            </a:r>
-          </a:p>
-        </p:txBody>
-      </p:sp>
-      <p:sp>
-        <p:nvSpPr>
-          <p:cNvPr id="235" name="Shape 235"/>
-          <p:cNvSpPr txBox="1">
-            <a:spLocks noGrp="1"/>
-          </p:cNvSpPr>
-          <p:nvPr>
-            <p:ph type="sldNum" idx="12"/>
-          </p:nvPr>
-        </p:nvSpPr>
-        <p:spPr>
-          <a:xfrm>
-            <a:off x="6553200" y="6356350"/>
-            <a:ext cx="2133599" cy="365125"/>
-          </a:xfrm>
-          <a:prstGeom prst="rect">
-            <a:avLst/>
-          </a:prstGeom>
-          <a:noFill/>
-          <a:ln>
-            <a:noFill/>
-          </a:ln>
-        </p:spPr>
-        <p:txBody>
-          <a:bodyPr lIns="91425" tIns="45700" rIns="91425" bIns="45700" anchor="ctr" anchorCtr="0">
-            <a:noAutofit/>
-          </a:bodyPr>
-          <a:lstStyle/>
-          <a:p>
-            <a:pPr marL="0" marR="0" lvl="0" indent="0" algn="r" rtl="0">
-              <a:spcBef>
-                <a:spcPts val="0"/>
-              </a:spcBef>
-              <a:buSzPct val="25000"/>
-              <a:buNone/>
-            </a:pPr>
-            <a:fld id="{00000000-1234-1234-1234-123412341234}" type="slidenum">
-              <a:rPr lang="en" sz="1200">
-                <a:solidFill>
-                  <a:srgbClr val="888888"/>
-                </a:solidFill>
-                <a:latin typeface="Calibri"/>
-                <a:ea typeface="Calibri"/>
-                <a:cs typeface="Calibri"/>
-                <a:sym typeface="Calibri"/>
-              </a:rPr>
-              <a:t>18</a:t>
-            </a:fld>
-            <a:endParaRPr lang="en" sz="1200">
-              <a:solidFill>
-                <a:srgbClr val="888888"/>
-              </a:solidFill>
-              <a:latin typeface="Calibri"/>
-              <a:ea typeface="Calibri"/>
-              <a:cs typeface="Calibri"/>
-              <a:sym typeface="Calibri"/>
-            </a:endParaRPr>
-          </a:p>
-        </p:txBody>
-      </p:sp>
-      <p:sp>
-        <p:nvSpPr>
-          <p:cNvPr id="236" name="Shape 236"/>
-          <p:cNvSpPr txBox="1">
-            <a:spLocks noGrp="1"/>
-          </p:cNvSpPr>
-          <p:nvPr>
-            <p:ph type="body" idx="1"/>
-          </p:nvPr>
-        </p:nvSpPr>
-        <p:spPr>
-          <a:xfrm>
-            <a:off x="457200" y="1474375"/>
-            <a:ext cx="8229600" cy="4651787"/>
-          </a:xfrm>
-          <a:prstGeom prst="rect">
-            <a:avLst/>
-          </a:prstGeom>
-          <a:noFill/>
-          <a:ln>
-            <a:noFill/>
-          </a:ln>
-        </p:spPr>
-        <p:txBody>
-          <a:bodyPr lIns="91425" tIns="45700" rIns="91425" bIns="45700" anchor="t" anchorCtr="0">
-            <a:noAutofit/>
-          </a:bodyPr>
-          <a:lstStyle/>
-          <a:p>
-            <a:pPr marL="0" marR="0" lvl="0" indent="0" algn="l" rtl="0">
-              <a:spcBef>
-                <a:spcPts val="0"/>
-              </a:spcBef>
-              <a:spcAft>
-                <a:spcPts val="0"/>
-              </a:spcAft>
-              <a:buClr>
-                <a:srgbClr val="34AD91"/>
-              </a:buClr>
-              <a:buSzPct val="25000"/>
-              <a:buFont typeface="Noto Sans Symbols"/>
-              <a:buNone/>
-            </a:pPr>
-            <a:r>
-              <a:rPr lang="en" sz="1200" b="0" i="0" u="none" strike="noStrike" cap="none">
-                <a:solidFill>
-                  <a:schemeClr val="dk1"/>
-                </a:solidFill>
-                <a:latin typeface="Consolas"/>
-                <a:ea typeface="Consolas"/>
-                <a:cs typeface="Consolas"/>
-                <a:sym typeface="Consolas"/>
-              </a:rPr>
-              <a:t>DataStream&lt;Tuple2&lt;String, String&gt;&gt; strings = …</a:t>
-            </a:r>
-            <a:br>
-              <a:rPr lang="en" sz="1200" b="0" i="0" u="none" strike="noStrike" cap="none">
-                <a:solidFill>
-                  <a:schemeClr val="dk1"/>
-                </a:solidFill>
-                <a:latin typeface="Consolas"/>
-                <a:ea typeface="Consolas"/>
-                <a:cs typeface="Consolas"/>
-                <a:sym typeface="Consolas"/>
-              </a:rPr>
-            </a:br>
-            <a:r>
-              <a:rPr lang="en" sz="1200" b="0" i="0" u="none" strike="noStrike" cap="none">
-                <a:solidFill>
-                  <a:schemeClr val="dk1"/>
-                </a:solidFill>
-                <a:latin typeface="Consolas"/>
-                <a:ea typeface="Consolas"/>
-                <a:cs typeface="Consolas"/>
-                <a:sym typeface="Consolas"/>
-              </a:rPr>
-              <a:t>DataStream&lt;Long&gt; lengths = strings</a:t>
-            </a:r>
-            <a:br>
-              <a:rPr lang="en" sz="1200" b="0" i="0" u="none" strike="noStrike" cap="none">
-                <a:solidFill>
-                  <a:schemeClr val="dk1"/>
-                </a:solidFill>
-                <a:latin typeface="Consolas"/>
-                <a:ea typeface="Consolas"/>
-                <a:cs typeface="Consolas"/>
-                <a:sym typeface="Consolas"/>
-              </a:rPr>
-            </a:br>
-            <a:r>
-              <a:rPr lang="en" sz="1200" b="0" i="0" u="none" strike="noStrike" cap="none">
-                <a:solidFill>
-                  <a:schemeClr val="dk1"/>
-                </a:solidFill>
-                <a:latin typeface="Consolas"/>
-                <a:ea typeface="Consolas"/>
-                <a:cs typeface="Consolas"/>
-                <a:sym typeface="Consolas"/>
-              </a:rPr>
-              <a:t>  .keyBy(0)</a:t>
-            </a:r>
-            <a:br>
-              <a:rPr lang="en" sz="1200" b="0" i="0" u="none" strike="noStrike" cap="none">
-                <a:solidFill>
-                  <a:schemeClr val="dk1"/>
-                </a:solidFill>
-                <a:latin typeface="Consolas"/>
-                <a:ea typeface="Consolas"/>
-                <a:cs typeface="Consolas"/>
-                <a:sym typeface="Consolas"/>
-              </a:rPr>
-            </a:br>
-            <a:r>
-              <a:rPr lang="en" sz="1200" b="0" i="0" u="none" strike="noStrike" cap="none">
-                <a:solidFill>
-                  <a:schemeClr val="dk1"/>
-                </a:solidFill>
-                <a:latin typeface="Consolas"/>
-                <a:ea typeface="Consolas"/>
-                <a:cs typeface="Consolas"/>
-                <a:sym typeface="Consolas"/>
-              </a:rPr>
-              <a:t>  .map(new MapWithCounter()); </a:t>
-            </a:r>
-          </a:p>
-          <a:p>
-            <a:pPr marL="0" marR="0" lvl="0" indent="0" algn="l" rtl="0">
-              <a:spcBef>
-                <a:spcPts val="240"/>
-              </a:spcBef>
-              <a:spcAft>
-                <a:spcPts val="0"/>
-              </a:spcAft>
-              <a:buClr>
-                <a:srgbClr val="34AD91"/>
-              </a:buClr>
-              <a:buSzPct val="25000"/>
-              <a:buFont typeface="Noto Sans Symbols"/>
-              <a:buNone/>
-            </a:pPr>
-            <a:endParaRPr sz="1200" b="1" i="0" u="none" strike="noStrike" cap="none">
-              <a:solidFill>
-                <a:srgbClr val="000080"/>
-              </a:solidFill>
-              <a:latin typeface="Consolas"/>
-              <a:ea typeface="Consolas"/>
-              <a:cs typeface="Consolas"/>
-              <a:sym typeface="Consolas"/>
-            </a:endParaRPr>
-          </a:p>
-          <a:p>
-            <a:pPr marL="0" marR="0" lvl="0" indent="0" algn="l" rtl="0">
-              <a:spcBef>
-                <a:spcPts val="240"/>
-              </a:spcBef>
-              <a:spcAft>
-                <a:spcPts val="0"/>
-              </a:spcAft>
-              <a:buClr>
-                <a:srgbClr val="34AD91"/>
-              </a:buClr>
-              <a:buSzPct val="25000"/>
-              <a:buFont typeface="Noto Sans Symbols"/>
-              <a:buNone/>
-            </a:pPr>
-            <a:r>
-              <a:rPr lang="en" sz="1200" b="1" i="0" u="none" strike="noStrike" cap="none">
-                <a:solidFill>
-                  <a:srgbClr val="000080"/>
-                </a:solidFill>
-                <a:latin typeface="Consolas"/>
-                <a:ea typeface="Consolas"/>
-                <a:cs typeface="Consolas"/>
-                <a:sym typeface="Consolas"/>
-              </a:rPr>
-              <a:t>public static class </a:t>
-            </a:r>
-            <a:r>
-              <a:rPr lang="en" sz="1200" b="0" i="0" u="none" strike="noStrike" cap="none">
-                <a:solidFill>
-                  <a:srgbClr val="000000"/>
-                </a:solidFill>
-                <a:latin typeface="Consolas"/>
-                <a:ea typeface="Consolas"/>
-                <a:cs typeface="Consolas"/>
-                <a:sym typeface="Consolas"/>
-              </a:rPr>
-              <a:t>MapWithCounter </a:t>
-            </a:r>
-            <a:r>
-              <a:rPr lang="en" sz="1200" b="1" i="0" u="none" strike="noStrike" cap="none">
-                <a:solidFill>
-                  <a:srgbClr val="000080"/>
-                </a:solidFill>
-                <a:latin typeface="Consolas"/>
-                <a:ea typeface="Consolas"/>
-                <a:cs typeface="Consolas"/>
-                <a:sym typeface="Consolas"/>
-              </a:rPr>
-              <a:t>extends </a:t>
-            </a:r>
-            <a:r>
-              <a:rPr lang="en" sz="1200" b="0" i="0" u="none" strike="noStrike" cap="none">
-                <a:solidFill>
-                  <a:srgbClr val="000000"/>
-                </a:solidFill>
-                <a:latin typeface="Consolas"/>
-                <a:ea typeface="Consolas"/>
-                <a:cs typeface="Consolas"/>
-                <a:sym typeface="Consolas"/>
-              </a:rPr>
-              <a:t>RichMapFunction&lt;Tuple2&lt;String, String&gt;, Long&gt; {</a:t>
-            </a:r>
-          </a:p>
-          <a:p>
-            <a:pPr marL="0" marR="0" lvl="0" indent="0" algn="l" rtl="0">
-              <a:spcBef>
-                <a:spcPts val="240"/>
-              </a:spcBef>
-              <a:spcAft>
-                <a:spcPts val="0"/>
-              </a:spcAft>
-              <a:buClr>
-                <a:srgbClr val="34AD91"/>
-              </a:buClr>
-              <a:buSzPct val="25000"/>
-              <a:buFont typeface="Noto Sans Symbols"/>
-              <a:buNone/>
-            </a:pPr>
-            <a:r>
-              <a:rPr lang="en" sz="1200" b="0" i="0" u="none" strike="noStrike" cap="none">
-                <a:solidFill>
-                  <a:srgbClr val="7F7F7F"/>
-                </a:solidFill>
-                <a:latin typeface="Consolas"/>
-                <a:ea typeface="Consolas"/>
-                <a:cs typeface="Consolas"/>
-                <a:sym typeface="Consolas"/>
-              </a:rPr>
-              <a:t>    // state object</a:t>
-            </a:r>
-          </a:p>
-          <a:p>
-            <a:pPr marL="0" marR="0" lvl="0" indent="0" algn="l" rtl="0">
-              <a:spcBef>
-                <a:spcPts val="240"/>
-              </a:spcBef>
-              <a:spcAft>
-                <a:spcPts val="0"/>
-              </a:spcAft>
-              <a:buClr>
-                <a:srgbClr val="34AD91"/>
-              </a:buClr>
-              <a:buSzPct val="25000"/>
-              <a:buFont typeface="Noto Sans Symbols"/>
-              <a:buNone/>
-            </a:pPr>
-            <a:r>
-              <a:rPr lang="en" sz="1200" b="1" i="0" u="none" strike="noStrike" cap="none">
-                <a:solidFill>
-                  <a:srgbClr val="000000"/>
-                </a:solidFill>
-                <a:latin typeface="Consolas"/>
-                <a:ea typeface="Consolas"/>
-                <a:cs typeface="Consolas"/>
-                <a:sym typeface="Consolas"/>
-              </a:rPr>
-              <a:t> </a:t>
-            </a:r>
-            <a:r>
-              <a:rPr lang="en" sz="1200" b="1" i="0" u="none" strike="noStrike" cap="none">
-                <a:solidFill>
-                  <a:srgbClr val="000080"/>
-                </a:solidFill>
-                <a:latin typeface="Consolas"/>
-                <a:ea typeface="Consolas"/>
-                <a:cs typeface="Consolas"/>
-                <a:sym typeface="Consolas"/>
-              </a:rPr>
-              <a:t>   private </a:t>
-            </a:r>
-            <a:r>
-              <a:rPr lang="en" sz="1200" b="0" i="0" u="none" strike="noStrike" cap="none">
-                <a:solidFill>
-                  <a:srgbClr val="FF0000"/>
-                </a:solidFill>
-                <a:latin typeface="Consolas"/>
-                <a:ea typeface="Consolas"/>
-                <a:cs typeface="Consolas"/>
-                <a:sym typeface="Consolas"/>
-              </a:rPr>
-              <a:t>ValueState&lt;Long&gt; totalLengthByKey</a:t>
-            </a:r>
-            <a:r>
-              <a:rPr lang="en" sz="1200" b="0" i="0" u="none" strike="noStrike" cap="none">
-                <a:solidFill>
-                  <a:srgbClr val="000000"/>
-                </a:solidFill>
-                <a:latin typeface="Consolas"/>
-                <a:ea typeface="Consolas"/>
-                <a:cs typeface="Consolas"/>
-                <a:sym typeface="Consolas"/>
-              </a:rPr>
-              <a:t>;</a:t>
-            </a:r>
-          </a:p>
-          <a:p>
-            <a:pPr marL="0" marR="0" lvl="0" indent="0" algn="l" rtl="0">
-              <a:spcBef>
-                <a:spcPts val="240"/>
-              </a:spcBef>
-              <a:spcAft>
-                <a:spcPts val="0"/>
-              </a:spcAft>
-              <a:buClr>
-                <a:srgbClr val="34AD91"/>
-              </a:buClr>
-              <a:buSzPct val="25000"/>
-              <a:buFont typeface="Noto Sans Symbols"/>
-              <a:buNone/>
-            </a:pPr>
-            <a:r>
-              <a:rPr lang="en" sz="1200" b="0" i="0" u="none" strike="noStrike" cap="none">
-                <a:solidFill>
-                  <a:srgbClr val="000000"/>
-                </a:solidFill>
-                <a:latin typeface="Consolas"/>
-                <a:ea typeface="Consolas"/>
-                <a:cs typeface="Consolas"/>
-                <a:sym typeface="Consolas"/>
-              </a:rPr>
-              <a:t>    </a:t>
-            </a:r>
-          </a:p>
-          <a:p>
-            <a:pPr marL="0" marR="0" lvl="0" indent="0" algn="l" rtl="0">
-              <a:spcBef>
-                <a:spcPts val="240"/>
-              </a:spcBef>
-              <a:spcAft>
-                <a:spcPts val="0"/>
-              </a:spcAft>
-              <a:buClr>
-                <a:srgbClr val="34AD91"/>
-              </a:buClr>
-              <a:buSzPct val="25000"/>
-              <a:buFont typeface="Noto Sans Symbols"/>
-              <a:buNone/>
-            </a:pPr>
-            <a:r>
-              <a:rPr lang="en" sz="1200" b="0" i="0" u="none" strike="noStrike" cap="none">
-                <a:solidFill>
-                  <a:srgbClr val="000000"/>
-                </a:solidFill>
-                <a:latin typeface="Consolas"/>
-                <a:ea typeface="Consolas"/>
-                <a:cs typeface="Consolas"/>
-                <a:sym typeface="Consolas"/>
-              </a:rPr>
-              <a:t>    </a:t>
-            </a:r>
-            <a:r>
-              <a:rPr lang="en" sz="1200" b="0" i="0" u="none" strike="noStrike" cap="none">
-                <a:solidFill>
-                  <a:srgbClr val="808000"/>
-                </a:solidFill>
-                <a:latin typeface="Consolas"/>
-                <a:ea typeface="Consolas"/>
-                <a:cs typeface="Consolas"/>
-                <a:sym typeface="Consolas"/>
-              </a:rPr>
-              <a:t>@Override</a:t>
-            </a:r>
-            <a:br>
-              <a:rPr lang="en" sz="1200" b="0" i="0" u="none" strike="noStrike" cap="none">
-                <a:solidFill>
-                  <a:srgbClr val="808000"/>
-                </a:solidFill>
-                <a:latin typeface="Consolas"/>
-                <a:ea typeface="Consolas"/>
-                <a:cs typeface="Consolas"/>
-                <a:sym typeface="Consolas"/>
-              </a:rPr>
-            </a:br>
-            <a:r>
-              <a:rPr lang="en" sz="1200" b="0" i="0" u="none" strike="noStrike" cap="none">
-                <a:solidFill>
-                  <a:srgbClr val="808000"/>
-                </a:solidFill>
-                <a:latin typeface="Consolas"/>
-                <a:ea typeface="Consolas"/>
-                <a:cs typeface="Consolas"/>
-                <a:sym typeface="Consolas"/>
-              </a:rPr>
-              <a:t>    </a:t>
-            </a:r>
-            <a:r>
-              <a:rPr lang="en" sz="1200" b="1" i="0" u="none" strike="noStrike" cap="none">
-                <a:solidFill>
-                  <a:srgbClr val="000080"/>
-                </a:solidFill>
-                <a:latin typeface="Consolas"/>
-                <a:ea typeface="Consolas"/>
-                <a:cs typeface="Consolas"/>
-                <a:sym typeface="Consolas"/>
-              </a:rPr>
-              <a:t>public void </a:t>
-            </a:r>
-            <a:r>
-              <a:rPr lang="en" sz="1200" b="0" i="0" u="none" strike="noStrike" cap="none">
-                <a:solidFill>
-                  <a:srgbClr val="000000"/>
-                </a:solidFill>
-                <a:latin typeface="Consolas"/>
-                <a:ea typeface="Consolas"/>
-                <a:cs typeface="Consolas"/>
-                <a:sym typeface="Consolas"/>
-              </a:rPr>
-              <a:t>open</a:t>
-            </a:r>
-            <a:r>
-              <a:rPr lang="en" sz="1200" b="1" i="0" u="none" strike="noStrike" cap="none">
-                <a:solidFill>
-                  <a:srgbClr val="000080"/>
-                </a:solidFill>
-                <a:latin typeface="Consolas"/>
-                <a:ea typeface="Consolas"/>
-                <a:cs typeface="Consolas"/>
-                <a:sym typeface="Consolas"/>
-              </a:rPr>
-              <a:t> </a:t>
-            </a:r>
-            <a:r>
-              <a:rPr lang="en" sz="1200" b="0" i="0" u="none" strike="noStrike" cap="none">
-                <a:solidFill>
-                  <a:srgbClr val="000000"/>
-                </a:solidFill>
-                <a:latin typeface="Consolas"/>
-                <a:ea typeface="Consolas"/>
-                <a:cs typeface="Consolas"/>
-                <a:sym typeface="Consolas"/>
-              </a:rPr>
-              <a:t>(Configuration conf) {</a:t>
-            </a:r>
-            <a:br>
-              <a:rPr lang="en" sz="1200" b="0" i="0" u="none" strike="noStrike" cap="none">
-                <a:solidFill>
-                  <a:srgbClr val="000000"/>
-                </a:solidFill>
-                <a:latin typeface="Consolas"/>
-                <a:ea typeface="Consolas"/>
-                <a:cs typeface="Consolas"/>
-                <a:sym typeface="Consolas"/>
-              </a:rPr>
-            </a:br>
-            <a:r>
-              <a:rPr lang="en" sz="1200" b="0" i="0" u="none" strike="noStrike" cap="none">
-                <a:solidFill>
-                  <a:srgbClr val="7F7F7F"/>
-                </a:solidFill>
-                <a:latin typeface="Consolas"/>
-                <a:ea typeface="Consolas"/>
-                <a:cs typeface="Consolas"/>
-                <a:sym typeface="Consolas"/>
-              </a:rPr>
-              <a:t>        // obtain state object</a:t>
-            </a:r>
-          </a:p>
-          <a:p>
-            <a:pPr marL="0" marR="0" lvl="0" indent="0" algn="l" rtl="0">
-              <a:spcBef>
-                <a:spcPts val="240"/>
-              </a:spcBef>
-              <a:spcAft>
-                <a:spcPts val="0"/>
-              </a:spcAft>
-              <a:buClr>
-                <a:srgbClr val="34AD91"/>
-              </a:buClr>
-              <a:buSzPct val="25000"/>
-              <a:buFont typeface="Noto Sans Symbols"/>
-              <a:buNone/>
-            </a:pPr>
-            <a:r>
-              <a:rPr lang="en" sz="1200" b="0" i="0" u="none" strike="noStrike" cap="none">
-                <a:solidFill>
-                  <a:srgbClr val="000000"/>
-                </a:solidFill>
-                <a:latin typeface="Consolas"/>
-                <a:ea typeface="Consolas"/>
-                <a:cs typeface="Consolas"/>
-                <a:sym typeface="Consolas"/>
-              </a:rPr>
-              <a:t>        </a:t>
-            </a:r>
-            <a:r>
-              <a:rPr lang="en" sz="1200" b="0" i="0" u="none" strike="noStrike" cap="none">
-                <a:solidFill>
-                  <a:srgbClr val="FF0000"/>
-                </a:solidFill>
-                <a:latin typeface="Consolas"/>
-                <a:ea typeface="Consolas"/>
-                <a:cs typeface="Consolas"/>
-                <a:sym typeface="Consolas"/>
-              </a:rPr>
-              <a:t>ValueStateDescriptor&lt;Long&gt; descriptor = new ValueStateDescriptor&lt;&gt;(</a:t>
-            </a:r>
-          </a:p>
-          <a:p>
-            <a:pPr marL="0" marR="0" lvl="0" indent="0" algn="l" rtl="0">
-              <a:spcBef>
-                <a:spcPts val="240"/>
-              </a:spcBef>
-              <a:spcAft>
-                <a:spcPts val="0"/>
-              </a:spcAft>
-              <a:buClr>
-                <a:srgbClr val="34AD91"/>
-              </a:buClr>
-              <a:buSzPct val="25000"/>
-              <a:buFont typeface="Noto Sans Symbols"/>
-              <a:buNone/>
-            </a:pPr>
-            <a:r>
-              <a:rPr lang="en" sz="1200" b="0" i="0" u="none" strike="noStrike" cap="none">
-                <a:solidFill>
-                  <a:srgbClr val="FF0000"/>
-                </a:solidFill>
-                <a:latin typeface="Consolas"/>
-                <a:ea typeface="Consolas"/>
-                <a:cs typeface="Consolas"/>
-                <a:sym typeface="Consolas"/>
-              </a:rPr>
-              <a:t>            "totalLengthByKey", Long.class, 0L);</a:t>
-            </a:r>
-          </a:p>
-          <a:p>
-            <a:pPr marL="0" marR="0" lvl="0" indent="0" algn="l" rtl="0">
-              <a:spcBef>
-                <a:spcPts val="240"/>
-              </a:spcBef>
-              <a:spcAft>
-                <a:spcPts val="0"/>
-              </a:spcAft>
-              <a:buClr>
-                <a:srgbClr val="34AD91"/>
-              </a:buClr>
-              <a:buSzPct val="25000"/>
-              <a:buFont typeface="Noto Sans Symbols"/>
-              <a:buNone/>
-            </a:pPr>
-            <a:r>
-              <a:rPr lang="en" sz="1200" b="0" i="0" u="none" strike="noStrike" cap="none">
-                <a:solidFill>
-                  <a:srgbClr val="000000"/>
-                </a:solidFill>
-                <a:latin typeface="Consolas"/>
-                <a:ea typeface="Consolas"/>
-                <a:cs typeface="Consolas"/>
-                <a:sym typeface="Consolas"/>
-              </a:rPr>
-              <a:t>        totalLengthByKey = getRuntimeContext().</a:t>
-            </a:r>
-            <a:r>
-              <a:rPr lang="en" sz="1200" b="0" i="0" u="none" strike="noStrike" cap="none">
-                <a:solidFill>
-                  <a:srgbClr val="FF0000"/>
-                </a:solidFill>
-                <a:latin typeface="Consolas"/>
-                <a:ea typeface="Consolas"/>
-                <a:cs typeface="Consolas"/>
-                <a:sym typeface="Consolas"/>
-              </a:rPr>
-              <a:t>getState(descriptor)</a:t>
-            </a:r>
-            <a:r>
-              <a:rPr lang="en" sz="1200" b="0" i="0" u="none" strike="noStrike" cap="none">
-                <a:solidFill>
-                  <a:srgbClr val="000000"/>
-                </a:solidFill>
-                <a:latin typeface="Consolas"/>
-                <a:ea typeface="Consolas"/>
-                <a:cs typeface="Consolas"/>
-                <a:sym typeface="Consolas"/>
-              </a:rPr>
-              <a:t>;</a:t>
-            </a:r>
-          </a:p>
-          <a:p>
-            <a:pPr marL="0" marR="0" lvl="0" indent="0" algn="l" rtl="0">
-              <a:spcBef>
-                <a:spcPts val="240"/>
-              </a:spcBef>
-              <a:spcAft>
-                <a:spcPts val="0"/>
-              </a:spcAft>
-              <a:buClr>
-                <a:srgbClr val="34AD91"/>
-              </a:buClr>
-              <a:buSzPct val="25000"/>
-              <a:buFont typeface="Noto Sans Symbols"/>
-              <a:buNone/>
-            </a:pPr>
-            <a:r>
-              <a:rPr lang="en" sz="1200" b="0" i="0" u="none" strike="noStrike" cap="none">
-                <a:solidFill>
-                  <a:srgbClr val="000000"/>
-                </a:solidFill>
-                <a:latin typeface="Consolas"/>
-                <a:ea typeface="Consolas"/>
-                <a:cs typeface="Consolas"/>
-                <a:sym typeface="Consolas"/>
-              </a:rPr>
-              <a:t>    }</a:t>
-            </a:r>
-          </a:p>
-          <a:p>
-            <a:pPr marL="0" marR="0" lvl="0" indent="0" algn="l" rtl="0">
-              <a:spcBef>
-                <a:spcPts val="240"/>
-              </a:spcBef>
-              <a:spcAft>
-                <a:spcPts val="0"/>
-              </a:spcAft>
-              <a:buClr>
-                <a:srgbClr val="34AD91"/>
-              </a:buClr>
-              <a:buSzPct val="25000"/>
-              <a:buFont typeface="Noto Sans Symbols"/>
-              <a:buNone/>
-            </a:pPr>
-            <a:r>
-              <a:rPr lang="en" sz="1200" b="0" i="0" u="none" strike="noStrike" cap="none">
-                <a:solidFill>
-                  <a:srgbClr val="000000"/>
-                </a:solidFill>
-                <a:latin typeface="Consolas"/>
-                <a:ea typeface="Consolas"/>
-                <a:cs typeface="Consolas"/>
-                <a:sym typeface="Consolas"/>
-              </a:rPr>
-              <a:t/>
-            </a:r>
-            <a:br>
-              <a:rPr lang="en" sz="1200" b="0" i="0" u="none" strike="noStrike" cap="none">
-                <a:solidFill>
-                  <a:srgbClr val="000000"/>
-                </a:solidFill>
-                <a:latin typeface="Consolas"/>
-                <a:ea typeface="Consolas"/>
-                <a:cs typeface="Consolas"/>
-                <a:sym typeface="Consolas"/>
-              </a:rPr>
-            </a:br>
-            <a:r>
-              <a:rPr lang="en" sz="1200" b="0" i="0" u="none" strike="noStrike" cap="none">
-                <a:solidFill>
-                  <a:srgbClr val="000000"/>
-                </a:solidFill>
-                <a:latin typeface="Consolas"/>
-                <a:ea typeface="Consolas"/>
-                <a:cs typeface="Consolas"/>
-                <a:sym typeface="Consolas"/>
-              </a:rPr>
-              <a:t>    </a:t>
-            </a:r>
-            <a:r>
-              <a:rPr lang="en" sz="1200" b="0" i="0" u="none" strike="noStrike" cap="none">
-                <a:solidFill>
-                  <a:srgbClr val="808000"/>
-                </a:solidFill>
-                <a:latin typeface="Consolas"/>
-                <a:ea typeface="Consolas"/>
-                <a:cs typeface="Consolas"/>
-                <a:sym typeface="Consolas"/>
-              </a:rPr>
-              <a:t>@Override</a:t>
-            </a:r>
-            <a:br>
-              <a:rPr lang="en" sz="1200" b="0" i="0" u="none" strike="noStrike" cap="none">
-                <a:solidFill>
-                  <a:srgbClr val="808000"/>
-                </a:solidFill>
-                <a:latin typeface="Consolas"/>
-                <a:ea typeface="Consolas"/>
-                <a:cs typeface="Consolas"/>
-                <a:sym typeface="Consolas"/>
-              </a:rPr>
-            </a:br>
-            <a:r>
-              <a:rPr lang="en" sz="1200" b="0" i="0" u="none" strike="noStrike" cap="none">
-                <a:solidFill>
-                  <a:srgbClr val="808000"/>
-                </a:solidFill>
-                <a:latin typeface="Consolas"/>
-                <a:ea typeface="Consolas"/>
-                <a:cs typeface="Consolas"/>
-                <a:sym typeface="Consolas"/>
-              </a:rPr>
-              <a:t>    </a:t>
-            </a:r>
-            <a:r>
-              <a:rPr lang="en" sz="1200" b="1" i="0" u="none" strike="noStrike" cap="none">
-                <a:solidFill>
-                  <a:srgbClr val="000080"/>
-                </a:solidFill>
-                <a:latin typeface="Consolas"/>
-                <a:ea typeface="Consolas"/>
-                <a:cs typeface="Consolas"/>
-                <a:sym typeface="Consolas"/>
-              </a:rPr>
-              <a:t>public </a:t>
-            </a:r>
-            <a:r>
-              <a:rPr lang="en" sz="1200" b="0" i="0" u="none" strike="noStrike" cap="none">
-                <a:solidFill>
-                  <a:srgbClr val="000000"/>
-                </a:solidFill>
-                <a:latin typeface="Consolas"/>
-                <a:ea typeface="Consolas"/>
-                <a:cs typeface="Consolas"/>
-                <a:sym typeface="Consolas"/>
-              </a:rPr>
-              <a:t>Long</a:t>
-            </a:r>
-            <a:r>
-              <a:rPr lang="en" sz="1200" b="1" i="0" u="none" strike="noStrike" cap="none">
-                <a:solidFill>
-                  <a:srgbClr val="000080"/>
-                </a:solidFill>
-                <a:latin typeface="Consolas"/>
-                <a:ea typeface="Consolas"/>
-                <a:cs typeface="Consolas"/>
-                <a:sym typeface="Consolas"/>
-              </a:rPr>
-              <a:t> </a:t>
-            </a:r>
-            <a:r>
-              <a:rPr lang="en" sz="1200" b="0" i="0" u="none" strike="noStrike" cap="none">
-                <a:solidFill>
-                  <a:srgbClr val="000000"/>
-                </a:solidFill>
-                <a:latin typeface="Consolas"/>
-                <a:ea typeface="Consolas"/>
-                <a:cs typeface="Consolas"/>
-                <a:sym typeface="Consolas"/>
-              </a:rPr>
-              <a:t>map</a:t>
-            </a:r>
-            <a:r>
-              <a:rPr lang="en" sz="1200" b="1" i="0" u="none" strike="noStrike" cap="none">
-                <a:solidFill>
-                  <a:srgbClr val="000080"/>
-                </a:solidFill>
-                <a:latin typeface="Consolas"/>
-                <a:ea typeface="Consolas"/>
-                <a:cs typeface="Consolas"/>
-                <a:sym typeface="Consolas"/>
-              </a:rPr>
-              <a:t> </a:t>
-            </a:r>
-            <a:r>
-              <a:rPr lang="en" sz="1200" b="0" i="0" u="none" strike="noStrike" cap="none">
-                <a:solidFill>
-                  <a:srgbClr val="000000"/>
-                </a:solidFill>
-                <a:latin typeface="Consolas"/>
-                <a:ea typeface="Consolas"/>
-                <a:cs typeface="Consolas"/>
-                <a:sym typeface="Consolas"/>
-              </a:rPr>
-              <a:t>(Tuple2&lt;String, String&gt; value) </a:t>
-            </a:r>
-            <a:r>
-              <a:rPr lang="en" sz="1200" b="1" i="0" u="none" strike="noStrike" cap="none">
-                <a:solidFill>
-                  <a:srgbClr val="000080"/>
-                </a:solidFill>
-                <a:latin typeface="Consolas"/>
-                <a:ea typeface="Consolas"/>
-                <a:cs typeface="Consolas"/>
-                <a:sym typeface="Consolas"/>
-              </a:rPr>
-              <a:t>throws</a:t>
-            </a:r>
-            <a:r>
-              <a:rPr lang="en" sz="1200" b="0" i="0" u="none" strike="noStrike" cap="none">
-                <a:solidFill>
-                  <a:srgbClr val="000000"/>
-                </a:solidFill>
-                <a:latin typeface="Consolas"/>
-                <a:ea typeface="Consolas"/>
-                <a:cs typeface="Consolas"/>
-                <a:sym typeface="Consolas"/>
-              </a:rPr>
-              <a:t> Exception {</a:t>
-            </a:r>
-          </a:p>
-          <a:p>
-            <a:pPr marL="0" marR="0" lvl="0" indent="0" algn="l" rtl="0">
-              <a:spcBef>
-                <a:spcPts val="240"/>
-              </a:spcBef>
-              <a:spcAft>
-                <a:spcPts val="0"/>
-              </a:spcAft>
-              <a:buClr>
-                <a:srgbClr val="34AD91"/>
-              </a:buClr>
-              <a:buSzPct val="25000"/>
-              <a:buFont typeface="Noto Sans Symbols"/>
-              <a:buNone/>
-            </a:pPr>
-            <a:r>
-              <a:rPr lang="en" sz="1200" b="0" i="0" u="none" strike="noStrike" cap="none">
-                <a:solidFill>
-                  <a:srgbClr val="000000"/>
-                </a:solidFill>
-                <a:latin typeface="Consolas"/>
-                <a:ea typeface="Consolas"/>
-                <a:cs typeface="Consolas"/>
-                <a:sym typeface="Consolas"/>
-              </a:rPr>
-              <a:t>        long length = </a:t>
-            </a:r>
-            <a:r>
-              <a:rPr lang="en" sz="1200" b="0" i="0" u="none" strike="noStrike" cap="none">
-                <a:solidFill>
-                  <a:srgbClr val="FF0000"/>
-                </a:solidFill>
-                <a:latin typeface="Consolas"/>
-                <a:ea typeface="Consolas"/>
-                <a:cs typeface="Consolas"/>
-                <a:sym typeface="Consolas"/>
-              </a:rPr>
-              <a:t>totalLengthByKey.value()</a:t>
-            </a:r>
-            <a:r>
-              <a:rPr lang="en" sz="1200" b="0" i="0" u="none" strike="noStrike" cap="none">
-                <a:solidFill>
-                  <a:srgbClr val="000000"/>
-                </a:solidFill>
-                <a:latin typeface="Consolas"/>
-                <a:ea typeface="Consolas"/>
-                <a:cs typeface="Consolas"/>
-                <a:sym typeface="Consolas"/>
-              </a:rPr>
-              <a:t>;    </a:t>
-            </a:r>
-            <a:r>
-              <a:rPr lang="en" sz="1200" b="0" i="0" u="none" strike="noStrike" cap="none">
-                <a:solidFill>
-                  <a:srgbClr val="7F7F7F"/>
-                </a:solidFill>
-                <a:latin typeface="Consolas"/>
-                <a:ea typeface="Consolas"/>
-                <a:cs typeface="Consolas"/>
-                <a:sym typeface="Consolas"/>
-              </a:rPr>
-              <a:t>// fetch state for current key</a:t>
-            </a:r>
-          </a:p>
-          <a:p>
-            <a:pPr marL="0" marR="0" lvl="0" indent="0" algn="l" rtl="0">
-              <a:spcBef>
-                <a:spcPts val="240"/>
-              </a:spcBef>
-              <a:spcAft>
-                <a:spcPts val="0"/>
-              </a:spcAft>
-              <a:buClr>
-                <a:srgbClr val="34AD91"/>
-              </a:buClr>
-              <a:buSzPct val="25000"/>
-              <a:buFont typeface="Noto Sans Symbols"/>
-              <a:buNone/>
-            </a:pPr>
-            <a:r>
-              <a:rPr lang="en" sz="1200" b="0" i="0" u="none" strike="noStrike" cap="none">
-                <a:solidFill>
-                  <a:srgbClr val="000000"/>
-                </a:solidFill>
-                <a:latin typeface="Consolas"/>
-                <a:ea typeface="Consolas"/>
-                <a:cs typeface="Consolas"/>
-                <a:sym typeface="Consolas"/>
-              </a:rPr>
-              <a:t>        long newTotalLength = length + value.f1.length();</a:t>
-            </a:r>
-          </a:p>
-          <a:p>
-            <a:pPr marL="0" marR="0" lvl="0" indent="0" algn="l" rtl="0">
-              <a:spcBef>
-                <a:spcPts val="240"/>
-              </a:spcBef>
-              <a:spcAft>
-                <a:spcPts val="0"/>
-              </a:spcAft>
-              <a:buClr>
-                <a:srgbClr val="34AD91"/>
-              </a:buClr>
-              <a:buSzPct val="25000"/>
-              <a:buFont typeface="Noto Sans Symbols"/>
-              <a:buNone/>
-            </a:pPr>
-            <a:r>
-              <a:rPr lang="en" sz="1200" b="0" i="0" u="none" strike="noStrike" cap="none">
-                <a:solidFill>
-                  <a:srgbClr val="FF0000"/>
-                </a:solidFill>
-                <a:latin typeface="Consolas"/>
-                <a:ea typeface="Consolas"/>
-                <a:cs typeface="Consolas"/>
-                <a:sym typeface="Consolas"/>
-              </a:rPr>
-              <a:t>        totalLengthByKey.update(newTotalLength);   </a:t>
-            </a:r>
-            <a:r>
-              <a:rPr lang="en" sz="1200" b="0" i="0" u="none" strike="noStrike" cap="none">
-                <a:solidFill>
-                  <a:srgbClr val="7F7F7F"/>
-                </a:solidFill>
-                <a:latin typeface="Consolas"/>
-                <a:ea typeface="Consolas"/>
-                <a:cs typeface="Consolas"/>
-                <a:sym typeface="Consolas"/>
-              </a:rPr>
-              <a:t>// update state of current key</a:t>
-            </a:r>
-          </a:p>
-          <a:p>
-            <a:pPr marL="0" marR="0" lvl="0" indent="0" algn="l" rtl="0">
-              <a:spcBef>
-                <a:spcPts val="240"/>
-              </a:spcBef>
-              <a:spcAft>
-                <a:spcPts val="0"/>
-              </a:spcAft>
-              <a:buClr>
-                <a:srgbClr val="34AD91"/>
-              </a:buClr>
-              <a:buSzPct val="25000"/>
-              <a:buFont typeface="Noto Sans Symbols"/>
-              <a:buNone/>
-            </a:pPr>
-            <a:r>
-              <a:rPr lang="en" sz="1200" b="0" i="0" u="none" strike="noStrike" cap="none">
-                <a:solidFill>
-                  <a:srgbClr val="000000"/>
-                </a:solidFill>
-                <a:latin typeface="Consolas"/>
-                <a:ea typeface="Consolas"/>
-                <a:cs typeface="Consolas"/>
-                <a:sym typeface="Consolas"/>
-              </a:rPr>
-              <a:t>        </a:t>
-            </a:r>
-            <a:r>
-              <a:rPr lang="en" sz="1200" b="1" i="0" u="none" strike="noStrike" cap="none">
-                <a:solidFill>
-                  <a:srgbClr val="000080"/>
-                </a:solidFill>
-                <a:latin typeface="Consolas"/>
-                <a:ea typeface="Consolas"/>
-                <a:cs typeface="Consolas"/>
-                <a:sym typeface="Consolas"/>
-              </a:rPr>
-              <a:t>return</a:t>
-            </a:r>
-            <a:r>
-              <a:rPr lang="en" sz="1200" b="0" i="0" u="none" strike="noStrike" cap="none">
-                <a:solidFill>
-                  <a:srgbClr val="000000"/>
-                </a:solidFill>
-                <a:latin typeface="Consolas"/>
-                <a:ea typeface="Consolas"/>
-                <a:cs typeface="Consolas"/>
-                <a:sym typeface="Consolas"/>
-              </a:rPr>
-              <a:t> totalLengthByKey.value();</a:t>
-            </a:r>
-          </a:p>
-          <a:p>
-            <a:pPr marL="0" marR="0" lvl="0" indent="0" algn="l" rtl="0">
-              <a:spcBef>
-                <a:spcPts val="240"/>
-              </a:spcBef>
-              <a:spcAft>
-                <a:spcPts val="0"/>
-              </a:spcAft>
-              <a:buClr>
-                <a:srgbClr val="34AD91"/>
-              </a:buClr>
-              <a:buSzPct val="25000"/>
-              <a:buFont typeface="Noto Sans Symbols"/>
-              <a:buNone/>
-            </a:pPr>
-            <a:r>
-              <a:rPr lang="en" sz="1200" b="0" i="0" u="none" strike="noStrike" cap="none">
-                <a:solidFill>
-                  <a:srgbClr val="000000"/>
-                </a:solidFill>
-                <a:latin typeface="Consolas"/>
-                <a:ea typeface="Consolas"/>
-                <a:cs typeface="Consolas"/>
-                <a:sym typeface="Consolas"/>
-              </a:rPr>
-              <a:t>    } </a:t>
-            </a:r>
-          </a:p>
-          <a:p>
-            <a:pPr marL="0" marR="0" lvl="0" indent="0" algn="l" rtl="0">
-              <a:spcBef>
-                <a:spcPts val="240"/>
-              </a:spcBef>
-              <a:buClr>
-                <a:srgbClr val="34AD91"/>
-              </a:buClr>
-              <a:buSzPct val="25000"/>
-              <a:buFont typeface="Noto Sans Symbols"/>
-              <a:buNone/>
-            </a:pPr>
-            <a:r>
-              <a:rPr lang="en" sz="1200" b="0" i="0" u="none" strike="noStrike" cap="none">
-                <a:solidFill>
-                  <a:srgbClr val="000000"/>
-                </a:solidFill>
-                <a:latin typeface="Consolas"/>
-                <a:ea typeface="Consolas"/>
-                <a:cs typeface="Consolas"/>
-                <a:sym typeface="Consolas"/>
-              </a:rPr>
-              <a:t>}</a:t>
-            </a:r>
-          </a:p>
-        </p:txBody>
-      </p:sp>
-    </p:spTree>
-  </p:cSld>
-  <p:clrMapOvr>
-    <a:masterClrMapping/>
-  </p:clrMapOvr>
-</p:sld>
-</file>
-
-<file path=ppt/slides/slide19.xml><?xml version="1.0" encoding="utf-8"?>
-<p:sld xmlns:a="http://schemas.openxmlformats.org/drawingml/2006/main" xmlns:r="http://schemas.openxmlformats.org/officeDocument/2006/relationships" xmlns:p="http://schemas.openxmlformats.org/presentationml/2006/main">
-  <p:cSld>
-    <p:spTree>
-      <p:nvGrpSpPr>
-        <p:cNvPr id="1" name="Shape 241"/>
-        <p:cNvGrpSpPr/>
-        <p:nvPr/>
-      </p:nvGrpSpPr>
-      <p:grpSpPr>
-        <a:xfrm>
-          <a:off x="0" y="0"/>
-          <a:ext cx="0" cy="0"/>
-          <a:chOff x="0" y="0"/>
-          <a:chExt cx="0" cy="0"/>
-        </a:xfrm>
-      </p:grpSpPr>
-      <p:sp>
-        <p:nvSpPr>
-          <p:cNvPr id="242" name="Shape 242"/>
-          <p:cNvSpPr txBox="1">
-            <a:spLocks noGrp="1"/>
-          </p:cNvSpPr>
-          <p:nvPr>
-            <p:ph type="title"/>
-          </p:nvPr>
-        </p:nvSpPr>
-        <p:spPr>
-          <a:xfrm>
-            <a:off x="722312" y="4406900"/>
-            <a:ext cx="7772400" cy="1362075"/>
-          </a:xfrm>
-          <a:prstGeom prst="rect">
-            <a:avLst/>
-          </a:prstGeom>
-          <a:noFill/>
-          <a:ln>
-            <a:noFill/>
-          </a:ln>
-        </p:spPr>
-        <p:txBody>
-          <a:bodyPr lIns="91425" tIns="45700" rIns="91425" bIns="45700" anchor="t" anchorCtr="0">
-            <a:noAutofit/>
-          </a:bodyPr>
-          <a:lstStyle/>
-          <a:p>
-            <a:pPr marL="0" marR="0" lvl="0" indent="0" algn="l" rtl="0">
-              <a:spcBef>
-                <a:spcPts val="0"/>
-              </a:spcBef>
-              <a:buClr>
-                <a:srgbClr val="FFFFFF"/>
-              </a:buClr>
-              <a:buSzPct val="25000"/>
-              <a:buFont typeface="Calibri"/>
-              <a:buNone/>
-            </a:pPr>
-            <a:r>
-              <a:rPr lang="en" sz="4000" b="1" i="0" u="none" strike="noStrike" cap="none">
-                <a:solidFill>
-                  <a:srgbClr val="FFFFFF"/>
-                </a:solidFill>
-                <a:latin typeface="Calibri"/>
-                <a:ea typeface="Calibri"/>
-                <a:cs typeface="Calibri"/>
-                <a:sym typeface="Calibri"/>
-              </a:rPr>
-              <a:t>State Backends</a:t>
-            </a:r>
-          </a:p>
-        </p:txBody>
-      </p:sp>
-      <p:sp>
-        <p:nvSpPr>
-          <p:cNvPr id="243" name="Shape 243"/>
-          <p:cNvSpPr txBox="1">
-            <a:spLocks noGrp="1"/>
-          </p:cNvSpPr>
-          <p:nvPr>
-            <p:ph type="body" idx="1"/>
-          </p:nvPr>
-        </p:nvSpPr>
-        <p:spPr>
-          <a:xfrm>
-            <a:off x="722312" y="2906713"/>
-            <a:ext cx="7772400" cy="1500187"/>
-          </a:xfrm>
-          <a:prstGeom prst="rect">
-            <a:avLst/>
-          </a:prstGeom>
-          <a:noFill/>
-          <a:ln>
-            <a:noFill/>
-          </a:ln>
-        </p:spPr>
-        <p:txBody>
-          <a:bodyPr lIns="91425" tIns="45700" rIns="91425" bIns="45700" anchor="b" anchorCtr="0">
-            <a:noAutofit/>
-          </a:bodyPr>
-          <a:lstStyle/>
-          <a:p>
-            <a:pPr marL="0" marR="0" lvl="0" indent="0" algn="l" rtl="0">
-              <a:spcBef>
-                <a:spcPts val="0"/>
-              </a:spcBef>
-              <a:buClr>
-                <a:srgbClr val="34AD91"/>
-              </a:buClr>
-              <a:buSzPct val="25000"/>
-              <a:buFont typeface="Noto Sans Symbols"/>
-              <a:buNone/>
-            </a:pPr>
-            <a:endParaRPr sz="2000" b="0" i="0" u="none" strike="noStrike" cap="none">
-              <a:solidFill>
-                <a:srgbClr val="FFFFFF"/>
-              </a:solidFill>
-              <a:latin typeface="Calibri"/>
-              <a:ea typeface="Calibri"/>
-              <a:cs typeface="Calibri"/>
-              <a:sym typeface="Calibri"/>
-            </a:endParaRPr>
-          </a:p>
-        </p:txBody>
-      </p:sp>
-      <p:sp>
-        <p:nvSpPr>
-          <p:cNvPr id="244" name="Shape 244"/>
-          <p:cNvSpPr txBox="1">
-            <a:spLocks noGrp="1"/>
-          </p:cNvSpPr>
-          <p:nvPr>
-            <p:ph type="sldNum" idx="12"/>
-          </p:nvPr>
-        </p:nvSpPr>
-        <p:spPr>
-          <a:xfrm>
-            <a:off x="6553200" y="6356350"/>
-            <a:ext cx="2133599" cy="365125"/>
-          </a:xfrm>
-          <a:prstGeom prst="rect">
-            <a:avLst/>
-          </a:prstGeom>
-          <a:noFill/>
-          <a:ln>
-            <a:noFill/>
-          </a:ln>
-        </p:spPr>
-        <p:txBody>
-          <a:bodyPr lIns="91425" tIns="45700" rIns="91425" bIns="45700" anchor="ctr" anchorCtr="0">
-            <a:noAutofit/>
-          </a:bodyPr>
-          <a:lstStyle/>
-          <a:p>
-            <a:pPr marL="0" marR="0" lvl="0" indent="0" algn="r" rtl="0">
-              <a:spcBef>
-                <a:spcPts val="0"/>
-              </a:spcBef>
-              <a:buSzPct val="25000"/>
-              <a:buNone/>
-            </a:pPr>
-            <a:fld id="{00000000-1234-1234-1234-123412341234}" type="slidenum">
-              <a:rPr lang="en" sz="1200">
-                <a:solidFill>
-                  <a:srgbClr val="888888"/>
-                </a:solidFill>
-                <a:latin typeface="Calibri"/>
-                <a:ea typeface="Calibri"/>
-                <a:cs typeface="Calibri"/>
-                <a:sym typeface="Calibri"/>
-              </a:rPr>
-              <a:t>19</a:t>
-            </a:fld>
-            <a:endParaRPr lang="en" sz="1200">
-              <a:solidFill>
-                <a:srgbClr val="888888"/>
-              </a:solidFill>
-              <a:latin typeface="Calibri"/>
-              <a:ea typeface="Calibri"/>
-              <a:cs typeface="Calibri"/>
-              <a:sym typeface="Calibri"/>
-            </a:endParaRPr>
-          </a:p>
-        </p:txBody>
-      </p:sp>
-    </p:spTree>
   </p:cSld>
   <p:clrMapOvr>
     <a:masterClrMapping/>
@@ -23938,6 +22883,1375 @@
   <p:cSld>
     <p:spTree>
       <p:nvGrpSpPr>
+        <p:cNvPr id="1" name="Shape 233"/>
+        <p:cNvGrpSpPr/>
+        <p:nvPr/>
+      </p:nvGrpSpPr>
+      <p:grpSpPr>
+        <a:xfrm>
+          <a:off x="0" y="0"/>
+          <a:ext cx="0" cy="0"/>
+          <a:chOff x="0" y="0"/>
+          <a:chExt cx="0" cy="0"/>
+        </a:xfrm>
+      </p:grpSpPr>
+      <p:sp>
+        <p:nvSpPr>
+          <p:cNvPr id="234" name="Shape 234"/>
+          <p:cNvSpPr txBox="1">
+            <a:spLocks noGrp="1"/>
+          </p:cNvSpPr>
+          <p:nvPr>
+            <p:ph type="title"/>
+          </p:nvPr>
+        </p:nvSpPr>
+        <p:spPr>
+          <a:xfrm>
+            <a:off x="457200" y="274637"/>
+            <a:ext cx="7474684" cy="898405"/>
+          </a:xfrm>
+          <a:prstGeom prst="rect">
+            <a:avLst/>
+          </a:prstGeom>
+          <a:noFill/>
+          <a:ln>
+            <a:noFill/>
+          </a:ln>
+        </p:spPr>
+        <p:txBody>
+          <a:bodyPr lIns="91425" tIns="45700" rIns="91425" bIns="45700" anchor="ctr" anchorCtr="0">
+            <a:noAutofit/>
+          </a:bodyPr>
+          <a:lstStyle/>
+          <a:p>
+            <a:pPr marL="0" marR="0" lvl="0" indent="0" algn="l" rtl="0">
+              <a:spcBef>
+                <a:spcPts val="0"/>
+              </a:spcBef>
+              <a:buClr>
+                <a:schemeClr val="dk1"/>
+              </a:buClr>
+              <a:buSzPct val="25000"/>
+              <a:buFont typeface="Calibri"/>
+              <a:buNone/>
+            </a:pPr>
+            <a:r>
+              <a:rPr lang="en" sz="4400" b="0" i="0" u="none" strike="noStrike" cap="none" dirty="0">
+                <a:solidFill>
+                  <a:schemeClr val="dk1"/>
+                </a:solidFill>
+                <a:latin typeface="Calibri"/>
+                <a:ea typeface="Calibri"/>
+                <a:cs typeface="Calibri"/>
+                <a:sym typeface="Calibri"/>
+              </a:rPr>
+              <a:t>Using Key-Partitioned State</a:t>
+            </a:r>
+          </a:p>
+        </p:txBody>
+      </p:sp>
+      <p:sp>
+        <p:nvSpPr>
+          <p:cNvPr id="235" name="Shape 235"/>
+          <p:cNvSpPr txBox="1">
+            <a:spLocks noGrp="1"/>
+          </p:cNvSpPr>
+          <p:nvPr>
+            <p:ph type="sldNum" idx="12"/>
+          </p:nvPr>
+        </p:nvSpPr>
+        <p:spPr>
+          <a:xfrm>
+            <a:off x="6553200" y="6356350"/>
+            <a:ext cx="2133599" cy="365125"/>
+          </a:xfrm>
+          <a:prstGeom prst="rect">
+            <a:avLst/>
+          </a:prstGeom>
+          <a:noFill/>
+          <a:ln>
+            <a:noFill/>
+          </a:ln>
+        </p:spPr>
+        <p:txBody>
+          <a:bodyPr lIns="91425" tIns="45700" rIns="91425" bIns="45700" anchor="ctr" anchorCtr="0">
+            <a:noAutofit/>
+          </a:bodyPr>
+          <a:lstStyle/>
+          <a:p>
+            <a:pPr marL="0" marR="0" lvl="0" indent="0" algn="r" rtl="0">
+              <a:spcBef>
+                <a:spcPts val="0"/>
+              </a:spcBef>
+              <a:buSzPct val="25000"/>
+              <a:buNone/>
+            </a:pPr>
+            <a:fld id="{00000000-1234-1234-1234-123412341234}" type="slidenum">
+              <a:rPr lang="en" sz="1200">
+                <a:solidFill>
+                  <a:srgbClr val="888888"/>
+                </a:solidFill>
+                <a:latin typeface="Calibri"/>
+                <a:ea typeface="Calibri"/>
+                <a:cs typeface="Calibri"/>
+                <a:sym typeface="Calibri"/>
+              </a:rPr>
+              <a:t>20</a:t>
+            </a:fld>
+            <a:endParaRPr lang="en" sz="1200">
+              <a:solidFill>
+                <a:srgbClr val="888888"/>
+              </a:solidFill>
+              <a:latin typeface="Calibri"/>
+              <a:ea typeface="Calibri"/>
+              <a:cs typeface="Calibri"/>
+              <a:sym typeface="Calibri"/>
+            </a:endParaRPr>
+          </a:p>
+        </p:txBody>
+      </p:sp>
+      <p:sp>
+        <p:nvSpPr>
+          <p:cNvPr id="236" name="Shape 236"/>
+          <p:cNvSpPr txBox="1">
+            <a:spLocks noGrp="1"/>
+          </p:cNvSpPr>
+          <p:nvPr>
+            <p:ph type="body" idx="1"/>
+          </p:nvPr>
+        </p:nvSpPr>
+        <p:spPr>
+          <a:xfrm>
+            <a:off x="457200" y="1474375"/>
+            <a:ext cx="8229600" cy="4651787"/>
+          </a:xfrm>
+          <a:prstGeom prst="rect">
+            <a:avLst/>
+          </a:prstGeom>
+          <a:noFill/>
+          <a:ln>
+            <a:noFill/>
+          </a:ln>
+        </p:spPr>
+        <p:txBody>
+          <a:bodyPr lIns="91425" tIns="45700" rIns="91425" bIns="45700" anchor="t" anchorCtr="0">
+            <a:noAutofit/>
+          </a:bodyPr>
+          <a:lstStyle/>
+          <a:p>
+            <a:pPr marL="0" marR="0" lvl="0" indent="0" algn="l" rtl="0">
+              <a:spcBef>
+                <a:spcPts val="0"/>
+              </a:spcBef>
+              <a:spcAft>
+                <a:spcPts val="0"/>
+              </a:spcAft>
+              <a:buClr>
+                <a:srgbClr val="34AD91"/>
+              </a:buClr>
+              <a:buSzPct val="25000"/>
+              <a:buFont typeface="Noto Sans Symbols"/>
+              <a:buNone/>
+            </a:pPr>
+            <a:r>
+              <a:rPr lang="en" sz="1200" b="0" i="0" u="none" strike="noStrike" cap="none">
+                <a:solidFill>
+                  <a:schemeClr val="dk1"/>
+                </a:solidFill>
+                <a:latin typeface="Consolas"/>
+                <a:ea typeface="Consolas"/>
+                <a:cs typeface="Consolas"/>
+                <a:sym typeface="Consolas"/>
+              </a:rPr>
+              <a:t>DataStream&lt;Tuple2&lt;String, String&gt;&gt; strings = …</a:t>
+            </a:r>
+            <a:br>
+              <a:rPr lang="en" sz="1200" b="0" i="0" u="none" strike="noStrike" cap="none">
+                <a:solidFill>
+                  <a:schemeClr val="dk1"/>
+                </a:solidFill>
+                <a:latin typeface="Consolas"/>
+                <a:ea typeface="Consolas"/>
+                <a:cs typeface="Consolas"/>
+                <a:sym typeface="Consolas"/>
+              </a:rPr>
+            </a:br>
+            <a:r>
+              <a:rPr lang="en" sz="1200" b="0" i="0" u="none" strike="noStrike" cap="none">
+                <a:solidFill>
+                  <a:schemeClr val="dk1"/>
+                </a:solidFill>
+                <a:latin typeface="Consolas"/>
+                <a:ea typeface="Consolas"/>
+                <a:cs typeface="Consolas"/>
+                <a:sym typeface="Consolas"/>
+              </a:rPr>
+              <a:t>DataStream&lt;Long&gt; lengths = strings</a:t>
+            </a:r>
+            <a:br>
+              <a:rPr lang="en" sz="1200" b="0" i="0" u="none" strike="noStrike" cap="none">
+                <a:solidFill>
+                  <a:schemeClr val="dk1"/>
+                </a:solidFill>
+                <a:latin typeface="Consolas"/>
+                <a:ea typeface="Consolas"/>
+                <a:cs typeface="Consolas"/>
+                <a:sym typeface="Consolas"/>
+              </a:rPr>
+            </a:br>
+            <a:r>
+              <a:rPr lang="en" sz="1200" b="0" i="0" u="none" strike="noStrike" cap="none">
+                <a:solidFill>
+                  <a:schemeClr val="dk1"/>
+                </a:solidFill>
+                <a:latin typeface="Consolas"/>
+                <a:ea typeface="Consolas"/>
+                <a:cs typeface="Consolas"/>
+                <a:sym typeface="Consolas"/>
+              </a:rPr>
+              <a:t>  .keyBy(0)</a:t>
+            </a:r>
+            <a:br>
+              <a:rPr lang="en" sz="1200" b="0" i="0" u="none" strike="noStrike" cap="none">
+                <a:solidFill>
+                  <a:schemeClr val="dk1"/>
+                </a:solidFill>
+                <a:latin typeface="Consolas"/>
+                <a:ea typeface="Consolas"/>
+                <a:cs typeface="Consolas"/>
+                <a:sym typeface="Consolas"/>
+              </a:rPr>
+            </a:br>
+            <a:r>
+              <a:rPr lang="en" sz="1200" b="0" i="0" u="none" strike="noStrike" cap="none">
+                <a:solidFill>
+                  <a:schemeClr val="dk1"/>
+                </a:solidFill>
+                <a:latin typeface="Consolas"/>
+                <a:ea typeface="Consolas"/>
+                <a:cs typeface="Consolas"/>
+                <a:sym typeface="Consolas"/>
+              </a:rPr>
+              <a:t>  .map(new MapWithCounter()); </a:t>
+            </a:r>
+          </a:p>
+          <a:p>
+            <a:pPr marL="0" marR="0" lvl="0" indent="0" algn="l" rtl="0">
+              <a:spcBef>
+                <a:spcPts val="240"/>
+              </a:spcBef>
+              <a:spcAft>
+                <a:spcPts val="0"/>
+              </a:spcAft>
+              <a:buClr>
+                <a:srgbClr val="34AD91"/>
+              </a:buClr>
+              <a:buSzPct val="25000"/>
+              <a:buFont typeface="Noto Sans Symbols"/>
+              <a:buNone/>
+            </a:pPr>
+            <a:endParaRPr sz="1200" b="1" i="0" u="none" strike="noStrike" cap="none">
+              <a:solidFill>
+                <a:srgbClr val="000080"/>
+              </a:solidFill>
+              <a:latin typeface="Consolas"/>
+              <a:ea typeface="Consolas"/>
+              <a:cs typeface="Consolas"/>
+              <a:sym typeface="Consolas"/>
+            </a:endParaRPr>
+          </a:p>
+          <a:p>
+            <a:pPr marL="0" marR="0" lvl="0" indent="0" algn="l" rtl="0">
+              <a:spcBef>
+                <a:spcPts val="240"/>
+              </a:spcBef>
+              <a:spcAft>
+                <a:spcPts val="0"/>
+              </a:spcAft>
+              <a:buClr>
+                <a:srgbClr val="34AD91"/>
+              </a:buClr>
+              <a:buSzPct val="25000"/>
+              <a:buFont typeface="Noto Sans Symbols"/>
+              <a:buNone/>
+            </a:pPr>
+            <a:r>
+              <a:rPr lang="en" sz="1200" b="1" i="0" u="none" strike="noStrike" cap="none">
+                <a:solidFill>
+                  <a:srgbClr val="000080"/>
+                </a:solidFill>
+                <a:latin typeface="Consolas"/>
+                <a:ea typeface="Consolas"/>
+                <a:cs typeface="Consolas"/>
+                <a:sym typeface="Consolas"/>
+              </a:rPr>
+              <a:t>public static class </a:t>
+            </a:r>
+            <a:r>
+              <a:rPr lang="en" sz="1200" b="0" i="0" u="none" strike="noStrike" cap="none">
+                <a:solidFill>
+                  <a:srgbClr val="000000"/>
+                </a:solidFill>
+                <a:latin typeface="Consolas"/>
+                <a:ea typeface="Consolas"/>
+                <a:cs typeface="Consolas"/>
+                <a:sym typeface="Consolas"/>
+              </a:rPr>
+              <a:t>MapWithCounter </a:t>
+            </a:r>
+            <a:r>
+              <a:rPr lang="en" sz="1200" b="1" i="0" u="none" strike="noStrike" cap="none">
+                <a:solidFill>
+                  <a:srgbClr val="000080"/>
+                </a:solidFill>
+                <a:latin typeface="Consolas"/>
+                <a:ea typeface="Consolas"/>
+                <a:cs typeface="Consolas"/>
+                <a:sym typeface="Consolas"/>
+              </a:rPr>
+              <a:t>extends </a:t>
+            </a:r>
+            <a:r>
+              <a:rPr lang="en" sz="1200" b="0" i="0" u="none" strike="noStrike" cap="none">
+                <a:solidFill>
+                  <a:srgbClr val="000000"/>
+                </a:solidFill>
+                <a:latin typeface="Consolas"/>
+                <a:ea typeface="Consolas"/>
+                <a:cs typeface="Consolas"/>
+                <a:sym typeface="Consolas"/>
+              </a:rPr>
+              <a:t>RichMapFunction&lt;Tuple2&lt;String, String&gt;, Long&gt; {</a:t>
+            </a:r>
+          </a:p>
+          <a:p>
+            <a:pPr marL="0" marR="0" lvl="0" indent="0" algn="l" rtl="0">
+              <a:spcBef>
+                <a:spcPts val="240"/>
+              </a:spcBef>
+              <a:spcAft>
+                <a:spcPts val="0"/>
+              </a:spcAft>
+              <a:buClr>
+                <a:srgbClr val="34AD91"/>
+              </a:buClr>
+              <a:buSzPct val="25000"/>
+              <a:buFont typeface="Noto Sans Symbols"/>
+              <a:buNone/>
+            </a:pPr>
+            <a:r>
+              <a:rPr lang="en" sz="1200" b="0" i="0" u="none" strike="noStrike" cap="none">
+                <a:solidFill>
+                  <a:srgbClr val="7F7F7F"/>
+                </a:solidFill>
+                <a:latin typeface="Consolas"/>
+                <a:ea typeface="Consolas"/>
+                <a:cs typeface="Consolas"/>
+                <a:sym typeface="Consolas"/>
+              </a:rPr>
+              <a:t>    // state object</a:t>
+            </a:r>
+          </a:p>
+          <a:p>
+            <a:pPr marL="0" marR="0" lvl="0" indent="0" algn="l" rtl="0">
+              <a:spcBef>
+                <a:spcPts val="240"/>
+              </a:spcBef>
+              <a:spcAft>
+                <a:spcPts val="0"/>
+              </a:spcAft>
+              <a:buClr>
+                <a:srgbClr val="34AD91"/>
+              </a:buClr>
+              <a:buSzPct val="25000"/>
+              <a:buFont typeface="Noto Sans Symbols"/>
+              <a:buNone/>
+            </a:pPr>
+            <a:r>
+              <a:rPr lang="en" sz="1200" b="1" i="0" u="none" strike="noStrike" cap="none">
+                <a:solidFill>
+                  <a:srgbClr val="000000"/>
+                </a:solidFill>
+                <a:latin typeface="Consolas"/>
+                <a:ea typeface="Consolas"/>
+                <a:cs typeface="Consolas"/>
+                <a:sym typeface="Consolas"/>
+              </a:rPr>
+              <a:t> </a:t>
+            </a:r>
+            <a:r>
+              <a:rPr lang="en" sz="1200" b="1" i="0" u="none" strike="noStrike" cap="none">
+                <a:solidFill>
+                  <a:srgbClr val="000080"/>
+                </a:solidFill>
+                <a:latin typeface="Consolas"/>
+                <a:ea typeface="Consolas"/>
+                <a:cs typeface="Consolas"/>
+                <a:sym typeface="Consolas"/>
+              </a:rPr>
+              <a:t>   private </a:t>
+            </a:r>
+            <a:r>
+              <a:rPr lang="en" sz="1200" b="0" i="0" u="none" strike="noStrike" cap="none">
+                <a:solidFill>
+                  <a:srgbClr val="FF0000"/>
+                </a:solidFill>
+                <a:latin typeface="Consolas"/>
+                <a:ea typeface="Consolas"/>
+                <a:cs typeface="Consolas"/>
+                <a:sym typeface="Consolas"/>
+              </a:rPr>
+              <a:t>ValueState&lt;Long&gt; totalLengthByKey</a:t>
+            </a:r>
+            <a:r>
+              <a:rPr lang="en" sz="1200" b="0" i="0" u="none" strike="noStrike" cap="none">
+                <a:solidFill>
+                  <a:srgbClr val="000000"/>
+                </a:solidFill>
+                <a:latin typeface="Consolas"/>
+                <a:ea typeface="Consolas"/>
+                <a:cs typeface="Consolas"/>
+                <a:sym typeface="Consolas"/>
+              </a:rPr>
+              <a:t>;</a:t>
+            </a:r>
+          </a:p>
+          <a:p>
+            <a:pPr marL="0" marR="0" lvl="0" indent="0" algn="l" rtl="0">
+              <a:spcBef>
+                <a:spcPts val="240"/>
+              </a:spcBef>
+              <a:spcAft>
+                <a:spcPts val="0"/>
+              </a:spcAft>
+              <a:buClr>
+                <a:srgbClr val="34AD91"/>
+              </a:buClr>
+              <a:buSzPct val="25000"/>
+              <a:buFont typeface="Noto Sans Symbols"/>
+              <a:buNone/>
+            </a:pPr>
+            <a:r>
+              <a:rPr lang="en" sz="1200" b="0" i="0" u="none" strike="noStrike" cap="none">
+                <a:solidFill>
+                  <a:srgbClr val="000000"/>
+                </a:solidFill>
+                <a:latin typeface="Consolas"/>
+                <a:ea typeface="Consolas"/>
+                <a:cs typeface="Consolas"/>
+                <a:sym typeface="Consolas"/>
+              </a:rPr>
+              <a:t>    </a:t>
+            </a:r>
+          </a:p>
+          <a:p>
+            <a:pPr marL="0" marR="0" lvl="0" indent="0" algn="l" rtl="0">
+              <a:spcBef>
+                <a:spcPts val="240"/>
+              </a:spcBef>
+              <a:spcAft>
+                <a:spcPts val="0"/>
+              </a:spcAft>
+              <a:buClr>
+                <a:srgbClr val="34AD91"/>
+              </a:buClr>
+              <a:buSzPct val="25000"/>
+              <a:buFont typeface="Noto Sans Symbols"/>
+              <a:buNone/>
+            </a:pPr>
+            <a:r>
+              <a:rPr lang="en" sz="1200" b="0" i="0" u="none" strike="noStrike" cap="none">
+                <a:solidFill>
+                  <a:srgbClr val="000000"/>
+                </a:solidFill>
+                <a:latin typeface="Consolas"/>
+                <a:ea typeface="Consolas"/>
+                <a:cs typeface="Consolas"/>
+                <a:sym typeface="Consolas"/>
+              </a:rPr>
+              <a:t>    </a:t>
+            </a:r>
+            <a:r>
+              <a:rPr lang="en" sz="1200" b="0" i="0" u="none" strike="noStrike" cap="none">
+                <a:solidFill>
+                  <a:srgbClr val="808000"/>
+                </a:solidFill>
+                <a:latin typeface="Consolas"/>
+                <a:ea typeface="Consolas"/>
+                <a:cs typeface="Consolas"/>
+                <a:sym typeface="Consolas"/>
+              </a:rPr>
+              <a:t>@Override</a:t>
+            </a:r>
+            <a:br>
+              <a:rPr lang="en" sz="1200" b="0" i="0" u="none" strike="noStrike" cap="none">
+                <a:solidFill>
+                  <a:srgbClr val="808000"/>
+                </a:solidFill>
+                <a:latin typeface="Consolas"/>
+                <a:ea typeface="Consolas"/>
+                <a:cs typeface="Consolas"/>
+                <a:sym typeface="Consolas"/>
+              </a:rPr>
+            </a:br>
+            <a:r>
+              <a:rPr lang="en" sz="1200" b="0" i="0" u="none" strike="noStrike" cap="none">
+                <a:solidFill>
+                  <a:srgbClr val="808000"/>
+                </a:solidFill>
+                <a:latin typeface="Consolas"/>
+                <a:ea typeface="Consolas"/>
+                <a:cs typeface="Consolas"/>
+                <a:sym typeface="Consolas"/>
+              </a:rPr>
+              <a:t>    </a:t>
+            </a:r>
+            <a:r>
+              <a:rPr lang="en" sz="1200" b="1" i="0" u="none" strike="noStrike" cap="none">
+                <a:solidFill>
+                  <a:srgbClr val="000080"/>
+                </a:solidFill>
+                <a:latin typeface="Consolas"/>
+                <a:ea typeface="Consolas"/>
+                <a:cs typeface="Consolas"/>
+                <a:sym typeface="Consolas"/>
+              </a:rPr>
+              <a:t>public void </a:t>
+            </a:r>
+            <a:r>
+              <a:rPr lang="en" sz="1200" b="0" i="0" u="none" strike="noStrike" cap="none">
+                <a:solidFill>
+                  <a:srgbClr val="000000"/>
+                </a:solidFill>
+                <a:latin typeface="Consolas"/>
+                <a:ea typeface="Consolas"/>
+                <a:cs typeface="Consolas"/>
+                <a:sym typeface="Consolas"/>
+              </a:rPr>
+              <a:t>open</a:t>
+            </a:r>
+            <a:r>
+              <a:rPr lang="en" sz="1200" b="1" i="0" u="none" strike="noStrike" cap="none">
+                <a:solidFill>
+                  <a:srgbClr val="000080"/>
+                </a:solidFill>
+                <a:latin typeface="Consolas"/>
+                <a:ea typeface="Consolas"/>
+                <a:cs typeface="Consolas"/>
+                <a:sym typeface="Consolas"/>
+              </a:rPr>
+              <a:t> </a:t>
+            </a:r>
+            <a:r>
+              <a:rPr lang="en" sz="1200" b="0" i="0" u="none" strike="noStrike" cap="none">
+                <a:solidFill>
+                  <a:srgbClr val="000000"/>
+                </a:solidFill>
+                <a:latin typeface="Consolas"/>
+                <a:ea typeface="Consolas"/>
+                <a:cs typeface="Consolas"/>
+                <a:sym typeface="Consolas"/>
+              </a:rPr>
+              <a:t>(Configuration conf) {</a:t>
+            </a:r>
+            <a:br>
+              <a:rPr lang="en" sz="1200" b="0" i="0" u="none" strike="noStrike" cap="none">
+                <a:solidFill>
+                  <a:srgbClr val="000000"/>
+                </a:solidFill>
+                <a:latin typeface="Consolas"/>
+                <a:ea typeface="Consolas"/>
+                <a:cs typeface="Consolas"/>
+                <a:sym typeface="Consolas"/>
+              </a:rPr>
+            </a:br>
+            <a:r>
+              <a:rPr lang="en" sz="1200" b="0" i="0" u="none" strike="noStrike" cap="none">
+                <a:solidFill>
+                  <a:srgbClr val="7F7F7F"/>
+                </a:solidFill>
+                <a:latin typeface="Consolas"/>
+                <a:ea typeface="Consolas"/>
+                <a:cs typeface="Consolas"/>
+                <a:sym typeface="Consolas"/>
+              </a:rPr>
+              <a:t>        // obtain state object</a:t>
+            </a:r>
+          </a:p>
+          <a:p>
+            <a:pPr marL="0" marR="0" lvl="0" indent="0" algn="l" rtl="0">
+              <a:spcBef>
+                <a:spcPts val="240"/>
+              </a:spcBef>
+              <a:spcAft>
+                <a:spcPts val="0"/>
+              </a:spcAft>
+              <a:buClr>
+                <a:srgbClr val="34AD91"/>
+              </a:buClr>
+              <a:buSzPct val="25000"/>
+              <a:buFont typeface="Noto Sans Symbols"/>
+              <a:buNone/>
+            </a:pPr>
+            <a:r>
+              <a:rPr lang="en" sz="1200" b="0" i="0" u="none" strike="noStrike" cap="none">
+                <a:solidFill>
+                  <a:srgbClr val="000000"/>
+                </a:solidFill>
+                <a:latin typeface="Consolas"/>
+                <a:ea typeface="Consolas"/>
+                <a:cs typeface="Consolas"/>
+                <a:sym typeface="Consolas"/>
+              </a:rPr>
+              <a:t>        </a:t>
+            </a:r>
+            <a:r>
+              <a:rPr lang="en" sz="1200" b="0" i="0" u="none" strike="noStrike" cap="none">
+                <a:solidFill>
+                  <a:srgbClr val="FF0000"/>
+                </a:solidFill>
+                <a:latin typeface="Consolas"/>
+                <a:ea typeface="Consolas"/>
+                <a:cs typeface="Consolas"/>
+                <a:sym typeface="Consolas"/>
+              </a:rPr>
+              <a:t>ValueStateDescriptor&lt;Long&gt; descriptor = new ValueStateDescriptor&lt;&gt;(</a:t>
+            </a:r>
+          </a:p>
+          <a:p>
+            <a:pPr marL="0" marR="0" lvl="0" indent="0" algn="l" rtl="0">
+              <a:spcBef>
+                <a:spcPts val="240"/>
+              </a:spcBef>
+              <a:spcAft>
+                <a:spcPts val="0"/>
+              </a:spcAft>
+              <a:buClr>
+                <a:srgbClr val="34AD91"/>
+              </a:buClr>
+              <a:buSzPct val="25000"/>
+              <a:buFont typeface="Noto Sans Symbols"/>
+              <a:buNone/>
+            </a:pPr>
+            <a:r>
+              <a:rPr lang="en" sz="1200" b="0" i="0" u="none" strike="noStrike" cap="none">
+                <a:solidFill>
+                  <a:srgbClr val="FF0000"/>
+                </a:solidFill>
+                <a:latin typeface="Consolas"/>
+                <a:ea typeface="Consolas"/>
+                <a:cs typeface="Consolas"/>
+                <a:sym typeface="Consolas"/>
+              </a:rPr>
+              <a:t>            "totalLengthByKey", Long.class, 0L);</a:t>
+            </a:r>
+          </a:p>
+          <a:p>
+            <a:pPr marL="0" marR="0" lvl="0" indent="0" algn="l" rtl="0">
+              <a:spcBef>
+                <a:spcPts val="240"/>
+              </a:spcBef>
+              <a:spcAft>
+                <a:spcPts val="0"/>
+              </a:spcAft>
+              <a:buClr>
+                <a:srgbClr val="34AD91"/>
+              </a:buClr>
+              <a:buSzPct val="25000"/>
+              <a:buFont typeface="Noto Sans Symbols"/>
+              <a:buNone/>
+            </a:pPr>
+            <a:r>
+              <a:rPr lang="en" sz="1200" b="0" i="0" u="none" strike="noStrike" cap="none">
+                <a:solidFill>
+                  <a:srgbClr val="000000"/>
+                </a:solidFill>
+                <a:latin typeface="Consolas"/>
+                <a:ea typeface="Consolas"/>
+                <a:cs typeface="Consolas"/>
+                <a:sym typeface="Consolas"/>
+              </a:rPr>
+              <a:t>        totalLengthByKey = getRuntimeContext().</a:t>
+            </a:r>
+            <a:r>
+              <a:rPr lang="en" sz="1200" b="0" i="0" u="none" strike="noStrike" cap="none">
+                <a:solidFill>
+                  <a:srgbClr val="FF0000"/>
+                </a:solidFill>
+                <a:latin typeface="Consolas"/>
+                <a:ea typeface="Consolas"/>
+                <a:cs typeface="Consolas"/>
+                <a:sym typeface="Consolas"/>
+              </a:rPr>
+              <a:t>getState(descriptor)</a:t>
+            </a:r>
+            <a:r>
+              <a:rPr lang="en" sz="1200" b="0" i="0" u="none" strike="noStrike" cap="none">
+                <a:solidFill>
+                  <a:srgbClr val="000000"/>
+                </a:solidFill>
+                <a:latin typeface="Consolas"/>
+                <a:ea typeface="Consolas"/>
+                <a:cs typeface="Consolas"/>
+                <a:sym typeface="Consolas"/>
+              </a:rPr>
+              <a:t>;</a:t>
+            </a:r>
+          </a:p>
+          <a:p>
+            <a:pPr marL="0" marR="0" lvl="0" indent="0" algn="l" rtl="0">
+              <a:spcBef>
+                <a:spcPts val="240"/>
+              </a:spcBef>
+              <a:spcAft>
+                <a:spcPts val="0"/>
+              </a:spcAft>
+              <a:buClr>
+                <a:srgbClr val="34AD91"/>
+              </a:buClr>
+              <a:buSzPct val="25000"/>
+              <a:buFont typeface="Noto Sans Symbols"/>
+              <a:buNone/>
+            </a:pPr>
+            <a:r>
+              <a:rPr lang="en" sz="1200" b="0" i="0" u="none" strike="noStrike" cap="none">
+                <a:solidFill>
+                  <a:srgbClr val="000000"/>
+                </a:solidFill>
+                <a:latin typeface="Consolas"/>
+                <a:ea typeface="Consolas"/>
+                <a:cs typeface="Consolas"/>
+                <a:sym typeface="Consolas"/>
+              </a:rPr>
+              <a:t>    }</a:t>
+            </a:r>
+          </a:p>
+          <a:p>
+            <a:pPr marL="0" marR="0" lvl="0" indent="0" algn="l" rtl="0">
+              <a:spcBef>
+                <a:spcPts val="240"/>
+              </a:spcBef>
+              <a:spcAft>
+                <a:spcPts val="0"/>
+              </a:spcAft>
+              <a:buClr>
+                <a:srgbClr val="34AD91"/>
+              </a:buClr>
+              <a:buSzPct val="25000"/>
+              <a:buFont typeface="Noto Sans Symbols"/>
+              <a:buNone/>
+            </a:pPr>
+            <a:r>
+              <a:rPr lang="en" sz="1200" b="0" i="0" u="none" strike="noStrike" cap="none">
+                <a:solidFill>
+                  <a:srgbClr val="000000"/>
+                </a:solidFill>
+                <a:latin typeface="Consolas"/>
+                <a:ea typeface="Consolas"/>
+                <a:cs typeface="Consolas"/>
+                <a:sym typeface="Consolas"/>
+              </a:rPr>
+              <a:t/>
+            </a:r>
+            <a:br>
+              <a:rPr lang="en" sz="1200" b="0" i="0" u="none" strike="noStrike" cap="none">
+                <a:solidFill>
+                  <a:srgbClr val="000000"/>
+                </a:solidFill>
+                <a:latin typeface="Consolas"/>
+                <a:ea typeface="Consolas"/>
+                <a:cs typeface="Consolas"/>
+                <a:sym typeface="Consolas"/>
+              </a:rPr>
+            </a:br>
+            <a:r>
+              <a:rPr lang="en" sz="1200" b="0" i="0" u="none" strike="noStrike" cap="none">
+                <a:solidFill>
+                  <a:srgbClr val="000000"/>
+                </a:solidFill>
+                <a:latin typeface="Consolas"/>
+                <a:ea typeface="Consolas"/>
+                <a:cs typeface="Consolas"/>
+                <a:sym typeface="Consolas"/>
+              </a:rPr>
+              <a:t>    </a:t>
+            </a:r>
+            <a:r>
+              <a:rPr lang="en" sz="1200" b="0" i="0" u="none" strike="noStrike" cap="none">
+                <a:solidFill>
+                  <a:srgbClr val="808000"/>
+                </a:solidFill>
+                <a:latin typeface="Consolas"/>
+                <a:ea typeface="Consolas"/>
+                <a:cs typeface="Consolas"/>
+                <a:sym typeface="Consolas"/>
+              </a:rPr>
+              <a:t>@Override</a:t>
+            </a:r>
+            <a:br>
+              <a:rPr lang="en" sz="1200" b="0" i="0" u="none" strike="noStrike" cap="none">
+                <a:solidFill>
+                  <a:srgbClr val="808000"/>
+                </a:solidFill>
+                <a:latin typeface="Consolas"/>
+                <a:ea typeface="Consolas"/>
+                <a:cs typeface="Consolas"/>
+                <a:sym typeface="Consolas"/>
+              </a:rPr>
+            </a:br>
+            <a:r>
+              <a:rPr lang="en" sz="1200" b="0" i="0" u="none" strike="noStrike" cap="none">
+                <a:solidFill>
+                  <a:srgbClr val="808000"/>
+                </a:solidFill>
+                <a:latin typeface="Consolas"/>
+                <a:ea typeface="Consolas"/>
+                <a:cs typeface="Consolas"/>
+                <a:sym typeface="Consolas"/>
+              </a:rPr>
+              <a:t>    </a:t>
+            </a:r>
+            <a:r>
+              <a:rPr lang="en" sz="1200" b="1" i="0" u="none" strike="noStrike" cap="none">
+                <a:solidFill>
+                  <a:srgbClr val="000080"/>
+                </a:solidFill>
+                <a:latin typeface="Consolas"/>
+                <a:ea typeface="Consolas"/>
+                <a:cs typeface="Consolas"/>
+                <a:sym typeface="Consolas"/>
+              </a:rPr>
+              <a:t>public </a:t>
+            </a:r>
+            <a:r>
+              <a:rPr lang="en" sz="1200" b="0" i="0" u="none" strike="noStrike" cap="none">
+                <a:solidFill>
+                  <a:srgbClr val="000000"/>
+                </a:solidFill>
+                <a:latin typeface="Consolas"/>
+                <a:ea typeface="Consolas"/>
+                <a:cs typeface="Consolas"/>
+                <a:sym typeface="Consolas"/>
+              </a:rPr>
+              <a:t>Long</a:t>
+            </a:r>
+            <a:r>
+              <a:rPr lang="en" sz="1200" b="1" i="0" u="none" strike="noStrike" cap="none">
+                <a:solidFill>
+                  <a:srgbClr val="000080"/>
+                </a:solidFill>
+                <a:latin typeface="Consolas"/>
+                <a:ea typeface="Consolas"/>
+                <a:cs typeface="Consolas"/>
+                <a:sym typeface="Consolas"/>
+              </a:rPr>
+              <a:t> </a:t>
+            </a:r>
+            <a:r>
+              <a:rPr lang="en" sz="1200" b="0" i="0" u="none" strike="noStrike" cap="none">
+                <a:solidFill>
+                  <a:srgbClr val="000000"/>
+                </a:solidFill>
+                <a:latin typeface="Consolas"/>
+                <a:ea typeface="Consolas"/>
+                <a:cs typeface="Consolas"/>
+                <a:sym typeface="Consolas"/>
+              </a:rPr>
+              <a:t>map</a:t>
+            </a:r>
+            <a:r>
+              <a:rPr lang="en" sz="1200" b="1" i="0" u="none" strike="noStrike" cap="none">
+                <a:solidFill>
+                  <a:srgbClr val="000080"/>
+                </a:solidFill>
+                <a:latin typeface="Consolas"/>
+                <a:ea typeface="Consolas"/>
+                <a:cs typeface="Consolas"/>
+                <a:sym typeface="Consolas"/>
+              </a:rPr>
+              <a:t> </a:t>
+            </a:r>
+            <a:r>
+              <a:rPr lang="en" sz="1200" b="0" i="0" u="none" strike="noStrike" cap="none">
+                <a:solidFill>
+                  <a:srgbClr val="000000"/>
+                </a:solidFill>
+                <a:latin typeface="Consolas"/>
+                <a:ea typeface="Consolas"/>
+                <a:cs typeface="Consolas"/>
+                <a:sym typeface="Consolas"/>
+              </a:rPr>
+              <a:t>(Tuple2&lt;String, String&gt; value) </a:t>
+            </a:r>
+            <a:r>
+              <a:rPr lang="en" sz="1200" b="1" i="0" u="none" strike="noStrike" cap="none">
+                <a:solidFill>
+                  <a:srgbClr val="000080"/>
+                </a:solidFill>
+                <a:latin typeface="Consolas"/>
+                <a:ea typeface="Consolas"/>
+                <a:cs typeface="Consolas"/>
+                <a:sym typeface="Consolas"/>
+              </a:rPr>
+              <a:t>throws</a:t>
+            </a:r>
+            <a:r>
+              <a:rPr lang="en" sz="1200" b="0" i="0" u="none" strike="noStrike" cap="none">
+                <a:solidFill>
+                  <a:srgbClr val="000000"/>
+                </a:solidFill>
+                <a:latin typeface="Consolas"/>
+                <a:ea typeface="Consolas"/>
+                <a:cs typeface="Consolas"/>
+                <a:sym typeface="Consolas"/>
+              </a:rPr>
+              <a:t> Exception {</a:t>
+            </a:r>
+          </a:p>
+          <a:p>
+            <a:pPr marL="0" marR="0" lvl="0" indent="0" algn="l" rtl="0">
+              <a:spcBef>
+                <a:spcPts val="240"/>
+              </a:spcBef>
+              <a:spcAft>
+                <a:spcPts val="0"/>
+              </a:spcAft>
+              <a:buClr>
+                <a:srgbClr val="34AD91"/>
+              </a:buClr>
+              <a:buSzPct val="25000"/>
+              <a:buFont typeface="Noto Sans Symbols"/>
+              <a:buNone/>
+            </a:pPr>
+            <a:r>
+              <a:rPr lang="en" sz="1200" b="0" i="0" u="none" strike="noStrike" cap="none">
+                <a:solidFill>
+                  <a:srgbClr val="000000"/>
+                </a:solidFill>
+                <a:latin typeface="Consolas"/>
+                <a:ea typeface="Consolas"/>
+                <a:cs typeface="Consolas"/>
+                <a:sym typeface="Consolas"/>
+              </a:rPr>
+              <a:t>        long length = </a:t>
+            </a:r>
+            <a:r>
+              <a:rPr lang="en" sz="1200" b="0" i="0" u="none" strike="noStrike" cap="none">
+                <a:solidFill>
+                  <a:srgbClr val="FF0000"/>
+                </a:solidFill>
+                <a:latin typeface="Consolas"/>
+                <a:ea typeface="Consolas"/>
+                <a:cs typeface="Consolas"/>
+                <a:sym typeface="Consolas"/>
+              </a:rPr>
+              <a:t>totalLengthByKey.value()</a:t>
+            </a:r>
+            <a:r>
+              <a:rPr lang="en" sz="1200" b="0" i="0" u="none" strike="noStrike" cap="none">
+                <a:solidFill>
+                  <a:srgbClr val="000000"/>
+                </a:solidFill>
+                <a:latin typeface="Consolas"/>
+                <a:ea typeface="Consolas"/>
+                <a:cs typeface="Consolas"/>
+                <a:sym typeface="Consolas"/>
+              </a:rPr>
+              <a:t>;    </a:t>
+            </a:r>
+            <a:r>
+              <a:rPr lang="en" sz="1200" b="0" i="0" u="none" strike="noStrike" cap="none">
+                <a:solidFill>
+                  <a:srgbClr val="7F7F7F"/>
+                </a:solidFill>
+                <a:latin typeface="Consolas"/>
+                <a:ea typeface="Consolas"/>
+                <a:cs typeface="Consolas"/>
+                <a:sym typeface="Consolas"/>
+              </a:rPr>
+              <a:t>// fetch state for current key</a:t>
+            </a:r>
+          </a:p>
+          <a:p>
+            <a:pPr marL="0" marR="0" lvl="0" indent="0" algn="l" rtl="0">
+              <a:spcBef>
+                <a:spcPts val="240"/>
+              </a:spcBef>
+              <a:spcAft>
+                <a:spcPts val="0"/>
+              </a:spcAft>
+              <a:buClr>
+                <a:srgbClr val="34AD91"/>
+              </a:buClr>
+              <a:buSzPct val="25000"/>
+              <a:buFont typeface="Noto Sans Symbols"/>
+              <a:buNone/>
+            </a:pPr>
+            <a:r>
+              <a:rPr lang="en" sz="1200" b="0" i="0" u="none" strike="noStrike" cap="none">
+                <a:solidFill>
+                  <a:srgbClr val="000000"/>
+                </a:solidFill>
+                <a:latin typeface="Consolas"/>
+                <a:ea typeface="Consolas"/>
+                <a:cs typeface="Consolas"/>
+                <a:sym typeface="Consolas"/>
+              </a:rPr>
+              <a:t>        long newTotalLength = length + value.f1.length();</a:t>
+            </a:r>
+          </a:p>
+          <a:p>
+            <a:pPr marL="0" marR="0" lvl="0" indent="0" algn="l" rtl="0">
+              <a:spcBef>
+                <a:spcPts val="240"/>
+              </a:spcBef>
+              <a:spcAft>
+                <a:spcPts val="0"/>
+              </a:spcAft>
+              <a:buClr>
+                <a:srgbClr val="34AD91"/>
+              </a:buClr>
+              <a:buSzPct val="25000"/>
+              <a:buFont typeface="Noto Sans Symbols"/>
+              <a:buNone/>
+            </a:pPr>
+            <a:r>
+              <a:rPr lang="en" sz="1200" b="0" i="0" u="none" strike="noStrike" cap="none">
+                <a:solidFill>
+                  <a:srgbClr val="FF0000"/>
+                </a:solidFill>
+                <a:latin typeface="Consolas"/>
+                <a:ea typeface="Consolas"/>
+                <a:cs typeface="Consolas"/>
+                <a:sym typeface="Consolas"/>
+              </a:rPr>
+              <a:t>        totalLengthByKey.update(newTotalLength);   </a:t>
+            </a:r>
+            <a:r>
+              <a:rPr lang="en" sz="1200" b="0" i="0" u="none" strike="noStrike" cap="none">
+                <a:solidFill>
+                  <a:srgbClr val="7F7F7F"/>
+                </a:solidFill>
+                <a:latin typeface="Consolas"/>
+                <a:ea typeface="Consolas"/>
+                <a:cs typeface="Consolas"/>
+                <a:sym typeface="Consolas"/>
+              </a:rPr>
+              <a:t>// update state of current key</a:t>
+            </a:r>
+          </a:p>
+          <a:p>
+            <a:pPr marL="0" marR="0" lvl="0" indent="0" algn="l" rtl="0">
+              <a:spcBef>
+                <a:spcPts val="240"/>
+              </a:spcBef>
+              <a:spcAft>
+                <a:spcPts val="0"/>
+              </a:spcAft>
+              <a:buClr>
+                <a:srgbClr val="34AD91"/>
+              </a:buClr>
+              <a:buSzPct val="25000"/>
+              <a:buFont typeface="Noto Sans Symbols"/>
+              <a:buNone/>
+            </a:pPr>
+            <a:r>
+              <a:rPr lang="en" sz="1200" b="0" i="0" u="none" strike="noStrike" cap="none">
+                <a:solidFill>
+                  <a:srgbClr val="000000"/>
+                </a:solidFill>
+                <a:latin typeface="Consolas"/>
+                <a:ea typeface="Consolas"/>
+                <a:cs typeface="Consolas"/>
+                <a:sym typeface="Consolas"/>
+              </a:rPr>
+              <a:t>        </a:t>
+            </a:r>
+            <a:r>
+              <a:rPr lang="en" sz="1200" b="1" i="0" u="none" strike="noStrike" cap="none">
+                <a:solidFill>
+                  <a:srgbClr val="000080"/>
+                </a:solidFill>
+                <a:latin typeface="Consolas"/>
+                <a:ea typeface="Consolas"/>
+                <a:cs typeface="Consolas"/>
+                <a:sym typeface="Consolas"/>
+              </a:rPr>
+              <a:t>return</a:t>
+            </a:r>
+            <a:r>
+              <a:rPr lang="en" sz="1200" b="0" i="0" u="none" strike="noStrike" cap="none">
+                <a:solidFill>
+                  <a:srgbClr val="000000"/>
+                </a:solidFill>
+                <a:latin typeface="Consolas"/>
+                <a:ea typeface="Consolas"/>
+                <a:cs typeface="Consolas"/>
+                <a:sym typeface="Consolas"/>
+              </a:rPr>
+              <a:t> totalLengthByKey.value();</a:t>
+            </a:r>
+          </a:p>
+          <a:p>
+            <a:pPr marL="0" marR="0" lvl="0" indent="0" algn="l" rtl="0">
+              <a:spcBef>
+                <a:spcPts val="240"/>
+              </a:spcBef>
+              <a:spcAft>
+                <a:spcPts val="0"/>
+              </a:spcAft>
+              <a:buClr>
+                <a:srgbClr val="34AD91"/>
+              </a:buClr>
+              <a:buSzPct val="25000"/>
+              <a:buFont typeface="Noto Sans Symbols"/>
+              <a:buNone/>
+            </a:pPr>
+            <a:r>
+              <a:rPr lang="en" sz="1200" b="0" i="0" u="none" strike="noStrike" cap="none">
+                <a:solidFill>
+                  <a:srgbClr val="000000"/>
+                </a:solidFill>
+                <a:latin typeface="Consolas"/>
+                <a:ea typeface="Consolas"/>
+                <a:cs typeface="Consolas"/>
+                <a:sym typeface="Consolas"/>
+              </a:rPr>
+              <a:t>    } </a:t>
+            </a:r>
+          </a:p>
+          <a:p>
+            <a:pPr marL="0" marR="0" lvl="0" indent="0" algn="l" rtl="0">
+              <a:spcBef>
+                <a:spcPts val="240"/>
+              </a:spcBef>
+              <a:buClr>
+                <a:srgbClr val="34AD91"/>
+              </a:buClr>
+              <a:buSzPct val="25000"/>
+              <a:buFont typeface="Noto Sans Symbols"/>
+              <a:buNone/>
+            </a:pPr>
+            <a:r>
+              <a:rPr lang="en" sz="1200" b="0" i="0" u="none" strike="noStrike" cap="none">
+                <a:solidFill>
+                  <a:srgbClr val="000000"/>
+                </a:solidFill>
+                <a:latin typeface="Consolas"/>
+                <a:ea typeface="Consolas"/>
+                <a:cs typeface="Consolas"/>
+                <a:sym typeface="Consolas"/>
+              </a:rPr>
+              <a:t>}</a:t>
+            </a:r>
+          </a:p>
+        </p:txBody>
+      </p:sp>
+    </p:spTree>
+  </p:cSld>
+  <p:clrMapOvr>
+    <a:masterClrMapping/>
+  </p:clrMapOvr>
+</p:sld>
+</file>
+
+<file path=ppt/slides/slide21.xml><?xml version="1.0" encoding="utf-8"?>
+<p:sld xmlns:a="http://schemas.openxmlformats.org/drawingml/2006/main" xmlns:r="http://schemas.openxmlformats.org/officeDocument/2006/relationships" xmlns:p="http://schemas.openxmlformats.org/presentationml/2006/main">
+  <p:cSld>
+    <p:spTree>
+      <p:nvGrpSpPr>
+        <p:cNvPr id="1" name="Shape 241"/>
+        <p:cNvGrpSpPr/>
+        <p:nvPr/>
+      </p:nvGrpSpPr>
+      <p:grpSpPr>
+        <a:xfrm>
+          <a:off x="0" y="0"/>
+          <a:ext cx="0" cy="0"/>
+          <a:chOff x="0" y="0"/>
+          <a:chExt cx="0" cy="0"/>
+        </a:xfrm>
+      </p:grpSpPr>
+      <p:sp>
+        <p:nvSpPr>
+          <p:cNvPr id="242" name="Shape 242"/>
+          <p:cNvSpPr txBox="1">
+            <a:spLocks noGrp="1"/>
+          </p:cNvSpPr>
+          <p:nvPr>
+            <p:ph type="title"/>
+          </p:nvPr>
+        </p:nvSpPr>
+        <p:spPr>
+          <a:xfrm>
+            <a:off x="722312" y="4406900"/>
+            <a:ext cx="7772400" cy="1362075"/>
+          </a:xfrm>
+          <a:prstGeom prst="rect">
+            <a:avLst/>
+          </a:prstGeom>
+          <a:noFill/>
+          <a:ln>
+            <a:noFill/>
+          </a:ln>
+        </p:spPr>
+        <p:txBody>
+          <a:bodyPr lIns="91425" tIns="45700" rIns="91425" bIns="45700" anchor="t" anchorCtr="0">
+            <a:noAutofit/>
+          </a:bodyPr>
+          <a:lstStyle/>
+          <a:p>
+            <a:pPr marL="0" marR="0" lvl="0" indent="0" algn="l" rtl="0">
+              <a:spcBef>
+                <a:spcPts val="0"/>
+              </a:spcBef>
+              <a:buClr>
+                <a:srgbClr val="FFFFFF"/>
+              </a:buClr>
+              <a:buSzPct val="25000"/>
+              <a:buFont typeface="Calibri"/>
+              <a:buNone/>
+            </a:pPr>
+            <a:r>
+              <a:rPr lang="en" sz="4000" b="1" i="0" u="none" strike="noStrike" cap="none">
+                <a:solidFill>
+                  <a:srgbClr val="FFFFFF"/>
+                </a:solidFill>
+                <a:latin typeface="Calibri"/>
+                <a:ea typeface="Calibri"/>
+                <a:cs typeface="Calibri"/>
+                <a:sym typeface="Calibri"/>
+              </a:rPr>
+              <a:t>State Backends</a:t>
+            </a:r>
+          </a:p>
+        </p:txBody>
+      </p:sp>
+      <p:sp>
+        <p:nvSpPr>
+          <p:cNvPr id="243" name="Shape 243"/>
+          <p:cNvSpPr txBox="1">
+            <a:spLocks noGrp="1"/>
+          </p:cNvSpPr>
+          <p:nvPr>
+            <p:ph type="body" idx="1"/>
+          </p:nvPr>
+        </p:nvSpPr>
+        <p:spPr>
+          <a:xfrm>
+            <a:off x="722312" y="2906713"/>
+            <a:ext cx="7772400" cy="1500187"/>
+          </a:xfrm>
+          <a:prstGeom prst="rect">
+            <a:avLst/>
+          </a:prstGeom>
+          <a:noFill/>
+          <a:ln>
+            <a:noFill/>
+          </a:ln>
+        </p:spPr>
+        <p:txBody>
+          <a:bodyPr lIns="91425" tIns="45700" rIns="91425" bIns="45700" anchor="b" anchorCtr="0">
+            <a:noAutofit/>
+          </a:bodyPr>
+          <a:lstStyle/>
+          <a:p>
+            <a:pPr marL="0" marR="0" lvl="0" indent="0" algn="l" rtl="0">
+              <a:spcBef>
+                <a:spcPts val="0"/>
+              </a:spcBef>
+              <a:buClr>
+                <a:srgbClr val="34AD91"/>
+              </a:buClr>
+              <a:buSzPct val="25000"/>
+              <a:buFont typeface="Noto Sans Symbols"/>
+              <a:buNone/>
+            </a:pPr>
+            <a:endParaRPr sz="2000" b="0" i="0" u="none" strike="noStrike" cap="none">
+              <a:solidFill>
+                <a:srgbClr val="FFFFFF"/>
+              </a:solidFill>
+              <a:latin typeface="Calibri"/>
+              <a:ea typeface="Calibri"/>
+              <a:cs typeface="Calibri"/>
+              <a:sym typeface="Calibri"/>
+            </a:endParaRPr>
+          </a:p>
+        </p:txBody>
+      </p:sp>
+      <p:sp>
+        <p:nvSpPr>
+          <p:cNvPr id="244" name="Shape 244"/>
+          <p:cNvSpPr txBox="1">
+            <a:spLocks noGrp="1"/>
+          </p:cNvSpPr>
+          <p:nvPr>
+            <p:ph type="sldNum" idx="12"/>
+          </p:nvPr>
+        </p:nvSpPr>
+        <p:spPr>
+          <a:xfrm>
+            <a:off x="6553200" y="6356350"/>
+            <a:ext cx="2133599" cy="365125"/>
+          </a:xfrm>
+          <a:prstGeom prst="rect">
+            <a:avLst/>
+          </a:prstGeom>
+          <a:noFill/>
+          <a:ln>
+            <a:noFill/>
+          </a:ln>
+        </p:spPr>
+        <p:txBody>
+          <a:bodyPr lIns="91425" tIns="45700" rIns="91425" bIns="45700" anchor="ctr" anchorCtr="0">
+            <a:noAutofit/>
+          </a:bodyPr>
+          <a:lstStyle/>
+          <a:p>
+            <a:pPr marL="0" marR="0" lvl="0" indent="0" algn="r" rtl="0">
+              <a:spcBef>
+                <a:spcPts val="0"/>
+              </a:spcBef>
+              <a:buSzPct val="25000"/>
+              <a:buNone/>
+            </a:pPr>
+            <a:fld id="{00000000-1234-1234-1234-123412341234}" type="slidenum">
+              <a:rPr lang="en" sz="1200">
+                <a:solidFill>
+                  <a:srgbClr val="888888"/>
+                </a:solidFill>
+                <a:latin typeface="Calibri"/>
+                <a:ea typeface="Calibri"/>
+                <a:cs typeface="Calibri"/>
+                <a:sym typeface="Calibri"/>
+              </a:rPr>
+              <a:t>21</a:t>
+            </a:fld>
+            <a:endParaRPr lang="en" sz="1200">
+              <a:solidFill>
+                <a:srgbClr val="888888"/>
+              </a:solidFill>
+              <a:latin typeface="Calibri"/>
+              <a:ea typeface="Calibri"/>
+              <a:cs typeface="Calibri"/>
+              <a:sym typeface="Calibri"/>
+            </a:endParaRPr>
+          </a:p>
+        </p:txBody>
+      </p:sp>
+    </p:spTree>
+  </p:cSld>
+  <p:clrMapOvr>
+    <a:masterClrMapping/>
+  </p:clrMapOvr>
+</p:sld>
+</file>
+
+<file path=ppt/slides/slide22.xml><?xml version="1.0" encoding="utf-8"?>
+<p:sld xmlns:a="http://schemas.openxmlformats.org/drawingml/2006/main" xmlns:r="http://schemas.openxmlformats.org/officeDocument/2006/relationships" xmlns:p="http://schemas.openxmlformats.org/presentationml/2006/main">
+  <p:cSld>
+    <p:spTree>
+      <p:nvGrpSpPr>
         <p:cNvPr id="1" name="Shape 248"/>
         <p:cNvGrpSpPr/>
         <p:nvPr/>
@@ -24367,7 +24681,7 @@
                 <a:cs typeface="Calibri"/>
                 <a:sym typeface="Calibri"/>
               </a:rPr>
-              <a:t>20</a:t>
+              <a:t>22</a:t>
             </a:fld>
             <a:endParaRPr lang="en" sz="1200">
               <a:solidFill>
@@ -24389,7 +24703,7 @@
 </p:sld>
 </file>
 
-<file path=ppt/slides/slide21.xml><?xml version="1.0" encoding="utf-8"?>
+<file path=ppt/slides/slide23.xml><?xml version="1.0" encoding="utf-8"?>
 <p:sld xmlns:a="http://schemas.openxmlformats.org/drawingml/2006/main" xmlns:r="http://schemas.openxmlformats.org/officeDocument/2006/relationships" xmlns:p="http://schemas.openxmlformats.org/presentationml/2006/main">
   <p:cSld>
     <p:spTree>
@@ -24986,7 +25300,7 @@
                 <a:cs typeface="Calibri"/>
                 <a:sym typeface="Calibri"/>
               </a:rPr>
-              <a:t>21</a:t>
+              <a:t>23</a:t>
             </a:fld>
             <a:endParaRPr lang="en" sz="1200">
               <a:solidFill>
@@ -25008,7 +25322,7 @@
 </p:sld>
 </file>
 
-<file path=ppt/slides/slide22.xml><?xml version="1.0" encoding="utf-8"?>
+<file path=ppt/slides/slide24.xml><?xml version="1.0" encoding="utf-8"?>
 <p:sld xmlns:a="http://schemas.openxmlformats.org/drawingml/2006/main" xmlns:r="http://schemas.openxmlformats.org/officeDocument/2006/relationships" xmlns:p="http://schemas.openxmlformats.org/presentationml/2006/main">
   <p:cSld>
     <p:spTree>
@@ -25523,7 +25837,7 @@
                 <a:cs typeface="Calibri"/>
                 <a:sym typeface="Calibri"/>
               </a:rPr>
-              <a:t>22</a:t>
+              <a:t>24</a:t>
             </a:fld>
             <a:endParaRPr lang="en" sz="1200">
               <a:solidFill>
@@ -25545,7 +25859,7 @@
 </p:sld>
 </file>
 
-<file path=ppt/slides/slide23.xml><?xml version="1.0" encoding="utf-8"?>
+<file path=ppt/slides/slide25.xml><?xml version="1.0" encoding="utf-8"?>
 <p:sld xmlns:a="http://schemas.openxmlformats.org/drawingml/2006/main" xmlns:r="http://schemas.openxmlformats.org/officeDocument/2006/relationships" xmlns:p="http://schemas.openxmlformats.org/presentationml/2006/main">
   <p:cSld>
     <p:spTree>
@@ -25715,7 +26029,7 @@
                 <a:cs typeface="Calibri"/>
                 <a:sym typeface="Calibri"/>
               </a:rPr>
-              <a:t>23</a:t>
+              <a:t>25</a:t>
             </a:fld>
             <a:endParaRPr lang="en" sz="1200">
               <a:solidFill>
@@ -25737,7 +26051,7 @@
 </p:sld>
 </file>
 
-<file path=ppt/slides/slide24.xml><?xml version="1.0" encoding="utf-8"?>
+<file path=ppt/slides/slide26.xml><?xml version="1.0" encoding="utf-8"?>
 <p:sld xmlns:a="http://schemas.openxmlformats.org/drawingml/2006/main" xmlns:r="http://schemas.openxmlformats.org/officeDocument/2006/relationships" xmlns:p="http://schemas.openxmlformats.org/presentationml/2006/main">
   <p:cSld>
     <p:spTree>
@@ -25855,7 +26169,7 @@
                 <a:cs typeface="Calibri"/>
                 <a:sym typeface="Calibri"/>
               </a:rPr>
-              <a:t>24</a:t>
+              <a:t>26</a:t>
             </a:fld>
             <a:endParaRPr lang="en" sz="1200">
               <a:solidFill>
@@ -25898,6 +26212,59 @@
           </a:bodyPr>
           <a:lstStyle/>
           <a:p>
+            <a:pPr indent="-342900">
+              <a:lnSpc>
+                <a:spcPct val="90000"/>
+              </a:lnSpc>
+              <a:spcBef>
+                <a:spcPts val="0"/>
+              </a:spcBef>
+              <a:buSzPct val="99107"/>
+            </a:pPr>
+            <a:r>
+              <a:rPr lang="en-US" sz="2000" dirty="0"/>
+              <a:t>A "Checkpoint" is a globally consistent point-in-time snapshot of </a:t>
+            </a:r>
+            <a:r>
+              <a:rPr lang="en-US" sz="2000" dirty="0" smtClean="0"/>
+              <a:t>a streaming application </a:t>
+            </a:r>
+            <a:r>
+              <a:rPr lang="en-US" sz="1800" i="1" dirty="0" smtClean="0"/>
+              <a:t>(</a:t>
+            </a:r>
+            <a:r>
+              <a:rPr lang="en-US" sz="1800" i="1" dirty="0"/>
+              <a:t>point in stream, state)</a:t>
+            </a:r>
+            <a:endParaRPr lang="en-US" sz="2000" dirty="0"/>
+          </a:p>
+          <a:p>
+            <a:pPr marL="342900" marR="0" lvl="0" indent="-342900" algn="l" rtl="0">
+              <a:lnSpc>
+                <a:spcPct val="90000"/>
+              </a:lnSpc>
+              <a:spcBef>
+                <a:spcPts val="0"/>
+              </a:spcBef>
+              <a:spcAft>
+                <a:spcPts val="0"/>
+              </a:spcAft>
+              <a:buClr>
+                <a:srgbClr val="34AD91"/>
+              </a:buClr>
+              <a:buSzPct val="99107"/>
+              <a:buFont typeface="Noto Sans Symbols"/>
+              <a:buChar char="▪"/>
+            </a:pPr>
+            <a:endParaRPr lang="en-US" sz="2000" b="0" i="0" u="none" strike="noStrike" cap="none" dirty="0" smtClean="0">
+              <a:solidFill>
+                <a:schemeClr val="dk1"/>
+              </a:solidFill>
+              <a:sym typeface="Calibri"/>
+            </a:endParaRPr>
+          </a:p>
+          <a:p>
             <a:pPr marL="342900" marR="0" lvl="0" indent="-342900" algn="l" rtl="0">
               <a:lnSpc>
                 <a:spcPct val="90000"/>
@@ -25916,17 +26283,38 @@
               <a:buChar char="▪"/>
             </a:pPr>
             <a:r>
-              <a:rPr lang="en" sz="2775" b="0" i="0" u="none" strike="noStrike" cap="none" dirty="0">
-                <a:solidFill>
-                  <a:schemeClr val="dk1"/>
-                </a:solidFill>
-                <a:latin typeface="Calibri"/>
-                <a:ea typeface="Calibri"/>
-                <a:cs typeface="Calibri"/>
+              <a:rPr lang="en" sz="2000" b="0" i="0" u="none" strike="noStrike" cap="none" dirty="0" smtClean="0">
+                <a:solidFill>
+                  <a:schemeClr val="dk1"/>
+                </a:solidFill>
                 <a:sym typeface="Calibri"/>
               </a:rPr>
-              <a:t>Savepoints are user-triggered, retained checkpoints.</a:t>
+              <a:t>Savepoints </a:t>
             </a:r>
+            <a:r>
+              <a:rPr lang="en" sz="2000" b="0" i="0" u="none" strike="noStrike" cap="none" dirty="0">
+                <a:solidFill>
+                  <a:schemeClr val="dk1"/>
+                </a:solidFill>
+                <a:sym typeface="Calibri"/>
+              </a:rPr>
+              <a:t>are user-triggered, retained </a:t>
+            </a:r>
+            <a:r>
+              <a:rPr lang="en" sz="2000" b="0" i="0" u="none" strike="noStrike" cap="none" dirty="0" smtClean="0">
+                <a:solidFill>
+                  <a:schemeClr val="dk1"/>
+                </a:solidFill>
+                <a:sym typeface="Calibri"/>
+              </a:rPr>
+              <a:t>checkpoints</a:t>
+            </a:r>
+            <a:endParaRPr lang="en" sz="2000" b="0" i="0" u="none" strike="noStrike" cap="none" dirty="0">
+              <a:solidFill>
+                <a:schemeClr val="dk1"/>
+              </a:solidFill>
+              <a:sym typeface="Calibri"/>
+            </a:endParaRPr>
           </a:p>
           <a:p>
             <a:pPr marL="742950" marR="0" lvl="1" indent="-285750" algn="l" rtl="0">
@@ -25946,13 +26334,10 @@
               <a:buFont typeface="Arial"/>
               <a:buNone/>
             </a:pPr>
-            <a:endParaRPr sz="2405" b="0" i="0" u="none" strike="noStrike" cap="none" dirty="0">
+            <a:endParaRPr sz="2000" b="0" i="0" u="none" strike="noStrike" cap="none" dirty="0">
               <a:solidFill>
                 <a:schemeClr val="dk1"/>
               </a:solidFill>
-              <a:latin typeface="Calibri"/>
-              <a:ea typeface="Calibri"/>
-              <a:cs typeface="Calibri"/>
               <a:sym typeface="Calibri"/>
             </a:endParaRPr>
           </a:p>
@@ -25975,17 +26360,29 @@
               <a:buChar char="▪"/>
             </a:pPr>
             <a:r>
-              <a:rPr lang="en" sz="2775" b="0" i="0" u="none" strike="noStrike" cap="none" dirty="0">
-                <a:solidFill>
-                  <a:schemeClr val="dk1"/>
-                </a:solidFill>
-                <a:latin typeface="Calibri"/>
-                <a:ea typeface="Calibri"/>
-                <a:cs typeface="Calibri"/>
+              <a:rPr lang="en" sz="2000" b="0" i="0" u="none" strike="noStrike" cap="none" dirty="0">
+                <a:solidFill>
+                  <a:schemeClr val="dk1"/>
+                </a:solidFill>
                 <a:sym typeface="Calibri"/>
               </a:rPr>
-              <a:t>A program can be started from a savepoint.</a:t>
+              <a:t>A program can be started from a </a:t>
             </a:r>
+            <a:r>
+              <a:rPr lang="en" sz="2000" b="0" i="0" u="none" strike="noStrike" cap="none" dirty="0" smtClean="0">
+                <a:solidFill>
+                  <a:schemeClr val="dk1"/>
+                </a:solidFill>
+                <a:sym typeface="Calibri"/>
+              </a:rPr>
+              <a:t>savepoint</a:t>
+            </a:r>
+            <a:endParaRPr lang="en" sz="2000" b="0" i="0" u="none" strike="noStrike" cap="none" dirty="0">
+              <a:solidFill>
+                <a:schemeClr val="dk1"/>
+              </a:solidFill>
+              <a:sym typeface="Calibri"/>
+            </a:endParaRPr>
           </a:p>
           <a:p>
             <a:pPr marL="742950" marR="0" lvl="1" indent="-285750" algn="l" rtl="0">
@@ -26006,13 +26403,10 @@
               <a:buChar char="•"/>
             </a:pPr>
             <a:r>
-              <a:rPr lang="en" sz="2405" b="0" i="0" u="none" strike="noStrike" cap="none" dirty="0">
-                <a:solidFill>
-                  <a:schemeClr val="dk1"/>
-                </a:solidFill>
-                <a:latin typeface="Calibri"/>
-                <a:ea typeface="Calibri"/>
-                <a:cs typeface="Calibri"/>
+              <a:rPr lang="en" sz="2000" b="0" i="0" u="none" strike="noStrike" cap="none" dirty="0">
+                <a:solidFill>
+                  <a:schemeClr val="dk1"/>
+                </a:solidFill>
                 <a:sym typeface="Calibri"/>
               </a:rPr>
               <a:t>Initializes the operator state</a:t>
@@ -26036,13 +26430,10 @@
               <a:buFont typeface="Arial"/>
               <a:buNone/>
             </a:pPr>
-            <a:endParaRPr sz="2405" b="0" i="0" u="none" strike="noStrike" cap="none" dirty="0">
+            <a:endParaRPr sz="2000" b="0" i="0" u="none" strike="noStrike" cap="none" dirty="0">
               <a:solidFill>
                 <a:schemeClr val="dk1"/>
               </a:solidFill>
-              <a:latin typeface="Calibri"/>
-              <a:ea typeface="Calibri"/>
-              <a:cs typeface="Calibri"/>
               <a:sym typeface="Calibri"/>
             </a:endParaRPr>
           </a:p>
@@ -26065,13 +26456,10 @@
               <a:buChar char="▪"/>
             </a:pPr>
             <a:r>
-              <a:rPr lang="en" sz="2775" b="0" i="0" u="none" strike="noStrike" cap="none" dirty="0">
-                <a:solidFill>
-                  <a:schemeClr val="dk1"/>
-                </a:solidFill>
-                <a:latin typeface="Calibri"/>
-                <a:ea typeface="Calibri"/>
-                <a:cs typeface="Calibri"/>
+              <a:rPr lang="en" sz="2000" b="0" i="0" u="none" strike="noStrike" cap="none" dirty="0">
+                <a:solidFill>
+                  <a:schemeClr val="dk1"/>
+                </a:solidFill>
                 <a:sym typeface="Calibri"/>
               </a:rPr>
               <a:t>Savepoints are useful for</a:t>
@@ -26096,13 +26484,10 @@
               <a:buChar char="•"/>
             </a:pPr>
             <a:r>
-              <a:rPr lang="en" sz="2405" b="0" i="0" u="none" strike="noStrike" cap="none" dirty="0">
-                <a:solidFill>
-                  <a:schemeClr val="dk1"/>
-                </a:solidFill>
-                <a:latin typeface="Calibri"/>
-                <a:ea typeface="Calibri"/>
-                <a:cs typeface="Calibri"/>
+              <a:rPr lang="en" sz="2000" b="0" i="0" u="none" strike="noStrike" cap="none" dirty="0">
+                <a:solidFill>
+                  <a:schemeClr val="dk1"/>
+                </a:solidFill>
                 <a:sym typeface="Calibri"/>
               </a:rPr>
               <a:t>Application updates</a:t>
@@ -26127,13 +26512,10 @@
               <a:buChar char="•"/>
             </a:pPr>
             <a:r>
-              <a:rPr lang="en" sz="2405" b="0" i="0" u="none" strike="noStrike" cap="none" dirty="0">
-                <a:solidFill>
-                  <a:schemeClr val="dk1"/>
-                </a:solidFill>
-                <a:latin typeface="Calibri"/>
-                <a:ea typeface="Calibri"/>
-                <a:cs typeface="Calibri"/>
+              <a:rPr lang="en" sz="2000" b="0" i="0" u="none" strike="noStrike" cap="none" dirty="0">
+                <a:solidFill>
+                  <a:schemeClr val="dk1"/>
+                </a:solidFill>
                 <a:sym typeface="Calibri"/>
               </a:rPr>
               <a:t>Updating a Flink version</a:t>
@@ -26158,13 +26540,10 @@
               <a:buChar char="•"/>
             </a:pPr>
             <a:r>
-              <a:rPr lang="en" sz="2405" b="0" i="0" u="none" strike="noStrike" cap="none" dirty="0">
-                <a:solidFill>
-                  <a:schemeClr val="dk1"/>
-                </a:solidFill>
-                <a:latin typeface="Calibri"/>
-                <a:ea typeface="Calibri"/>
-                <a:cs typeface="Calibri"/>
+              <a:rPr lang="en" sz="2000" b="0" i="0" u="none" strike="noStrike" cap="none" dirty="0">
+                <a:solidFill>
+                  <a:schemeClr val="dk1"/>
+                </a:solidFill>
                 <a:sym typeface="Calibri"/>
               </a:rPr>
               <a:t>Maintenance &amp; migration</a:t>
@@ -26189,13 +26568,10 @@
               <a:buChar char="•"/>
             </a:pPr>
             <a:r>
-              <a:rPr lang="en" sz="2405" b="0" i="0" u="none" strike="noStrike" cap="none" dirty="0">
-                <a:solidFill>
-                  <a:schemeClr val="dk1"/>
-                </a:solidFill>
-                <a:latin typeface="Calibri"/>
-                <a:ea typeface="Calibri"/>
-                <a:cs typeface="Calibri"/>
+              <a:rPr lang="en" sz="2000" b="0" i="0" u="none" strike="noStrike" cap="none" dirty="0">
+                <a:solidFill>
+                  <a:schemeClr val="dk1"/>
+                </a:solidFill>
                 <a:sym typeface="Calibri"/>
               </a:rPr>
               <a:t>A/B testing</a:t>
@@ -26220,24 +26596,18 @@
               <a:buChar char="•"/>
             </a:pPr>
             <a:r>
-              <a:rPr lang="en" sz="2405" b="0" i="0" u="none" strike="noStrike" cap="none" dirty="0" smtClean="0">
-                <a:solidFill>
-                  <a:schemeClr val="dk1"/>
-                </a:solidFill>
-                <a:latin typeface="Calibri"/>
-                <a:ea typeface="Calibri"/>
-                <a:cs typeface="Calibri"/>
+              <a:rPr lang="en" sz="2000" b="0" i="0" u="none" strike="noStrike" cap="none" dirty="0" smtClean="0">
+                <a:solidFill>
+                  <a:schemeClr val="dk1"/>
+                </a:solidFill>
                 <a:sym typeface="Calibri"/>
               </a:rPr>
               <a:t>Rescaling</a:t>
             </a:r>
-            <a:endParaRPr lang="en" sz="2405" b="0" i="0" u="none" strike="noStrike" cap="none" dirty="0">
+            <a:endParaRPr lang="en" sz="2000" b="0" i="0" u="none" strike="noStrike" cap="none" dirty="0">
               <a:solidFill>
                 <a:schemeClr val="dk1"/>
               </a:solidFill>
-              <a:latin typeface="Calibri"/>
-              <a:ea typeface="Calibri"/>
-              <a:cs typeface="Calibri"/>
               <a:sym typeface="Calibri"/>
             </a:endParaRPr>
           </a:p>
@@ -26259,13 +26629,10 @@
               <a:buFont typeface="Arial"/>
               <a:buNone/>
             </a:pPr>
-            <a:endParaRPr sz="2405" b="0" i="0" u="none" strike="noStrike" cap="none" dirty="0">
+            <a:endParaRPr sz="2000" b="0" i="0" u="none" strike="noStrike" cap="none" dirty="0">
               <a:solidFill>
                 <a:schemeClr val="dk1"/>
               </a:solidFill>
-              <a:latin typeface="Calibri"/>
-              <a:ea typeface="Calibri"/>
-              <a:cs typeface="Calibri"/>
               <a:sym typeface="Calibri"/>
             </a:endParaRPr>
           </a:p>
@@ -26284,13 +26651,10 @@
               <a:buFont typeface="Arial"/>
               <a:buNone/>
             </a:pPr>
-            <a:endParaRPr sz="2405" b="0" i="0" u="none" strike="noStrike" cap="none" dirty="0">
+            <a:endParaRPr sz="2000" b="0" i="0" u="none" strike="noStrike" cap="none" dirty="0">
               <a:solidFill>
                 <a:schemeClr val="dk1"/>
               </a:solidFill>
-              <a:latin typeface="Calibri"/>
-              <a:ea typeface="Calibri"/>
-              <a:cs typeface="Calibri"/>
               <a:sym typeface="Calibri"/>
             </a:endParaRPr>
           </a:p>
@@ -26304,7 +26668,7 @@
 </p:sld>
 </file>
 
-<file path=ppt/slides/slide25.xml><?xml version="1.0" encoding="utf-8"?>
+<file path=ppt/slides/slide27.xml><?xml version="1.0" encoding="utf-8"?>
 <p:sld xmlns:a="http://schemas.openxmlformats.org/drawingml/2006/main" xmlns:r="http://schemas.openxmlformats.org/officeDocument/2006/relationships" xmlns:p="http://schemas.openxmlformats.org/presentationml/2006/main">
   <p:cSld>
     <p:spTree>
@@ -26717,7 +27081,7 @@
                 <a:cs typeface="Calibri"/>
                 <a:sym typeface="Calibri"/>
               </a:rPr>
-              <a:t>25</a:t>
+              <a:t>27</a:t>
             </a:fld>
             <a:endParaRPr lang="en" sz="1200">
               <a:solidFill>
@@ -28203,7 +28567,13 @@
         <p:nvGraphicFramePr>
           <p:cNvPr id="170" name="Shape 170"/>
           <p:cNvGraphicFramePr/>
-          <p:nvPr/>
+          <p:nvPr>
+            <p:extLst>
+              <p:ext uri="{D42A27DB-BD31-4B8C-83A1-F6EECF244321}">
+                <p14:modId xmlns:p14="http://schemas.microsoft.com/office/powerpoint/2010/main" val="1426649945"/>
+              </p:ext>
+            </p:extLst>
+          </p:nvPr>
         </p:nvGraphicFramePr>
         <p:xfrm>
           <a:off x="457200" y="1474787"/>
@@ -28217,8 +28587,8 @@
                 <a:tableStyleId>{607D908A-F18A-49CE-9149-614915D3E0F6}</a:tableStyleId>
               </a:tblPr>
               <a:tblGrid>
-                <a:gridCol w="3781250"/>
-                <a:gridCol w="4442600"/>
+                <a:gridCol w="3454975"/>
+                <a:gridCol w="4768875"/>
               </a:tblGrid>
               <a:tr h="370850">
                 <a:tc>
@@ -28338,9 +28708,22 @@
                         <a:buNone/>
                       </a:pPr>
                       <a:r>
-                        <a:rPr lang="en" sz="1800"/>
-                        <a:t>Exactly once (for idempotent updates)</a:t>
+                        <a:rPr lang="en" sz="1800" dirty="0"/>
+                        <a:t>Exactly once </a:t>
                       </a:r>
+                      <a:r>
+                        <a:rPr lang="en" sz="1800" dirty="0" smtClean="0"/>
+                        <a:t>for </a:t>
+                      </a:r>
+                      <a:r>
+                        <a:rPr lang="en" sz="1800" dirty="0"/>
+                        <a:t>idempotent </a:t>
+                      </a:r>
+                      <a:r>
+                        <a:rPr lang="en" sz="1800" dirty="0" smtClean="0"/>
+                        <a:t>updates</a:t>
+                      </a:r>
+                      <a:endParaRPr lang="en" sz="1800" dirty="0"/>
                     </a:p>
                   </a:txBody>
                   <a:tcPr marL="91450" marR="91450" marT="45725" marB="45725"/>
@@ -28352,57 +28735,25 @@
                     <a:bodyPr/>
                     <a:lstStyle/>
                     <a:p>
-                      <a:pPr marL="0" marR="0" lvl="0" indent="0" algn="l" rtl="0">
+                      <a:pPr marL="0" marR="0" lvl="0" indent="0" algn="l" defTabSz="914400" rtl="0" eaLnBrk="1" fontAlgn="auto" latinLnBrk="0" hangingPunct="1">
+                        <a:lnSpc>
+                          <a:spcPct val="100000"/>
+                        </a:lnSpc>
                         <a:spcBef>
                           <a:spcPts val="0"/>
                         </a:spcBef>
+                        <a:spcAft>
+                          <a:spcPts val="0"/>
+                        </a:spcAft>
+                        <a:buClrTx/>
                         <a:buSzPct val="25000"/>
+                        <a:buFontTx/>
                         <a:buNone/>
+                        <a:tabLst/>
+                        <a:defRPr/>
                       </a:pPr>
                       <a:r>
-                        <a:rPr lang="en" sz="1800"/>
-                        <a:t>Kafka</a:t>
-                      </a:r>
-                    </a:p>
-                  </a:txBody>
-                  <a:tcPr marL="91450" marR="91450" marT="45725" marB="45725"/>
-                </a:tc>
-                <a:tc>
-                  <a:txBody>
-                    <a:bodyPr/>
-                    <a:lstStyle/>
-                    <a:p>
-                      <a:pPr marL="0" marR="0" lvl="0" indent="0" algn="l" rtl="0">
-                        <a:spcBef>
-                          <a:spcPts val="0"/>
-                        </a:spcBef>
-                        <a:buSzPct val="25000"/>
-                        <a:buNone/>
-                      </a:pPr>
-                      <a:r>
-                        <a:rPr lang="en" sz="1800"/>
-                        <a:t>At least once</a:t>
-                      </a:r>
-                    </a:p>
-                  </a:txBody>
-                  <a:tcPr marL="91450" marR="91450" marT="45725" marB="45725"/>
-                </a:tc>
-              </a:tr>
-              <a:tr h="370850">
-                <a:tc>
-                  <a:txBody>
-                    <a:bodyPr/>
-                    <a:lstStyle/>
-                    <a:p>
-                      <a:pPr marL="0" marR="0" lvl="0" indent="0" algn="l" rtl="0">
-                        <a:spcBef>
-                          <a:spcPts val="0"/>
-                        </a:spcBef>
-                        <a:buSzPct val="25000"/>
-                        <a:buNone/>
-                      </a:pPr>
-                      <a:r>
-                        <a:rPr lang="en" sz="1800"/>
+                        <a:rPr lang="en" sz="1800" dirty="0" smtClean="0"/>
                         <a:t>Elasticsearch</a:t>
                       </a:r>
                     </a:p>
@@ -28422,7 +28773,74 @@
                         <a:buNone/>
                       </a:pPr>
                       <a:r>
-                        <a:rPr lang="en" sz="1800"/>
+                        <a:rPr lang="en-US" sz="1800" dirty="0" smtClean="0"/>
+                        <a:t>Exactly once for idempotent</a:t>
+                      </a:r>
+                      <a:r>
+                        <a:rPr lang="en-US" sz="1800" baseline="0" dirty="0" smtClean="0"/>
+                        <a:t> indexing</a:t>
+                      </a:r>
+                      <a:endParaRPr lang="en" sz="1800" dirty="0"/>
+                    </a:p>
+                  </a:txBody>
+                  <a:tcPr marL="91450" marR="91450" marT="45725" marB="45725"/>
+                </a:tc>
+              </a:tr>
+              <a:tr h="370850">
+                <a:tc>
+                  <a:txBody>
+                    <a:bodyPr/>
+                    <a:lstStyle/>
+                    <a:p>
+                      <a:pPr marL="0" marR="0" lvl="0" indent="0" algn="l" defTabSz="914400" rtl="0" eaLnBrk="1" fontAlgn="auto" latinLnBrk="0" hangingPunct="1">
+                        <a:lnSpc>
+                          <a:spcPct val="100000"/>
+                        </a:lnSpc>
+                        <a:spcBef>
+                          <a:spcPts val="0"/>
+                        </a:spcBef>
+                        <a:spcAft>
+                          <a:spcPts val="0"/>
+                        </a:spcAft>
+                        <a:buClrTx/>
+                        <a:buSzPct val="25000"/>
+                        <a:buFontTx/>
+                        <a:buNone/>
+                        <a:tabLst/>
+                        <a:defRPr/>
+                      </a:pPr>
+                      <a:r>
+                        <a:rPr lang="en" sz="1800" dirty="0" smtClean="0"/>
+                        <a:t>Kafka</a:t>
+                      </a:r>
+                    </a:p>
+                  </a:txBody>
+                  <a:tcPr marL="91450" marR="91450" marT="45725" marB="45725"/>
+                </a:tc>
+                <a:tc>
+                  <a:txBody>
+                    <a:bodyPr/>
+                    <a:lstStyle/>
+                    <a:p>
+                      <a:pPr marL="0" marR="0" lvl="0" indent="0" algn="l" defTabSz="914400" rtl="0" eaLnBrk="1" fontAlgn="auto" latinLnBrk="0" hangingPunct="1">
+                        <a:lnSpc>
+                          <a:spcPct val="100000"/>
+                        </a:lnSpc>
+                        <a:spcBef>
+                          <a:spcPts val="0"/>
+                        </a:spcBef>
+                        <a:spcAft>
+                          <a:spcPts val="0"/>
+                        </a:spcAft>
+                        <a:buClrTx/>
+                        <a:buSzPct val="25000"/>
+                        <a:buFontTx/>
+                        <a:buNone/>
+                        <a:tabLst/>
+                        <a:defRPr/>
+                      </a:pPr>
+                      <a:r>
+                        <a:rPr lang="en" sz="1800" dirty="0" smtClean="0"/>
                         <a:t>At least once</a:t>
                       </a:r>
                     </a:p>
@@ -28632,7 +29050,7 @@
                         <a:buNone/>
                       </a:pPr>
                       <a:r>
-                        <a:rPr lang="en" sz="1800"/>
+                        <a:rPr lang="en" sz="1800" dirty="0"/>
                         <a:t>At least once</a:t>
                       </a:r>
                     </a:p>

--- a/slides/flink_stream_statefulOps.pptx
+++ b/slides/flink_stream_statefulOps.pptx
@@ -6,7 +6,7 @@
     <p:sldMasterId id="2147483671" r:id="rId2"/>
   </p:sldMasterIdLst>
   <p:notesMasterIdLst>
-    <p:notesMasterId r:id="rId26"/>
+    <p:notesMasterId r:id="rId25"/>
   </p:notesMasterIdLst>
   <p:sldIdLst>
     <p:sldId id="256" r:id="rId3"/>
@@ -27,11 +27,10 @@
     <p:sldId id="270" r:id="rId18"/>
     <p:sldId id="271" r:id="rId19"/>
     <p:sldId id="272" r:id="rId20"/>
-    <p:sldId id="273" r:id="rId21"/>
+    <p:sldId id="288" r:id="rId21"/>
     <p:sldId id="274" r:id="rId22"/>
     <p:sldId id="275" r:id="rId23"/>
     <p:sldId id="276" r:id="rId24"/>
-    <p:sldId id="277" r:id="rId25"/>
   </p:sldIdLst>
   <p:sldSz cx="9144000" cy="6858000" type="screen4x3"/>
   <p:notesSz cx="6858000" cy="9144000"/>
@@ -1009,6 +1008,11 @@
         </p:spPr>
       </p:sp>
     </p:spTree>
+    <p:extLst>
+      <p:ext uri="{BB962C8B-B14F-4D97-AF65-F5344CB8AC3E}">
+        <p14:creationId xmlns:p14="http://schemas.microsoft.com/office/powerpoint/2010/main" val="1861827249"/>
+      </p:ext>
+    </p:extLst>
   </p:cSld>
   <p:clrMapOvr>
     <a:masterClrMapping/>
@@ -1285,111 +1289,6 @@
       <p:sp>
         <p:nvSpPr>
           <p:cNvPr id="276" name="Shape 276"/>
-          <p:cNvSpPr>
-            <a:spLocks noGrp="1" noRot="1" noChangeAspect="1"/>
-          </p:cNvSpPr>
-          <p:nvPr>
-            <p:ph type="sldImg" idx="2"/>
-          </p:nvPr>
-        </p:nvSpPr>
-        <p:spPr>
-          <a:xfrm>
-            <a:off x="1143000" y="685800"/>
-            <a:ext cx="4572000" cy="3429000"/>
-          </a:xfrm>
-          <a:custGeom>
-            <a:avLst/>
-            <a:gdLst/>
-            <a:ahLst/>
-            <a:cxnLst/>
-            <a:rect l="0" t="0" r="0" b="0"/>
-            <a:pathLst>
-              <a:path w="120000" h="120000" extrusionOk="0">
-                <a:moveTo>
-                  <a:pt x="0" y="0"/>
-                </a:moveTo>
-                <a:lnTo>
-                  <a:pt x="120000" y="0"/>
-                </a:lnTo>
-                <a:lnTo>
-                  <a:pt x="120000" y="120000"/>
-                </a:lnTo>
-                <a:lnTo>
-                  <a:pt x="0" y="120000"/>
-                </a:lnTo>
-                <a:close/>
-              </a:path>
-            </a:pathLst>
-          </a:custGeom>
-        </p:spPr>
-      </p:sp>
-    </p:spTree>
-  </p:cSld>
-  <p:clrMapOvr>
-    <a:masterClrMapping/>
-  </p:clrMapOvr>
-</p:notes>
-</file>
-
-<file path=ppt/notesSlides/notesSlide16.xml><?xml version="1.0" encoding="utf-8"?>
-<p:notes xmlns:a="http://schemas.openxmlformats.org/drawingml/2006/main" xmlns:r="http://schemas.openxmlformats.org/officeDocument/2006/relationships" xmlns:p="http://schemas.openxmlformats.org/presentationml/2006/main" showMasterSp="0" showMasterPhAnim="0">
-  <p:cSld>
-    <p:spTree>
-      <p:nvGrpSpPr>
-        <p:cNvPr id="1" name="Shape 281"/>
-        <p:cNvGrpSpPr/>
-        <p:nvPr/>
-      </p:nvGrpSpPr>
-      <p:grpSpPr>
-        <a:xfrm>
-          <a:off x="0" y="0"/>
-          <a:ext cx="0" cy="0"/>
-          <a:chOff x="0" y="0"/>
-          <a:chExt cx="0" cy="0"/>
-        </a:xfrm>
-      </p:grpSpPr>
-      <p:sp>
-        <p:nvSpPr>
-          <p:cNvPr id="282" name="Shape 282"/>
-          <p:cNvSpPr txBox="1">
-            <a:spLocks noGrp="1"/>
-          </p:cNvSpPr>
-          <p:nvPr>
-            <p:ph type="body" idx="1"/>
-          </p:nvPr>
-        </p:nvSpPr>
-        <p:spPr>
-          <a:xfrm>
-            <a:off x="685800" y="4343400"/>
-            <a:ext cx="5486399" cy="4114800"/>
-          </a:xfrm>
-          <a:prstGeom prst="rect">
-            <a:avLst/>
-          </a:prstGeom>
-          <a:noFill/>
-          <a:ln>
-            <a:noFill/>
-          </a:ln>
-        </p:spPr>
-        <p:txBody>
-          <a:bodyPr lIns="91425" tIns="91425" rIns="91425" bIns="91425" anchor="ctr" anchorCtr="0">
-            <a:noAutofit/>
-          </a:bodyPr>
-          <a:lstStyle/>
-          <a:p>
-            <a:pPr lvl="0">
-              <a:spcBef>
-                <a:spcPts val="0"/>
-              </a:spcBef>
-              <a:buNone/>
-            </a:pPr>
-            <a:endParaRPr/>
-          </a:p>
-        </p:txBody>
-      </p:sp>
-      <p:sp>
-        <p:nvSpPr>
-          <p:cNvPr id="283" name="Shape 283"/>
           <p:cNvSpPr>
             <a:spLocks noGrp="1" noRot="1" noChangeAspect="1"/>
           </p:cNvSpPr>
@@ -15148,6 +15047,18 @@
               <a:buNone/>
             </a:pPr>
             <a:r>
+              <a:rPr lang="en" sz="2000" b="0" i="0" u="none" strike="noStrike" cap="none" dirty="0" err="1">
+                <a:solidFill>
+                  <a:schemeClr val="lt1"/>
+                </a:solidFill>
+                <a:latin typeface="Calibri"/>
+                <a:ea typeface="Calibri"/>
+                <a:cs typeface="Calibri"/>
+                <a:sym typeface="Calibri"/>
+              </a:rPr>
+              <a:t>Flink</a:t>
+            </a:r>
+            <a:r>
               <a:rPr lang="en" sz="2000" b="0" i="0" u="none" strike="noStrike" cap="none" dirty="0">
                 <a:solidFill>
                   <a:schemeClr val="lt1"/>
@@ -15157,7 +15068,7 @@
                 <a:cs typeface="Calibri"/>
                 <a:sym typeface="Calibri"/>
               </a:rPr>
-              <a:t>Flink </a:t>
+              <a:t> </a:t>
             </a:r>
             <a:r>
               <a:rPr lang="en" sz="2000" b="0" i="0" u="none" strike="noStrike" cap="none" dirty="0" smtClean="0">
@@ -15172,7 +15083,7 @@
               <a:t>v1.</a:t>
             </a:r>
             <a:r>
-              <a:rPr lang="en-US" sz="2000" b="0" i="0" u="none" strike="noStrike" cap="none" dirty="0" smtClean="0">
+              <a:rPr lang="en-US" sz="2000" dirty="0">
                 <a:solidFill>
                   <a:schemeClr val="lt1"/>
                 </a:solidFill>
@@ -15181,7 +15092,7 @@
                 <a:cs typeface="Calibri"/>
                 <a:sym typeface="Calibri"/>
               </a:rPr>
-              <a:t>2.0</a:t>
+              <a:t>3</a:t>
             </a:r>
             <a:r>
               <a:rPr lang="en" sz="2000" b="0" i="0" u="none" strike="noStrike" cap="none" dirty="0" smtClean="0">
@@ -15217,7 +15128,7 @@
                 <a:cs typeface="Calibri"/>
                 <a:sym typeface="Calibri"/>
               </a:rPr>
-              <a:t>13</a:t>
+              <a:t>19</a:t>
             </a:r>
             <a:r>
               <a:rPr lang="en" sz="2000" dirty="0" smtClean="0">
@@ -15232,7 +15143,7 @@
               <a:t>.</a:t>
             </a:r>
             <a:r>
-              <a:rPr lang="en-US" sz="2000" smtClean="0">
+              <a:rPr lang="en-US" sz="2000" dirty="0" smtClean="0">
                 <a:solidFill>
                   <a:schemeClr val="lt1"/>
                 </a:solidFill>
@@ -15241,10 +15152,10 @@
                 <a:cs typeface="Calibri"/>
                 <a:sym typeface="Calibri"/>
               </a:rPr>
-              <a:t>03</a:t>
-            </a:r>
-            <a:r>
-              <a:rPr lang="en" sz="2000" b="0" i="0" u="none" strike="noStrike" cap="none" smtClean="0">
+              <a:t>06</a:t>
+            </a:r>
+            <a:r>
+              <a:rPr lang="en" sz="2000" b="0" i="0" u="none" strike="noStrike" cap="none" dirty="0" smtClean="0">
                 <a:solidFill>
                   <a:schemeClr val="lt1"/>
                 </a:solidFill>
@@ -19097,14 +19008,7 @@
                 <a:latin typeface="Calibri"/>
                 <a:cs typeface="Calibri"/>
               </a:rPr>
-              <a:t>Assign key groups to </a:t>
-            </a:r>
-            <a:r>
-              <a:rPr lang="en-US" sz="2000" dirty="0" smtClean="0">
-                <a:latin typeface="Calibri"/>
-                <a:cs typeface="Calibri"/>
-              </a:rPr>
-              <a:t>tasks</a:t>
+              <a:t>Assign key groups to tasks</a:t>
             </a:r>
           </a:p>
           <a:p>
@@ -20954,11 +20858,42 @@
             </a:r>
             <a:r>
               <a:rPr lang="en-US" dirty="0" smtClean="0"/>
-              <a:t>&lt;T&gt;</a:t>
+              <a:t>&lt;T</a:t>
+            </a:r>
+            <a:r>
+              <a:rPr lang="en-US" dirty="0" smtClean="0"/>
+              <a:t>&gt;</a:t>
             </a:r>
           </a:p>
           <a:p>
             <a:r>
+              <a:rPr lang="en-US" dirty="0" smtClean="0"/>
+              <a:t> </a:t>
+            </a:r>
+            <a:r>
+              <a:rPr lang="en-US" dirty="0" err="1" smtClean="0"/>
+              <a:t>MapState</a:t>
+            </a:r>
+            <a:r>
+              <a:rPr lang="en-US" dirty="0" smtClean="0"/>
+              <a:t>&lt;UK</a:t>
+            </a:r>
+            <a:r>
+              <a:rPr lang="en-US" dirty="0"/>
+              <a:t>, UV</a:t>
+            </a:r>
+            <a:r>
+              <a:rPr lang="en-US" dirty="0" smtClean="0"/>
+              <a:t>&gt; </a:t>
+            </a:r>
+            <a:r>
+              <a:rPr lang="en-US" i="1" dirty="0" smtClean="0"/>
+              <a:t>(new in 1.3)</a:t>
+            </a:r>
+            <a:endParaRPr lang="en-US" i="1" dirty="0" smtClean="0"/>
+          </a:p>
+          <a:p>
+            <a:r>
               <a:rPr lang="en-US" dirty="0"/>
               <a:t> </a:t>
             </a:r>
@@ -20968,8 +20903,17 @@
             </a:r>
             <a:r>
               <a:rPr lang="en-US" dirty="0" smtClean="0"/>
-              <a:t>&lt;T&gt;</a:t>
-            </a:r>
+              <a:t>&lt;T</a:t>
+            </a:r>
+            <a:r>
+              <a:rPr lang="en-US" dirty="0" smtClean="0"/>
+              <a:t>&gt; </a:t>
+            </a:r>
+            <a:r>
+              <a:rPr lang="en-US" i="1" dirty="0" smtClean="0"/>
+              <a:t>(deprecated in 1.3)</a:t>
+            </a:r>
+            <a:endParaRPr lang="en-US" i="1" dirty="0" smtClean="0"/>
           </a:p>
           <a:p>
             <a:pPr lvl="1"/>
@@ -20983,7 +20927,11 @@
             </a:r>
             <a:r>
               <a:rPr lang="en-US" dirty="0" smtClean="0"/>
-              <a:t>&lt;IN, OUT&gt;</a:t>
+              <a:t>&lt;IN, OUT</a:t>
+            </a:r>
+            <a:r>
+              <a:rPr lang="en-US" dirty="0" smtClean="0"/>
+              <a:t>&gt;</a:t>
             </a:r>
           </a:p>
         </p:txBody>
@@ -22668,6 +22616,38 @@
               </a:rPr>
               <a:t>Sinks</a:t>
             </a:r>
+            <a:endParaRPr lang="en-US" sz="2405" b="0" i="0" u="none" strike="noStrike" cap="none" dirty="0" smtClean="0">
+              <a:solidFill>
+                <a:schemeClr val="dk1"/>
+              </a:solidFill>
+              <a:latin typeface="Calibri"/>
+              <a:ea typeface="Calibri"/>
+              <a:cs typeface="Calibri"/>
+              <a:sym typeface="Calibri"/>
+            </a:endParaRPr>
+          </a:p>
+          <a:p>
+            <a:pPr marL="742950" marR="0" lvl="1" indent="-285750" algn="l" rtl="0">
+              <a:lnSpc>
+                <a:spcPct val="80000"/>
+              </a:lnSpc>
+              <a:spcBef>
+                <a:spcPts val="481"/>
+              </a:spcBef>
+              <a:spcAft>
+                <a:spcPts val="0"/>
+              </a:spcAft>
+              <a:buClr>
+                <a:srgbClr val="34AD91"/>
+              </a:buClr>
+              <a:buSzPct val="100208"/>
+              <a:buFont typeface="Arial"/>
+              <a:buChar char="•"/>
+            </a:pPr>
+            <a:r>
+              <a:rPr lang="en-US" sz="2405" dirty="0" smtClean="0"/>
+              <a:t>Timers</a:t>
+            </a:r>
             <a:endParaRPr lang="en" sz="2405" b="0" i="0" u="none" strike="noStrike" cap="none" dirty="0">
               <a:solidFill>
                 <a:schemeClr val="dk1"/>
@@ -23108,17 +23088,38 @@
               <a:buNone/>
             </a:pPr>
             <a:r>
-              <a:rPr lang="en" sz="4400" b="0" i="0" u="none" strike="noStrike" cap="none">
-                <a:solidFill>
-                  <a:schemeClr val="dk1"/>
-                </a:solidFill>
-                <a:latin typeface="Calibri"/>
-                <a:ea typeface="Calibri"/>
-                <a:cs typeface="Calibri"/>
-                <a:sym typeface="Calibri"/>
-              </a:rPr>
-              <a:t>State Backends</a:t>
-            </a:r>
+              <a:rPr lang="en" sz="4400" b="0" i="0" u="none" strike="noStrike" cap="none" dirty="0">
+                <a:solidFill>
+                  <a:schemeClr val="dk1"/>
+                </a:solidFill>
+                <a:latin typeface="Calibri"/>
+                <a:ea typeface="Calibri"/>
+                <a:cs typeface="Calibri"/>
+                <a:sym typeface="Calibri"/>
+              </a:rPr>
+              <a:t>State </a:t>
+            </a:r>
+            <a:r>
+              <a:rPr lang="en" sz="4400" b="0" i="0" u="none" strike="noStrike" cap="none" dirty="0" err="1" smtClean="0">
+                <a:solidFill>
+                  <a:schemeClr val="dk1"/>
+                </a:solidFill>
+                <a:latin typeface="Calibri"/>
+                <a:ea typeface="Calibri"/>
+                <a:cs typeface="Calibri"/>
+                <a:sym typeface="Calibri"/>
+              </a:rPr>
+              <a:t>Backends</a:t>
+            </a:r>
+            <a:endParaRPr lang="en" sz="4400" b="0" i="0" u="none" strike="noStrike" cap="none" dirty="0">
+              <a:solidFill>
+                <a:schemeClr val="dk1"/>
+              </a:solidFill>
+              <a:latin typeface="Calibri"/>
+              <a:ea typeface="Calibri"/>
+              <a:cs typeface="Calibri"/>
+              <a:sym typeface="Calibri"/>
+            </a:endParaRPr>
           </a:p>
         </p:txBody>
       </p:sp>
@@ -23169,7 +23170,7 @@
               <a:buChar char="▪"/>
             </a:pPr>
             <a:r>
-              <a:rPr lang="en" sz="2402" b="0" i="0" u="none" strike="noStrike" cap="none" dirty="0" err="1">
+              <a:rPr lang="en" sz="2402" b="0" i="0" u="none" strike="noStrike" cap="none" dirty="0" err="1" smtClean="0">
                 <a:solidFill>
                   <a:schemeClr val="dk1"/>
                 </a:solidFill>
@@ -23181,7 +23182,7 @@
               <a:t>MemoryStateBackend</a:t>
             </a:r>
             <a:r>
-              <a:rPr lang="en" sz="2402" b="0" i="0" u="none" strike="noStrike" cap="none" dirty="0">
+              <a:rPr lang="en" sz="2402" b="0" i="0" u="none" strike="noStrike" cap="none" dirty="0" smtClean="0">
                 <a:solidFill>
                   <a:schemeClr val="dk1"/>
                 </a:solidFill>
@@ -23212,7 +23213,7 @@
               <a:buChar char="•"/>
             </a:pPr>
             <a:r>
-              <a:rPr lang="en" sz="1937" b="0" i="0" u="none" strike="noStrike" cap="none" dirty="0">
+              <a:rPr lang="en" sz="1937" b="0" i="0" u="none" strike="noStrike" cap="none" dirty="0" smtClean="0">
                 <a:solidFill>
                   <a:srgbClr val="000000"/>
                 </a:solidFill>
@@ -23221,7 +23222,43 @@
                 <a:cs typeface="Calibri"/>
                 <a:sym typeface="Calibri"/>
               </a:rPr>
-              <a:t>State is hold as objects on worker JVM heap</a:t>
+              <a:t>State is h</a:t>
+            </a:r>
+            <a:r>
+              <a:rPr lang="en-US" sz="1937" b="0" i="0" u="none" strike="noStrike" cap="none" dirty="0" smtClean="0">
+                <a:solidFill>
+                  <a:srgbClr val="000000"/>
+                </a:solidFill>
+                <a:latin typeface="Calibri"/>
+                <a:ea typeface="Calibri"/>
+                <a:cs typeface="Calibri"/>
+                <a:sym typeface="Calibri"/>
+              </a:rPr>
+              <a:t>e</a:t>
+            </a:r>
+            <a:r>
+              <a:rPr lang="en" sz="1937" b="0" i="0" u="none" strike="noStrike" cap="none" dirty="0" err="1" smtClean="0">
+                <a:solidFill>
+                  <a:srgbClr val="000000"/>
+                </a:solidFill>
+                <a:latin typeface="Calibri"/>
+                <a:ea typeface="Calibri"/>
+                <a:cs typeface="Calibri"/>
+                <a:sym typeface="Calibri"/>
+              </a:rPr>
+              <a:t>ld</a:t>
+            </a:r>
+            <a:r>
+              <a:rPr lang="en" sz="1937" b="0" i="0" u="none" strike="noStrike" cap="none" dirty="0" smtClean="0">
+                <a:solidFill>
+                  <a:srgbClr val="000000"/>
+                </a:solidFill>
+                <a:latin typeface="Calibri"/>
+                <a:ea typeface="Calibri"/>
+                <a:cs typeface="Calibri"/>
+                <a:sym typeface="Calibri"/>
+              </a:rPr>
+              <a:t> as objects on worker JVM heap</a:t>
             </a:r>
           </a:p>
           <a:p>
@@ -23243,7 +23280,7 @@
               <a:buChar char="•"/>
             </a:pPr>
             <a:r>
-              <a:rPr lang="en" sz="1937" b="0" i="0" u="none" strike="noStrike" cap="none" dirty="0">
+              <a:rPr lang="en" sz="1937" b="0" i="0" u="none" strike="noStrike" cap="none" dirty="0" smtClean="0">
                 <a:solidFill>
                   <a:srgbClr val="000000"/>
                 </a:solidFill>
@@ -23274,7 +23311,7 @@
               <a:buChar char="•"/>
             </a:pPr>
             <a:r>
-              <a:rPr lang="en" sz="1937" b="0" i="0" u="none" strike="noStrike" cap="none" dirty="0">
+              <a:rPr lang="en" sz="1937" b="0" i="0" u="none" strike="noStrike" cap="none" dirty="0" smtClean="0">
                 <a:solidFill>
                   <a:srgbClr val="000000"/>
                 </a:solidFill>
@@ -23283,7 +23320,43 @@
                 <a:cs typeface="Calibri"/>
                 <a:sym typeface="Calibri"/>
               </a:rPr>
-              <a:t>Suitable for development and tiny state. Not highly-available</a:t>
+              <a:t>Suitable for development and tiny state</a:t>
+            </a:r>
+            <a:r>
+              <a:rPr lang="en-US" sz="1937" b="0" i="0" u="none" strike="noStrike" cap="none" dirty="0" smtClean="0">
+                <a:solidFill>
+                  <a:srgbClr val="000000"/>
+                </a:solidFill>
+                <a:latin typeface="Calibri"/>
+                <a:ea typeface="Calibri"/>
+                <a:cs typeface="Calibri"/>
+                <a:sym typeface="Calibri"/>
+              </a:rPr>
+              <a:t>; n</a:t>
+            </a:r>
+            <a:r>
+              <a:rPr lang="en" sz="1937" b="0" i="0" u="none" strike="noStrike" cap="none" dirty="0" err="1" smtClean="0">
+                <a:solidFill>
+                  <a:srgbClr val="000000"/>
+                </a:solidFill>
+                <a:latin typeface="Calibri"/>
+                <a:ea typeface="Calibri"/>
+                <a:cs typeface="Calibri"/>
+                <a:sym typeface="Calibri"/>
+              </a:rPr>
+              <a:t>ot</a:t>
+            </a:r>
+            <a:r>
+              <a:rPr lang="en" sz="1937" b="0" i="0" u="none" strike="noStrike" cap="none" dirty="0" smtClean="0">
+                <a:solidFill>
+                  <a:srgbClr val="000000"/>
+                </a:solidFill>
+                <a:latin typeface="Calibri"/>
+                <a:ea typeface="Calibri"/>
+                <a:cs typeface="Calibri"/>
+                <a:sym typeface="Calibri"/>
+              </a:rPr>
+              <a:t> highly-available</a:t>
             </a:r>
           </a:p>
           <a:p>
@@ -23304,7 +23377,7 @@
               <a:buFont typeface="Arial"/>
               <a:buNone/>
             </a:pPr>
-            <a:endParaRPr sz="1550" b="0" i="0" u="none" strike="noStrike" cap="none" dirty="0">
+            <a:endParaRPr sz="1550" b="0" i="0" u="none" strike="noStrike" cap="none" dirty="0" smtClean="0">
               <a:solidFill>
                 <a:srgbClr val="000000"/>
               </a:solidFill>
@@ -23333,7 +23406,7 @@
               <a:buChar char="▪"/>
             </a:pPr>
             <a:r>
-              <a:rPr lang="en" sz="2402" b="0" i="0" u="none" strike="noStrike" cap="none" dirty="0" err="1">
+              <a:rPr lang="en" sz="2402" b="0" i="0" u="none" strike="noStrike" cap="none" dirty="0" err="1" smtClean="0">
                 <a:solidFill>
                   <a:schemeClr val="dk1"/>
                 </a:solidFill>
@@ -23382,7 +23455,67 @@
                 <a:cs typeface="Calibri"/>
                 <a:sym typeface="Calibri"/>
               </a:rPr>
-              <a:t>State is hold on worker JVM heap (limited by heap size)</a:t>
+              <a:t>State is </a:t>
+            </a:r>
+            <a:r>
+              <a:rPr lang="en" sz="1860" b="0" i="0" u="none" strike="noStrike" cap="none" dirty="0" smtClean="0">
+                <a:solidFill>
+                  <a:schemeClr val="dk1"/>
+                </a:solidFill>
+                <a:latin typeface="Calibri"/>
+                <a:ea typeface="Calibri"/>
+                <a:cs typeface="Calibri"/>
+                <a:sym typeface="Calibri"/>
+              </a:rPr>
+              <a:t>h</a:t>
+            </a:r>
+            <a:r>
+              <a:rPr lang="en-US" sz="1860" b="0" i="0" u="none" strike="noStrike" cap="none" dirty="0" smtClean="0">
+                <a:solidFill>
+                  <a:schemeClr val="dk1"/>
+                </a:solidFill>
+                <a:latin typeface="Calibri"/>
+                <a:ea typeface="Calibri"/>
+                <a:cs typeface="Calibri"/>
+                <a:sym typeface="Calibri"/>
+              </a:rPr>
+              <a:t>e</a:t>
+            </a:r>
+            <a:r>
+              <a:rPr lang="en" sz="1860" b="0" i="0" u="none" strike="noStrike" cap="none" dirty="0" err="1" smtClean="0">
+                <a:solidFill>
+                  <a:schemeClr val="dk1"/>
+                </a:solidFill>
+                <a:latin typeface="Calibri"/>
+                <a:ea typeface="Calibri"/>
+                <a:cs typeface="Calibri"/>
+                <a:sym typeface="Calibri"/>
+              </a:rPr>
+              <a:t>ld</a:t>
+            </a:r>
+            <a:r>
+              <a:rPr lang="en" sz="1860" b="0" i="0" u="none" strike="noStrike" cap="none" dirty="0" smtClean="0">
+                <a:solidFill>
+                  <a:schemeClr val="dk1"/>
+                </a:solidFill>
+                <a:latin typeface="Calibri"/>
+                <a:ea typeface="Calibri"/>
+                <a:cs typeface="Calibri"/>
+                <a:sym typeface="Calibri"/>
+              </a:rPr>
+              <a:t> </a:t>
+            </a:r>
+            <a:r>
+              <a:rPr lang="en" sz="1860" b="0" i="0" u="none" strike="noStrike" cap="none" dirty="0">
+                <a:solidFill>
+                  <a:schemeClr val="dk1"/>
+                </a:solidFill>
+                <a:latin typeface="Calibri"/>
+                <a:ea typeface="Calibri"/>
+                <a:cs typeface="Calibri"/>
+                <a:sym typeface="Calibri"/>
+              </a:rPr>
+              <a:t>on worker JVM heap (limited by heap size)</a:t>
             </a:r>
           </a:p>
           <a:p>
@@ -23765,43 +23898,6 @@
               <a:t>requirements</a:t>
             </a:r>
             <a:endParaRPr lang="en-US" sz="1860" b="0" i="0" u="none" strike="noStrike" cap="none" dirty="0" smtClean="0">
-              <a:solidFill>
-                <a:schemeClr val="dk1"/>
-              </a:solidFill>
-              <a:latin typeface="Calibri"/>
-              <a:ea typeface="Calibri"/>
-              <a:cs typeface="Calibri"/>
-              <a:sym typeface="Calibri"/>
-            </a:endParaRPr>
-          </a:p>
-          <a:p>
-            <a:pPr marL="742950" marR="0" lvl="1" indent="-285750" algn="l" rtl="0">
-              <a:lnSpc>
-                <a:spcPct val="80000"/>
-              </a:lnSpc>
-              <a:spcBef>
-                <a:spcPts val="372"/>
-              </a:spcBef>
-              <a:buClr>
-                <a:srgbClr val="34AD91"/>
-              </a:buClr>
-              <a:buSzPct val="97894"/>
-              <a:buFont typeface="Arial"/>
-              <a:buChar char="•"/>
-            </a:pPr>
-            <a:r>
-              <a:rPr lang="en-US" sz="1860" dirty="0" smtClean="0"/>
-              <a:t>Only backend that supports fully </a:t>
-            </a:r>
-            <a:r>
-              <a:rPr lang="en-US" sz="1860" dirty="0" err="1" smtClean="0"/>
-              <a:t>async</a:t>
-            </a:r>
-            <a:r>
-              <a:rPr lang="en-US" sz="1860" dirty="0" smtClean="0"/>
-              <a:t> state snapshots</a:t>
-            </a:r>
-            <a:endParaRPr lang="en" sz="1860" b="0" i="0" u="none" strike="noStrike" cap="none" dirty="0">
               <a:solidFill>
                 <a:schemeClr val="dk1"/>
               </a:solidFill>
@@ -23874,6 +23970,11 @@
         </p:txBody>
       </p:sp>
     </p:spTree>
+    <p:extLst>
+      <p:ext uri="{BB962C8B-B14F-4D97-AF65-F5344CB8AC3E}">
+        <p14:creationId xmlns:p14="http://schemas.microsoft.com/office/powerpoint/2010/main" val="1404082355"/>
+      </p:ext>
+    </p:extLst>
   </p:cSld>
   <p:clrMapOvr>
     <a:masterClrMapping/>
@@ -24079,7 +24180,7 @@
               <a:buChar char="▪"/>
             </a:pPr>
             <a:r>
-              <a:rPr lang="en" sz="2400" b="0" i="0" u="none" strike="noStrike" cap="none">
+              <a:rPr lang="en" sz="2400" b="0" i="0" u="none" strike="noStrike" cap="none" dirty="0">
                 <a:solidFill>
                   <a:schemeClr val="dk1"/>
                 </a:solidFill>
@@ -24091,7 +24192,7 @@
               <a:t>Configuration of default state backend in </a:t>
             </a:r>
             <a:br>
-              <a:rPr lang="en" sz="2400" b="0" i="0" u="none" strike="noStrike" cap="none">
+              <a:rPr lang="en" sz="2400" b="0" i="0" u="none" strike="noStrike" cap="none" dirty="0">
                 <a:solidFill>
                   <a:schemeClr val="dk1"/>
                 </a:solidFill>
@@ -24102,7 +24203,7 @@
               </a:rPr>
             </a:br>
             <a:r>
-              <a:rPr lang="en" sz="2400" b="0" i="0" u="none" strike="noStrike" cap="none">
+              <a:rPr lang="en" sz="2400" b="0" i="0" u="none" strike="noStrike" cap="none" dirty="0">
                 <a:solidFill>
                   <a:schemeClr val="dk1"/>
                 </a:solidFill>
@@ -24114,7 +24215,7 @@
               <a:t> </a:t>
             </a:r>
             <a:r>
-              <a:rPr lang="en" sz="1200" b="0" i="0" u="none" strike="noStrike" cap="none">
+              <a:rPr lang="en" sz="1200" b="0" i="0" u="none" strike="noStrike" cap="none" dirty="0">
                 <a:solidFill>
                   <a:schemeClr val="dk1"/>
                 </a:solidFill>
@@ -24126,7 +24227,7 @@
               <a:t> </a:t>
             </a:r>
             <a:r>
-              <a:rPr lang="en" sz="2400" b="0" i="0" u="none" strike="noStrike" cap="none">
+              <a:rPr lang="en" sz="2400" b="0" i="0" u="none" strike="noStrike" cap="none" dirty="0">
                 <a:solidFill>
                   <a:schemeClr val="dk1"/>
                 </a:solidFill>
@@ -24138,7 +24239,7 @@
               <a:t/>
             </a:r>
             <a:br>
-              <a:rPr lang="en" sz="2400" b="0" i="0" u="none" strike="noStrike" cap="none">
+              <a:rPr lang="en" sz="2400" b="0" i="0" u="none" strike="noStrike" cap="none" dirty="0">
                 <a:solidFill>
                   <a:schemeClr val="dk1"/>
                 </a:solidFill>
@@ -24149,7 +24250,7 @@
               </a:rPr>
             </a:br>
             <a:r>
-              <a:rPr lang="en" sz="1800" b="0" i="0" u="none" strike="noStrike" cap="none">
+              <a:rPr lang="en" sz="1800" b="0" i="0" u="none" strike="noStrike" cap="none" dirty="0">
                 <a:solidFill>
                   <a:schemeClr val="dk1"/>
                 </a:solidFill>
@@ -24158,8 +24259,53 @@
                 <a:cs typeface="Arial"/>
                 <a:sym typeface="Arial"/>
               </a:rPr>
-              <a:t>./conf/flink-conf.yaml</a:t>
-            </a:r>
+              <a:t>./</a:t>
+            </a:r>
+            <a:r>
+              <a:rPr lang="en" sz="1800" b="0" i="0" u="none" strike="noStrike" cap="none" dirty="0" err="1">
+                <a:solidFill>
+                  <a:schemeClr val="dk1"/>
+                </a:solidFill>
+                <a:latin typeface="Arial"/>
+                <a:ea typeface="Arial"/>
+                <a:cs typeface="Arial"/>
+                <a:sym typeface="Arial"/>
+              </a:rPr>
+              <a:t>conf</a:t>
+            </a:r>
+            <a:r>
+              <a:rPr lang="en" sz="1800" b="0" i="0" u="none" strike="noStrike" cap="none" dirty="0">
+                <a:solidFill>
+                  <a:schemeClr val="dk1"/>
+                </a:solidFill>
+                <a:latin typeface="Arial"/>
+                <a:ea typeface="Arial"/>
+                <a:cs typeface="Arial"/>
+                <a:sym typeface="Arial"/>
+              </a:rPr>
+              <a:t>/</a:t>
+            </a:r>
+            <a:r>
+              <a:rPr lang="en" sz="1800" b="0" i="0" u="none" strike="noStrike" cap="none" dirty="0" err="1">
+                <a:solidFill>
+                  <a:schemeClr val="dk1"/>
+                </a:solidFill>
+                <a:latin typeface="Arial"/>
+                <a:ea typeface="Arial"/>
+                <a:cs typeface="Arial"/>
+                <a:sym typeface="Arial"/>
+              </a:rPr>
+              <a:t>flink-conf.yaml</a:t>
+            </a:r>
+            <a:endParaRPr lang="en" sz="1800" b="0" i="0" u="none" strike="noStrike" cap="none" dirty="0">
+              <a:solidFill>
+                <a:schemeClr val="dk1"/>
+              </a:solidFill>
+              <a:latin typeface="Arial"/>
+              <a:ea typeface="Arial"/>
+              <a:cs typeface="Arial"/>
+              <a:sym typeface="Arial"/>
+            </a:endParaRPr>
           </a:p>
           <a:p>
             <a:pPr marL="742950" marR="0" lvl="1" indent="-285750" algn="l" rtl="0">
@@ -24179,7 +24325,7 @@
               <a:buFont typeface="Arial"/>
               <a:buNone/>
             </a:pPr>
-            <a:endParaRPr sz="2000" b="0" i="0" u="none" strike="noStrike" cap="none">
+            <a:endParaRPr sz="2000" b="0" i="0" u="none" strike="noStrike" cap="none" dirty="0">
               <a:solidFill>
                 <a:schemeClr val="dk1"/>
               </a:solidFill>
@@ -24208,7 +24354,7 @@
               <a:buChar char="▪"/>
             </a:pPr>
             <a:r>
-              <a:rPr lang="en" sz="2400" b="0" i="0" u="none" strike="noStrike" cap="none">
+              <a:rPr lang="en" sz="2400" b="0" i="0" u="none" strike="noStrike" cap="none" dirty="0">
                 <a:solidFill>
                   <a:schemeClr val="dk1"/>
                 </a:solidFill>
@@ -24220,7 +24366,7 @@
               <a:t>State backend configuration in job</a:t>
             </a:r>
             <a:br>
-              <a:rPr lang="en" sz="2400" b="0" i="0" u="none" strike="noStrike" cap="none">
+              <a:rPr lang="en" sz="2400" b="0" i="0" u="none" strike="noStrike" cap="none" dirty="0">
                 <a:solidFill>
                   <a:schemeClr val="dk1"/>
                 </a:solidFill>
@@ -24231,7 +24377,7 @@
               </a:rPr>
             </a:br>
             <a:r>
-              <a:rPr lang="en" sz="2400" b="0" i="0" u="none" strike="noStrike" cap="none">
+              <a:rPr lang="en" sz="2400" b="0" i="0" u="none" strike="noStrike" cap="none" dirty="0">
                 <a:solidFill>
                   <a:schemeClr val="dk1"/>
                 </a:solidFill>
@@ -24243,7 +24389,7 @@
               <a:t/>
             </a:r>
             <a:br>
-              <a:rPr lang="en" sz="2400" b="0" i="0" u="none" strike="noStrike" cap="none">
+              <a:rPr lang="en" sz="2400" b="0" i="0" u="none" strike="noStrike" cap="none" dirty="0">
                 <a:solidFill>
                   <a:schemeClr val="dk1"/>
                 </a:solidFill>
@@ -24254,7 +24400,7 @@
               </a:rPr>
             </a:br>
             <a:r>
-              <a:rPr lang="en" sz="1800" b="0" i="0" u="none" strike="noStrike" cap="none">
+              <a:rPr lang="en" sz="1800" b="0" i="0" u="none" strike="noStrike" cap="none" dirty="0" err="1">
                 <a:solidFill>
                   <a:schemeClr val="dk1"/>
                 </a:solidFill>
@@ -24263,7 +24409,19 @@
                 <a:cs typeface="Arial"/>
                 <a:sym typeface="Arial"/>
               </a:rPr>
-              <a:t>env.setStateBackend(</a:t>
+              <a:t>env.setStateBackend</a:t>
+            </a:r>
+            <a:r>
+              <a:rPr lang="en" sz="1800" b="0" i="0" u="none" strike="noStrike" cap="none" dirty="0">
+                <a:solidFill>
+                  <a:schemeClr val="dk1"/>
+                </a:solidFill>
+                <a:latin typeface="Arial"/>
+                <a:ea typeface="Arial"/>
+                <a:cs typeface="Arial"/>
+                <a:sym typeface="Arial"/>
+              </a:rPr>
+              <a:t>(</a:t>
             </a:r>
           </a:p>
           <a:p>
@@ -24285,7 +24443,7 @@
               <a:buNone/>
             </a:pPr>
             <a:r>
-              <a:rPr lang="en" sz="1800" b="0" i="0" u="none" strike="noStrike" cap="none">
+              <a:rPr lang="en" sz="1800" b="0" i="0" u="none" strike="noStrike" cap="none" dirty="0">
                 <a:solidFill>
                   <a:schemeClr val="dk1"/>
                 </a:solidFill>
@@ -24294,10 +24452,10 @@
                 <a:cs typeface="Arial"/>
                 <a:sym typeface="Arial"/>
               </a:rPr>
-              <a:t>  new FsStateBackend(</a:t>
-            </a:r>
-            <a:br>
-              <a:rPr lang="en" sz="1800" b="0" i="0" u="none" strike="noStrike" cap="none">
+              <a:t>  new </a:t>
+            </a:r>
+            <a:r>
+              <a:rPr lang="en" sz="1800" b="0" i="0" u="none" strike="noStrike" cap="none" dirty="0" err="1">
                 <a:solidFill>
                   <a:schemeClr val="dk1"/>
                 </a:solidFill>
@@ -24306,9 +24464,10 @@
                 <a:cs typeface="Arial"/>
                 <a:sym typeface="Arial"/>
               </a:rPr>
-            </a:br>
-            <a:r>
-              <a:rPr lang="en" sz="1800" b="0" i="0" u="none" strike="noStrike" cap="none">
+              <a:t>FsStateBackend</a:t>
+            </a:r>
+            <a:r>
+              <a:rPr lang="en" sz="1800" b="0" i="0" u="none" strike="noStrike" cap="none" dirty="0">
                 <a:solidFill>
                   <a:schemeClr val="dk1"/>
                 </a:solidFill>
@@ -24317,10 +24476,10 @@
                 <a:cs typeface="Arial"/>
                 <a:sym typeface="Arial"/>
               </a:rPr>
-              <a:t>    "hdfs://namenode:40010/flink/checkpoints”</a:t>
+              <a:t>(</a:t>
             </a:r>
             <a:br>
-              <a:rPr lang="en" sz="1800" b="0" i="0" u="none" strike="noStrike" cap="none">
+              <a:rPr lang="en" sz="1800" b="0" i="0" u="none" strike="noStrike" cap="none" dirty="0">
                 <a:solidFill>
                   <a:schemeClr val="dk1"/>
                 </a:solidFill>
@@ -24331,7 +24490,78 @@
               </a:rPr>
             </a:br>
             <a:r>
-              <a:rPr lang="en" sz="1800" b="0" i="0" u="none" strike="noStrike" cap="none">
+              <a:rPr lang="en" sz="1800" b="0" i="0" u="none" strike="noStrike" cap="none" dirty="0">
+                <a:solidFill>
+                  <a:schemeClr val="dk1"/>
+                </a:solidFill>
+                <a:latin typeface="Arial"/>
+                <a:ea typeface="Arial"/>
+                <a:cs typeface="Arial"/>
+                <a:sym typeface="Arial"/>
+              </a:rPr>
+              <a:t>    "</a:t>
+            </a:r>
+            <a:r>
+              <a:rPr lang="en" sz="1800" b="0" i="0" u="none" strike="noStrike" cap="none" dirty="0" err="1">
+                <a:solidFill>
+                  <a:schemeClr val="dk1"/>
+                </a:solidFill>
+                <a:latin typeface="Arial"/>
+                <a:ea typeface="Arial"/>
+                <a:cs typeface="Arial"/>
+                <a:sym typeface="Arial"/>
+              </a:rPr>
+              <a:t>hdfs</a:t>
+            </a:r>
+            <a:r>
+              <a:rPr lang="en" sz="1800" b="0" i="0" u="none" strike="noStrike" cap="none" dirty="0">
+                <a:solidFill>
+                  <a:schemeClr val="dk1"/>
+                </a:solidFill>
+                <a:latin typeface="Arial"/>
+                <a:ea typeface="Arial"/>
+                <a:cs typeface="Arial"/>
+                <a:sym typeface="Arial"/>
+              </a:rPr>
+              <a:t>://namenode:40010/</a:t>
+            </a:r>
+            <a:r>
+              <a:rPr lang="en" sz="1800" b="0" i="0" u="none" strike="noStrike" cap="none" dirty="0" err="1">
+                <a:solidFill>
+                  <a:schemeClr val="dk1"/>
+                </a:solidFill>
+                <a:latin typeface="Arial"/>
+                <a:ea typeface="Arial"/>
+                <a:cs typeface="Arial"/>
+                <a:sym typeface="Arial"/>
+              </a:rPr>
+              <a:t>flink</a:t>
+            </a:r>
+            <a:r>
+              <a:rPr lang="en" sz="1800" b="0" i="0" u="none" strike="noStrike" cap="none" dirty="0">
+                <a:solidFill>
+                  <a:schemeClr val="dk1"/>
+                </a:solidFill>
+                <a:latin typeface="Arial"/>
+                <a:ea typeface="Arial"/>
+                <a:cs typeface="Arial"/>
+                <a:sym typeface="Arial"/>
+              </a:rPr>
+              <a:t>/checkpoints”</a:t>
+            </a:r>
+            <a:br>
+              <a:rPr lang="en" sz="1800" b="0" i="0" u="none" strike="noStrike" cap="none" dirty="0">
+                <a:solidFill>
+                  <a:schemeClr val="dk1"/>
+                </a:solidFill>
+                <a:latin typeface="Arial"/>
+                <a:ea typeface="Arial"/>
+                <a:cs typeface="Arial"/>
+                <a:sym typeface="Arial"/>
+              </a:rPr>
+            </a:br>
+            <a:r>
+              <a:rPr lang="en" sz="1800" b="0" i="0" u="none" strike="noStrike" cap="none" dirty="0">
                 <a:solidFill>
                   <a:schemeClr val="dk1"/>
                 </a:solidFill>
@@ -24361,7 +24591,7 @@
               <a:buFont typeface="Noto Sans Symbols"/>
               <a:buNone/>
             </a:pPr>
-            <a:endParaRPr sz="2400" b="0" i="0" u="none" strike="noStrike" cap="none">
+            <a:endParaRPr sz="2400" b="0" i="0" u="none" strike="noStrike" cap="none" dirty="0">
               <a:solidFill>
                 <a:schemeClr val="dk1"/>
               </a:solidFill>
@@ -24370,62 +24600,6 @@
               <a:cs typeface="Consolas"/>
               <a:sym typeface="Consolas"/>
             </a:endParaRPr>
-          </a:p>
-          <a:p>
-            <a:pPr marL="342900" marR="0" lvl="0" indent="-342900" algn="l" rtl="0">
-              <a:lnSpc>
-                <a:spcPct val="90000"/>
-              </a:lnSpc>
-              <a:spcBef>
-                <a:spcPts val="480"/>
-              </a:spcBef>
-              <a:spcAft>
-                <a:spcPts val="0"/>
-              </a:spcAft>
-              <a:buClr>
-                <a:srgbClr val="34AD91"/>
-              </a:buClr>
-              <a:buSzPct val="100000"/>
-              <a:buFont typeface="Noto Sans Symbols"/>
-              <a:buChar char="▪"/>
-            </a:pPr>
-            <a:r>
-              <a:rPr lang="en" sz="2400" b="0" i="0" u="none" strike="noStrike" cap="none">
-                <a:solidFill>
-                  <a:schemeClr val="dk1"/>
-                </a:solidFill>
-                <a:latin typeface="Calibri"/>
-                <a:ea typeface="Calibri"/>
-                <a:cs typeface="Calibri"/>
-                <a:sym typeface="Calibri"/>
-              </a:rPr>
-              <a:t>See the docs for details</a:t>
-            </a:r>
-          </a:p>
-          <a:p>
-            <a:pPr marL="400050" marR="0" lvl="2" indent="-6350" algn="l" rtl="0">
-              <a:lnSpc>
-                <a:spcPct val="90000"/>
-              </a:lnSpc>
-              <a:spcBef>
-                <a:spcPts val="360"/>
-              </a:spcBef>
-              <a:buClr>
-                <a:srgbClr val="34AD92"/>
-              </a:buClr>
-              <a:buSzPct val="25000"/>
-              <a:buFont typeface="Arial"/>
-              <a:buNone/>
-            </a:pPr>
-            <a:r>
-              <a:rPr lang="en" sz="1700" u="sng">
-                <a:solidFill>
-                  <a:schemeClr val="hlink"/>
-                </a:solidFill>
-                <a:hlinkClick r:id="rId3"/>
-              </a:rPr>
-              <a:t>https://ci.apache.org/projects/flink/flink-docs-release-1.2/dev/state_backends.html</a:t>
-            </a:r>
           </a:p>
         </p:txBody>
       </p:sp>
@@ -25352,448 +25526,6 @@
               <a:solidFill>
                 <a:schemeClr val="dk1"/>
               </a:solidFill>
-              <a:sym typeface="Calibri"/>
-            </a:endParaRPr>
-          </a:p>
-        </p:txBody>
-      </p:sp>
-    </p:spTree>
-  </p:cSld>
-  <p:clrMapOvr>
-    <a:masterClrMapping/>
-  </p:clrMapOvr>
-  <p:timing>
-    <p:tnLst>
-      <p:par>
-        <p:cTn id="1" dur="indefinite" restart="never" nodeType="tmRoot"/>
-      </p:par>
-    </p:tnLst>
-  </p:timing>
-</p:sld>
-</file>
-
-<file path=ppt/slides/slide23.xml><?xml version="1.0" encoding="utf-8"?>
-<p:sld xmlns:a="http://schemas.openxmlformats.org/drawingml/2006/main" xmlns:r="http://schemas.openxmlformats.org/officeDocument/2006/relationships" xmlns:p="http://schemas.openxmlformats.org/presentationml/2006/main">
-  <p:cSld>
-    <p:spTree>
-      <p:nvGrpSpPr>
-        <p:cNvPr id="1" name="Shape 284"/>
-        <p:cNvGrpSpPr/>
-        <p:nvPr/>
-      </p:nvGrpSpPr>
-      <p:grpSpPr>
-        <a:xfrm>
-          <a:off x="0" y="0"/>
-          <a:ext cx="0" cy="0"/>
-          <a:chOff x="0" y="0"/>
-          <a:chExt cx="0" cy="0"/>
-        </a:xfrm>
-      </p:grpSpPr>
-      <p:sp>
-        <p:nvSpPr>
-          <p:cNvPr id="285" name="Shape 285"/>
-          <p:cNvSpPr txBox="1">
-            <a:spLocks noGrp="1"/>
-          </p:cNvSpPr>
-          <p:nvPr>
-            <p:ph type="title"/>
-          </p:nvPr>
-        </p:nvSpPr>
-        <p:spPr>
-          <a:xfrm>
-            <a:off x="457200" y="274637"/>
-            <a:ext cx="7474684" cy="898405"/>
-          </a:xfrm>
-          <a:prstGeom prst="rect">
-            <a:avLst/>
-          </a:prstGeom>
-          <a:noFill/>
-          <a:ln>
-            <a:noFill/>
-          </a:ln>
-        </p:spPr>
-        <p:txBody>
-          <a:bodyPr lIns="91425" tIns="45700" rIns="91425" bIns="45700" anchor="ctr" anchorCtr="0">
-            <a:noAutofit/>
-          </a:bodyPr>
-          <a:lstStyle/>
-          <a:p>
-            <a:pPr marL="0" marR="0" lvl="0" indent="0" algn="l" rtl="0">
-              <a:spcBef>
-                <a:spcPts val="0"/>
-              </a:spcBef>
-              <a:buClr>
-                <a:schemeClr val="dk1"/>
-              </a:buClr>
-              <a:buSzPct val="25000"/>
-              <a:buFont typeface="Calibri"/>
-              <a:buNone/>
-            </a:pPr>
-            <a:r>
-              <a:rPr lang="en" sz="4400" b="0" i="0" u="none" strike="noStrike" cap="none">
-                <a:solidFill>
-                  <a:schemeClr val="dk1"/>
-                </a:solidFill>
-                <a:latin typeface="Calibri"/>
-                <a:ea typeface="Calibri"/>
-                <a:cs typeface="Calibri"/>
-                <a:sym typeface="Calibri"/>
-              </a:rPr>
-              <a:t>References</a:t>
-            </a:r>
-          </a:p>
-        </p:txBody>
-      </p:sp>
-      <p:sp>
-        <p:nvSpPr>
-          <p:cNvPr id="286" name="Shape 286"/>
-          <p:cNvSpPr txBox="1">
-            <a:spLocks noGrp="1"/>
-          </p:cNvSpPr>
-          <p:nvPr>
-            <p:ph type="body" idx="1"/>
-          </p:nvPr>
-        </p:nvSpPr>
-        <p:spPr>
-          <a:xfrm>
-            <a:off x="457200" y="1474375"/>
-            <a:ext cx="8421000" cy="4651800"/>
-          </a:xfrm>
-          <a:prstGeom prst="rect">
-            <a:avLst/>
-          </a:prstGeom>
-          <a:noFill/>
-          <a:ln>
-            <a:noFill/>
-          </a:ln>
-        </p:spPr>
-        <p:txBody>
-          <a:bodyPr lIns="91425" tIns="45700" rIns="91425" bIns="45700" anchor="t" anchorCtr="0">
-            <a:noAutofit/>
-          </a:bodyPr>
-          <a:lstStyle/>
-          <a:p>
-            <a:pPr marL="342900" marR="0" lvl="0" indent="-342900" algn="l" rtl="0">
-              <a:spcBef>
-                <a:spcPts val="0"/>
-              </a:spcBef>
-              <a:spcAft>
-                <a:spcPts val="0"/>
-              </a:spcAft>
-              <a:buClr>
-                <a:srgbClr val="34AD91"/>
-              </a:buClr>
-              <a:buSzPct val="100000"/>
-              <a:buFont typeface="Noto Sans Symbols"/>
-              <a:buChar char="▪"/>
-            </a:pPr>
-            <a:r>
-              <a:rPr lang="en" sz="2400" b="0" i="0" u="none" strike="noStrike" cap="none" dirty="0">
-                <a:solidFill>
-                  <a:schemeClr val="dk1"/>
-                </a:solidFill>
-                <a:latin typeface="Calibri"/>
-                <a:ea typeface="Calibri"/>
-                <a:cs typeface="Calibri"/>
-                <a:sym typeface="Calibri"/>
-              </a:rPr>
-              <a:t>Documentation</a:t>
-            </a:r>
-          </a:p>
-          <a:p>
-            <a:pPr marL="742950" marR="0" lvl="1" indent="-285750" algn="l" rtl="0">
-              <a:spcBef>
-                <a:spcPts val="300"/>
-              </a:spcBef>
-              <a:spcAft>
-                <a:spcPts val="0"/>
-              </a:spcAft>
-              <a:buClr>
-                <a:srgbClr val="34AD91"/>
-              </a:buClr>
-              <a:buSzPct val="100000"/>
-              <a:buFont typeface="Arial"/>
-              <a:buChar char="•"/>
-            </a:pPr>
-            <a:r>
-              <a:rPr lang="en" sz="1500" u="sng" dirty="0">
-                <a:solidFill>
-                  <a:schemeClr val="hlink"/>
-                </a:solidFill>
-                <a:hlinkClick r:id="rId3"/>
-              </a:rPr>
-              <a:t>https://ci.apache.org/projects/flink/flink-docs-release-1.2/internals/stream_checkpointing.html</a:t>
-            </a:r>
-          </a:p>
-          <a:p>
-            <a:pPr marL="742950" marR="0" lvl="1" indent="-285750" algn="l" rtl="0">
-              <a:spcBef>
-                <a:spcPts val="300"/>
-              </a:spcBef>
-              <a:spcAft>
-                <a:spcPts val="0"/>
-              </a:spcAft>
-              <a:buClr>
-                <a:srgbClr val="34AD91"/>
-              </a:buClr>
-              <a:buSzPct val="100000"/>
-              <a:buFont typeface="Arial"/>
-              <a:buChar char="•"/>
-            </a:pPr>
-            <a:r>
-              <a:rPr lang="en" sz="1500" u="sng" dirty="0">
-                <a:solidFill>
-                  <a:schemeClr val="hlink"/>
-                </a:solidFill>
-                <a:hlinkClick r:id="rId4"/>
-              </a:rPr>
-              <a:t>https://</a:t>
-            </a:r>
-            <a:r>
-              <a:rPr lang="en" sz="1500" u="sng" dirty="0" smtClean="0">
-                <a:solidFill>
-                  <a:schemeClr val="hlink"/>
-                </a:solidFill>
-                <a:hlinkClick r:id="rId4"/>
-              </a:rPr>
-              <a:t>ci.apache.org/projects/flink/flink-docs-release-1.2/dev/</a:t>
-            </a:r>
-            <a:r>
-              <a:rPr lang="en-US" sz="1500" u="sng" dirty="0" smtClean="0">
-                <a:solidFill>
-                  <a:schemeClr val="hlink"/>
-                </a:solidFill>
-                <a:hlinkClick r:id="rId4"/>
-              </a:rPr>
-              <a:t>stream/</a:t>
-            </a:r>
-            <a:r>
-              <a:rPr lang="en" sz="1500" u="sng" dirty="0" smtClean="0">
-                <a:solidFill>
-                  <a:schemeClr val="hlink"/>
-                </a:solidFill>
-                <a:hlinkClick r:id="rId4"/>
-              </a:rPr>
-              <a:t>state.html</a:t>
-            </a:r>
-            <a:endParaRPr lang="en" sz="1500" u="sng" dirty="0">
-              <a:solidFill>
-                <a:schemeClr val="hlink"/>
-              </a:solidFill>
-              <a:hlinkClick r:id="rId4"/>
-            </a:endParaRPr>
-          </a:p>
-          <a:p>
-            <a:pPr marL="742950" marR="0" lvl="1" indent="-285750" algn="l" rtl="0">
-              <a:spcBef>
-                <a:spcPts val="300"/>
-              </a:spcBef>
-              <a:spcAft>
-                <a:spcPts val="0"/>
-              </a:spcAft>
-              <a:buClr>
-                <a:srgbClr val="34AD91"/>
-              </a:buClr>
-              <a:buSzPct val="100000"/>
-              <a:buFont typeface="Arial"/>
-              <a:buChar char="•"/>
-            </a:pPr>
-            <a:r>
-              <a:rPr lang="en" sz="1500" u="sng" dirty="0">
-                <a:solidFill>
-                  <a:schemeClr val="hlink"/>
-                </a:solidFill>
-                <a:hlinkClick r:id="rId5"/>
-              </a:rPr>
-              <a:t>https://ci.apache.org/projects/flink/flink-docs-release-1.2/setup/fault_tolerance.html</a:t>
-            </a:r>
-          </a:p>
-          <a:p>
-            <a:pPr marL="742950" marR="0" lvl="1" indent="-285750" algn="l" rtl="0">
-              <a:spcBef>
-                <a:spcPts val="300"/>
-              </a:spcBef>
-              <a:spcAft>
-                <a:spcPts val="0"/>
-              </a:spcAft>
-              <a:buClr>
-                <a:srgbClr val="34AD91"/>
-              </a:buClr>
-              <a:buSzPct val="100000"/>
-              <a:buFont typeface="Arial"/>
-              <a:buChar char="•"/>
-            </a:pPr>
-            <a:r>
-              <a:rPr lang="en" sz="1500" u="sng" dirty="0">
-                <a:solidFill>
-                  <a:schemeClr val="hlink"/>
-                </a:solidFill>
-                <a:hlinkClick r:id="rId6"/>
-              </a:rPr>
-              <a:t>https://ci.apache.org/projects/flink/flink-docs-release-1.2/setup/savepoints.html</a:t>
-            </a:r>
-          </a:p>
-          <a:p>
-            <a:pPr marL="742950" marR="0" lvl="1" indent="-285750" algn="l" rtl="0">
-              <a:spcBef>
-                <a:spcPts val="300"/>
-              </a:spcBef>
-              <a:spcAft>
-                <a:spcPts val="0"/>
-              </a:spcAft>
-              <a:buClr>
-                <a:srgbClr val="34AD91"/>
-              </a:buClr>
-              <a:buSzPct val="100000"/>
-              <a:buFont typeface="Arial"/>
-              <a:buChar char="•"/>
-            </a:pPr>
-            <a:r>
-              <a:rPr lang="en" sz="1500" u="sng" dirty="0">
-                <a:solidFill>
-                  <a:schemeClr val="hlink"/>
-                </a:solidFill>
-                <a:hlinkClick r:id="rId7"/>
-              </a:rPr>
-              <a:t>https://ci.apache.org/projects/flink/flink-docs-release-1.2/setup/cli.html</a:t>
-            </a:r>
-          </a:p>
-          <a:p>
-            <a:pPr marL="342900" marR="0" lvl="0" indent="-342900" algn="l" rtl="0">
-              <a:spcBef>
-                <a:spcPts val="480"/>
-              </a:spcBef>
-              <a:spcAft>
-                <a:spcPts val="0"/>
-              </a:spcAft>
-              <a:buClr>
-                <a:srgbClr val="34AD91"/>
-              </a:buClr>
-              <a:buSzPct val="100000"/>
-              <a:buFont typeface="Noto Sans Symbols"/>
-              <a:buNone/>
-            </a:pPr>
-            <a:endParaRPr sz="2400" b="0" i="0" u="none" strike="noStrike" cap="none" dirty="0">
-              <a:solidFill>
-                <a:schemeClr val="dk1"/>
-              </a:solidFill>
-              <a:latin typeface="Calibri"/>
-              <a:ea typeface="Calibri"/>
-              <a:cs typeface="Calibri"/>
-              <a:sym typeface="Calibri"/>
-            </a:endParaRPr>
-          </a:p>
-          <a:p>
-            <a:pPr marL="342900" marR="0" lvl="0" indent="-342900" algn="l" rtl="0">
-              <a:spcBef>
-                <a:spcPts val="480"/>
-              </a:spcBef>
-              <a:spcAft>
-                <a:spcPts val="0"/>
-              </a:spcAft>
-              <a:buClr>
-                <a:srgbClr val="34AD91"/>
-              </a:buClr>
-              <a:buSzPct val="100000"/>
-              <a:buFont typeface="Noto Sans Symbols"/>
-              <a:buChar char="▪"/>
-            </a:pPr>
-            <a:r>
-              <a:rPr lang="en" sz="2400" b="0" i="0" u="none" strike="noStrike" cap="none" dirty="0">
-                <a:solidFill>
-                  <a:schemeClr val="dk1"/>
-                </a:solidFill>
-                <a:latin typeface="Calibri"/>
-                <a:ea typeface="Calibri"/>
-                <a:cs typeface="Calibri"/>
-                <a:sym typeface="Calibri"/>
-              </a:rPr>
-              <a:t>Blog posts</a:t>
-            </a:r>
-          </a:p>
-          <a:p>
-            <a:pPr marL="742950" marR="0" lvl="1" indent="-285750" algn="l" rtl="0">
-              <a:spcBef>
-                <a:spcPts val="280"/>
-              </a:spcBef>
-              <a:buClr>
-                <a:srgbClr val="34AD91"/>
-              </a:buClr>
-              <a:buSzPct val="100000"/>
-              <a:buFont typeface="Arial"/>
-              <a:buChar char="•"/>
-            </a:pPr>
-            <a:r>
-              <a:rPr lang="en" sz="1400" b="0" i="0" u="sng" strike="noStrike" cap="none" dirty="0">
-                <a:solidFill>
-                  <a:schemeClr val="hlink"/>
-                </a:solidFill>
-                <a:latin typeface="Calibri"/>
-                <a:ea typeface="Calibri"/>
-                <a:cs typeface="Calibri"/>
-                <a:sym typeface="Calibri"/>
-                <a:hlinkClick r:id="rId8"/>
-              </a:rPr>
-              <a:t>http://data-artisans.com/how-apache-flink-enables-new-streaming-applications/</a:t>
-            </a:r>
-          </a:p>
-        </p:txBody>
-      </p:sp>
-      <p:sp>
-        <p:nvSpPr>
-          <p:cNvPr id="287" name="Shape 287"/>
-          <p:cNvSpPr txBox="1">
-            <a:spLocks noGrp="1"/>
-          </p:cNvSpPr>
-          <p:nvPr>
-            <p:ph type="sldNum" idx="12"/>
-          </p:nvPr>
-        </p:nvSpPr>
-        <p:spPr>
-          <a:xfrm>
-            <a:off x="6553200" y="6356350"/>
-            <a:ext cx="2133599" cy="365125"/>
-          </a:xfrm>
-          <a:prstGeom prst="rect">
-            <a:avLst/>
-          </a:prstGeom>
-          <a:noFill/>
-          <a:ln>
-            <a:noFill/>
-          </a:ln>
-        </p:spPr>
-        <p:txBody>
-          <a:bodyPr lIns="91425" tIns="45700" rIns="91425" bIns="45700" anchor="ctr" anchorCtr="0">
-            <a:noAutofit/>
-          </a:bodyPr>
-          <a:lstStyle/>
-          <a:p>
-            <a:pPr marL="0" marR="0" lvl="0" indent="0" algn="r" rtl="0">
-              <a:spcBef>
-                <a:spcPts val="0"/>
-              </a:spcBef>
-              <a:buSzPct val="25000"/>
-              <a:buNone/>
-            </a:pPr>
-            <a:fld id="{00000000-1234-1234-1234-123412341234}" type="slidenum">
-              <a:rPr lang="en" sz="1200">
-                <a:solidFill>
-                  <a:srgbClr val="888888"/>
-                </a:solidFill>
-                <a:latin typeface="Calibri"/>
-                <a:ea typeface="Calibri"/>
-                <a:cs typeface="Calibri"/>
-                <a:sym typeface="Calibri"/>
-              </a:rPr>
-              <a:t>23</a:t>
-            </a:fld>
-            <a:endParaRPr lang="en" sz="1200">
-              <a:solidFill>
-                <a:srgbClr val="888888"/>
-              </a:solidFill>
-              <a:latin typeface="Calibri"/>
-              <a:ea typeface="Calibri"/>
-              <a:cs typeface="Calibri"/>
               <a:sym typeface="Calibri"/>
             </a:endParaRPr>
           </a:p>
@@ -27307,7 +27039,7 @@
               <a:buChar char="▪"/>
             </a:pPr>
             <a:r>
-              <a:rPr lang="en" sz="2380" b="0" i="0" u="none" strike="noStrike" cap="none">
+              <a:rPr lang="en" sz="2380" b="0" i="0" u="none" strike="noStrike" cap="none" dirty="0">
                 <a:solidFill>
                   <a:schemeClr val="dk1"/>
                 </a:solidFill>
@@ -27337,7 +27069,7 @@
               <a:buFont typeface="Arial"/>
               <a:buNone/>
             </a:pPr>
-            <a:endParaRPr sz="1820" b="0" i="0" u="none" strike="noStrike" cap="none">
+            <a:endParaRPr sz="1820" b="0" i="0" u="none" strike="noStrike" cap="none" dirty="0">
               <a:solidFill>
                 <a:schemeClr val="dk1"/>
               </a:solidFill>
@@ -27366,7 +27098,7 @@
               <a:buChar char="▪"/>
             </a:pPr>
             <a:r>
-              <a:rPr lang="en" sz="2380" b="0" i="0" u="none" strike="noStrike" cap="none">
+              <a:rPr lang="en" sz="2380" b="0" i="0" u="none" strike="noStrike" cap="none" dirty="0">
                 <a:solidFill>
                   <a:schemeClr val="dk1"/>
                 </a:solidFill>
@@ -27397,7 +27129,7 @@
               <a:buChar char="•"/>
             </a:pPr>
             <a:r>
-              <a:rPr lang="en" sz="2029" b="0" i="0" u="none" strike="noStrike" cap="none">
+              <a:rPr lang="en" sz="2029" b="0" i="0" u="none" strike="noStrike" cap="none" dirty="0">
                 <a:solidFill>
                   <a:schemeClr val="dk1"/>
                 </a:solidFill>
@@ -27428,7 +27160,7 @@
               <a:buChar char="•"/>
             </a:pPr>
             <a:r>
-              <a:rPr lang="en" sz="2029" b="0" i="0" u="none" strike="noStrike" cap="none">
+              <a:rPr lang="en" sz="2029" b="0" i="0" u="none" strike="noStrike" cap="none" dirty="0">
                 <a:solidFill>
                   <a:schemeClr val="dk1"/>
                 </a:solidFill>
@@ -27459,7 +27191,7 @@
               <a:buChar char="•"/>
             </a:pPr>
             <a:r>
-              <a:rPr lang="en" sz="2029" b="0" i="0" u="none" strike="noStrike" cap="none">
+              <a:rPr lang="en" sz="2029" b="0" i="0" u="none" strike="noStrike" cap="none" dirty="0">
                 <a:solidFill>
                   <a:schemeClr val="dk1"/>
                 </a:solidFill>
@@ -27489,7 +27221,7 @@
               <a:buFont typeface="Arial"/>
               <a:buNone/>
             </a:pPr>
-            <a:endParaRPr sz="1820" b="0" i="0" u="none" strike="noStrike" cap="none">
+            <a:endParaRPr sz="1820" b="0" i="0" u="none" strike="noStrike" cap="none" dirty="0">
               <a:solidFill>
                 <a:schemeClr val="dk1"/>
               </a:solidFill>
@@ -27518,7 +27250,7 @@
               <a:buNone/>
             </a:pPr>
             <a:r>
-              <a:rPr lang="en" sz="1610" b="0" i="0" u="none" strike="noStrike" cap="none">
+              <a:rPr lang="en" sz="1610" b="0" i="0" u="none" strike="noStrike" cap="none" dirty="0">
                 <a:solidFill>
                   <a:srgbClr val="7F7F7F"/>
                 </a:solidFill>
@@ -27549,7 +27281,7 @@
               <a:buNone/>
             </a:pPr>
             <a:r>
-              <a:rPr lang="en" sz="1610" b="0" i="0" u="none" strike="noStrike" cap="none">
+              <a:rPr lang="en" sz="1610" b="0" i="0" u="none" strike="noStrike" cap="none" dirty="0" err="1">
                 <a:solidFill>
                   <a:schemeClr val="dk1"/>
                 </a:solidFill>
@@ -27558,7 +27290,19 @@
                 <a:cs typeface="Arial"/>
                 <a:sym typeface="Arial"/>
               </a:rPr>
-              <a:t>env.setRestartStrategy(</a:t>
+              <a:t>env.setRestartStrategy</a:t>
+            </a:r>
+            <a:r>
+              <a:rPr lang="en" sz="1610" b="0" i="0" u="none" strike="noStrike" cap="none" dirty="0">
+                <a:solidFill>
+                  <a:schemeClr val="dk1"/>
+                </a:solidFill>
+                <a:latin typeface="Arial"/>
+                <a:ea typeface="Arial"/>
+                <a:cs typeface="Arial"/>
+                <a:sym typeface="Arial"/>
+              </a:rPr>
+              <a:t>(</a:t>
             </a:r>
           </a:p>
           <a:p>
@@ -27580,7 +27324,7 @@
               <a:buNone/>
             </a:pPr>
             <a:r>
-              <a:rPr lang="en" sz="1610" b="0" i="0" u="none" strike="noStrike" cap="none">
+              <a:rPr lang="en" sz="1610" b="0" i="0" u="none" strike="noStrike" cap="none" dirty="0">
                 <a:solidFill>
                   <a:schemeClr val="dk1"/>
                 </a:solidFill>
@@ -27589,7 +27333,31 @@
                 <a:cs typeface="Arial"/>
                 <a:sym typeface="Arial"/>
               </a:rPr>
-              <a:t>  RestartStrategies.fixedDelayRestart(</a:t>
+              <a:t>  </a:t>
+            </a:r>
+            <a:r>
+              <a:rPr lang="en" sz="1610" b="0" i="0" u="none" strike="noStrike" cap="none" dirty="0" err="1">
+                <a:solidFill>
+                  <a:schemeClr val="dk1"/>
+                </a:solidFill>
+                <a:latin typeface="Arial"/>
+                <a:ea typeface="Arial"/>
+                <a:cs typeface="Arial"/>
+                <a:sym typeface="Arial"/>
+              </a:rPr>
+              <a:t>RestartStrategies.fixedDelayRestart</a:t>
+            </a:r>
+            <a:r>
+              <a:rPr lang="en" sz="1610" b="0" i="0" u="none" strike="noStrike" cap="none" dirty="0">
+                <a:solidFill>
+                  <a:schemeClr val="dk1"/>
+                </a:solidFill>
+                <a:latin typeface="Arial"/>
+                <a:ea typeface="Arial"/>
+                <a:cs typeface="Arial"/>
+                <a:sym typeface="Arial"/>
+              </a:rPr>
+              <a:t>(</a:t>
             </a:r>
           </a:p>
           <a:p>
@@ -27611,7 +27379,7 @@
               <a:buNone/>
             </a:pPr>
             <a:r>
-              <a:rPr lang="en" sz="1610" b="0" i="0" u="none" strike="noStrike" cap="none">
+              <a:rPr lang="en" sz="1610" b="0" i="0" u="none" strike="noStrike" cap="none" dirty="0">
                 <a:solidFill>
                   <a:schemeClr val="dk1"/>
                 </a:solidFill>
@@ -27623,7 +27391,7 @@
               <a:t>    3,                            </a:t>
             </a:r>
             <a:r>
-              <a:rPr lang="en" sz="1610" b="0" i="0" u="none" strike="noStrike" cap="none">
+              <a:rPr lang="en" sz="1610" b="0" i="0" u="none" strike="noStrike" cap="none" dirty="0">
                 <a:solidFill>
                   <a:srgbClr val="7F7F7F"/>
                 </a:solidFill>
@@ -27654,7 +27422,7 @@
               <a:buNone/>
             </a:pPr>
             <a:r>
-              <a:rPr lang="en" sz="1610" b="0" i="0" u="none" strike="noStrike" cap="none">
+              <a:rPr lang="en" sz="1610" b="0" i="0" u="none" strike="noStrike" cap="none" dirty="0">
                 <a:solidFill>
                   <a:schemeClr val="dk1"/>
                 </a:solidFill>
@@ -27663,10 +27431,58 @@
                 <a:cs typeface="Arial"/>
                 <a:sym typeface="Arial"/>
               </a:rPr>
-              <a:t>    Time.of(10, TimeUnit.SECONDS) </a:t>
-            </a:r>
-            <a:r>
-              <a:rPr lang="en" sz="1610" b="0" i="0" u="none" strike="noStrike" cap="none">
+              <a:t>    </a:t>
+            </a:r>
+            <a:r>
+              <a:rPr lang="en" sz="1610" b="0" i="0" u="none" strike="noStrike" cap="none" dirty="0" err="1">
+                <a:solidFill>
+                  <a:schemeClr val="dk1"/>
+                </a:solidFill>
+                <a:latin typeface="Arial"/>
+                <a:ea typeface="Arial"/>
+                <a:cs typeface="Arial"/>
+                <a:sym typeface="Arial"/>
+              </a:rPr>
+              <a:t>Time.of</a:t>
+            </a:r>
+            <a:r>
+              <a:rPr lang="en" sz="1610" b="0" i="0" u="none" strike="noStrike" cap="none" dirty="0">
+                <a:solidFill>
+                  <a:schemeClr val="dk1"/>
+                </a:solidFill>
+                <a:latin typeface="Arial"/>
+                <a:ea typeface="Arial"/>
+                <a:cs typeface="Arial"/>
+                <a:sym typeface="Arial"/>
+              </a:rPr>
+              <a:t>(10, </a:t>
+            </a:r>
+            <a:r>
+              <a:rPr lang="en" sz="1610" b="0" i="0" u="none" strike="noStrike" cap="none" dirty="0" err="1">
+                <a:solidFill>
+                  <a:schemeClr val="dk1"/>
+                </a:solidFill>
+                <a:latin typeface="Arial"/>
+                <a:ea typeface="Arial"/>
+                <a:cs typeface="Arial"/>
+                <a:sym typeface="Arial"/>
+              </a:rPr>
+              <a:t>TimeUnit.SECONDS</a:t>
+            </a:r>
+            <a:r>
+              <a:rPr lang="en" sz="1610" b="0" i="0" u="none" strike="noStrike" cap="none" dirty="0">
+                <a:solidFill>
+                  <a:schemeClr val="dk1"/>
+                </a:solidFill>
+                <a:latin typeface="Arial"/>
+                <a:ea typeface="Arial"/>
+                <a:cs typeface="Arial"/>
+                <a:sym typeface="Arial"/>
+              </a:rPr>
+              <a:t>) </a:t>
+            </a:r>
+            <a:r>
+              <a:rPr lang="en" sz="1610" b="0" i="0" u="none" strike="noStrike" cap="none" dirty="0">
                 <a:solidFill>
                   <a:srgbClr val="7F7F7F"/>
                 </a:solidFill>
@@ -27697,7 +27513,7 @@
               <a:buNone/>
             </a:pPr>
             <a:r>
-              <a:rPr lang="en" sz="1610" b="0" i="0" u="none" strike="noStrike" cap="none">
+              <a:rPr lang="en" sz="1610" b="0" i="0" u="none" strike="noStrike" cap="none" dirty="0">
                 <a:solidFill>
                   <a:schemeClr val="dk1"/>
                 </a:solidFill>
@@ -27727,7 +27543,7 @@
               <a:buFont typeface="Noto Sans Symbols"/>
               <a:buNone/>
             </a:pPr>
-            <a:endParaRPr sz="1820" b="0" i="0" u="none" strike="noStrike" cap="none">
+            <a:endParaRPr sz="1820" b="0" i="0" u="none" strike="noStrike" cap="none" dirty="0">
               <a:solidFill>
                 <a:schemeClr val="dk1"/>
               </a:solidFill>
@@ -27736,54 +27552,6 @@
               <a:cs typeface="Calibri"/>
               <a:sym typeface="Calibri"/>
             </a:endParaRPr>
-          </a:p>
-          <a:p>
-            <a:pPr marL="342900" marR="0" lvl="0" indent="-342900" algn="l" rtl="0">
-              <a:lnSpc>
-                <a:spcPct val="80000"/>
-              </a:lnSpc>
-              <a:spcBef>
-                <a:spcPts val="476"/>
-              </a:spcBef>
-              <a:buClr>
-                <a:srgbClr val="34AD91"/>
-              </a:buClr>
-              <a:buSzPct val="99166"/>
-              <a:buFont typeface="Noto Sans Symbols"/>
-              <a:buChar char="▪"/>
-            </a:pPr>
-            <a:r>
-              <a:rPr lang="en" sz="2380" b="0" i="0" u="none" strike="noStrike" cap="none">
-                <a:solidFill>
-                  <a:schemeClr val="dk1"/>
-                </a:solidFill>
-                <a:latin typeface="Calibri"/>
-                <a:ea typeface="Calibri"/>
-                <a:cs typeface="Calibri"/>
-                <a:sym typeface="Calibri"/>
-              </a:rPr>
-              <a:t>See the docs for details</a:t>
-            </a:r>
-            <a:br>
-              <a:rPr lang="en" sz="2380" b="0" i="0" u="none" strike="noStrike" cap="none">
-                <a:solidFill>
-                  <a:schemeClr val="dk1"/>
-                </a:solidFill>
-                <a:latin typeface="Calibri"/>
-                <a:ea typeface="Calibri"/>
-                <a:cs typeface="Calibri"/>
-                <a:sym typeface="Calibri"/>
-              </a:rPr>
-            </a:br>
-            <a:r>
-              <a:rPr lang="en" sz="1260" u="sng">
-                <a:solidFill>
-                  <a:schemeClr val="hlink"/>
-                </a:solidFill>
-                <a:hlinkClick r:id="rId3"/>
-              </a:rPr>
-              <a:t>https://ci.apache.org/projects/flink/flink-docs-release-1.2/setup/fault_tolerance.html#restart-strategies</a:t>
-            </a:r>
           </a:p>
         </p:txBody>
       </p:sp>
